--- a/modules/house_of_force/house_of_force.pptx
+++ b/modules/house_of_force/house_of_force.pptx
@@ -5,7 +5,7 @@
     <p:sldMasterId id="2147483660" r:id="rId1"/>
   </p:sldMasterIdLst>
   <p:notesMasterIdLst>
-    <p:notesMasterId r:id="rId61"/>
+    <p:notesMasterId r:id="rId63"/>
   </p:notesMasterIdLst>
   <p:sldIdLst>
     <p:sldId id="327" r:id="rId2"/>
@@ -19,7 +19,7 @@
     <p:sldId id="501" r:id="rId10"/>
     <p:sldId id="503" r:id="rId11"/>
     <p:sldId id="506" r:id="rId12"/>
-    <p:sldId id="563" r:id="rId13"/>
+    <p:sldId id="566" r:id="rId13"/>
     <p:sldId id="512" r:id="rId14"/>
     <p:sldId id="507" r:id="rId15"/>
     <p:sldId id="527" r:id="rId16"/>
@@ -32,41 +32,43 @@
     <p:sldId id="564" r:id="rId23"/>
     <p:sldId id="529" r:id="rId24"/>
     <p:sldId id="517" r:id="rId25"/>
-    <p:sldId id="518" r:id="rId26"/>
-    <p:sldId id="520" r:id="rId27"/>
-    <p:sldId id="521" r:id="rId28"/>
-    <p:sldId id="522" r:id="rId29"/>
-    <p:sldId id="516" r:id="rId30"/>
-    <p:sldId id="504" r:id="rId31"/>
-    <p:sldId id="559" r:id="rId32"/>
-    <p:sldId id="525" r:id="rId33"/>
-    <p:sldId id="536" r:id="rId34"/>
-    <p:sldId id="537" r:id="rId35"/>
-    <p:sldId id="531" r:id="rId36"/>
-    <p:sldId id="532" r:id="rId37"/>
-    <p:sldId id="533" r:id="rId38"/>
-    <p:sldId id="535" r:id="rId39"/>
-    <p:sldId id="538" r:id="rId40"/>
-    <p:sldId id="540" r:id="rId41"/>
-    <p:sldId id="546" r:id="rId42"/>
-    <p:sldId id="544" r:id="rId43"/>
-    <p:sldId id="543" r:id="rId44"/>
-    <p:sldId id="542" r:id="rId45"/>
-    <p:sldId id="541" r:id="rId46"/>
-    <p:sldId id="545" r:id="rId47"/>
-    <p:sldId id="552" r:id="rId48"/>
-    <p:sldId id="547" r:id="rId49"/>
-    <p:sldId id="549" r:id="rId50"/>
-    <p:sldId id="550" r:id="rId51"/>
-    <p:sldId id="551" r:id="rId52"/>
-    <p:sldId id="553" r:id="rId53"/>
-    <p:sldId id="554" r:id="rId54"/>
-    <p:sldId id="555" r:id="rId55"/>
-    <p:sldId id="556" r:id="rId56"/>
-    <p:sldId id="505" r:id="rId57"/>
-    <p:sldId id="565" r:id="rId58"/>
-    <p:sldId id="557" r:id="rId59"/>
-    <p:sldId id="524" r:id="rId60"/>
+    <p:sldId id="567" r:id="rId26"/>
+    <p:sldId id="563" r:id="rId27"/>
+    <p:sldId id="518" r:id="rId28"/>
+    <p:sldId id="520" r:id="rId29"/>
+    <p:sldId id="521" r:id="rId30"/>
+    <p:sldId id="522" r:id="rId31"/>
+    <p:sldId id="516" r:id="rId32"/>
+    <p:sldId id="504" r:id="rId33"/>
+    <p:sldId id="559" r:id="rId34"/>
+    <p:sldId id="525" r:id="rId35"/>
+    <p:sldId id="536" r:id="rId36"/>
+    <p:sldId id="537" r:id="rId37"/>
+    <p:sldId id="531" r:id="rId38"/>
+    <p:sldId id="532" r:id="rId39"/>
+    <p:sldId id="533" r:id="rId40"/>
+    <p:sldId id="535" r:id="rId41"/>
+    <p:sldId id="538" r:id="rId42"/>
+    <p:sldId id="540" r:id="rId43"/>
+    <p:sldId id="546" r:id="rId44"/>
+    <p:sldId id="544" r:id="rId45"/>
+    <p:sldId id="543" r:id="rId46"/>
+    <p:sldId id="542" r:id="rId47"/>
+    <p:sldId id="541" r:id="rId48"/>
+    <p:sldId id="545" r:id="rId49"/>
+    <p:sldId id="552" r:id="rId50"/>
+    <p:sldId id="547" r:id="rId51"/>
+    <p:sldId id="549" r:id="rId52"/>
+    <p:sldId id="550" r:id="rId53"/>
+    <p:sldId id="551" r:id="rId54"/>
+    <p:sldId id="553" r:id="rId55"/>
+    <p:sldId id="554" r:id="rId56"/>
+    <p:sldId id="555" r:id="rId57"/>
+    <p:sldId id="556" r:id="rId58"/>
+    <p:sldId id="505" r:id="rId59"/>
+    <p:sldId id="565" r:id="rId60"/>
+    <p:sldId id="557" r:id="rId61"/>
+    <p:sldId id="524" r:id="rId62"/>
   </p:sldIdLst>
   <p:sldSz cx="9144000" cy="5143500" type="screen16x9"/>
   <p:notesSz cx="6858000" cy="9144000"/>
@@ -26444,7 +26446,7 @@
           <a:p>
             <a:fld id="{2DA23E8D-1792-1541-9147-970A8DD8A355}" type="datetimeFigureOut">
               <a:rPr lang="en-US" smtClean="0"/>
-              <a:t>9/19/21</a:t>
+              <a:t>9/22/21</a:t>
             </a:fld>
             <a:endParaRPr lang="en-US" dirty="0"/>
           </a:p>
@@ -26857,6 +26859,99 @@
           <a:lstStyle/>
           <a:p>
             <a:r>
+              <a:rPr lang="en-US" dirty="0"/>
+              <a:t>- Increase the top chunk size range</a:t>
+            </a:r>
+          </a:p>
+          <a:p>
+            <a:r>
+              <a:rPr lang="en-US" dirty="0"/>
+              <a:t>- Move the pointer over the top of some target</a:t>
+            </a:r>
+          </a:p>
+        </p:txBody>
+      </p:sp>
+      <p:sp>
+        <p:nvSpPr>
+          <p:cNvPr id="4" name="Slide Number Placeholder 3"/>
+          <p:cNvSpPr>
+            <a:spLocks noGrp="1"/>
+          </p:cNvSpPr>
+          <p:nvPr>
+            <p:ph type="sldNum" sz="quarter" idx="5"/>
+          </p:nvPr>
+        </p:nvSpPr>
+        <p:spPr/>
+        <p:txBody>
+          <a:bodyPr/>
+          <a:lstStyle/>
+          <a:p>
+            <a:fld id="{AC55928C-CD14-454C-B617-1AFCF9A58596}" type="slidenum">
+              <a:rPr lang="en-US" smtClean="0"/>
+              <a:t>12</a:t>
+            </a:fld>
+            <a:endParaRPr lang="en-US" dirty="0"/>
+          </a:p>
+        </p:txBody>
+      </p:sp>
+    </p:spTree>
+    <p:extLst>
+      <p:ext uri="{BB962C8B-B14F-4D97-AF65-F5344CB8AC3E}">
+        <p14:creationId xmlns:p14="http://schemas.microsoft.com/office/powerpoint/2010/main" val="1026022159"/>
+      </p:ext>
+    </p:extLst>
+  </p:cSld>
+  <p:clrMapOvr>
+    <a:masterClrMapping/>
+  </p:clrMapOvr>
+</p:notes>
+</file>
+
+<file path=ppt/notesSlides/notesSlide3.xml><?xml version="1.0" encoding="utf-8"?>
+<p:notes xmlns:a="http://schemas.openxmlformats.org/drawingml/2006/main" xmlns:r="http://schemas.openxmlformats.org/officeDocument/2006/relationships" xmlns:p="http://schemas.openxmlformats.org/presentationml/2006/main">
+  <p:cSld>
+    <p:spTree>
+      <p:nvGrpSpPr>
+        <p:cNvPr id="1" name=""/>
+        <p:cNvGrpSpPr/>
+        <p:nvPr/>
+      </p:nvGrpSpPr>
+      <p:grpSpPr>
+        <a:xfrm>
+          <a:off x="0" y="0"/>
+          <a:ext cx="0" cy="0"/>
+          <a:chOff x="0" y="0"/>
+          <a:chExt cx="0" cy="0"/>
+        </a:xfrm>
+      </p:grpSpPr>
+      <p:sp>
+        <p:nvSpPr>
+          <p:cNvPr id="2" name="Slide Image Placeholder 1"/>
+          <p:cNvSpPr>
+            <a:spLocks noGrp="1" noRot="1" noChangeAspect="1"/>
+          </p:cNvSpPr>
+          <p:nvPr>
+            <p:ph type="sldImg"/>
+          </p:nvPr>
+        </p:nvSpPr>
+        <p:spPr/>
+      </p:sp>
+      <p:sp>
+        <p:nvSpPr>
+          <p:cNvPr id="3" name="Notes Placeholder 2"/>
+          <p:cNvSpPr>
+            <a:spLocks noGrp="1"/>
+          </p:cNvSpPr>
+          <p:nvPr>
+            <p:ph type="body" idx="1"/>
+          </p:nvPr>
+        </p:nvSpPr>
+        <p:spPr/>
+        <p:txBody>
+          <a:bodyPr/>
+          <a:lstStyle/>
+          <a:p>
+            <a:r>
               <a:rPr lang="en-US" dirty="0" err="1"/>
               <a:t>Morecore</a:t>
             </a:r>
@@ -26916,6 +27011,99 @@
     <p:extLst>
       <p:ext uri="{BB962C8B-B14F-4D97-AF65-F5344CB8AC3E}">
         <p14:creationId xmlns:p14="http://schemas.microsoft.com/office/powerpoint/2010/main" val="887646793"/>
+      </p:ext>
+    </p:extLst>
+  </p:cSld>
+  <p:clrMapOvr>
+    <a:masterClrMapping/>
+  </p:clrMapOvr>
+</p:notes>
+</file>
+
+<file path=ppt/notesSlides/notesSlide4.xml><?xml version="1.0" encoding="utf-8"?>
+<p:notes xmlns:a="http://schemas.openxmlformats.org/drawingml/2006/main" xmlns:r="http://schemas.openxmlformats.org/officeDocument/2006/relationships" xmlns:p="http://schemas.openxmlformats.org/presentationml/2006/main">
+  <p:cSld>
+    <p:spTree>
+      <p:nvGrpSpPr>
+        <p:cNvPr id="1" name=""/>
+        <p:cNvGrpSpPr/>
+        <p:nvPr/>
+      </p:nvGrpSpPr>
+      <p:grpSpPr>
+        <a:xfrm>
+          <a:off x="0" y="0"/>
+          <a:ext cx="0" cy="0"/>
+          <a:chOff x="0" y="0"/>
+          <a:chExt cx="0" cy="0"/>
+        </a:xfrm>
+      </p:grpSpPr>
+      <p:sp>
+        <p:nvSpPr>
+          <p:cNvPr id="2" name="Slide Image Placeholder 1"/>
+          <p:cNvSpPr>
+            <a:spLocks noGrp="1" noRot="1" noChangeAspect="1"/>
+          </p:cNvSpPr>
+          <p:nvPr>
+            <p:ph type="sldImg"/>
+          </p:nvPr>
+        </p:nvSpPr>
+        <p:spPr/>
+      </p:sp>
+      <p:sp>
+        <p:nvSpPr>
+          <p:cNvPr id="3" name="Notes Placeholder 2"/>
+          <p:cNvSpPr>
+            <a:spLocks noGrp="1"/>
+          </p:cNvSpPr>
+          <p:nvPr>
+            <p:ph type="body" idx="1"/>
+          </p:nvPr>
+        </p:nvSpPr>
+        <p:spPr/>
+        <p:txBody>
+          <a:bodyPr/>
+          <a:lstStyle/>
+          <a:p>
+            <a:r>
+              <a:rPr lang="en-US" dirty="0"/>
+              <a:t>Call out the shrinking operation that is underlined</a:t>
+            </a:r>
+          </a:p>
+          <a:p>
+            <a:r>
+              <a:rPr lang="en-US" dirty="0"/>
+              <a:t>Call out the bad ‘if’ statement check.</a:t>
+            </a:r>
+          </a:p>
+        </p:txBody>
+      </p:sp>
+      <p:sp>
+        <p:nvSpPr>
+          <p:cNvPr id="4" name="Slide Number Placeholder 3"/>
+          <p:cNvSpPr>
+            <a:spLocks noGrp="1"/>
+          </p:cNvSpPr>
+          <p:nvPr>
+            <p:ph type="sldNum" sz="quarter" idx="5"/>
+          </p:nvPr>
+        </p:nvSpPr>
+        <p:spPr/>
+        <p:txBody>
+          <a:bodyPr/>
+          <a:lstStyle/>
+          <a:p>
+            <a:fld id="{AC55928C-CD14-454C-B617-1AFCF9A58596}" type="slidenum">
+              <a:rPr lang="en-US" smtClean="0"/>
+              <a:t>26</a:t>
+            </a:fld>
+            <a:endParaRPr lang="en-US" dirty="0"/>
+          </a:p>
+        </p:txBody>
+      </p:sp>
+    </p:spTree>
+    <p:extLst>
+      <p:ext uri="{BB962C8B-B14F-4D97-AF65-F5344CB8AC3E}">
+        <p14:creationId xmlns:p14="http://schemas.microsoft.com/office/powerpoint/2010/main" val="2237338929"/>
       </p:ext>
     </p:extLst>
   </p:cSld>
@@ -27128,7 +27316,7 @@
                 <a:latin typeface="Calibri"/>
               </a:rPr>
               <a:pPr/>
-              <a:t>9/19/21</a:t>
+              <a:t>9/22/21</a:t>
             </a:fld>
             <a:endParaRPr lang="en-US" dirty="0">
               <a:solidFill>
@@ -27381,7 +27569,7 @@
                 <a:latin typeface="Calibri"/>
               </a:rPr>
               <a:pPr/>
-              <a:t>9/19/21</a:t>
+              <a:t>9/22/21</a:t>
             </a:fld>
             <a:endParaRPr lang="en-US" dirty="0">
               <a:solidFill>
@@ -27596,7 +27784,7 @@
                 <a:latin typeface="Calibri"/>
               </a:rPr>
               <a:pPr/>
-              <a:t>9/19/21</a:t>
+              <a:t>9/22/21</a:t>
             </a:fld>
             <a:endParaRPr lang="en-US" dirty="0">
               <a:solidFill>
@@ -27880,7 +28068,7 @@
                 <a:latin typeface="Calibri"/>
               </a:rPr>
               <a:pPr/>
-              <a:t>9/19/21</a:t>
+              <a:t>9/22/21</a:t>
             </a:fld>
             <a:endParaRPr lang="en-US" dirty="0">
               <a:solidFill>
@@ -28222,7 +28410,7 @@
                 <a:latin typeface="Calibri"/>
               </a:rPr>
               <a:pPr/>
-              <a:t>9/19/21</a:t>
+              <a:t>9/22/21</a:t>
             </a:fld>
             <a:endParaRPr lang="en-US" dirty="0">
               <a:solidFill>
@@ -28550,7 +28738,7 @@
                 <a:latin typeface="Calibri"/>
               </a:rPr>
               <a:pPr/>
-              <a:t>9/19/21</a:t>
+              <a:t>9/22/21</a:t>
             </a:fld>
             <a:endParaRPr lang="en-US" dirty="0">
               <a:solidFill>
@@ -29039,7 +29227,7 @@
                 <a:latin typeface="Calibri"/>
               </a:rPr>
               <a:pPr/>
-              <a:t>9/19/21</a:t>
+              <a:t>9/22/21</a:t>
             </a:fld>
             <a:endParaRPr lang="en-US" dirty="0">
               <a:solidFill>
@@ -29222,7 +29410,7 @@
                 <a:latin typeface="Calibri"/>
               </a:rPr>
               <a:pPr/>
-              <a:t>9/19/21</a:t>
+              <a:t>9/22/21</a:t>
             </a:fld>
             <a:endParaRPr lang="en-US" dirty="0">
               <a:solidFill>
@@ -29468,7 +29656,7 @@
                 <a:latin typeface="Calibri"/>
               </a:rPr>
               <a:pPr/>
-              <a:t>9/19/21</a:t>
+              <a:t>9/22/21</a:t>
             </a:fld>
             <a:endParaRPr lang="en-US" dirty="0">
               <a:solidFill>
@@ -29810,7 +29998,7 @@
                 <a:latin typeface="Calibri"/>
               </a:rPr>
               <a:pPr/>
-              <a:t>9/19/21</a:t>
+              <a:t>9/22/21</a:t>
             </a:fld>
             <a:endParaRPr lang="en-US" dirty="0">
               <a:solidFill>
@@ -30102,7 +30290,7 @@
                 <a:latin typeface="Calibri"/>
               </a:rPr>
               <a:pPr/>
-              <a:t>9/19/21</a:t>
+              <a:t>9/22/21</a:t>
             </a:fld>
             <a:endParaRPr lang="en-US" dirty="0">
               <a:solidFill>
@@ -30352,7 +30540,7 @@
                 <a:latin typeface="Calibri"/>
               </a:rPr>
               <a:pPr defTabSz="914400"/>
-              <a:t>9/19/21</a:t>
+              <a:t>9/22/21</a:t>
             </a:fld>
             <a:endParaRPr lang="en-US" dirty="0">
               <a:solidFill>
@@ -31396,10 +31584,10 @@
       </p:grpSpPr>
       <p:sp>
         <p:nvSpPr>
-          <p:cNvPr id="2" name="Title 1">
+          <p:cNvPr id="17" name="Title 1">
             <a:extLst>
               <a:ext uri="{FF2B5EF4-FFF2-40B4-BE49-F238E27FC236}">
-                <a16:creationId xmlns:a16="http://schemas.microsoft.com/office/drawing/2014/main" id="{FCB0CC07-4340-E940-9C92-652BD57A446B}"/>
+                <a16:creationId xmlns:a16="http://schemas.microsoft.com/office/drawing/2014/main" id="{A2D2500C-0B6C-40FF-995B-2B24638597BF}"/>
               </a:ext>
             </a:extLst>
           </p:cNvPr>
@@ -31412,160 +31600,27 @@
         </p:nvSpPr>
         <p:spPr>
           <a:xfrm>
-            <a:off x="629841" y="342900"/>
-            <a:ext cx="2949178" cy="1200150"/>
+            <a:off x="985919" y="77602"/>
+            <a:ext cx="7886700" cy="994172"/>
           </a:xfrm>
         </p:spPr>
         <p:txBody>
-          <a:bodyPr anchor="b">
-            <a:normAutofit/>
-          </a:bodyPr>
+          <a:bodyPr/>
           <a:lstStyle/>
           <a:p>
             <a:r>
               <a:rPr lang="en-US" dirty="0"/>
-              <a:t>Havoc Causing </a:t>
-            </a:r>
-            <a:r>
-              <a:rPr lang="en-US" dirty="0">
-                <a:sym typeface="Wingdings" pitchFamily="2" charset="2"/>
-              </a:rPr>
-              <a:t></a:t>
-            </a:r>
-            <a:endParaRPr lang="en-US" dirty="0"/>
-          </a:p>
-        </p:txBody>
-      </p:sp>
-      <p:sp>
-        <p:nvSpPr>
-          <p:cNvPr id="14" name="Text Placeholder 3">
-            <a:extLst>
-              <a:ext uri="{FF2B5EF4-FFF2-40B4-BE49-F238E27FC236}">
-                <a16:creationId xmlns:a16="http://schemas.microsoft.com/office/drawing/2014/main" id="{60FA88BD-D51B-474C-A880-FE8812476686}"/>
-              </a:ext>
-            </a:extLst>
-          </p:cNvPr>
-          <p:cNvSpPr>
-            <a:spLocks noGrp="1"/>
-          </p:cNvSpPr>
-          <p:nvPr>
-            <p:ph type="body" sz="half" idx="2"/>
-          </p:nvPr>
-        </p:nvSpPr>
-        <p:spPr>
-          <a:xfrm>
-            <a:off x="629841" y="1543052"/>
-            <a:ext cx="2949178" cy="2858691"/>
-          </a:xfrm>
-        </p:spPr>
-        <p:txBody>
-          <a:bodyPr>
-            <a:normAutofit lnSpcReduction="10000"/>
-          </a:bodyPr>
-          <a:lstStyle/>
-          <a:p>
-            <a:pPr marL="285750" indent="-285750">
-              <a:buFont typeface="Arial" panose="020B0604020202020204" pitchFamily="34" charset="0"/>
-              <a:buChar char="•"/>
-            </a:pPr>
-            <a:r>
-              <a:rPr lang="en-US" dirty="0"/>
-              <a:t>Victim: </a:t>
-            </a:r>
-          </a:p>
-          <a:p>
-            <a:pPr marL="742950" lvl="1" indent="-285750">
-              <a:buFont typeface="Arial" panose="020B0604020202020204" pitchFamily="34" charset="0"/>
-              <a:buChar char="•"/>
-            </a:pPr>
-            <a:r>
-              <a:rPr lang="en-US" dirty="0"/>
-              <a:t>Pointer to the top chunk</a:t>
-            </a:r>
-          </a:p>
-          <a:p>
-            <a:pPr marL="285750" indent="-285750">
-              <a:buFont typeface="Arial" panose="020B0604020202020204" pitchFamily="34" charset="0"/>
-              <a:buChar char="•"/>
-            </a:pPr>
-            <a:r>
-              <a:rPr lang="en-US" dirty="0"/>
-              <a:t>Size: </a:t>
-            </a:r>
-          </a:p>
-          <a:p>
-            <a:pPr marL="742950" lvl="1" indent="-285750">
-              <a:buFont typeface="Arial" panose="020B0604020202020204" pitchFamily="34" charset="0"/>
-              <a:buChar char="•"/>
-            </a:pPr>
-            <a:r>
-              <a:rPr lang="en-US" dirty="0"/>
-              <a:t>Size of the top chunk</a:t>
-            </a:r>
-          </a:p>
-          <a:p>
-            <a:pPr marL="285750" indent="-285750">
-              <a:buFont typeface="Arial" panose="020B0604020202020204" pitchFamily="34" charset="0"/>
-              <a:buChar char="•"/>
-            </a:pPr>
-            <a:r>
-              <a:rPr lang="en-US" dirty="0" err="1"/>
-              <a:t>Nb</a:t>
-            </a:r>
-            <a:r>
-              <a:rPr lang="en-US" dirty="0"/>
-              <a:t>: </a:t>
-            </a:r>
-          </a:p>
-          <a:p>
-            <a:pPr marL="742950" lvl="1" indent="-285750">
-              <a:buFont typeface="Arial" panose="020B0604020202020204" pitchFamily="34" charset="0"/>
-              <a:buChar char="•"/>
-            </a:pPr>
-            <a:r>
-              <a:rPr lang="en-US" dirty="0"/>
-              <a:t>Amount of memory asked for</a:t>
-            </a:r>
-          </a:p>
-          <a:p>
-            <a:pPr marL="285750" indent="-285750">
-              <a:buFont typeface="Arial" panose="020B0604020202020204" pitchFamily="34" charset="0"/>
-              <a:buChar char="•"/>
-            </a:pPr>
-            <a:endParaRPr lang="en-US" dirty="0"/>
-          </a:p>
-          <a:p>
-            <a:pPr marL="285750" indent="-285750">
-              <a:buFont typeface="Arial" panose="020B0604020202020204" pitchFamily="34" charset="0"/>
-              <a:buChar char="•"/>
-            </a:pPr>
-            <a:r>
-              <a:rPr lang="en-US" dirty="0"/>
-              <a:t>No logic for protections against crazy large chunk sizes!</a:t>
-            </a:r>
-          </a:p>
-          <a:p>
-            <a:pPr marL="285750" indent="-285750">
-              <a:buFont typeface="Arial" panose="020B0604020202020204" pitchFamily="34" charset="0"/>
-              <a:buChar char="•"/>
-            </a:pPr>
-            <a:endParaRPr lang="en-US" dirty="0"/>
-          </a:p>
-          <a:p>
-            <a:pPr marL="285750" indent="-285750">
-              <a:buFont typeface="Arial" panose="020B0604020202020204" pitchFamily="34" charset="0"/>
-              <a:buChar char="•"/>
-            </a:pPr>
-            <a:endParaRPr lang="en-US" dirty="0"/>
+              <a:t>Attack Idea – Visual </a:t>
+            </a:r>
           </a:p>
         </p:txBody>
       </p:sp>
       <p:pic>
         <p:nvPicPr>
-          <p:cNvPr id="9" name="Content Placeholder 8" descr="A picture containing text&#10;&#10;Description automatically generated">
+          <p:cNvPr id="9" name="Picture 8" descr="Top Chunk After Corruption">
             <a:extLst>
               <a:ext uri="{FF2B5EF4-FFF2-40B4-BE49-F238E27FC236}">
-                <a16:creationId xmlns:a16="http://schemas.microsoft.com/office/drawing/2014/main" id="{D5EDF6A9-B44C-2145-901C-8B24E0197154}"/>
+                <a16:creationId xmlns:a16="http://schemas.microsoft.com/office/drawing/2014/main" id="{D56331E5-66F4-1149-A9E1-2C83E3F4DFC4}"/>
               </a:ext>
             </a:extLst>
           </p:cNvPr>
@@ -31573,38 +31628,6 @@
             <a:picLocks noChangeAspect="1"/>
           </p:cNvPicPr>
           <p:nvPr/>
-        </p:nvPicPr>
-        <p:blipFill rotWithShape="1">
-          <a:blip r:embed="rId2"/>
-          <a:srcRect r="48098"/>
-          <a:stretch/>
-        </p:blipFill>
-        <p:spPr>
-          <a:xfrm>
-            <a:off x="3885009" y="483021"/>
-            <a:ext cx="4629150" cy="2574226"/>
-          </a:xfrm>
-          <a:prstGeom prst="rect">
-            <a:avLst/>
-          </a:prstGeom>
-          <a:noFill/>
-        </p:spPr>
-      </p:pic>
-      <p:pic>
-        <p:nvPicPr>
-          <p:cNvPr id="6" name="Content Placeholder 5" descr="Creating the new user chunk">
-            <a:extLst>
-              <a:ext uri="{FF2B5EF4-FFF2-40B4-BE49-F238E27FC236}">
-                <a16:creationId xmlns:a16="http://schemas.microsoft.com/office/drawing/2014/main" id="{3A8F00F6-6826-CE4F-B819-470015E05B0A}"/>
-              </a:ext>
-            </a:extLst>
-          </p:cNvPr>
-          <p:cNvPicPr>
-            <a:picLocks noGrp="1" noChangeAspect="1"/>
-          </p:cNvPicPr>
-          <p:nvPr>
-            <p:ph idx="1"/>
-          </p:nvPr>
         </p:nvPicPr>
         <p:blipFill>
           <a:blip r:embed="rId3"/>
@@ -31614,17 +31637,21 @@
         </p:blipFill>
         <p:spPr>
           <a:xfrm>
-            <a:off x="4429326" y="1862545"/>
-            <a:ext cx="4519365" cy="1014550"/>
+            <a:off x="1449902" y="1102888"/>
+            <a:ext cx="2467856" cy="3263504"/>
           </a:xfrm>
+          <a:prstGeom prst="rect">
+            <a:avLst/>
+          </a:prstGeom>
+          <a:noFill/>
         </p:spPr>
       </p:pic>
       <p:cxnSp>
         <p:nvCxnSpPr>
-          <p:cNvPr id="11" name="Straight Connector 10">
+          <p:cNvPr id="14" name="Straight Arrow Connector 13">
             <a:extLst>
               <a:ext uri="{FF2B5EF4-FFF2-40B4-BE49-F238E27FC236}">
-                <a16:creationId xmlns:a16="http://schemas.microsoft.com/office/drawing/2014/main" id="{8E4F8849-3C75-FB49-8C5A-052FAA6BF5E2}"/>
+                <a16:creationId xmlns:a16="http://schemas.microsoft.com/office/drawing/2014/main" id="{D889CEF9-E89E-9543-9277-AADB94D46171}"/>
               </a:ext>
             </a:extLst>
           </p:cNvPr>
@@ -31635,13 +31662,57 @@
         </p:nvCxnSpPr>
         <p:spPr>
           <a:xfrm>
-            <a:off x="4572000" y="2491851"/>
-            <a:ext cx="4190260" cy="0"/>
+            <a:off x="730301" y="1102888"/>
+            <a:ext cx="719601" cy="0"/>
+          </a:xfrm>
+          <a:prstGeom prst="straightConnector1">
+            <a:avLst/>
+          </a:prstGeom>
+          <a:ln w="57150">
+            <a:solidFill>
+              <a:srgbClr val="FF0000"/>
+            </a:solidFill>
+            <a:tailEnd type="triangle"/>
+          </a:ln>
+        </p:spPr>
+        <p:style>
+          <a:lnRef idx="1">
+            <a:schemeClr val="accent1"/>
+          </a:lnRef>
+          <a:fillRef idx="0">
+            <a:schemeClr val="accent1"/>
+          </a:fillRef>
+          <a:effectRef idx="0">
+            <a:schemeClr val="accent1"/>
+          </a:effectRef>
+          <a:fontRef idx="minor">
+            <a:schemeClr val="tx1"/>
+          </a:fontRef>
+        </p:style>
+      </p:cxnSp>
+      <p:cxnSp>
+        <p:nvCxnSpPr>
+          <p:cNvPr id="15" name="Straight Connector 14">
+            <a:extLst>
+              <a:ext uri="{FF2B5EF4-FFF2-40B4-BE49-F238E27FC236}">
+                <a16:creationId xmlns:a16="http://schemas.microsoft.com/office/drawing/2014/main" id="{1C641F18-E91C-8847-9FD9-3E32DCB79FF7}"/>
+              </a:ext>
+            </a:extLst>
+          </p:cNvPr>
+          <p:cNvCxnSpPr>
+            <a:cxnSpLocks/>
+          </p:cNvCxnSpPr>
+          <p:nvPr/>
+        </p:nvCxnSpPr>
+        <p:spPr>
+          <a:xfrm>
+            <a:off x="730301" y="1102888"/>
+            <a:ext cx="10431" cy="3263504"/>
           </a:xfrm>
           <a:prstGeom prst="line">
             <a:avLst/>
           </a:prstGeom>
-          <a:ln w="57150">
+          <a:ln w="47625">
             <a:solidFill>
               <a:srgbClr val="FF0000"/>
             </a:solidFill>
@@ -31649,23 +31720,361 @@
         </p:spPr>
         <p:style>
           <a:lnRef idx="1">
-            <a:schemeClr val="accent2"/>
+            <a:schemeClr val="accent1"/>
           </a:lnRef>
           <a:fillRef idx="0">
-            <a:schemeClr val="accent2"/>
+            <a:schemeClr val="accent1"/>
           </a:fillRef>
           <a:effectRef idx="0">
-            <a:schemeClr val="accent2"/>
+            <a:schemeClr val="accent1"/>
           </a:effectRef>
           <a:fontRef idx="minor">
             <a:schemeClr val="tx1"/>
           </a:fontRef>
         </p:style>
       </p:cxnSp>
+      <p:cxnSp>
+        <p:nvCxnSpPr>
+          <p:cNvPr id="16" name="Straight Arrow Connector 15">
+            <a:extLst>
+              <a:ext uri="{FF2B5EF4-FFF2-40B4-BE49-F238E27FC236}">
+                <a16:creationId xmlns:a16="http://schemas.microsoft.com/office/drawing/2014/main" id="{EA3177A3-68D6-DB47-9537-143416D34D80}"/>
+              </a:ext>
+            </a:extLst>
+          </p:cNvPr>
+          <p:cNvCxnSpPr>
+            <a:cxnSpLocks/>
+          </p:cNvCxnSpPr>
+          <p:nvPr/>
+        </p:nvCxnSpPr>
+        <p:spPr>
+          <a:xfrm>
+            <a:off x="740732" y="4366392"/>
+            <a:ext cx="719601" cy="0"/>
+          </a:xfrm>
+          <a:prstGeom prst="straightConnector1">
+            <a:avLst/>
+          </a:prstGeom>
+          <a:ln w="57150">
+            <a:solidFill>
+              <a:srgbClr val="FF0000"/>
+            </a:solidFill>
+            <a:tailEnd type="triangle"/>
+          </a:ln>
+        </p:spPr>
+        <p:style>
+          <a:lnRef idx="1">
+            <a:schemeClr val="accent1"/>
+          </a:lnRef>
+          <a:fillRef idx="0">
+            <a:schemeClr val="accent1"/>
+          </a:fillRef>
+          <a:effectRef idx="0">
+            <a:schemeClr val="accent1"/>
+          </a:effectRef>
+          <a:fontRef idx="minor">
+            <a:schemeClr val="tx1"/>
+          </a:fontRef>
+        </p:style>
+      </p:cxnSp>
+      <p:pic>
+        <p:nvPicPr>
+          <p:cNvPr id="10" name="Picture 9" descr="Top Chunk After Corruption">
+            <a:extLst>
+              <a:ext uri="{FF2B5EF4-FFF2-40B4-BE49-F238E27FC236}">
+                <a16:creationId xmlns:a16="http://schemas.microsoft.com/office/drawing/2014/main" id="{A8580D36-B426-9342-B17E-D64061FA9311}"/>
+              </a:ext>
+            </a:extLst>
+          </p:cNvPr>
+          <p:cNvPicPr>
+            <a:picLocks noChangeAspect="1"/>
+          </p:cNvPicPr>
+          <p:nvPr/>
+        </p:nvPicPr>
+        <p:blipFill>
+          <a:blip r:embed="rId3"/>
+          <a:stretch>
+            <a:fillRect/>
+          </a:stretch>
+        </p:blipFill>
+        <p:spPr>
+          <a:xfrm>
+            <a:off x="6150433" y="1120463"/>
+            <a:ext cx="2454566" cy="3245930"/>
+          </a:xfrm>
+          <a:prstGeom prst="rect">
+            <a:avLst/>
+          </a:prstGeom>
+          <a:noFill/>
+        </p:spPr>
+      </p:pic>
+      <p:sp>
+        <p:nvSpPr>
+          <p:cNvPr id="11" name="TextBox 10">
+            <a:extLst>
+              <a:ext uri="{FF2B5EF4-FFF2-40B4-BE49-F238E27FC236}">
+                <a16:creationId xmlns:a16="http://schemas.microsoft.com/office/drawing/2014/main" id="{F637518E-63ED-FB46-BEA7-508AF9354805}"/>
+              </a:ext>
+            </a:extLst>
+          </p:cNvPr>
+          <p:cNvSpPr txBox="1"/>
+          <p:nvPr/>
+        </p:nvSpPr>
+        <p:spPr>
+          <a:xfrm>
+            <a:off x="4616001" y="4065144"/>
+            <a:ext cx="764697" cy="369332"/>
+          </a:xfrm>
+          <a:prstGeom prst="rect">
+            <a:avLst/>
+          </a:prstGeom>
+          <a:noFill/>
+        </p:spPr>
+        <p:txBody>
+          <a:bodyPr wrap="none" rtlCol="0">
+            <a:spAutoFit/>
+          </a:bodyPr>
+          <a:lstStyle/>
+          <a:p>
+            <a:r>
+              <a:rPr lang="en-US" dirty="0">
+                <a:solidFill>
+                  <a:srgbClr val="FF0000"/>
+                </a:solidFill>
+              </a:rPr>
+              <a:t>Target</a:t>
+            </a:r>
+          </a:p>
+        </p:txBody>
+      </p:sp>
+      <p:sp>
+        <p:nvSpPr>
+          <p:cNvPr id="12" name="TextBox 11">
+            <a:extLst>
+              <a:ext uri="{FF2B5EF4-FFF2-40B4-BE49-F238E27FC236}">
+                <a16:creationId xmlns:a16="http://schemas.microsoft.com/office/drawing/2014/main" id="{30E61409-7E7B-3D4F-BA16-A9A9D70F102F}"/>
+              </a:ext>
+            </a:extLst>
+          </p:cNvPr>
+          <p:cNvSpPr txBox="1"/>
+          <p:nvPr/>
+        </p:nvSpPr>
+        <p:spPr>
+          <a:xfrm>
+            <a:off x="4359081" y="3702394"/>
+            <a:ext cx="1140377" cy="369332"/>
+          </a:xfrm>
+          <a:prstGeom prst="rect">
+            <a:avLst/>
+          </a:prstGeom>
+          <a:noFill/>
+        </p:spPr>
+        <p:txBody>
+          <a:bodyPr wrap="none" rtlCol="0">
+            <a:spAutoFit/>
+          </a:bodyPr>
+          <a:lstStyle/>
+          <a:p>
+            <a:r>
+              <a:rPr lang="en-US" dirty="0">
+                <a:solidFill>
+                  <a:srgbClr val="00B050"/>
+                </a:solidFill>
+              </a:rPr>
+              <a:t>Top chunk</a:t>
+            </a:r>
+          </a:p>
+        </p:txBody>
+      </p:sp>
+      <p:cxnSp>
+        <p:nvCxnSpPr>
+          <p:cNvPr id="13" name="Straight Arrow Connector 12">
+            <a:extLst>
+              <a:ext uri="{FF2B5EF4-FFF2-40B4-BE49-F238E27FC236}">
+                <a16:creationId xmlns:a16="http://schemas.microsoft.com/office/drawing/2014/main" id="{80C001E2-4F5F-6549-B0A1-3F299F56621F}"/>
+              </a:ext>
+            </a:extLst>
+          </p:cNvPr>
+          <p:cNvCxnSpPr>
+            <a:cxnSpLocks/>
+          </p:cNvCxnSpPr>
+          <p:nvPr/>
+        </p:nvCxnSpPr>
+        <p:spPr>
+          <a:xfrm>
+            <a:off x="5434650" y="3900063"/>
+            <a:ext cx="719601" cy="0"/>
+          </a:xfrm>
+          <a:prstGeom prst="straightConnector1">
+            <a:avLst/>
+          </a:prstGeom>
+          <a:ln w="57150">
+            <a:solidFill>
+              <a:srgbClr val="FF0000"/>
+            </a:solidFill>
+            <a:tailEnd type="triangle"/>
+          </a:ln>
+        </p:spPr>
+        <p:style>
+          <a:lnRef idx="1">
+            <a:schemeClr val="accent1"/>
+          </a:lnRef>
+          <a:fillRef idx="0">
+            <a:schemeClr val="accent1"/>
+          </a:fillRef>
+          <a:effectRef idx="0">
+            <a:schemeClr val="accent1"/>
+          </a:effectRef>
+          <a:fontRef idx="minor">
+            <a:schemeClr val="tx1"/>
+          </a:fontRef>
+        </p:style>
+      </p:cxnSp>
+      <p:cxnSp>
+        <p:nvCxnSpPr>
+          <p:cNvPr id="18" name="Straight Connector 17">
+            <a:extLst>
+              <a:ext uri="{FF2B5EF4-FFF2-40B4-BE49-F238E27FC236}">
+                <a16:creationId xmlns:a16="http://schemas.microsoft.com/office/drawing/2014/main" id="{B2117EE2-FD5C-B549-A101-EEF10B266E77}"/>
+              </a:ext>
+            </a:extLst>
+          </p:cNvPr>
+          <p:cNvCxnSpPr>
+            <a:cxnSpLocks/>
+          </p:cNvCxnSpPr>
+          <p:nvPr/>
+        </p:nvCxnSpPr>
+        <p:spPr>
+          <a:xfrm>
+            <a:off x="5431992" y="3900063"/>
+            <a:ext cx="2658" cy="343325"/>
+          </a:xfrm>
+          <a:prstGeom prst="line">
+            <a:avLst/>
+          </a:prstGeom>
+          <a:ln w="47625">
+            <a:solidFill>
+              <a:srgbClr val="FF0000"/>
+            </a:solidFill>
+          </a:ln>
+        </p:spPr>
+        <p:style>
+          <a:lnRef idx="1">
+            <a:schemeClr val="accent1"/>
+          </a:lnRef>
+          <a:fillRef idx="0">
+            <a:schemeClr val="accent1"/>
+          </a:fillRef>
+          <a:effectRef idx="0">
+            <a:schemeClr val="accent1"/>
+          </a:effectRef>
+          <a:fontRef idx="minor">
+            <a:schemeClr val="tx1"/>
+          </a:fontRef>
+        </p:style>
+      </p:cxnSp>
+      <p:cxnSp>
+        <p:nvCxnSpPr>
+          <p:cNvPr id="20" name="Straight Arrow Connector 19">
+            <a:extLst>
+              <a:ext uri="{FF2B5EF4-FFF2-40B4-BE49-F238E27FC236}">
+                <a16:creationId xmlns:a16="http://schemas.microsoft.com/office/drawing/2014/main" id="{6691BD59-CE49-3241-AFE5-65CD7AB702BE}"/>
+              </a:ext>
+            </a:extLst>
+          </p:cNvPr>
+          <p:cNvCxnSpPr>
+            <a:cxnSpLocks/>
+          </p:cNvCxnSpPr>
+          <p:nvPr/>
+        </p:nvCxnSpPr>
+        <p:spPr>
+          <a:xfrm>
+            <a:off x="5434650" y="4243388"/>
+            <a:ext cx="719601" cy="0"/>
+          </a:xfrm>
+          <a:prstGeom prst="straightConnector1">
+            <a:avLst/>
+          </a:prstGeom>
+          <a:ln w="57150">
+            <a:solidFill>
+              <a:srgbClr val="FF0000"/>
+            </a:solidFill>
+            <a:tailEnd type="triangle"/>
+          </a:ln>
+        </p:spPr>
+        <p:style>
+          <a:lnRef idx="1">
+            <a:schemeClr val="accent1"/>
+          </a:lnRef>
+          <a:fillRef idx="0">
+            <a:schemeClr val="accent1"/>
+          </a:fillRef>
+          <a:effectRef idx="0">
+            <a:schemeClr val="accent1"/>
+          </a:effectRef>
+          <a:fontRef idx="minor">
+            <a:schemeClr val="tx1"/>
+          </a:fontRef>
+        </p:style>
+      </p:cxnSp>
+      <p:sp>
+        <p:nvSpPr>
+          <p:cNvPr id="4" name="Rectangle 3">
+            <a:extLst>
+              <a:ext uri="{FF2B5EF4-FFF2-40B4-BE49-F238E27FC236}">
+                <a16:creationId xmlns:a16="http://schemas.microsoft.com/office/drawing/2014/main" id="{DBD54F7F-7693-3D4D-BF9F-48F8466D142F}"/>
+              </a:ext>
+            </a:extLst>
+          </p:cNvPr>
+          <p:cNvSpPr/>
+          <p:nvPr/>
+        </p:nvSpPr>
+        <p:spPr>
+          <a:xfrm>
+            <a:off x="7270812" y="1014499"/>
+            <a:ext cx="968183" cy="914400"/>
+          </a:xfrm>
+          <a:prstGeom prst="rect">
+            <a:avLst/>
+          </a:prstGeom>
+          <a:solidFill>
+            <a:schemeClr val="bg1"/>
+          </a:solidFill>
+          <a:ln>
+            <a:solidFill>
+              <a:schemeClr val="bg1"/>
+            </a:solidFill>
+          </a:ln>
+        </p:spPr>
+        <p:style>
+          <a:lnRef idx="2">
+            <a:schemeClr val="accent1">
+              <a:shade val="50000"/>
+            </a:schemeClr>
+          </a:lnRef>
+          <a:fillRef idx="1">
+            <a:schemeClr val="accent1"/>
+          </a:fillRef>
+          <a:effectRef idx="0">
+            <a:schemeClr val="accent1"/>
+          </a:effectRef>
+          <a:fontRef idx="minor">
+            <a:schemeClr val="lt1"/>
+          </a:fontRef>
+        </p:style>
+        <p:txBody>
+          <a:bodyPr rtlCol="0" anchor="ctr"/>
+          <a:lstStyle/>
+          <a:p>
+            <a:pPr algn="ctr"/>
+            <a:endParaRPr lang="en-US" dirty="0"/>
+          </a:p>
+        </p:txBody>
+      </p:sp>
     </p:spTree>
     <p:extLst>
       <p:ext uri="{BB962C8B-B14F-4D97-AF65-F5344CB8AC3E}">
-        <p14:creationId xmlns:p14="http://schemas.microsoft.com/office/powerpoint/2010/main" val="3537791966"/>
+        <p14:creationId xmlns:p14="http://schemas.microsoft.com/office/powerpoint/2010/main" val="3275339213"/>
       </p:ext>
     </p:extLst>
   </p:cSld>
@@ -32766,11 +33175,11 @@
           <a:p>
             <a:r>
               <a:rPr lang="en-US" dirty="0"/>
-              <a:t>Just set to </a:t>
+              <a:t>Just set to 0xFFFFFFFFFFFFFFFF (</a:t>
             </a:r>
             <a:r>
               <a:rPr lang="en-US" b="1" dirty="0"/>
-              <a:t>-1</a:t>
+              <a:t>-1)</a:t>
             </a:r>
             <a:r>
               <a:rPr lang="en-US" b="1" i="1" dirty="0"/>
@@ -36909,7 +37318,15 @@
           <a:p>
             <a:r>
               <a:rPr lang="en-US" dirty="0"/>
-              <a:t>Allocate JUST before your target</a:t>
+              <a:t>Move the </a:t>
+            </a:r>
+            <a:r>
+              <a:rPr lang="en-US" b="1" i="1" dirty="0"/>
+              <a:t>top chunk pointer </a:t>
+            </a:r>
+            <a:r>
+              <a:rPr lang="en-US" dirty="0"/>
+              <a:t>just before the target</a:t>
             </a:r>
           </a:p>
           <a:p>
@@ -37099,6 +37516,1300 @@
           <p:cNvPr id="2" name="Title 1">
             <a:extLst>
               <a:ext uri="{FF2B5EF4-FFF2-40B4-BE49-F238E27FC236}">
+                <a16:creationId xmlns:a16="http://schemas.microsoft.com/office/drawing/2014/main" id="{8FB4D52A-330E-8643-AA8C-1371BC1EEC96}"/>
+              </a:ext>
+            </a:extLst>
+          </p:cNvPr>
+          <p:cNvSpPr>
+            <a:spLocks noGrp="1"/>
+          </p:cNvSpPr>
+          <p:nvPr>
+            <p:ph type="title"/>
+          </p:nvPr>
+        </p:nvSpPr>
+        <p:spPr>
+          <a:xfrm>
+            <a:off x="629841" y="273847"/>
+            <a:ext cx="7886700" cy="994172"/>
+          </a:xfrm>
+        </p:spPr>
+        <p:txBody>
+          <a:bodyPr anchor="ctr">
+            <a:normAutofit/>
+          </a:bodyPr>
+          <a:lstStyle/>
+          <a:p>
+            <a:r>
+              <a:rPr lang="en-US" dirty="0"/>
+              <a:t>Allocate Close to Target – </a:t>
+            </a:r>
+            <a:r>
+              <a:rPr lang="en-US" b="1" dirty="0"/>
+              <a:t>4</a:t>
+            </a:r>
+            <a:r>
+              <a:rPr lang="en-US" dirty="0"/>
+              <a:t> </a:t>
+            </a:r>
+          </a:p>
+        </p:txBody>
+      </p:sp>
+      <p:sp>
+        <p:nvSpPr>
+          <p:cNvPr id="3" name="Content Placeholder 2">
+            <a:extLst>
+              <a:ext uri="{FF2B5EF4-FFF2-40B4-BE49-F238E27FC236}">
+                <a16:creationId xmlns:a16="http://schemas.microsoft.com/office/drawing/2014/main" id="{819D1DEF-6A0F-8C4D-85FB-A84CB5993C98}"/>
+              </a:ext>
+            </a:extLst>
+          </p:cNvPr>
+          <p:cNvSpPr>
+            <a:spLocks noGrp="1"/>
+          </p:cNvSpPr>
+          <p:nvPr>
+            <p:ph sz="half" idx="2"/>
+          </p:nvPr>
+        </p:nvSpPr>
+        <p:spPr>
+          <a:xfrm>
+            <a:off x="629841" y="1143001"/>
+            <a:ext cx="7406327" cy="438287"/>
+          </a:xfrm>
+        </p:spPr>
+        <p:txBody>
+          <a:bodyPr>
+            <a:normAutofit/>
+          </a:bodyPr>
+          <a:lstStyle/>
+          <a:p>
+            <a:r>
+              <a:rPr lang="en-US" dirty="0"/>
+              <a:t>Size = (</a:t>
+            </a:r>
+            <a:r>
+              <a:rPr lang="en-US" dirty="0">
+                <a:solidFill>
+                  <a:srgbClr val="00B050"/>
+                </a:solidFill>
+              </a:rPr>
+              <a:t>target</a:t>
+            </a:r>
+            <a:r>
+              <a:rPr lang="en-US" dirty="0"/>
+              <a:t> </a:t>
+            </a:r>
+            <a:r>
+              <a:rPr lang="en-US" dirty="0" err="1"/>
+              <a:t>addr</a:t>
+            </a:r>
+            <a:r>
+              <a:rPr lang="en-US" dirty="0"/>
+              <a:t>) - (</a:t>
+            </a:r>
+            <a:r>
+              <a:rPr lang="en-US" dirty="0">
+                <a:solidFill>
+                  <a:srgbClr val="FF0000"/>
+                </a:solidFill>
+              </a:rPr>
+              <a:t>Top Chunk </a:t>
+            </a:r>
+            <a:r>
+              <a:rPr lang="en-US" dirty="0" err="1"/>
+              <a:t>addr</a:t>
+            </a:r>
+            <a:r>
+              <a:rPr lang="en-US" dirty="0"/>
+              <a:t>) – 0x20</a:t>
+            </a:r>
+          </a:p>
+        </p:txBody>
+      </p:sp>
+      <p:sp>
+        <p:nvSpPr>
+          <p:cNvPr id="7" name="Content Placeholder 2">
+            <a:extLst>
+              <a:ext uri="{FF2B5EF4-FFF2-40B4-BE49-F238E27FC236}">
+                <a16:creationId xmlns:a16="http://schemas.microsoft.com/office/drawing/2014/main" id="{1FF61647-1976-3545-BE05-F04D1A8FB8BB}"/>
+              </a:ext>
+            </a:extLst>
+          </p:cNvPr>
+          <p:cNvSpPr txBox="1">
+            <a:spLocks/>
+          </p:cNvSpPr>
+          <p:nvPr/>
+        </p:nvSpPr>
+        <p:spPr>
+          <a:xfrm>
+            <a:off x="5195890" y="4203964"/>
+            <a:ext cx="1228559" cy="438287"/>
+          </a:xfrm>
+          <a:prstGeom prst="rect">
+            <a:avLst/>
+          </a:prstGeom>
+        </p:spPr>
+        <p:txBody>
+          <a:bodyPr vert="horz" lIns="91440" tIns="45720" rIns="91440" bIns="45720" rtlCol="0">
+            <a:normAutofit/>
+          </a:bodyPr>
+          <a:lstStyle>
+            <a:lvl1pPr marL="228600" indent="-228600" algn="l" defTabSz="914400" rtl="0" eaLnBrk="1" latinLnBrk="0" hangingPunct="1">
+              <a:lnSpc>
+                <a:spcPct val="90000"/>
+              </a:lnSpc>
+              <a:spcBef>
+                <a:spcPts val="1000"/>
+              </a:spcBef>
+              <a:buFont typeface="Arial" panose="020B0604020202020204" pitchFamily="34" charset="0"/>
+              <a:buChar char="•"/>
+              <a:defRPr sz="2400" kern="1200">
+                <a:solidFill>
+                  <a:schemeClr val="tx1"/>
+                </a:solidFill>
+                <a:latin typeface="Avenir Book"/>
+                <a:ea typeface="+mn-ea"/>
+                <a:cs typeface="Avenir Book"/>
+              </a:defRPr>
+            </a:lvl1pPr>
+            <a:lvl2pPr marL="685800" indent="-228600" algn="l" defTabSz="914400" rtl="0" eaLnBrk="1" latinLnBrk="0" hangingPunct="1">
+              <a:lnSpc>
+                <a:spcPct val="90000"/>
+              </a:lnSpc>
+              <a:spcBef>
+                <a:spcPts val="500"/>
+              </a:spcBef>
+              <a:buFont typeface="Arial" panose="020B0604020202020204" pitchFamily="34" charset="0"/>
+              <a:buChar char="•"/>
+              <a:defRPr sz="2400" kern="1200">
+                <a:solidFill>
+                  <a:schemeClr val="tx1"/>
+                </a:solidFill>
+                <a:latin typeface="Avenir Book"/>
+                <a:ea typeface="+mn-ea"/>
+                <a:cs typeface="Avenir Book"/>
+              </a:defRPr>
+            </a:lvl2pPr>
+            <a:lvl3pPr marL="1143000" indent="-228600" algn="l" defTabSz="914400" rtl="0" eaLnBrk="1" latinLnBrk="0" hangingPunct="1">
+              <a:lnSpc>
+                <a:spcPct val="90000"/>
+              </a:lnSpc>
+              <a:spcBef>
+                <a:spcPts val="500"/>
+              </a:spcBef>
+              <a:buFont typeface="Arial" panose="020B0604020202020204" pitchFamily="34" charset="0"/>
+              <a:buChar char="•"/>
+              <a:defRPr sz="2400" kern="1200">
+                <a:solidFill>
+                  <a:schemeClr val="tx1"/>
+                </a:solidFill>
+                <a:latin typeface="Avenir Book"/>
+                <a:ea typeface="+mn-ea"/>
+                <a:cs typeface="Avenir Book"/>
+              </a:defRPr>
+            </a:lvl3pPr>
+            <a:lvl4pPr marL="1600200" indent="-228600" algn="l" defTabSz="914400" rtl="0" eaLnBrk="1" latinLnBrk="0" hangingPunct="1">
+              <a:lnSpc>
+                <a:spcPct val="90000"/>
+              </a:lnSpc>
+              <a:spcBef>
+                <a:spcPts val="500"/>
+              </a:spcBef>
+              <a:buFont typeface="Arial" panose="020B0604020202020204" pitchFamily="34" charset="0"/>
+              <a:buChar char="•"/>
+              <a:defRPr sz="2400" kern="1200">
+                <a:solidFill>
+                  <a:schemeClr val="tx1"/>
+                </a:solidFill>
+                <a:latin typeface="Avenir Book"/>
+                <a:ea typeface="+mn-ea"/>
+                <a:cs typeface="Avenir Book"/>
+              </a:defRPr>
+            </a:lvl4pPr>
+            <a:lvl5pPr marL="2057400" indent="-228600" algn="l" defTabSz="914400" rtl="0" eaLnBrk="1" latinLnBrk="0" hangingPunct="1">
+              <a:lnSpc>
+                <a:spcPct val="90000"/>
+              </a:lnSpc>
+              <a:spcBef>
+                <a:spcPts val="500"/>
+              </a:spcBef>
+              <a:buFont typeface="Arial" panose="020B0604020202020204" pitchFamily="34" charset="0"/>
+              <a:buChar char="•"/>
+              <a:defRPr sz="2400" kern="1200">
+                <a:solidFill>
+                  <a:schemeClr val="tx1"/>
+                </a:solidFill>
+                <a:latin typeface="Avenir Book"/>
+                <a:ea typeface="+mn-ea"/>
+                <a:cs typeface="Avenir Book"/>
+              </a:defRPr>
+            </a:lvl5pPr>
+            <a:lvl6pPr marL="2514600" indent="-228600" algn="l" defTabSz="914400" rtl="0" eaLnBrk="1" latinLnBrk="0" hangingPunct="1">
+              <a:lnSpc>
+                <a:spcPct val="90000"/>
+              </a:lnSpc>
+              <a:spcBef>
+                <a:spcPts val="500"/>
+              </a:spcBef>
+              <a:buFont typeface="Arial" panose="020B0604020202020204" pitchFamily="34" charset="0"/>
+              <a:buChar char="•"/>
+              <a:defRPr sz="1800" kern="1200">
+                <a:solidFill>
+                  <a:schemeClr val="tx1"/>
+                </a:solidFill>
+                <a:latin typeface="+mn-lt"/>
+                <a:ea typeface="+mn-ea"/>
+                <a:cs typeface="+mn-cs"/>
+              </a:defRPr>
+            </a:lvl6pPr>
+            <a:lvl7pPr marL="2971800" indent="-228600" algn="l" defTabSz="914400" rtl="0" eaLnBrk="1" latinLnBrk="0" hangingPunct="1">
+              <a:lnSpc>
+                <a:spcPct val="90000"/>
+              </a:lnSpc>
+              <a:spcBef>
+                <a:spcPts val="500"/>
+              </a:spcBef>
+              <a:buFont typeface="Arial" panose="020B0604020202020204" pitchFamily="34" charset="0"/>
+              <a:buChar char="•"/>
+              <a:defRPr sz="1800" kern="1200">
+                <a:solidFill>
+                  <a:schemeClr val="tx1"/>
+                </a:solidFill>
+                <a:latin typeface="+mn-lt"/>
+                <a:ea typeface="+mn-ea"/>
+                <a:cs typeface="+mn-cs"/>
+              </a:defRPr>
+            </a:lvl7pPr>
+            <a:lvl8pPr marL="3429000" indent="-228600" algn="l" defTabSz="914400" rtl="0" eaLnBrk="1" latinLnBrk="0" hangingPunct="1">
+              <a:lnSpc>
+                <a:spcPct val="90000"/>
+              </a:lnSpc>
+              <a:spcBef>
+                <a:spcPts val="500"/>
+              </a:spcBef>
+              <a:buFont typeface="Arial" panose="020B0604020202020204" pitchFamily="34" charset="0"/>
+              <a:buChar char="•"/>
+              <a:defRPr sz="1800" kern="1200">
+                <a:solidFill>
+                  <a:schemeClr val="tx1"/>
+                </a:solidFill>
+                <a:latin typeface="+mn-lt"/>
+                <a:ea typeface="+mn-ea"/>
+                <a:cs typeface="+mn-cs"/>
+              </a:defRPr>
+            </a:lvl8pPr>
+            <a:lvl9pPr marL="3886200" indent="-228600" algn="l" defTabSz="914400" rtl="0" eaLnBrk="1" latinLnBrk="0" hangingPunct="1">
+              <a:lnSpc>
+                <a:spcPct val="90000"/>
+              </a:lnSpc>
+              <a:spcBef>
+                <a:spcPts val="500"/>
+              </a:spcBef>
+              <a:buFont typeface="Arial" panose="020B0604020202020204" pitchFamily="34" charset="0"/>
+              <a:buChar char="•"/>
+              <a:defRPr sz="1800" kern="1200">
+                <a:solidFill>
+                  <a:schemeClr val="tx1"/>
+                </a:solidFill>
+                <a:latin typeface="+mn-lt"/>
+                <a:ea typeface="+mn-ea"/>
+                <a:cs typeface="+mn-cs"/>
+              </a:defRPr>
+            </a:lvl9pPr>
+          </a:lstStyle>
+          <a:p>
+            <a:endParaRPr lang="en-US" dirty="0"/>
+          </a:p>
+        </p:txBody>
+      </p:sp>
+      <p:sp>
+        <p:nvSpPr>
+          <p:cNvPr id="12" name="Content Placeholder 2">
+            <a:extLst>
+              <a:ext uri="{FF2B5EF4-FFF2-40B4-BE49-F238E27FC236}">
+                <a16:creationId xmlns:a16="http://schemas.microsoft.com/office/drawing/2014/main" id="{20DD4AB2-54D1-004C-822C-D6AEA325B895}"/>
+              </a:ext>
+            </a:extLst>
+          </p:cNvPr>
+          <p:cNvSpPr txBox="1">
+            <a:spLocks/>
+          </p:cNvSpPr>
+          <p:nvPr/>
+        </p:nvSpPr>
+        <p:spPr>
+          <a:xfrm>
+            <a:off x="694319" y="1581289"/>
+            <a:ext cx="3877682" cy="3060962"/>
+          </a:xfrm>
+          <a:prstGeom prst="rect">
+            <a:avLst/>
+          </a:prstGeom>
+        </p:spPr>
+        <p:txBody>
+          <a:bodyPr vert="horz" lIns="91440" tIns="45720" rIns="91440" bIns="45720" rtlCol="0">
+            <a:normAutofit/>
+          </a:bodyPr>
+          <a:lstStyle>
+            <a:lvl1pPr marL="228600" indent="-228600" algn="l" defTabSz="914400" rtl="0" eaLnBrk="1" latinLnBrk="0" hangingPunct="1">
+              <a:lnSpc>
+                <a:spcPct val="90000"/>
+              </a:lnSpc>
+              <a:spcBef>
+                <a:spcPts val="1000"/>
+              </a:spcBef>
+              <a:buFont typeface="Arial" panose="020B0604020202020204" pitchFamily="34" charset="0"/>
+              <a:buChar char="•"/>
+              <a:defRPr sz="2400" kern="1200">
+                <a:solidFill>
+                  <a:schemeClr val="tx1"/>
+                </a:solidFill>
+                <a:latin typeface="Avenir Book"/>
+                <a:ea typeface="+mn-ea"/>
+                <a:cs typeface="Avenir Book"/>
+              </a:defRPr>
+            </a:lvl1pPr>
+            <a:lvl2pPr marL="685800" indent="-228600" algn="l" defTabSz="914400" rtl="0" eaLnBrk="1" latinLnBrk="0" hangingPunct="1">
+              <a:lnSpc>
+                <a:spcPct val="90000"/>
+              </a:lnSpc>
+              <a:spcBef>
+                <a:spcPts val="500"/>
+              </a:spcBef>
+              <a:buFont typeface="Arial" panose="020B0604020202020204" pitchFamily="34" charset="0"/>
+              <a:buChar char="•"/>
+              <a:defRPr sz="2400" kern="1200">
+                <a:solidFill>
+                  <a:schemeClr val="tx1"/>
+                </a:solidFill>
+                <a:latin typeface="Avenir Book"/>
+                <a:ea typeface="+mn-ea"/>
+                <a:cs typeface="Avenir Book"/>
+              </a:defRPr>
+            </a:lvl2pPr>
+            <a:lvl3pPr marL="1143000" indent="-228600" algn="l" defTabSz="914400" rtl="0" eaLnBrk="1" latinLnBrk="0" hangingPunct="1">
+              <a:lnSpc>
+                <a:spcPct val="90000"/>
+              </a:lnSpc>
+              <a:spcBef>
+                <a:spcPts val="500"/>
+              </a:spcBef>
+              <a:buFont typeface="Arial" panose="020B0604020202020204" pitchFamily="34" charset="0"/>
+              <a:buChar char="•"/>
+              <a:defRPr sz="2400" kern="1200">
+                <a:solidFill>
+                  <a:schemeClr val="tx1"/>
+                </a:solidFill>
+                <a:latin typeface="Avenir Book"/>
+                <a:ea typeface="+mn-ea"/>
+                <a:cs typeface="Avenir Book"/>
+              </a:defRPr>
+            </a:lvl3pPr>
+            <a:lvl4pPr marL="1600200" indent="-228600" algn="l" defTabSz="914400" rtl="0" eaLnBrk="1" latinLnBrk="0" hangingPunct="1">
+              <a:lnSpc>
+                <a:spcPct val="90000"/>
+              </a:lnSpc>
+              <a:spcBef>
+                <a:spcPts val="500"/>
+              </a:spcBef>
+              <a:buFont typeface="Arial" panose="020B0604020202020204" pitchFamily="34" charset="0"/>
+              <a:buChar char="•"/>
+              <a:defRPr sz="2400" kern="1200">
+                <a:solidFill>
+                  <a:schemeClr val="tx1"/>
+                </a:solidFill>
+                <a:latin typeface="Avenir Book"/>
+                <a:ea typeface="+mn-ea"/>
+                <a:cs typeface="Avenir Book"/>
+              </a:defRPr>
+            </a:lvl4pPr>
+            <a:lvl5pPr marL="2057400" indent="-228600" algn="l" defTabSz="914400" rtl="0" eaLnBrk="1" latinLnBrk="0" hangingPunct="1">
+              <a:lnSpc>
+                <a:spcPct val="90000"/>
+              </a:lnSpc>
+              <a:spcBef>
+                <a:spcPts val="500"/>
+              </a:spcBef>
+              <a:buFont typeface="Arial" panose="020B0604020202020204" pitchFamily="34" charset="0"/>
+              <a:buChar char="•"/>
+              <a:defRPr sz="2400" kern="1200">
+                <a:solidFill>
+                  <a:schemeClr val="tx1"/>
+                </a:solidFill>
+                <a:latin typeface="Avenir Book"/>
+                <a:ea typeface="+mn-ea"/>
+                <a:cs typeface="Avenir Book"/>
+              </a:defRPr>
+            </a:lvl5pPr>
+            <a:lvl6pPr marL="2514600" indent="-228600" algn="l" defTabSz="914400" rtl="0" eaLnBrk="1" latinLnBrk="0" hangingPunct="1">
+              <a:lnSpc>
+                <a:spcPct val="90000"/>
+              </a:lnSpc>
+              <a:spcBef>
+                <a:spcPts val="500"/>
+              </a:spcBef>
+              <a:buFont typeface="Arial" panose="020B0604020202020204" pitchFamily="34" charset="0"/>
+              <a:buChar char="•"/>
+              <a:defRPr sz="1800" kern="1200">
+                <a:solidFill>
+                  <a:schemeClr val="tx1"/>
+                </a:solidFill>
+                <a:latin typeface="+mn-lt"/>
+                <a:ea typeface="+mn-ea"/>
+                <a:cs typeface="+mn-cs"/>
+              </a:defRPr>
+            </a:lvl6pPr>
+            <a:lvl7pPr marL="2971800" indent="-228600" algn="l" defTabSz="914400" rtl="0" eaLnBrk="1" latinLnBrk="0" hangingPunct="1">
+              <a:lnSpc>
+                <a:spcPct val="90000"/>
+              </a:lnSpc>
+              <a:spcBef>
+                <a:spcPts val="500"/>
+              </a:spcBef>
+              <a:buFont typeface="Arial" panose="020B0604020202020204" pitchFamily="34" charset="0"/>
+              <a:buChar char="•"/>
+              <a:defRPr sz="1800" kern="1200">
+                <a:solidFill>
+                  <a:schemeClr val="tx1"/>
+                </a:solidFill>
+                <a:latin typeface="+mn-lt"/>
+                <a:ea typeface="+mn-ea"/>
+                <a:cs typeface="+mn-cs"/>
+              </a:defRPr>
+            </a:lvl7pPr>
+            <a:lvl8pPr marL="3429000" indent="-228600" algn="l" defTabSz="914400" rtl="0" eaLnBrk="1" latinLnBrk="0" hangingPunct="1">
+              <a:lnSpc>
+                <a:spcPct val="90000"/>
+              </a:lnSpc>
+              <a:spcBef>
+                <a:spcPts val="500"/>
+              </a:spcBef>
+              <a:buFont typeface="Arial" panose="020B0604020202020204" pitchFamily="34" charset="0"/>
+              <a:buChar char="•"/>
+              <a:defRPr sz="1800" kern="1200">
+                <a:solidFill>
+                  <a:schemeClr val="tx1"/>
+                </a:solidFill>
+                <a:latin typeface="+mn-lt"/>
+                <a:ea typeface="+mn-ea"/>
+                <a:cs typeface="+mn-cs"/>
+              </a:defRPr>
+            </a:lvl8pPr>
+            <a:lvl9pPr marL="3886200" indent="-228600" algn="l" defTabSz="914400" rtl="0" eaLnBrk="1" latinLnBrk="0" hangingPunct="1">
+              <a:lnSpc>
+                <a:spcPct val="90000"/>
+              </a:lnSpc>
+              <a:spcBef>
+                <a:spcPts val="500"/>
+              </a:spcBef>
+              <a:buFont typeface="Arial" panose="020B0604020202020204" pitchFamily="34" charset="0"/>
+              <a:buChar char="•"/>
+              <a:defRPr sz="1800" kern="1200">
+                <a:solidFill>
+                  <a:schemeClr val="tx1"/>
+                </a:solidFill>
+                <a:latin typeface="+mn-lt"/>
+                <a:ea typeface="+mn-ea"/>
+                <a:cs typeface="+mn-cs"/>
+              </a:defRPr>
+            </a:lvl9pPr>
+          </a:lstStyle>
+          <a:p>
+            <a:endParaRPr lang="en-US" dirty="0"/>
+          </a:p>
+        </p:txBody>
+      </p:sp>
+      <p:sp>
+        <p:nvSpPr>
+          <p:cNvPr id="13" name="Content Placeholder 2">
+            <a:extLst>
+              <a:ext uri="{FF2B5EF4-FFF2-40B4-BE49-F238E27FC236}">
+                <a16:creationId xmlns:a16="http://schemas.microsoft.com/office/drawing/2014/main" id="{C5407D35-E624-1549-8316-7FC787B4327D}"/>
+              </a:ext>
+            </a:extLst>
+          </p:cNvPr>
+          <p:cNvSpPr txBox="1">
+            <a:spLocks/>
+          </p:cNvSpPr>
+          <p:nvPr/>
+        </p:nvSpPr>
+        <p:spPr>
+          <a:xfrm>
+            <a:off x="629841" y="1617368"/>
+            <a:ext cx="4249890" cy="2901878"/>
+          </a:xfrm>
+          <a:prstGeom prst="rect">
+            <a:avLst/>
+          </a:prstGeom>
+        </p:spPr>
+        <p:txBody>
+          <a:bodyPr vert="horz" lIns="91440" tIns="45720" rIns="91440" bIns="45720" rtlCol="0">
+            <a:normAutofit/>
+          </a:bodyPr>
+          <a:lstStyle>
+            <a:lvl1pPr marL="228600" indent="-228600" algn="l" defTabSz="914400" rtl="0" eaLnBrk="1" latinLnBrk="0" hangingPunct="1">
+              <a:lnSpc>
+                <a:spcPct val="90000"/>
+              </a:lnSpc>
+              <a:spcBef>
+                <a:spcPts val="1000"/>
+              </a:spcBef>
+              <a:buFont typeface="Arial" panose="020B0604020202020204" pitchFamily="34" charset="0"/>
+              <a:buChar char="•"/>
+              <a:defRPr sz="2400" kern="1200">
+                <a:solidFill>
+                  <a:schemeClr val="tx1"/>
+                </a:solidFill>
+                <a:latin typeface="Avenir Book"/>
+                <a:ea typeface="+mn-ea"/>
+                <a:cs typeface="Avenir Book"/>
+              </a:defRPr>
+            </a:lvl1pPr>
+            <a:lvl2pPr marL="685800" indent="-228600" algn="l" defTabSz="914400" rtl="0" eaLnBrk="1" latinLnBrk="0" hangingPunct="1">
+              <a:lnSpc>
+                <a:spcPct val="90000"/>
+              </a:lnSpc>
+              <a:spcBef>
+                <a:spcPts val="500"/>
+              </a:spcBef>
+              <a:buFont typeface="Arial" panose="020B0604020202020204" pitchFamily="34" charset="0"/>
+              <a:buChar char="•"/>
+              <a:defRPr sz="2400" kern="1200">
+                <a:solidFill>
+                  <a:schemeClr val="tx1"/>
+                </a:solidFill>
+                <a:latin typeface="Avenir Book"/>
+                <a:ea typeface="+mn-ea"/>
+                <a:cs typeface="Avenir Book"/>
+              </a:defRPr>
+            </a:lvl2pPr>
+            <a:lvl3pPr marL="1143000" indent="-228600" algn="l" defTabSz="914400" rtl="0" eaLnBrk="1" latinLnBrk="0" hangingPunct="1">
+              <a:lnSpc>
+                <a:spcPct val="90000"/>
+              </a:lnSpc>
+              <a:spcBef>
+                <a:spcPts val="500"/>
+              </a:spcBef>
+              <a:buFont typeface="Arial" panose="020B0604020202020204" pitchFamily="34" charset="0"/>
+              <a:buChar char="•"/>
+              <a:defRPr sz="2400" kern="1200">
+                <a:solidFill>
+                  <a:schemeClr val="tx1"/>
+                </a:solidFill>
+                <a:latin typeface="Avenir Book"/>
+                <a:ea typeface="+mn-ea"/>
+                <a:cs typeface="Avenir Book"/>
+              </a:defRPr>
+            </a:lvl3pPr>
+            <a:lvl4pPr marL="1600200" indent="-228600" algn="l" defTabSz="914400" rtl="0" eaLnBrk="1" latinLnBrk="0" hangingPunct="1">
+              <a:lnSpc>
+                <a:spcPct val="90000"/>
+              </a:lnSpc>
+              <a:spcBef>
+                <a:spcPts val="500"/>
+              </a:spcBef>
+              <a:buFont typeface="Arial" panose="020B0604020202020204" pitchFamily="34" charset="0"/>
+              <a:buChar char="•"/>
+              <a:defRPr sz="2400" kern="1200">
+                <a:solidFill>
+                  <a:schemeClr val="tx1"/>
+                </a:solidFill>
+                <a:latin typeface="Avenir Book"/>
+                <a:ea typeface="+mn-ea"/>
+                <a:cs typeface="Avenir Book"/>
+              </a:defRPr>
+            </a:lvl4pPr>
+            <a:lvl5pPr marL="2057400" indent="-228600" algn="l" defTabSz="914400" rtl="0" eaLnBrk="1" latinLnBrk="0" hangingPunct="1">
+              <a:lnSpc>
+                <a:spcPct val="90000"/>
+              </a:lnSpc>
+              <a:spcBef>
+                <a:spcPts val="500"/>
+              </a:spcBef>
+              <a:buFont typeface="Arial" panose="020B0604020202020204" pitchFamily="34" charset="0"/>
+              <a:buChar char="•"/>
+              <a:defRPr sz="2400" kern="1200">
+                <a:solidFill>
+                  <a:schemeClr val="tx1"/>
+                </a:solidFill>
+                <a:latin typeface="Avenir Book"/>
+                <a:ea typeface="+mn-ea"/>
+                <a:cs typeface="Avenir Book"/>
+              </a:defRPr>
+            </a:lvl5pPr>
+            <a:lvl6pPr marL="2514600" indent="-228600" algn="l" defTabSz="914400" rtl="0" eaLnBrk="1" latinLnBrk="0" hangingPunct="1">
+              <a:lnSpc>
+                <a:spcPct val="90000"/>
+              </a:lnSpc>
+              <a:spcBef>
+                <a:spcPts val="500"/>
+              </a:spcBef>
+              <a:buFont typeface="Arial" panose="020B0604020202020204" pitchFamily="34" charset="0"/>
+              <a:buChar char="•"/>
+              <a:defRPr sz="1800" kern="1200">
+                <a:solidFill>
+                  <a:schemeClr val="tx1"/>
+                </a:solidFill>
+                <a:latin typeface="+mn-lt"/>
+                <a:ea typeface="+mn-ea"/>
+                <a:cs typeface="+mn-cs"/>
+              </a:defRPr>
+            </a:lvl6pPr>
+            <a:lvl7pPr marL="2971800" indent="-228600" algn="l" defTabSz="914400" rtl="0" eaLnBrk="1" latinLnBrk="0" hangingPunct="1">
+              <a:lnSpc>
+                <a:spcPct val="90000"/>
+              </a:lnSpc>
+              <a:spcBef>
+                <a:spcPts val="500"/>
+              </a:spcBef>
+              <a:buFont typeface="Arial" panose="020B0604020202020204" pitchFamily="34" charset="0"/>
+              <a:buChar char="•"/>
+              <a:defRPr sz="1800" kern="1200">
+                <a:solidFill>
+                  <a:schemeClr val="tx1"/>
+                </a:solidFill>
+                <a:latin typeface="+mn-lt"/>
+                <a:ea typeface="+mn-ea"/>
+                <a:cs typeface="+mn-cs"/>
+              </a:defRPr>
+            </a:lvl7pPr>
+            <a:lvl8pPr marL="3429000" indent="-228600" algn="l" defTabSz="914400" rtl="0" eaLnBrk="1" latinLnBrk="0" hangingPunct="1">
+              <a:lnSpc>
+                <a:spcPct val="90000"/>
+              </a:lnSpc>
+              <a:spcBef>
+                <a:spcPts val="500"/>
+              </a:spcBef>
+              <a:buFont typeface="Arial" panose="020B0604020202020204" pitchFamily="34" charset="0"/>
+              <a:buChar char="•"/>
+              <a:defRPr sz="1800" kern="1200">
+                <a:solidFill>
+                  <a:schemeClr val="tx1"/>
+                </a:solidFill>
+                <a:latin typeface="+mn-lt"/>
+                <a:ea typeface="+mn-ea"/>
+                <a:cs typeface="+mn-cs"/>
+              </a:defRPr>
+            </a:lvl8pPr>
+            <a:lvl9pPr marL="3886200" indent="-228600" algn="l" defTabSz="914400" rtl="0" eaLnBrk="1" latinLnBrk="0" hangingPunct="1">
+              <a:lnSpc>
+                <a:spcPct val="90000"/>
+              </a:lnSpc>
+              <a:spcBef>
+                <a:spcPts val="500"/>
+              </a:spcBef>
+              <a:buFont typeface="Arial" panose="020B0604020202020204" pitchFamily="34" charset="0"/>
+              <a:buChar char="•"/>
+              <a:defRPr sz="1800" kern="1200">
+                <a:solidFill>
+                  <a:schemeClr val="tx1"/>
+                </a:solidFill>
+                <a:latin typeface="+mn-lt"/>
+                <a:ea typeface="+mn-ea"/>
+                <a:cs typeface="+mn-cs"/>
+              </a:defRPr>
+            </a:lvl9pPr>
+          </a:lstStyle>
+          <a:p>
+            <a:r>
+              <a:rPr lang="en-US" dirty="0"/>
+              <a:t>Move the </a:t>
+            </a:r>
+            <a:r>
+              <a:rPr lang="en-US" b="1" i="1" dirty="0"/>
+              <a:t>top chunk pointer </a:t>
+            </a:r>
+            <a:r>
+              <a:rPr lang="en-US" dirty="0"/>
+              <a:t>just before the target</a:t>
+            </a:r>
+          </a:p>
+          <a:p>
+            <a:r>
+              <a:rPr lang="en-US" dirty="0"/>
+              <a:t>Ready to overwrite our target </a:t>
+            </a:r>
+            <a:r>
+              <a:rPr lang="en-US" dirty="0">
+                <a:sym typeface="Wingdings" pitchFamily="2" charset="2"/>
+              </a:rPr>
+              <a:t> </a:t>
+            </a:r>
+            <a:endParaRPr lang="en-US" dirty="0"/>
+          </a:p>
+        </p:txBody>
+      </p:sp>
+      <p:pic>
+        <p:nvPicPr>
+          <p:cNvPr id="16" name="Picture 15" descr="Top Chunk After Corruption">
+            <a:extLst>
+              <a:ext uri="{FF2B5EF4-FFF2-40B4-BE49-F238E27FC236}">
+                <a16:creationId xmlns:a16="http://schemas.microsoft.com/office/drawing/2014/main" id="{DA156D46-B53C-BE44-8FA4-AE17E228C6B3}"/>
+              </a:ext>
+            </a:extLst>
+          </p:cNvPr>
+          <p:cNvPicPr>
+            <a:picLocks noChangeAspect="1"/>
+          </p:cNvPicPr>
+          <p:nvPr/>
+        </p:nvPicPr>
+        <p:blipFill>
+          <a:blip r:embed="rId2"/>
+          <a:stretch>
+            <a:fillRect/>
+          </a:stretch>
+        </p:blipFill>
+        <p:spPr>
+          <a:xfrm>
+            <a:off x="6230278" y="1626846"/>
+            <a:ext cx="2595180" cy="3431878"/>
+          </a:xfrm>
+          <a:prstGeom prst="rect">
+            <a:avLst/>
+          </a:prstGeom>
+          <a:noFill/>
+        </p:spPr>
+      </p:pic>
+      <p:sp>
+        <p:nvSpPr>
+          <p:cNvPr id="17" name="TextBox 16">
+            <a:extLst>
+              <a:ext uri="{FF2B5EF4-FFF2-40B4-BE49-F238E27FC236}">
+                <a16:creationId xmlns:a16="http://schemas.microsoft.com/office/drawing/2014/main" id="{99ED4C11-32BC-0149-8B92-58154E581988}"/>
+              </a:ext>
+            </a:extLst>
+          </p:cNvPr>
+          <p:cNvSpPr txBox="1"/>
+          <p:nvPr/>
+        </p:nvSpPr>
+        <p:spPr>
+          <a:xfrm>
+            <a:off x="4695846" y="4757475"/>
+            <a:ext cx="764697" cy="369332"/>
+          </a:xfrm>
+          <a:prstGeom prst="rect">
+            <a:avLst/>
+          </a:prstGeom>
+          <a:noFill/>
+        </p:spPr>
+        <p:txBody>
+          <a:bodyPr wrap="none" rtlCol="0">
+            <a:spAutoFit/>
+          </a:bodyPr>
+          <a:lstStyle/>
+          <a:p>
+            <a:r>
+              <a:rPr lang="en-US" dirty="0">
+                <a:solidFill>
+                  <a:srgbClr val="FF0000"/>
+                </a:solidFill>
+              </a:rPr>
+              <a:t>Target</a:t>
+            </a:r>
+          </a:p>
+        </p:txBody>
+      </p:sp>
+      <p:sp>
+        <p:nvSpPr>
+          <p:cNvPr id="18" name="TextBox 17">
+            <a:extLst>
+              <a:ext uri="{FF2B5EF4-FFF2-40B4-BE49-F238E27FC236}">
+                <a16:creationId xmlns:a16="http://schemas.microsoft.com/office/drawing/2014/main" id="{675B7781-515A-B248-BB9E-75D714AFF458}"/>
+              </a:ext>
+            </a:extLst>
+          </p:cNvPr>
+          <p:cNvSpPr txBox="1"/>
+          <p:nvPr/>
+        </p:nvSpPr>
+        <p:spPr>
+          <a:xfrm>
+            <a:off x="4438926" y="4394725"/>
+            <a:ext cx="1140377" cy="369332"/>
+          </a:xfrm>
+          <a:prstGeom prst="rect">
+            <a:avLst/>
+          </a:prstGeom>
+          <a:noFill/>
+        </p:spPr>
+        <p:txBody>
+          <a:bodyPr wrap="none" rtlCol="0">
+            <a:spAutoFit/>
+          </a:bodyPr>
+          <a:lstStyle/>
+          <a:p>
+            <a:r>
+              <a:rPr lang="en-US" dirty="0">
+                <a:solidFill>
+                  <a:srgbClr val="00B050"/>
+                </a:solidFill>
+              </a:rPr>
+              <a:t>Top chunk</a:t>
+            </a:r>
+          </a:p>
+        </p:txBody>
+      </p:sp>
+      <p:cxnSp>
+        <p:nvCxnSpPr>
+          <p:cNvPr id="19" name="Straight Arrow Connector 18">
+            <a:extLst>
+              <a:ext uri="{FF2B5EF4-FFF2-40B4-BE49-F238E27FC236}">
+                <a16:creationId xmlns:a16="http://schemas.microsoft.com/office/drawing/2014/main" id="{EC671739-32B2-EE41-A3A5-C6917420E85A}"/>
+              </a:ext>
+            </a:extLst>
+          </p:cNvPr>
+          <p:cNvCxnSpPr>
+            <a:cxnSpLocks/>
+          </p:cNvCxnSpPr>
+          <p:nvPr/>
+        </p:nvCxnSpPr>
+        <p:spPr>
+          <a:xfrm>
+            <a:off x="5514495" y="4592394"/>
+            <a:ext cx="719601" cy="0"/>
+          </a:xfrm>
+          <a:prstGeom prst="straightConnector1">
+            <a:avLst/>
+          </a:prstGeom>
+          <a:ln w="57150">
+            <a:solidFill>
+              <a:srgbClr val="FF0000"/>
+            </a:solidFill>
+            <a:tailEnd type="triangle"/>
+          </a:ln>
+        </p:spPr>
+        <p:style>
+          <a:lnRef idx="1">
+            <a:schemeClr val="accent1"/>
+          </a:lnRef>
+          <a:fillRef idx="0">
+            <a:schemeClr val="accent1"/>
+          </a:fillRef>
+          <a:effectRef idx="0">
+            <a:schemeClr val="accent1"/>
+          </a:effectRef>
+          <a:fontRef idx="minor">
+            <a:schemeClr val="tx1"/>
+          </a:fontRef>
+        </p:style>
+      </p:cxnSp>
+      <p:cxnSp>
+        <p:nvCxnSpPr>
+          <p:cNvPr id="20" name="Straight Connector 19">
+            <a:extLst>
+              <a:ext uri="{FF2B5EF4-FFF2-40B4-BE49-F238E27FC236}">
+                <a16:creationId xmlns:a16="http://schemas.microsoft.com/office/drawing/2014/main" id="{EDD92D28-863D-354F-A99A-706ACECC8F17}"/>
+              </a:ext>
+            </a:extLst>
+          </p:cNvPr>
+          <p:cNvCxnSpPr>
+            <a:cxnSpLocks/>
+          </p:cNvCxnSpPr>
+          <p:nvPr/>
+        </p:nvCxnSpPr>
+        <p:spPr>
+          <a:xfrm>
+            <a:off x="5511837" y="4592394"/>
+            <a:ext cx="2658" cy="343325"/>
+          </a:xfrm>
+          <a:prstGeom prst="line">
+            <a:avLst/>
+          </a:prstGeom>
+          <a:ln w="47625">
+            <a:solidFill>
+              <a:srgbClr val="FF0000"/>
+            </a:solidFill>
+          </a:ln>
+        </p:spPr>
+        <p:style>
+          <a:lnRef idx="1">
+            <a:schemeClr val="accent1"/>
+          </a:lnRef>
+          <a:fillRef idx="0">
+            <a:schemeClr val="accent1"/>
+          </a:fillRef>
+          <a:effectRef idx="0">
+            <a:schemeClr val="accent1"/>
+          </a:effectRef>
+          <a:fontRef idx="minor">
+            <a:schemeClr val="tx1"/>
+          </a:fontRef>
+        </p:style>
+      </p:cxnSp>
+      <p:cxnSp>
+        <p:nvCxnSpPr>
+          <p:cNvPr id="21" name="Straight Arrow Connector 20">
+            <a:extLst>
+              <a:ext uri="{FF2B5EF4-FFF2-40B4-BE49-F238E27FC236}">
+                <a16:creationId xmlns:a16="http://schemas.microsoft.com/office/drawing/2014/main" id="{49D61C90-A9BE-2D45-8754-AACA8A01B3AE}"/>
+              </a:ext>
+            </a:extLst>
+          </p:cNvPr>
+          <p:cNvCxnSpPr>
+            <a:cxnSpLocks/>
+          </p:cNvCxnSpPr>
+          <p:nvPr/>
+        </p:nvCxnSpPr>
+        <p:spPr>
+          <a:xfrm>
+            <a:off x="5514495" y="4935719"/>
+            <a:ext cx="719601" cy="0"/>
+          </a:xfrm>
+          <a:prstGeom prst="straightConnector1">
+            <a:avLst/>
+          </a:prstGeom>
+          <a:ln w="57150">
+            <a:solidFill>
+              <a:srgbClr val="FF0000"/>
+            </a:solidFill>
+            <a:tailEnd type="triangle"/>
+          </a:ln>
+        </p:spPr>
+        <p:style>
+          <a:lnRef idx="1">
+            <a:schemeClr val="accent1"/>
+          </a:lnRef>
+          <a:fillRef idx="0">
+            <a:schemeClr val="accent1"/>
+          </a:fillRef>
+          <a:effectRef idx="0">
+            <a:schemeClr val="accent1"/>
+          </a:effectRef>
+          <a:fontRef idx="minor">
+            <a:schemeClr val="tx1"/>
+          </a:fontRef>
+        </p:style>
+      </p:cxnSp>
+    </p:spTree>
+    <p:extLst>
+      <p:ext uri="{BB962C8B-B14F-4D97-AF65-F5344CB8AC3E}">
+        <p14:creationId xmlns:p14="http://schemas.microsoft.com/office/powerpoint/2010/main" val="601213896"/>
+      </p:ext>
+    </p:extLst>
+  </p:cSld>
+  <p:clrMapOvr>
+    <a:masterClrMapping/>
+  </p:clrMapOvr>
+</p:sld>
+</file>
+
+<file path=ppt/slides/slide26.xml><?xml version="1.0" encoding="utf-8"?>
+<p:sld xmlns:a="http://schemas.openxmlformats.org/drawingml/2006/main" xmlns:r="http://schemas.openxmlformats.org/officeDocument/2006/relationships" xmlns:p="http://schemas.openxmlformats.org/presentationml/2006/main">
+  <p:cSld>
+    <p:spTree>
+      <p:nvGrpSpPr>
+        <p:cNvPr id="1" name=""/>
+        <p:cNvGrpSpPr/>
+        <p:nvPr/>
+      </p:nvGrpSpPr>
+      <p:grpSpPr>
+        <a:xfrm>
+          <a:off x="0" y="0"/>
+          <a:ext cx="0" cy="0"/>
+          <a:chOff x="0" y="0"/>
+          <a:chExt cx="0" cy="0"/>
+        </a:xfrm>
+      </p:grpSpPr>
+      <p:sp>
+        <p:nvSpPr>
+          <p:cNvPr id="2" name="Title 1">
+            <a:extLst>
+              <a:ext uri="{FF2B5EF4-FFF2-40B4-BE49-F238E27FC236}">
+                <a16:creationId xmlns:a16="http://schemas.microsoft.com/office/drawing/2014/main" id="{FCB0CC07-4340-E940-9C92-652BD57A446B}"/>
+              </a:ext>
+            </a:extLst>
+          </p:cNvPr>
+          <p:cNvSpPr>
+            <a:spLocks noGrp="1"/>
+          </p:cNvSpPr>
+          <p:nvPr>
+            <p:ph type="title"/>
+          </p:nvPr>
+        </p:nvSpPr>
+        <p:spPr>
+          <a:xfrm>
+            <a:off x="629841" y="342900"/>
+            <a:ext cx="2949178" cy="1200150"/>
+          </a:xfrm>
+        </p:spPr>
+        <p:txBody>
+          <a:bodyPr anchor="b">
+            <a:normAutofit/>
+          </a:bodyPr>
+          <a:lstStyle/>
+          <a:p>
+            <a:r>
+              <a:rPr lang="en-US" dirty="0"/>
+              <a:t>Havoc Causing </a:t>
+            </a:r>
+            <a:r>
+              <a:rPr lang="en-US" dirty="0">
+                <a:sym typeface="Wingdings" pitchFamily="2" charset="2"/>
+              </a:rPr>
+              <a:t></a:t>
+            </a:r>
+            <a:endParaRPr lang="en-US" dirty="0"/>
+          </a:p>
+        </p:txBody>
+      </p:sp>
+      <p:sp>
+        <p:nvSpPr>
+          <p:cNvPr id="14" name="Text Placeholder 3">
+            <a:extLst>
+              <a:ext uri="{FF2B5EF4-FFF2-40B4-BE49-F238E27FC236}">
+                <a16:creationId xmlns:a16="http://schemas.microsoft.com/office/drawing/2014/main" id="{60FA88BD-D51B-474C-A880-FE8812476686}"/>
+              </a:ext>
+            </a:extLst>
+          </p:cNvPr>
+          <p:cNvSpPr>
+            <a:spLocks noGrp="1"/>
+          </p:cNvSpPr>
+          <p:nvPr>
+            <p:ph type="body" sz="half" idx="2"/>
+          </p:nvPr>
+        </p:nvSpPr>
+        <p:spPr>
+          <a:xfrm>
+            <a:off x="629841" y="1543052"/>
+            <a:ext cx="2949178" cy="2858691"/>
+          </a:xfrm>
+        </p:spPr>
+        <p:txBody>
+          <a:bodyPr>
+            <a:normAutofit lnSpcReduction="10000"/>
+          </a:bodyPr>
+          <a:lstStyle/>
+          <a:p>
+            <a:pPr marL="285750" indent="-285750">
+              <a:buFont typeface="Arial" panose="020B0604020202020204" pitchFamily="34" charset="0"/>
+              <a:buChar char="•"/>
+            </a:pPr>
+            <a:r>
+              <a:rPr lang="en-US" dirty="0"/>
+              <a:t>Victim: </a:t>
+            </a:r>
+          </a:p>
+          <a:p>
+            <a:pPr marL="742950" lvl="1" indent="-285750">
+              <a:buFont typeface="Arial" panose="020B0604020202020204" pitchFamily="34" charset="0"/>
+              <a:buChar char="•"/>
+            </a:pPr>
+            <a:r>
+              <a:rPr lang="en-US" dirty="0"/>
+              <a:t>Pointer to the top chunk</a:t>
+            </a:r>
+          </a:p>
+          <a:p>
+            <a:pPr marL="285750" indent="-285750">
+              <a:buFont typeface="Arial" panose="020B0604020202020204" pitchFamily="34" charset="0"/>
+              <a:buChar char="•"/>
+            </a:pPr>
+            <a:r>
+              <a:rPr lang="en-US" dirty="0"/>
+              <a:t>Size: </a:t>
+            </a:r>
+          </a:p>
+          <a:p>
+            <a:pPr marL="742950" lvl="1" indent="-285750">
+              <a:buFont typeface="Arial" panose="020B0604020202020204" pitchFamily="34" charset="0"/>
+              <a:buChar char="•"/>
+            </a:pPr>
+            <a:r>
+              <a:rPr lang="en-US" dirty="0"/>
+              <a:t>Size of the top chunk</a:t>
+            </a:r>
+          </a:p>
+          <a:p>
+            <a:pPr marL="285750" indent="-285750">
+              <a:buFont typeface="Arial" panose="020B0604020202020204" pitchFamily="34" charset="0"/>
+              <a:buChar char="•"/>
+            </a:pPr>
+            <a:r>
+              <a:rPr lang="en-US" dirty="0" err="1"/>
+              <a:t>Nb</a:t>
+            </a:r>
+            <a:r>
+              <a:rPr lang="en-US" dirty="0"/>
+              <a:t>: </a:t>
+            </a:r>
+          </a:p>
+          <a:p>
+            <a:pPr marL="742950" lvl="1" indent="-285750">
+              <a:buFont typeface="Arial" panose="020B0604020202020204" pitchFamily="34" charset="0"/>
+              <a:buChar char="•"/>
+            </a:pPr>
+            <a:r>
+              <a:rPr lang="en-US" dirty="0"/>
+              <a:t>Amount of memory asked for</a:t>
+            </a:r>
+          </a:p>
+          <a:p>
+            <a:pPr marL="285750" indent="-285750">
+              <a:buFont typeface="Arial" panose="020B0604020202020204" pitchFamily="34" charset="0"/>
+              <a:buChar char="•"/>
+            </a:pPr>
+            <a:endParaRPr lang="en-US" dirty="0"/>
+          </a:p>
+          <a:p>
+            <a:pPr marL="285750" indent="-285750">
+              <a:buFont typeface="Arial" panose="020B0604020202020204" pitchFamily="34" charset="0"/>
+              <a:buChar char="•"/>
+            </a:pPr>
+            <a:r>
+              <a:rPr lang="en-US" dirty="0"/>
+              <a:t>No logic for protections against crazy large chunk sizes!</a:t>
+            </a:r>
+          </a:p>
+          <a:p>
+            <a:pPr marL="285750" indent="-285750">
+              <a:buFont typeface="Arial" panose="020B0604020202020204" pitchFamily="34" charset="0"/>
+              <a:buChar char="•"/>
+            </a:pPr>
+            <a:endParaRPr lang="en-US" dirty="0"/>
+          </a:p>
+          <a:p>
+            <a:pPr marL="285750" indent="-285750">
+              <a:buFont typeface="Arial" panose="020B0604020202020204" pitchFamily="34" charset="0"/>
+              <a:buChar char="•"/>
+            </a:pPr>
+            <a:endParaRPr lang="en-US" dirty="0"/>
+          </a:p>
+        </p:txBody>
+      </p:sp>
+      <p:pic>
+        <p:nvPicPr>
+          <p:cNvPr id="9" name="Content Placeholder 8" descr="A picture containing text&#10;&#10;Description automatically generated">
+            <a:extLst>
+              <a:ext uri="{FF2B5EF4-FFF2-40B4-BE49-F238E27FC236}">
+                <a16:creationId xmlns:a16="http://schemas.microsoft.com/office/drawing/2014/main" id="{D5EDF6A9-B44C-2145-901C-8B24E0197154}"/>
+              </a:ext>
+            </a:extLst>
+          </p:cNvPr>
+          <p:cNvPicPr>
+            <a:picLocks noChangeAspect="1"/>
+          </p:cNvPicPr>
+          <p:nvPr/>
+        </p:nvPicPr>
+        <p:blipFill rotWithShape="1">
+          <a:blip r:embed="rId3"/>
+          <a:srcRect r="48098"/>
+          <a:stretch/>
+        </p:blipFill>
+        <p:spPr>
+          <a:xfrm>
+            <a:off x="3885009" y="483021"/>
+            <a:ext cx="4629150" cy="2574226"/>
+          </a:xfrm>
+          <a:prstGeom prst="rect">
+            <a:avLst/>
+          </a:prstGeom>
+          <a:noFill/>
+        </p:spPr>
+      </p:pic>
+      <p:pic>
+        <p:nvPicPr>
+          <p:cNvPr id="6" name="Content Placeholder 5" descr="Creating the new user chunk">
+            <a:extLst>
+              <a:ext uri="{FF2B5EF4-FFF2-40B4-BE49-F238E27FC236}">
+                <a16:creationId xmlns:a16="http://schemas.microsoft.com/office/drawing/2014/main" id="{3A8F00F6-6826-CE4F-B819-470015E05B0A}"/>
+              </a:ext>
+            </a:extLst>
+          </p:cNvPr>
+          <p:cNvPicPr>
+            <a:picLocks noGrp="1" noChangeAspect="1"/>
+          </p:cNvPicPr>
+          <p:nvPr>
+            <p:ph idx="1"/>
+          </p:nvPr>
+        </p:nvPicPr>
+        <p:blipFill>
+          <a:blip r:embed="rId4"/>
+          <a:stretch>
+            <a:fillRect/>
+          </a:stretch>
+        </p:blipFill>
+        <p:spPr>
+          <a:xfrm>
+            <a:off x="4429326" y="1862545"/>
+            <a:ext cx="4519365" cy="1014550"/>
+          </a:xfrm>
+        </p:spPr>
+      </p:pic>
+      <p:cxnSp>
+        <p:nvCxnSpPr>
+          <p:cNvPr id="11" name="Straight Connector 10">
+            <a:extLst>
+              <a:ext uri="{FF2B5EF4-FFF2-40B4-BE49-F238E27FC236}">
+                <a16:creationId xmlns:a16="http://schemas.microsoft.com/office/drawing/2014/main" id="{8E4F8849-3C75-FB49-8C5A-052FAA6BF5E2}"/>
+              </a:ext>
+            </a:extLst>
+          </p:cNvPr>
+          <p:cNvCxnSpPr>
+            <a:cxnSpLocks/>
+          </p:cNvCxnSpPr>
+          <p:nvPr/>
+        </p:nvCxnSpPr>
+        <p:spPr>
+          <a:xfrm>
+            <a:off x="4572000" y="2491851"/>
+            <a:ext cx="4190260" cy="0"/>
+          </a:xfrm>
+          <a:prstGeom prst="line">
+            <a:avLst/>
+          </a:prstGeom>
+          <a:ln w="57150">
+            <a:solidFill>
+              <a:srgbClr val="FF0000"/>
+            </a:solidFill>
+          </a:ln>
+        </p:spPr>
+        <p:style>
+          <a:lnRef idx="1">
+            <a:schemeClr val="accent2"/>
+          </a:lnRef>
+          <a:fillRef idx="0">
+            <a:schemeClr val="accent2"/>
+          </a:fillRef>
+          <a:effectRef idx="0">
+            <a:schemeClr val="accent2"/>
+          </a:effectRef>
+          <a:fontRef idx="minor">
+            <a:schemeClr val="tx1"/>
+          </a:fontRef>
+        </p:style>
+      </p:cxnSp>
+    </p:spTree>
+    <p:extLst>
+      <p:ext uri="{BB962C8B-B14F-4D97-AF65-F5344CB8AC3E}">
+        <p14:creationId xmlns:p14="http://schemas.microsoft.com/office/powerpoint/2010/main" val="3376890541"/>
+      </p:ext>
+    </p:extLst>
+  </p:cSld>
+  <p:clrMapOvr>
+    <a:masterClrMapping/>
+  </p:clrMapOvr>
+</p:sld>
+</file>
+
+<file path=ppt/slides/slide27.xml><?xml version="1.0" encoding="utf-8"?>
+<p:sld xmlns:a="http://schemas.openxmlformats.org/drawingml/2006/main" xmlns:r="http://schemas.openxmlformats.org/officeDocument/2006/relationships" xmlns:p="http://schemas.openxmlformats.org/presentationml/2006/main">
+  <p:cSld>
+    <p:spTree>
+      <p:nvGrpSpPr>
+        <p:cNvPr id="1" name=""/>
+        <p:cNvGrpSpPr/>
+        <p:nvPr/>
+      </p:nvGrpSpPr>
+      <p:grpSpPr>
+        <a:xfrm>
+          <a:off x="0" y="0"/>
+          <a:ext cx="0" cy="0"/>
+          <a:chOff x="0" y="0"/>
+          <a:chExt cx="0" cy="0"/>
+        </a:xfrm>
+      </p:grpSpPr>
+      <p:sp>
+        <p:nvSpPr>
+          <p:cNvPr id="2" name="Title 1">
+            <a:extLst>
+              <a:ext uri="{FF2B5EF4-FFF2-40B4-BE49-F238E27FC236}">
                 <a16:creationId xmlns:a16="http://schemas.microsoft.com/office/drawing/2014/main" id="{A10A7709-FD6C-B04E-8F0B-FE511A82C787}"/>
               </a:ext>
             </a:extLst>
@@ -37328,7 +39039,7 @@
 </p:sld>
 </file>
 
-<file path=ppt/slides/slide26.xml><?xml version="1.0" encoding="utf-8"?>
+<file path=ppt/slides/slide28.xml><?xml version="1.0" encoding="utf-8"?>
 <p:sld xmlns:a="http://schemas.openxmlformats.org/drawingml/2006/main" xmlns:r="http://schemas.openxmlformats.org/officeDocument/2006/relationships" xmlns:p="http://schemas.openxmlformats.org/presentationml/2006/main">
   <p:cSld>
     <p:spTree>
@@ -37572,7 +39283,7 @@
 </p:sld>
 </file>
 
-<file path=ppt/slides/slide27.xml><?xml version="1.0" encoding="utf-8"?>
+<file path=ppt/slides/slide29.xml><?xml version="1.0" encoding="utf-8"?>
 <p:sld xmlns:a="http://schemas.openxmlformats.org/drawingml/2006/main" xmlns:r="http://schemas.openxmlformats.org/officeDocument/2006/relationships" xmlns:p="http://schemas.openxmlformats.org/presentationml/2006/main">
   <p:cSld>
     <p:spTree>
@@ -37730,7 +39441,325 @@
 </p:sld>
 </file>
 
-<file path=ppt/slides/slide28.xml><?xml version="1.0" encoding="utf-8"?>
+<file path=ppt/slides/slide3.xml><?xml version="1.0" encoding="utf-8"?>
+<p:sld xmlns:a="http://schemas.openxmlformats.org/drawingml/2006/main" xmlns:r="http://schemas.openxmlformats.org/officeDocument/2006/relationships" xmlns:p="http://schemas.openxmlformats.org/presentationml/2006/main">
+  <p:cSld>
+    <p:spTree>
+      <p:nvGrpSpPr>
+        <p:cNvPr id="1" name=""/>
+        <p:cNvGrpSpPr/>
+        <p:nvPr/>
+      </p:nvGrpSpPr>
+      <p:grpSpPr>
+        <a:xfrm>
+          <a:off x="0" y="0"/>
+          <a:ext cx="0" cy="0"/>
+          <a:chOff x="0" y="0"/>
+          <a:chExt cx="0" cy="0"/>
+        </a:xfrm>
+      </p:grpSpPr>
+      <p:sp>
+        <p:nvSpPr>
+          <p:cNvPr id="2" name="Title 1">
+            <a:extLst>
+              <a:ext uri="{FF2B5EF4-FFF2-40B4-BE49-F238E27FC236}">
+                <a16:creationId xmlns:a16="http://schemas.microsoft.com/office/drawing/2014/main" id="{496A2660-C8FE-1445-B170-34232396C7B1}"/>
+              </a:ext>
+            </a:extLst>
+          </p:cNvPr>
+          <p:cNvSpPr>
+            <a:spLocks noGrp="1"/>
+          </p:cNvSpPr>
+          <p:nvPr>
+            <p:ph type="title"/>
+          </p:nvPr>
+        </p:nvSpPr>
+        <p:spPr/>
+        <p:txBody>
+          <a:bodyPr/>
+          <a:lstStyle/>
+          <a:p>
+            <a:r>
+              <a:rPr lang="en-US" dirty="0"/>
+              <a:t>Top Chunk - 1</a:t>
+            </a:r>
+          </a:p>
+        </p:txBody>
+      </p:sp>
+      <p:sp>
+        <p:nvSpPr>
+          <p:cNvPr id="3" name="Content Placeholder 2">
+            <a:extLst>
+              <a:ext uri="{FF2B5EF4-FFF2-40B4-BE49-F238E27FC236}">
+                <a16:creationId xmlns:a16="http://schemas.microsoft.com/office/drawing/2014/main" id="{19A651E9-27DF-FA46-9C12-B918D240929A}"/>
+              </a:ext>
+            </a:extLst>
+          </p:cNvPr>
+          <p:cNvSpPr>
+            <a:spLocks noGrp="1"/>
+          </p:cNvSpPr>
+          <p:nvPr>
+            <p:ph idx="1"/>
+          </p:nvPr>
+        </p:nvSpPr>
+        <p:spPr>
+          <a:xfrm>
+            <a:off x="628650" y="1236540"/>
+            <a:ext cx="4506620" cy="3814853"/>
+          </a:xfrm>
+        </p:spPr>
+        <p:txBody>
+          <a:bodyPr>
+            <a:normAutofit/>
+          </a:bodyPr>
+          <a:lstStyle/>
+          <a:p>
+            <a:r>
+              <a:rPr lang="en-US" dirty="0"/>
+              <a:t>Remember the </a:t>
+            </a:r>
+            <a:r>
+              <a:rPr lang="en-US" b="1" i="1" dirty="0" err="1"/>
+              <a:t>sbrk</a:t>
+            </a:r>
+            <a:r>
+              <a:rPr lang="en-US" dirty="0"/>
+              <a:t> allocation at the beginning?</a:t>
+            </a:r>
+          </a:p>
+          <a:p>
+            <a:r>
+              <a:rPr lang="en-US" dirty="0"/>
+              <a:t>Just holds a size for the total amount of </a:t>
+            </a:r>
+            <a:r>
+              <a:rPr lang="en-US" b="1" i="1" dirty="0"/>
+              <a:t>memory left </a:t>
+            </a:r>
+            <a:r>
+              <a:rPr lang="en-US" dirty="0"/>
+              <a:t>in this </a:t>
+            </a:r>
+            <a:r>
+              <a:rPr lang="en-US" b="1" i="1" dirty="0" err="1"/>
+              <a:t>sbrk</a:t>
+            </a:r>
+            <a:r>
+              <a:rPr lang="en-US" dirty="0"/>
+              <a:t> allocation</a:t>
+            </a:r>
+          </a:p>
+          <a:p>
+            <a:r>
+              <a:rPr lang="en-US" dirty="0"/>
+              <a:t>At the top of the heap segment</a:t>
+            </a:r>
+          </a:p>
+          <a:p>
+            <a:r>
+              <a:rPr lang="en-US" dirty="0">
+                <a:solidFill>
+                  <a:srgbClr val="FF0000"/>
+                </a:solidFill>
+              </a:rPr>
+              <a:t>Redlines</a:t>
+            </a:r>
+            <a:r>
+              <a:rPr lang="en-US" dirty="0"/>
+              <a:t> is the </a:t>
+            </a:r>
+            <a:r>
+              <a:rPr lang="en-US" i="1" dirty="0"/>
+              <a:t>entire</a:t>
+            </a:r>
+            <a:r>
+              <a:rPr lang="en-US" dirty="0"/>
+              <a:t> size of the top chunk</a:t>
+            </a:r>
+          </a:p>
+          <a:p>
+            <a:pPr marL="0" indent="0">
+              <a:buNone/>
+            </a:pPr>
+            <a:endParaRPr lang="en-US" dirty="0"/>
+          </a:p>
+        </p:txBody>
+      </p:sp>
+      <p:pic>
+        <p:nvPicPr>
+          <p:cNvPr id="5" name="Picture 4" descr="Top Chunk">
+            <a:extLst>
+              <a:ext uri="{FF2B5EF4-FFF2-40B4-BE49-F238E27FC236}">
+                <a16:creationId xmlns:a16="http://schemas.microsoft.com/office/drawing/2014/main" id="{CEE51AF2-F9D0-8942-876F-E0AD7F4853B3}"/>
+              </a:ext>
+            </a:extLst>
+          </p:cNvPr>
+          <p:cNvPicPr>
+            <a:picLocks noChangeAspect="1"/>
+          </p:cNvPicPr>
+          <p:nvPr/>
+        </p:nvPicPr>
+        <p:blipFill>
+          <a:blip r:embed="rId2"/>
+          <a:stretch>
+            <a:fillRect/>
+          </a:stretch>
+        </p:blipFill>
+        <p:spPr>
+          <a:xfrm>
+            <a:off x="6169263" y="147871"/>
+            <a:ext cx="2753030" cy="4235430"/>
+          </a:xfrm>
+          <a:prstGeom prst="rect">
+            <a:avLst/>
+          </a:prstGeom>
+        </p:spPr>
+      </p:pic>
+      <p:cxnSp>
+        <p:nvCxnSpPr>
+          <p:cNvPr id="6" name="Straight Arrow Connector 5">
+            <a:extLst>
+              <a:ext uri="{FF2B5EF4-FFF2-40B4-BE49-F238E27FC236}">
+                <a16:creationId xmlns:a16="http://schemas.microsoft.com/office/drawing/2014/main" id="{EDD0F7A8-1CDA-944C-A465-21BADE43F523}"/>
+              </a:ext>
+            </a:extLst>
+          </p:cNvPr>
+          <p:cNvCxnSpPr>
+            <a:cxnSpLocks/>
+          </p:cNvCxnSpPr>
+          <p:nvPr/>
+        </p:nvCxnSpPr>
+        <p:spPr>
+          <a:xfrm>
+            <a:off x="5449662" y="1387088"/>
+            <a:ext cx="719601" cy="0"/>
+          </a:xfrm>
+          <a:prstGeom prst="straightConnector1">
+            <a:avLst/>
+          </a:prstGeom>
+          <a:ln w="57150">
+            <a:solidFill>
+              <a:srgbClr val="FF0000"/>
+            </a:solidFill>
+            <a:tailEnd type="triangle"/>
+          </a:ln>
+        </p:spPr>
+        <p:style>
+          <a:lnRef idx="1">
+            <a:schemeClr val="accent1"/>
+          </a:lnRef>
+          <a:fillRef idx="0">
+            <a:schemeClr val="accent1"/>
+          </a:fillRef>
+          <a:effectRef idx="0">
+            <a:schemeClr val="accent1"/>
+          </a:effectRef>
+          <a:fontRef idx="minor">
+            <a:schemeClr val="tx1"/>
+          </a:fontRef>
+        </p:style>
+      </p:cxnSp>
+      <p:cxnSp>
+        <p:nvCxnSpPr>
+          <p:cNvPr id="7" name="Straight Connector 6">
+            <a:extLst>
+              <a:ext uri="{FF2B5EF4-FFF2-40B4-BE49-F238E27FC236}">
+                <a16:creationId xmlns:a16="http://schemas.microsoft.com/office/drawing/2014/main" id="{9AF68EA6-F65F-0F4B-A06F-A572267718A5}"/>
+              </a:ext>
+            </a:extLst>
+          </p:cNvPr>
+          <p:cNvCxnSpPr>
+            <a:cxnSpLocks/>
+          </p:cNvCxnSpPr>
+          <p:nvPr/>
+        </p:nvCxnSpPr>
+        <p:spPr>
+          <a:xfrm>
+            <a:off x="5477166" y="1387088"/>
+            <a:ext cx="17905" cy="2244135"/>
+          </a:xfrm>
+          <a:prstGeom prst="line">
+            <a:avLst/>
+          </a:prstGeom>
+          <a:ln w="47625">
+            <a:solidFill>
+              <a:srgbClr val="FF0000"/>
+            </a:solidFill>
+          </a:ln>
+        </p:spPr>
+        <p:style>
+          <a:lnRef idx="1">
+            <a:schemeClr val="accent1"/>
+          </a:lnRef>
+          <a:fillRef idx="0">
+            <a:schemeClr val="accent1"/>
+          </a:fillRef>
+          <a:effectRef idx="0">
+            <a:schemeClr val="accent1"/>
+          </a:effectRef>
+          <a:fontRef idx="minor">
+            <a:schemeClr val="tx1"/>
+          </a:fontRef>
+        </p:style>
+      </p:cxnSp>
+      <p:cxnSp>
+        <p:nvCxnSpPr>
+          <p:cNvPr id="8" name="Straight Arrow Connector 7">
+            <a:extLst>
+              <a:ext uri="{FF2B5EF4-FFF2-40B4-BE49-F238E27FC236}">
+                <a16:creationId xmlns:a16="http://schemas.microsoft.com/office/drawing/2014/main" id="{64F6C6EF-DDE4-254F-AD92-49C71D22E36F}"/>
+              </a:ext>
+            </a:extLst>
+          </p:cNvPr>
+          <p:cNvCxnSpPr>
+            <a:cxnSpLocks/>
+          </p:cNvCxnSpPr>
+          <p:nvPr/>
+        </p:nvCxnSpPr>
+        <p:spPr>
+          <a:xfrm>
+            <a:off x="5495071" y="3631223"/>
+            <a:ext cx="719601" cy="0"/>
+          </a:xfrm>
+          <a:prstGeom prst="straightConnector1">
+            <a:avLst/>
+          </a:prstGeom>
+          <a:ln w="57150">
+            <a:solidFill>
+              <a:srgbClr val="FF0000"/>
+            </a:solidFill>
+            <a:tailEnd type="triangle"/>
+          </a:ln>
+        </p:spPr>
+        <p:style>
+          <a:lnRef idx="1">
+            <a:schemeClr val="accent1"/>
+          </a:lnRef>
+          <a:fillRef idx="0">
+            <a:schemeClr val="accent1"/>
+          </a:fillRef>
+          <a:effectRef idx="0">
+            <a:schemeClr val="accent1"/>
+          </a:effectRef>
+          <a:fontRef idx="minor">
+            <a:schemeClr val="tx1"/>
+          </a:fontRef>
+        </p:style>
+      </p:cxnSp>
+    </p:spTree>
+    <p:extLst>
+      <p:ext uri="{BB962C8B-B14F-4D97-AF65-F5344CB8AC3E}">
+        <p14:creationId xmlns:p14="http://schemas.microsoft.com/office/powerpoint/2010/main" val="3303566305"/>
+      </p:ext>
+    </p:extLst>
+  </p:cSld>
+  <p:clrMapOvr>
+    <a:masterClrMapping/>
+  </p:clrMapOvr>
+</p:sld>
+</file>
+
+<file path=ppt/slides/slide30.xml><?xml version="1.0" encoding="utf-8"?>
 <p:sld xmlns:a="http://schemas.openxmlformats.org/drawingml/2006/main" xmlns:r="http://schemas.openxmlformats.org/officeDocument/2006/relationships" xmlns:p="http://schemas.openxmlformats.org/presentationml/2006/main">
   <p:cSld>
     <p:spTree>
@@ -37877,7 +39906,7 @@
 </p:sld>
 </file>
 
-<file path=ppt/slides/slide29.xml><?xml version="1.0" encoding="utf-8"?>
+<file path=ppt/slides/slide31.xml><?xml version="1.0" encoding="utf-8"?>
 <p:sld xmlns:a="http://schemas.openxmlformats.org/drawingml/2006/main" xmlns:r="http://schemas.openxmlformats.org/officeDocument/2006/relationships" xmlns:p="http://schemas.openxmlformats.org/presentationml/2006/main">
   <p:cSld>
     <p:spTree>
@@ -38862,325 +40891,7 @@
 </p:sld>
 </file>
 
-<file path=ppt/slides/slide3.xml><?xml version="1.0" encoding="utf-8"?>
-<p:sld xmlns:a="http://schemas.openxmlformats.org/drawingml/2006/main" xmlns:r="http://schemas.openxmlformats.org/officeDocument/2006/relationships" xmlns:p="http://schemas.openxmlformats.org/presentationml/2006/main">
-  <p:cSld>
-    <p:spTree>
-      <p:nvGrpSpPr>
-        <p:cNvPr id="1" name=""/>
-        <p:cNvGrpSpPr/>
-        <p:nvPr/>
-      </p:nvGrpSpPr>
-      <p:grpSpPr>
-        <a:xfrm>
-          <a:off x="0" y="0"/>
-          <a:ext cx="0" cy="0"/>
-          <a:chOff x="0" y="0"/>
-          <a:chExt cx="0" cy="0"/>
-        </a:xfrm>
-      </p:grpSpPr>
-      <p:sp>
-        <p:nvSpPr>
-          <p:cNvPr id="2" name="Title 1">
-            <a:extLst>
-              <a:ext uri="{FF2B5EF4-FFF2-40B4-BE49-F238E27FC236}">
-                <a16:creationId xmlns:a16="http://schemas.microsoft.com/office/drawing/2014/main" id="{496A2660-C8FE-1445-B170-34232396C7B1}"/>
-              </a:ext>
-            </a:extLst>
-          </p:cNvPr>
-          <p:cNvSpPr>
-            <a:spLocks noGrp="1"/>
-          </p:cNvSpPr>
-          <p:nvPr>
-            <p:ph type="title"/>
-          </p:nvPr>
-        </p:nvSpPr>
-        <p:spPr/>
-        <p:txBody>
-          <a:bodyPr/>
-          <a:lstStyle/>
-          <a:p>
-            <a:r>
-              <a:rPr lang="en-US" dirty="0"/>
-              <a:t>Top Chunk - 1</a:t>
-            </a:r>
-          </a:p>
-        </p:txBody>
-      </p:sp>
-      <p:sp>
-        <p:nvSpPr>
-          <p:cNvPr id="3" name="Content Placeholder 2">
-            <a:extLst>
-              <a:ext uri="{FF2B5EF4-FFF2-40B4-BE49-F238E27FC236}">
-                <a16:creationId xmlns:a16="http://schemas.microsoft.com/office/drawing/2014/main" id="{19A651E9-27DF-FA46-9C12-B918D240929A}"/>
-              </a:ext>
-            </a:extLst>
-          </p:cNvPr>
-          <p:cNvSpPr>
-            <a:spLocks noGrp="1"/>
-          </p:cNvSpPr>
-          <p:nvPr>
-            <p:ph idx="1"/>
-          </p:nvPr>
-        </p:nvSpPr>
-        <p:spPr>
-          <a:xfrm>
-            <a:off x="628650" y="1236540"/>
-            <a:ext cx="4506620" cy="3814853"/>
-          </a:xfrm>
-        </p:spPr>
-        <p:txBody>
-          <a:bodyPr>
-            <a:normAutofit/>
-          </a:bodyPr>
-          <a:lstStyle/>
-          <a:p>
-            <a:r>
-              <a:rPr lang="en-US" dirty="0"/>
-              <a:t>Remember the </a:t>
-            </a:r>
-            <a:r>
-              <a:rPr lang="en-US" b="1" i="1" dirty="0" err="1"/>
-              <a:t>sbrk</a:t>
-            </a:r>
-            <a:r>
-              <a:rPr lang="en-US" dirty="0"/>
-              <a:t> allocation at the beginning?</a:t>
-            </a:r>
-          </a:p>
-          <a:p>
-            <a:r>
-              <a:rPr lang="en-US" dirty="0"/>
-              <a:t>Just holds a size for the total amount of </a:t>
-            </a:r>
-            <a:r>
-              <a:rPr lang="en-US" b="1" i="1" dirty="0"/>
-              <a:t>memory left </a:t>
-            </a:r>
-            <a:r>
-              <a:rPr lang="en-US" dirty="0"/>
-              <a:t>in this </a:t>
-            </a:r>
-            <a:r>
-              <a:rPr lang="en-US" b="1" i="1" dirty="0" err="1"/>
-              <a:t>sbrk</a:t>
-            </a:r>
-            <a:r>
-              <a:rPr lang="en-US" dirty="0"/>
-              <a:t> allocation</a:t>
-            </a:r>
-          </a:p>
-          <a:p>
-            <a:r>
-              <a:rPr lang="en-US" dirty="0"/>
-              <a:t>At the top of the heap segment</a:t>
-            </a:r>
-          </a:p>
-          <a:p>
-            <a:r>
-              <a:rPr lang="en-US" dirty="0">
-                <a:solidFill>
-                  <a:srgbClr val="FF0000"/>
-                </a:solidFill>
-              </a:rPr>
-              <a:t>Redlines</a:t>
-            </a:r>
-            <a:r>
-              <a:rPr lang="en-US" dirty="0"/>
-              <a:t> is the </a:t>
-            </a:r>
-            <a:r>
-              <a:rPr lang="en-US" i="1" dirty="0"/>
-              <a:t>entire</a:t>
-            </a:r>
-            <a:r>
-              <a:rPr lang="en-US" dirty="0"/>
-              <a:t> size of the top chunk</a:t>
-            </a:r>
-          </a:p>
-          <a:p>
-            <a:pPr marL="0" indent="0">
-              <a:buNone/>
-            </a:pPr>
-            <a:endParaRPr lang="en-US" dirty="0"/>
-          </a:p>
-        </p:txBody>
-      </p:sp>
-      <p:pic>
-        <p:nvPicPr>
-          <p:cNvPr id="5" name="Picture 4" descr="Top Chunk">
-            <a:extLst>
-              <a:ext uri="{FF2B5EF4-FFF2-40B4-BE49-F238E27FC236}">
-                <a16:creationId xmlns:a16="http://schemas.microsoft.com/office/drawing/2014/main" id="{CEE51AF2-F9D0-8942-876F-E0AD7F4853B3}"/>
-              </a:ext>
-            </a:extLst>
-          </p:cNvPr>
-          <p:cNvPicPr>
-            <a:picLocks noChangeAspect="1"/>
-          </p:cNvPicPr>
-          <p:nvPr/>
-        </p:nvPicPr>
-        <p:blipFill>
-          <a:blip r:embed="rId2"/>
-          <a:stretch>
-            <a:fillRect/>
-          </a:stretch>
-        </p:blipFill>
-        <p:spPr>
-          <a:xfrm>
-            <a:off x="6169263" y="147871"/>
-            <a:ext cx="2753030" cy="4235430"/>
-          </a:xfrm>
-          <a:prstGeom prst="rect">
-            <a:avLst/>
-          </a:prstGeom>
-        </p:spPr>
-      </p:pic>
-      <p:cxnSp>
-        <p:nvCxnSpPr>
-          <p:cNvPr id="6" name="Straight Arrow Connector 5">
-            <a:extLst>
-              <a:ext uri="{FF2B5EF4-FFF2-40B4-BE49-F238E27FC236}">
-                <a16:creationId xmlns:a16="http://schemas.microsoft.com/office/drawing/2014/main" id="{EDD0F7A8-1CDA-944C-A465-21BADE43F523}"/>
-              </a:ext>
-            </a:extLst>
-          </p:cNvPr>
-          <p:cNvCxnSpPr>
-            <a:cxnSpLocks/>
-          </p:cNvCxnSpPr>
-          <p:nvPr/>
-        </p:nvCxnSpPr>
-        <p:spPr>
-          <a:xfrm>
-            <a:off x="5449662" y="1387088"/>
-            <a:ext cx="719601" cy="0"/>
-          </a:xfrm>
-          <a:prstGeom prst="straightConnector1">
-            <a:avLst/>
-          </a:prstGeom>
-          <a:ln w="57150">
-            <a:solidFill>
-              <a:srgbClr val="FF0000"/>
-            </a:solidFill>
-            <a:tailEnd type="triangle"/>
-          </a:ln>
-        </p:spPr>
-        <p:style>
-          <a:lnRef idx="1">
-            <a:schemeClr val="accent1"/>
-          </a:lnRef>
-          <a:fillRef idx="0">
-            <a:schemeClr val="accent1"/>
-          </a:fillRef>
-          <a:effectRef idx="0">
-            <a:schemeClr val="accent1"/>
-          </a:effectRef>
-          <a:fontRef idx="minor">
-            <a:schemeClr val="tx1"/>
-          </a:fontRef>
-        </p:style>
-      </p:cxnSp>
-      <p:cxnSp>
-        <p:nvCxnSpPr>
-          <p:cNvPr id="7" name="Straight Connector 6">
-            <a:extLst>
-              <a:ext uri="{FF2B5EF4-FFF2-40B4-BE49-F238E27FC236}">
-                <a16:creationId xmlns:a16="http://schemas.microsoft.com/office/drawing/2014/main" id="{9AF68EA6-F65F-0F4B-A06F-A572267718A5}"/>
-              </a:ext>
-            </a:extLst>
-          </p:cNvPr>
-          <p:cNvCxnSpPr>
-            <a:cxnSpLocks/>
-          </p:cNvCxnSpPr>
-          <p:nvPr/>
-        </p:nvCxnSpPr>
-        <p:spPr>
-          <a:xfrm>
-            <a:off x="5477166" y="1387088"/>
-            <a:ext cx="17905" cy="2244135"/>
-          </a:xfrm>
-          <a:prstGeom prst="line">
-            <a:avLst/>
-          </a:prstGeom>
-          <a:ln w="47625">
-            <a:solidFill>
-              <a:srgbClr val="FF0000"/>
-            </a:solidFill>
-          </a:ln>
-        </p:spPr>
-        <p:style>
-          <a:lnRef idx="1">
-            <a:schemeClr val="accent1"/>
-          </a:lnRef>
-          <a:fillRef idx="0">
-            <a:schemeClr val="accent1"/>
-          </a:fillRef>
-          <a:effectRef idx="0">
-            <a:schemeClr val="accent1"/>
-          </a:effectRef>
-          <a:fontRef idx="minor">
-            <a:schemeClr val="tx1"/>
-          </a:fontRef>
-        </p:style>
-      </p:cxnSp>
-      <p:cxnSp>
-        <p:nvCxnSpPr>
-          <p:cNvPr id="8" name="Straight Arrow Connector 7">
-            <a:extLst>
-              <a:ext uri="{FF2B5EF4-FFF2-40B4-BE49-F238E27FC236}">
-                <a16:creationId xmlns:a16="http://schemas.microsoft.com/office/drawing/2014/main" id="{64F6C6EF-DDE4-254F-AD92-49C71D22E36F}"/>
-              </a:ext>
-            </a:extLst>
-          </p:cNvPr>
-          <p:cNvCxnSpPr>
-            <a:cxnSpLocks/>
-          </p:cNvCxnSpPr>
-          <p:nvPr/>
-        </p:nvCxnSpPr>
-        <p:spPr>
-          <a:xfrm>
-            <a:off x="5495071" y="3631223"/>
-            <a:ext cx="719601" cy="0"/>
-          </a:xfrm>
-          <a:prstGeom prst="straightConnector1">
-            <a:avLst/>
-          </a:prstGeom>
-          <a:ln w="57150">
-            <a:solidFill>
-              <a:srgbClr val="FF0000"/>
-            </a:solidFill>
-            <a:tailEnd type="triangle"/>
-          </a:ln>
-        </p:spPr>
-        <p:style>
-          <a:lnRef idx="1">
-            <a:schemeClr val="accent1"/>
-          </a:lnRef>
-          <a:fillRef idx="0">
-            <a:schemeClr val="accent1"/>
-          </a:fillRef>
-          <a:effectRef idx="0">
-            <a:schemeClr val="accent1"/>
-          </a:effectRef>
-          <a:fontRef idx="minor">
-            <a:schemeClr val="tx1"/>
-          </a:fontRef>
-        </p:style>
-      </p:cxnSp>
-    </p:spTree>
-    <p:extLst>
-      <p:ext uri="{BB962C8B-B14F-4D97-AF65-F5344CB8AC3E}">
-        <p14:creationId xmlns:p14="http://schemas.microsoft.com/office/powerpoint/2010/main" val="3303566305"/>
-      </p:ext>
-    </p:extLst>
-  </p:cSld>
-  <p:clrMapOvr>
-    <a:masterClrMapping/>
-  </p:clrMapOvr>
-</p:sld>
-</file>
-
-<file path=ppt/slides/slide30.xml><?xml version="1.0" encoding="utf-8"?>
+<file path=ppt/slides/slide32.xml><?xml version="1.0" encoding="utf-8"?>
 <p:sld xmlns:a="http://schemas.openxmlformats.org/drawingml/2006/main" xmlns:r="http://schemas.openxmlformats.org/officeDocument/2006/relationships" xmlns:p="http://schemas.openxmlformats.org/presentationml/2006/main">
   <p:cSld>
     <p:spTree>
@@ -39313,7 +41024,7 @@
 </p:sld>
 </file>
 
-<file path=ppt/slides/slide31.xml><?xml version="1.0" encoding="utf-8"?>
+<file path=ppt/slides/slide33.xml><?xml version="1.0" encoding="utf-8"?>
 <p:sld xmlns:a="http://schemas.openxmlformats.org/drawingml/2006/main" xmlns:r="http://schemas.openxmlformats.org/officeDocument/2006/relationships" xmlns:p="http://schemas.openxmlformats.org/presentationml/2006/main">
   <p:cSld>
     <p:spTree>
@@ -39537,7 +41248,7 @@
 </p:sld>
 </file>
 
-<file path=ppt/slides/slide32.xml><?xml version="1.0" encoding="utf-8"?>
+<file path=ppt/slides/slide34.xml><?xml version="1.0" encoding="utf-8"?>
 <p:sld xmlns:a="http://schemas.openxmlformats.org/drawingml/2006/main" xmlns:r="http://schemas.openxmlformats.org/officeDocument/2006/relationships" xmlns:p="http://schemas.openxmlformats.org/presentationml/2006/main">
   <p:cSld>
     <p:spTree>
@@ -39687,7 +41398,7 @@
 </p:sld>
 </file>
 
-<file path=ppt/slides/slide33.xml><?xml version="1.0" encoding="utf-8"?>
+<file path=ppt/slides/slide35.xml><?xml version="1.0" encoding="utf-8"?>
 <p:sld xmlns:a="http://schemas.openxmlformats.org/drawingml/2006/main" xmlns:r="http://schemas.openxmlformats.org/officeDocument/2006/relationships" xmlns:p="http://schemas.openxmlformats.org/presentationml/2006/main">
   <p:cSld>
     <p:spTree>
@@ -39778,7 +41489,7 @@
 </p:sld>
 </file>
 
-<file path=ppt/slides/slide34.xml><?xml version="1.0" encoding="utf-8"?>
+<file path=ppt/slides/slide36.xml><?xml version="1.0" encoding="utf-8"?>
 <p:sld xmlns:a="http://schemas.openxmlformats.org/drawingml/2006/main" xmlns:r="http://schemas.openxmlformats.org/officeDocument/2006/relationships" xmlns:p="http://schemas.openxmlformats.org/presentationml/2006/main">
   <p:cSld>
     <p:spTree>
@@ -39874,7 +41585,7 @@
 </p:sld>
 </file>
 
-<file path=ppt/slides/slide35.xml><?xml version="1.0" encoding="utf-8"?>
+<file path=ppt/slides/slide37.xml><?xml version="1.0" encoding="utf-8"?>
 <p:sld xmlns:a="http://schemas.openxmlformats.org/drawingml/2006/main" xmlns:r="http://schemas.openxmlformats.org/officeDocument/2006/relationships" xmlns:p="http://schemas.openxmlformats.org/presentationml/2006/main">
   <p:cSld>
     <p:spTree>
@@ -40182,7 +41893,7 @@
 </p:sld>
 </file>
 
-<file path=ppt/slides/slide36.xml><?xml version="1.0" encoding="utf-8"?>
+<file path=ppt/slides/slide38.xml><?xml version="1.0" encoding="utf-8"?>
 <p:sld xmlns:a="http://schemas.openxmlformats.org/drawingml/2006/main" xmlns:r="http://schemas.openxmlformats.org/officeDocument/2006/relationships" xmlns:p="http://schemas.openxmlformats.org/presentationml/2006/main">
   <p:cSld>
     <p:spTree>
@@ -40488,7 +42199,7 @@
 </p:sld>
 </file>
 
-<file path=ppt/slides/slide37.xml><?xml version="1.0" encoding="utf-8"?>
+<file path=ppt/slides/slide39.xml><?xml version="1.0" encoding="utf-8"?>
 <p:sld xmlns:a="http://schemas.openxmlformats.org/drawingml/2006/main" xmlns:r="http://schemas.openxmlformats.org/officeDocument/2006/relationships" xmlns:p="http://schemas.openxmlformats.org/presentationml/2006/main">
   <p:cSld>
     <p:spTree>
@@ -40783,239 +42494,6 @@
 </p:sld>
 </file>
 
-<file path=ppt/slides/slide38.xml><?xml version="1.0" encoding="utf-8"?>
-<p:sld xmlns:a="http://schemas.openxmlformats.org/drawingml/2006/main" xmlns:r="http://schemas.openxmlformats.org/officeDocument/2006/relationships" xmlns:p="http://schemas.openxmlformats.org/presentationml/2006/main">
-  <p:cSld>
-    <p:spTree>
-      <p:nvGrpSpPr>
-        <p:cNvPr id="1" name=""/>
-        <p:cNvGrpSpPr/>
-        <p:nvPr/>
-      </p:nvGrpSpPr>
-      <p:grpSpPr>
-        <a:xfrm>
-          <a:off x="0" y="0"/>
-          <a:ext cx="0" cy="0"/>
-          <a:chOff x="0" y="0"/>
-          <a:chExt cx="0" cy="0"/>
-        </a:xfrm>
-      </p:grpSpPr>
-      <p:sp>
-        <p:nvSpPr>
-          <p:cNvPr id="2" name="Title 1">
-            <a:extLst>
-              <a:ext uri="{FF2B5EF4-FFF2-40B4-BE49-F238E27FC236}">
-                <a16:creationId xmlns:a16="http://schemas.microsoft.com/office/drawing/2014/main" id="{BC83AE41-BD04-274E-B2A3-A30AD7399D4F}"/>
-              </a:ext>
-            </a:extLst>
-          </p:cNvPr>
-          <p:cNvSpPr>
-            <a:spLocks noGrp="1"/>
-          </p:cNvSpPr>
-          <p:nvPr>
-            <p:ph type="title"/>
-          </p:nvPr>
-        </p:nvSpPr>
-        <p:spPr/>
-        <p:txBody>
-          <a:bodyPr/>
-          <a:lstStyle/>
-          <a:p>
-            <a:r>
-              <a:rPr lang="en-US" dirty="0"/>
-              <a:t>Actual Size?</a:t>
-            </a:r>
-          </a:p>
-        </p:txBody>
-      </p:sp>
-      <p:sp>
-        <p:nvSpPr>
-          <p:cNvPr id="3" name="Content Placeholder 2">
-            <a:extLst>
-              <a:ext uri="{FF2B5EF4-FFF2-40B4-BE49-F238E27FC236}">
-                <a16:creationId xmlns:a16="http://schemas.microsoft.com/office/drawing/2014/main" id="{C4E8CD84-5B36-804C-A64D-37C66B20E7CB}"/>
-              </a:ext>
-            </a:extLst>
-          </p:cNvPr>
-          <p:cNvSpPr>
-            <a:spLocks noGrp="1"/>
-          </p:cNvSpPr>
-          <p:nvPr>
-            <p:ph idx="1"/>
-          </p:nvPr>
-        </p:nvSpPr>
-        <p:spPr>
-          <a:xfrm>
-            <a:off x="628650" y="1236541"/>
-            <a:ext cx="4552950" cy="3263504"/>
-          </a:xfrm>
-        </p:spPr>
-        <p:txBody>
-          <a:bodyPr/>
-          <a:lstStyle/>
-          <a:p>
-            <a:r>
-              <a:rPr lang="en-US" dirty="0"/>
-              <a:t>Large enough for your allocation to an arbitrary location</a:t>
-            </a:r>
-          </a:p>
-          <a:p>
-            <a:r>
-              <a:rPr lang="en-US" dirty="0"/>
-              <a:t>-1 will always work</a:t>
-            </a:r>
-          </a:p>
-          <a:p>
-            <a:r>
-              <a:rPr lang="en-US" i="1" dirty="0"/>
-              <a:t>prev_size </a:t>
-            </a:r>
-            <a:r>
-              <a:rPr lang="en-US" dirty="0"/>
-              <a:t>does not matter</a:t>
-            </a:r>
-          </a:p>
-        </p:txBody>
-      </p:sp>
-      <p:pic>
-        <p:nvPicPr>
-          <p:cNvPr id="5" name="Picture 4" descr="-1 as the size of the chunk">
-            <a:extLst>
-              <a:ext uri="{FF2B5EF4-FFF2-40B4-BE49-F238E27FC236}">
-                <a16:creationId xmlns:a16="http://schemas.microsoft.com/office/drawing/2014/main" id="{84E80864-7BA9-E44E-9F18-BB69E9CAA1D6}"/>
-              </a:ext>
-            </a:extLst>
-          </p:cNvPr>
-          <p:cNvPicPr>
-            <a:picLocks noChangeAspect="1"/>
-          </p:cNvPicPr>
-          <p:nvPr/>
-        </p:nvPicPr>
-        <p:blipFill>
-          <a:blip r:embed="rId2"/>
-          <a:stretch>
-            <a:fillRect/>
-          </a:stretch>
-        </p:blipFill>
-        <p:spPr>
-          <a:xfrm>
-            <a:off x="5110662" y="1268019"/>
-            <a:ext cx="3846948" cy="3077558"/>
-          </a:xfrm>
-          <a:prstGeom prst="rect">
-            <a:avLst/>
-          </a:prstGeom>
-        </p:spPr>
-      </p:pic>
-    </p:spTree>
-    <p:extLst>
-      <p:ext uri="{BB962C8B-B14F-4D97-AF65-F5344CB8AC3E}">
-        <p14:creationId xmlns:p14="http://schemas.microsoft.com/office/powerpoint/2010/main" val="2406861539"/>
-      </p:ext>
-    </p:extLst>
-  </p:cSld>
-  <p:clrMapOvr>
-    <a:masterClrMapping/>
-  </p:clrMapOvr>
-</p:sld>
-</file>
-
-<file path=ppt/slides/slide39.xml><?xml version="1.0" encoding="utf-8"?>
-<p:sld xmlns:a="http://schemas.openxmlformats.org/drawingml/2006/main" xmlns:r="http://schemas.openxmlformats.org/officeDocument/2006/relationships" xmlns:p="http://schemas.openxmlformats.org/presentationml/2006/main">
-  <p:cSld>
-    <p:spTree>
-      <p:nvGrpSpPr>
-        <p:cNvPr id="1" name=""/>
-        <p:cNvGrpSpPr/>
-        <p:nvPr/>
-      </p:nvGrpSpPr>
-      <p:grpSpPr>
-        <a:xfrm>
-          <a:off x="0" y="0"/>
-          <a:ext cx="0" cy="0"/>
-          <a:chOff x="0" y="0"/>
-          <a:chExt cx="0" cy="0"/>
-        </a:xfrm>
-      </p:grpSpPr>
-      <p:sp>
-        <p:nvSpPr>
-          <p:cNvPr id="2" name="Title 1">
-            <a:extLst>
-              <a:ext uri="{FF2B5EF4-FFF2-40B4-BE49-F238E27FC236}">
-                <a16:creationId xmlns:a16="http://schemas.microsoft.com/office/drawing/2014/main" id="{F90744CA-AA12-694B-9EFD-DAE3C6B34B65}"/>
-              </a:ext>
-            </a:extLst>
-          </p:cNvPr>
-          <p:cNvSpPr>
-            <a:spLocks noGrp="1"/>
-          </p:cNvSpPr>
-          <p:nvPr>
-            <p:ph type="title"/>
-          </p:nvPr>
-        </p:nvSpPr>
-        <p:spPr>
-          <a:xfrm>
-            <a:off x="628650" y="273847"/>
-            <a:ext cx="7886700" cy="994172"/>
-          </a:xfrm>
-        </p:spPr>
-        <p:txBody>
-          <a:bodyPr anchor="ctr">
-            <a:normAutofit/>
-          </a:bodyPr>
-          <a:lstStyle/>
-          <a:p>
-            <a:r>
-              <a:rPr lang="en-US" dirty="0"/>
-              <a:t>Flow of the Attack</a:t>
-            </a:r>
-          </a:p>
-        </p:txBody>
-      </p:sp>
-      <p:graphicFrame>
-        <p:nvGraphicFramePr>
-          <p:cNvPr id="7" name="Content Placeholder 2">
-            <a:extLst>
-              <a:ext uri="{FF2B5EF4-FFF2-40B4-BE49-F238E27FC236}">
-                <a16:creationId xmlns:a16="http://schemas.microsoft.com/office/drawing/2014/main" id="{16AFF43D-D95F-43D7-9B17-22E96F279462}"/>
-              </a:ext>
-            </a:extLst>
-          </p:cNvPr>
-          <p:cNvGraphicFramePr>
-            <a:graphicFrameLocks noGrp="1"/>
-          </p:cNvGraphicFramePr>
-          <p:nvPr>
-            <p:ph idx="1"/>
-            <p:extLst>
-              <p:ext uri="{D42A27DB-BD31-4B8C-83A1-F6EECF244321}">
-                <p14:modId xmlns:p14="http://schemas.microsoft.com/office/powerpoint/2010/main" val="325064606"/>
-              </p:ext>
-            </p:extLst>
-          </p:nvPr>
-        </p:nvGraphicFramePr>
-        <p:xfrm>
-          <a:off x="628650" y="1236541"/>
-          <a:ext cx="7886700" cy="3263504"/>
-        </p:xfrm>
-        <a:graphic>
-          <a:graphicData uri="http://schemas.openxmlformats.org/drawingml/2006/diagram">
-            <dgm:relIds xmlns:dgm="http://schemas.openxmlformats.org/drawingml/2006/diagram" xmlns:r="http://schemas.openxmlformats.org/officeDocument/2006/relationships" r:dm="rId2" r:lo="rId3" r:qs="rId4" r:cs="rId5"/>
-          </a:graphicData>
-        </a:graphic>
-      </p:graphicFrame>
-    </p:spTree>
-    <p:extLst>
-      <p:ext uri="{BB962C8B-B14F-4D97-AF65-F5344CB8AC3E}">
-        <p14:creationId xmlns:p14="http://schemas.microsoft.com/office/powerpoint/2010/main" val="2158100681"/>
-      </p:ext>
-    </p:extLst>
-  </p:cSld>
-  <p:clrMapOvr>
-    <a:masterClrMapping/>
-  </p:clrMapOvr>
-</p:sld>
-</file>
-
 <file path=ppt/slides/slide4.xml><?xml version="1.0" encoding="utf-8"?>
 <p:sld xmlns:a="http://schemas.openxmlformats.org/drawingml/2006/main" xmlns:r="http://schemas.openxmlformats.org/officeDocument/2006/relationships" xmlns:p="http://schemas.openxmlformats.org/presentationml/2006/main">
   <p:cSld>
@@ -41313,6 +42791,239 @@
 </file>
 
 <file path=ppt/slides/slide40.xml><?xml version="1.0" encoding="utf-8"?>
+<p:sld xmlns:a="http://schemas.openxmlformats.org/drawingml/2006/main" xmlns:r="http://schemas.openxmlformats.org/officeDocument/2006/relationships" xmlns:p="http://schemas.openxmlformats.org/presentationml/2006/main">
+  <p:cSld>
+    <p:spTree>
+      <p:nvGrpSpPr>
+        <p:cNvPr id="1" name=""/>
+        <p:cNvGrpSpPr/>
+        <p:nvPr/>
+      </p:nvGrpSpPr>
+      <p:grpSpPr>
+        <a:xfrm>
+          <a:off x="0" y="0"/>
+          <a:ext cx="0" cy="0"/>
+          <a:chOff x="0" y="0"/>
+          <a:chExt cx="0" cy="0"/>
+        </a:xfrm>
+      </p:grpSpPr>
+      <p:sp>
+        <p:nvSpPr>
+          <p:cNvPr id="2" name="Title 1">
+            <a:extLst>
+              <a:ext uri="{FF2B5EF4-FFF2-40B4-BE49-F238E27FC236}">
+                <a16:creationId xmlns:a16="http://schemas.microsoft.com/office/drawing/2014/main" id="{BC83AE41-BD04-274E-B2A3-A30AD7399D4F}"/>
+              </a:ext>
+            </a:extLst>
+          </p:cNvPr>
+          <p:cNvSpPr>
+            <a:spLocks noGrp="1"/>
+          </p:cNvSpPr>
+          <p:nvPr>
+            <p:ph type="title"/>
+          </p:nvPr>
+        </p:nvSpPr>
+        <p:spPr/>
+        <p:txBody>
+          <a:bodyPr/>
+          <a:lstStyle/>
+          <a:p>
+            <a:r>
+              <a:rPr lang="en-US" dirty="0"/>
+              <a:t>Actual Size?</a:t>
+            </a:r>
+          </a:p>
+        </p:txBody>
+      </p:sp>
+      <p:sp>
+        <p:nvSpPr>
+          <p:cNvPr id="3" name="Content Placeholder 2">
+            <a:extLst>
+              <a:ext uri="{FF2B5EF4-FFF2-40B4-BE49-F238E27FC236}">
+                <a16:creationId xmlns:a16="http://schemas.microsoft.com/office/drawing/2014/main" id="{C4E8CD84-5B36-804C-A64D-37C66B20E7CB}"/>
+              </a:ext>
+            </a:extLst>
+          </p:cNvPr>
+          <p:cNvSpPr>
+            <a:spLocks noGrp="1"/>
+          </p:cNvSpPr>
+          <p:nvPr>
+            <p:ph idx="1"/>
+          </p:nvPr>
+        </p:nvSpPr>
+        <p:spPr>
+          <a:xfrm>
+            <a:off x="628650" y="1236541"/>
+            <a:ext cx="4552950" cy="3263504"/>
+          </a:xfrm>
+        </p:spPr>
+        <p:txBody>
+          <a:bodyPr/>
+          <a:lstStyle/>
+          <a:p>
+            <a:r>
+              <a:rPr lang="en-US" dirty="0"/>
+              <a:t>Large enough for your allocation to an arbitrary location</a:t>
+            </a:r>
+          </a:p>
+          <a:p>
+            <a:r>
+              <a:rPr lang="en-US" dirty="0"/>
+              <a:t>0xFFFFFFFFFFFFFFFF (-1) will always work</a:t>
+            </a:r>
+          </a:p>
+          <a:p>
+            <a:r>
+              <a:rPr lang="en-US" i="1" dirty="0"/>
+              <a:t>prev_size </a:t>
+            </a:r>
+            <a:r>
+              <a:rPr lang="en-US" dirty="0"/>
+              <a:t>does not matter</a:t>
+            </a:r>
+          </a:p>
+        </p:txBody>
+      </p:sp>
+      <p:pic>
+        <p:nvPicPr>
+          <p:cNvPr id="5" name="Picture 4" descr="-1 as the size of the chunk">
+            <a:extLst>
+              <a:ext uri="{FF2B5EF4-FFF2-40B4-BE49-F238E27FC236}">
+                <a16:creationId xmlns:a16="http://schemas.microsoft.com/office/drawing/2014/main" id="{84E80864-7BA9-E44E-9F18-BB69E9CAA1D6}"/>
+              </a:ext>
+            </a:extLst>
+          </p:cNvPr>
+          <p:cNvPicPr>
+            <a:picLocks noChangeAspect="1"/>
+          </p:cNvPicPr>
+          <p:nvPr/>
+        </p:nvPicPr>
+        <p:blipFill>
+          <a:blip r:embed="rId2"/>
+          <a:stretch>
+            <a:fillRect/>
+          </a:stretch>
+        </p:blipFill>
+        <p:spPr>
+          <a:xfrm>
+            <a:off x="5110662" y="1268019"/>
+            <a:ext cx="3846948" cy="3077558"/>
+          </a:xfrm>
+          <a:prstGeom prst="rect">
+            <a:avLst/>
+          </a:prstGeom>
+        </p:spPr>
+      </p:pic>
+    </p:spTree>
+    <p:extLst>
+      <p:ext uri="{BB962C8B-B14F-4D97-AF65-F5344CB8AC3E}">
+        <p14:creationId xmlns:p14="http://schemas.microsoft.com/office/powerpoint/2010/main" val="2406861539"/>
+      </p:ext>
+    </p:extLst>
+  </p:cSld>
+  <p:clrMapOvr>
+    <a:masterClrMapping/>
+  </p:clrMapOvr>
+</p:sld>
+</file>
+
+<file path=ppt/slides/slide41.xml><?xml version="1.0" encoding="utf-8"?>
+<p:sld xmlns:a="http://schemas.openxmlformats.org/drawingml/2006/main" xmlns:r="http://schemas.openxmlformats.org/officeDocument/2006/relationships" xmlns:p="http://schemas.openxmlformats.org/presentationml/2006/main">
+  <p:cSld>
+    <p:spTree>
+      <p:nvGrpSpPr>
+        <p:cNvPr id="1" name=""/>
+        <p:cNvGrpSpPr/>
+        <p:nvPr/>
+      </p:nvGrpSpPr>
+      <p:grpSpPr>
+        <a:xfrm>
+          <a:off x="0" y="0"/>
+          <a:ext cx="0" cy="0"/>
+          <a:chOff x="0" y="0"/>
+          <a:chExt cx="0" cy="0"/>
+        </a:xfrm>
+      </p:grpSpPr>
+      <p:sp>
+        <p:nvSpPr>
+          <p:cNvPr id="2" name="Title 1">
+            <a:extLst>
+              <a:ext uri="{FF2B5EF4-FFF2-40B4-BE49-F238E27FC236}">
+                <a16:creationId xmlns:a16="http://schemas.microsoft.com/office/drawing/2014/main" id="{F90744CA-AA12-694B-9EFD-DAE3C6B34B65}"/>
+              </a:ext>
+            </a:extLst>
+          </p:cNvPr>
+          <p:cNvSpPr>
+            <a:spLocks noGrp="1"/>
+          </p:cNvSpPr>
+          <p:nvPr>
+            <p:ph type="title"/>
+          </p:nvPr>
+        </p:nvSpPr>
+        <p:spPr>
+          <a:xfrm>
+            <a:off x="628650" y="273847"/>
+            <a:ext cx="7886700" cy="994172"/>
+          </a:xfrm>
+        </p:spPr>
+        <p:txBody>
+          <a:bodyPr anchor="ctr">
+            <a:normAutofit/>
+          </a:bodyPr>
+          <a:lstStyle/>
+          <a:p>
+            <a:r>
+              <a:rPr lang="en-US" dirty="0"/>
+              <a:t>Flow of the Attack</a:t>
+            </a:r>
+          </a:p>
+        </p:txBody>
+      </p:sp>
+      <p:graphicFrame>
+        <p:nvGraphicFramePr>
+          <p:cNvPr id="7" name="Content Placeholder 2">
+            <a:extLst>
+              <a:ext uri="{FF2B5EF4-FFF2-40B4-BE49-F238E27FC236}">
+                <a16:creationId xmlns:a16="http://schemas.microsoft.com/office/drawing/2014/main" id="{16AFF43D-D95F-43D7-9B17-22E96F279462}"/>
+              </a:ext>
+            </a:extLst>
+          </p:cNvPr>
+          <p:cNvGraphicFramePr>
+            <a:graphicFrameLocks noGrp="1"/>
+          </p:cNvGraphicFramePr>
+          <p:nvPr>
+            <p:ph idx="1"/>
+            <p:extLst>
+              <p:ext uri="{D42A27DB-BD31-4B8C-83A1-F6EECF244321}">
+                <p14:modId xmlns:p14="http://schemas.microsoft.com/office/powerpoint/2010/main" val="325064606"/>
+              </p:ext>
+            </p:extLst>
+          </p:nvPr>
+        </p:nvGraphicFramePr>
+        <p:xfrm>
+          <a:off x="628650" y="1236541"/>
+          <a:ext cx="7886700" cy="3263504"/>
+        </p:xfrm>
+        <a:graphic>
+          <a:graphicData uri="http://schemas.openxmlformats.org/drawingml/2006/diagram">
+            <dgm:relIds xmlns:dgm="http://schemas.openxmlformats.org/drawingml/2006/diagram" xmlns:r="http://schemas.openxmlformats.org/officeDocument/2006/relationships" r:dm="rId2" r:lo="rId3" r:qs="rId4" r:cs="rId5"/>
+          </a:graphicData>
+        </a:graphic>
+      </p:graphicFrame>
+    </p:spTree>
+    <p:extLst>
+      <p:ext uri="{BB962C8B-B14F-4D97-AF65-F5344CB8AC3E}">
+        <p14:creationId xmlns:p14="http://schemas.microsoft.com/office/powerpoint/2010/main" val="2158100681"/>
+      </p:ext>
+    </p:extLst>
+  </p:cSld>
+  <p:clrMapOvr>
+    <a:masterClrMapping/>
+  </p:clrMapOvr>
+</p:sld>
+</file>
+
+<file path=ppt/slides/slide42.xml><?xml version="1.0" encoding="utf-8"?>
 <p:sld xmlns:a="http://schemas.openxmlformats.org/drawingml/2006/main" xmlns:r="http://schemas.openxmlformats.org/officeDocument/2006/relationships" xmlns:p="http://schemas.openxmlformats.org/presentationml/2006/main">
   <p:cSld>
     <p:spTree>
@@ -42029,7 +43740,7 @@
 </p:sld>
 </file>
 
-<file path=ppt/slides/slide41.xml><?xml version="1.0" encoding="utf-8"?>
+<file path=ppt/slides/slide43.xml><?xml version="1.0" encoding="utf-8"?>
 <p:sld xmlns:a="http://schemas.openxmlformats.org/drawingml/2006/main" xmlns:r="http://schemas.openxmlformats.org/officeDocument/2006/relationships" xmlns:p="http://schemas.openxmlformats.org/presentationml/2006/main">
   <p:cSld>
     <p:spTree>
@@ -42773,7 +44484,7 @@
 </p:sld>
 </file>
 
-<file path=ppt/slides/slide42.xml><?xml version="1.0" encoding="utf-8"?>
+<file path=ppt/slides/slide44.xml><?xml version="1.0" encoding="utf-8"?>
 <p:sld xmlns:a="http://schemas.openxmlformats.org/drawingml/2006/main" xmlns:r="http://schemas.openxmlformats.org/officeDocument/2006/relationships" xmlns:p="http://schemas.openxmlformats.org/presentationml/2006/main">
   <p:cSld>
     <p:spTree>
@@ -43680,7 +45391,7 @@
 </p:sld>
 </file>
 
-<file path=ppt/slides/slide43.xml><?xml version="1.0" encoding="utf-8"?>
+<file path=ppt/slides/slide45.xml><?xml version="1.0" encoding="utf-8"?>
 <p:sld xmlns:a="http://schemas.openxmlformats.org/drawingml/2006/main" xmlns:r="http://schemas.openxmlformats.org/officeDocument/2006/relationships" xmlns:p="http://schemas.openxmlformats.org/presentationml/2006/main">
   <p:cSld>
     <p:spTree>
@@ -44391,7 +46102,7 @@
 </p:sld>
 </file>
 
-<file path=ppt/slides/slide44.xml><?xml version="1.0" encoding="utf-8"?>
+<file path=ppt/slides/slide46.xml><?xml version="1.0" encoding="utf-8"?>
 <p:sld xmlns:a="http://schemas.openxmlformats.org/drawingml/2006/main" xmlns:r="http://schemas.openxmlformats.org/officeDocument/2006/relationships" xmlns:p="http://schemas.openxmlformats.org/presentationml/2006/main">
   <p:cSld>
     <p:spTree>
@@ -45320,7 +47031,7 @@
 </p:sld>
 </file>
 
-<file path=ppt/slides/slide45.xml><?xml version="1.0" encoding="utf-8"?>
+<file path=ppt/slides/slide47.xml><?xml version="1.0" encoding="utf-8"?>
 <p:sld xmlns:a="http://schemas.openxmlformats.org/drawingml/2006/main" xmlns:r="http://schemas.openxmlformats.org/officeDocument/2006/relationships" xmlns:p="http://schemas.openxmlformats.org/presentationml/2006/main">
   <p:cSld>
     <p:spTree>
@@ -46181,7 +47892,7 @@
 </p:sld>
 </file>
 
-<file path=ppt/slides/slide46.xml><?xml version="1.0" encoding="utf-8"?>
+<file path=ppt/slides/slide48.xml><?xml version="1.0" encoding="utf-8"?>
 <p:sld xmlns:a="http://schemas.openxmlformats.org/drawingml/2006/main" xmlns:r="http://schemas.openxmlformats.org/officeDocument/2006/relationships" xmlns:p="http://schemas.openxmlformats.org/presentationml/2006/main">
   <p:cSld>
     <p:spTree>
@@ -46542,7 +48253,7 @@
 </p:sld>
 </file>
 
-<file path=ppt/slides/slide47.xml><?xml version="1.0" encoding="utf-8"?>
+<file path=ppt/slides/slide49.xml><?xml version="1.0" encoding="utf-8"?>
 <p:sld xmlns:a="http://schemas.openxmlformats.org/drawingml/2006/main" xmlns:r="http://schemas.openxmlformats.org/officeDocument/2006/relationships" xmlns:p="http://schemas.openxmlformats.org/presentationml/2006/main">
   <p:cSld>
     <p:spTree>
@@ -46698,198 +48409,6 @@
     <p:extLst>
       <p:ext uri="{BB962C8B-B14F-4D97-AF65-F5344CB8AC3E}">
         <p14:creationId xmlns:p14="http://schemas.microsoft.com/office/powerpoint/2010/main" val="947500770"/>
-      </p:ext>
-    </p:extLst>
-  </p:cSld>
-  <p:clrMapOvr>
-    <a:masterClrMapping/>
-  </p:clrMapOvr>
-</p:sld>
-</file>
-
-<file path=ppt/slides/slide48.xml><?xml version="1.0" encoding="utf-8"?>
-<p:sld xmlns:a="http://schemas.openxmlformats.org/drawingml/2006/main" xmlns:r="http://schemas.openxmlformats.org/officeDocument/2006/relationships" xmlns:p="http://schemas.openxmlformats.org/presentationml/2006/main">
-  <p:cSld>
-    <p:spTree>
-      <p:nvGrpSpPr>
-        <p:cNvPr id="1" name=""/>
-        <p:cNvGrpSpPr/>
-        <p:nvPr/>
-      </p:nvGrpSpPr>
-      <p:grpSpPr>
-        <a:xfrm>
-          <a:off x="0" y="0"/>
-          <a:ext cx="0" cy="0"/>
-          <a:chOff x="0" y="0"/>
-          <a:chExt cx="0" cy="0"/>
-        </a:xfrm>
-      </p:grpSpPr>
-      <p:sp>
-        <p:nvSpPr>
-          <p:cNvPr id="2" name="Title 1">
-            <a:extLst>
-              <a:ext uri="{FF2B5EF4-FFF2-40B4-BE49-F238E27FC236}">
-                <a16:creationId xmlns:a16="http://schemas.microsoft.com/office/drawing/2014/main" id="{555011BE-04DB-7240-B9E9-FCECE223C870}"/>
-              </a:ext>
-            </a:extLst>
-          </p:cNvPr>
-          <p:cNvSpPr>
-            <a:spLocks noGrp="1"/>
-          </p:cNvSpPr>
-          <p:nvPr>
-            <p:ph type="title"/>
-          </p:nvPr>
-        </p:nvSpPr>
-        <p:spPr>
-          <a:xfrm>
-            <a:off x="628650" y="273847"/>
-            <a:ext cx="7886700" cy="994172"/>
-          </a:xfrm>
-        </p:spPr>
-        <p:txBody>
-          <a:bodyPr anchor="ctr">
-            <a:normAutofit/>
-          </a:bodyPr>
-          <a:lstStyle/>
-          <a:p>
-            <a:r>
-              <a:rPr lang="en-US" dirty="0"/>
-              <a:t>Allocate Close to Target - Other </a:t>
-            </a:r>
-          </a:p>
-        </p:txBody>
-      </p:sp>
-      <p:graphicFrame>
-        <p:nvGraphicFramePr>
-          <p:cNvPr id="5" name="Content Placeholder 2">
-            <a:extLst>
-              <a:ext uri="{FF2B5EF4-FFF2-40B4-BE49-F238E27FC236}">
-                <a16:creationId xmlns:a16="http://schemas.microsoft.com/office/drawing/2014/main" id="{DDFCC697-53C9-4842-B150-F9442EE4D888}"/>
-              </a:ext>
-            </a:extLst>
-          </p:cNvPr>
-          <p:cNvGraphicFramePr>
-            <a:graphicFrameLocks noGrp="1"/>
-          </p:cNvGraphicFramePr>
-          <p:nvPr>
-            <p:ph idx="1"/>
-            <p:extLst>
-              <p:ext uri="{D42A27DB-BD31-4B8C-83A1-F6EECF244321}">
-                <p14:modId xmlns:p14="http://schemas.microsoft.com/office/powerpoint/2010/main" val="2193847542"/>
-              </p:ext>
-            </p:extLst>
-          </p:nvPr>
-        </p:nvGraphicFramePr>
-        <p:xfrm>
-          <a:off x="628650" y="1236541"/>
-          <a:ext cx="7886700" cy="3263504"/>
-        </p:xfrm>
-        <a:graphic>
-          <a:graphicData uri="http://schemas.openxmlformats.org/drawingml/2006/diagram">
-            <dgm:relIds xmlns:dgm="http://schemas.openxmlformats.org/drawingml/2006/diagram" xmlns:r="http://schemas.openxmlformats.org/officeDocument/2006/relationships" r:dm="rId2" r:lo="rId3" r:qs="rId4" r:cs="rId5"/>
-          </a:graphicData>
-        </a:graphic>
-      </p:graphicFrame>
-    </p:spTree>
-    <p:extLst>
-      <p:ext uri="{BB962C8B-B14F-4D97-AF65-F5344CB8AC3E}">
-        <p14:creationId xmlns:p14="http://schemas.microsoft.com/office/powerpoint/2010/main" val="3595735604"/>
-      </p:ext>
-    </p:extLst>
-  </p:cSld>
-  <p:clrMapOvr>
-    <a:masterClrMapping/>
-  </p:clrMapOvr>
-</p:sld>
-</file>
-
-<file path=ppt/slides/slide49.xml><?xml version="1.0" encoding="utf-8"?>
-<p:sld xmlns:a="http://schemas.openxmlformats.org/drawingml/2006/main" xmlns:r="http://schemas.openxmlformats.org/officeDocument/2006/relationships" xmlns:p="http://schemas.openxmlformats.org/presentationml/2006/main">
-  <p:cSld>
-    <p:spTree>
-      <p:nvGrpSpPr>
-        <p:cNvPr id="1" name=""/>
-        <p:cNvGrpSpPr/>
-        <p:nvPr/>
-      </p:nvGrpSpPr>
-      <p:grpSpPr>
-        <a:xfrm>
-          <a:off x="0" y="0"/>
-          <a:ext cx="0" cy="0"/>
-          <a:chOff x="0" y="0"/>
-          <a:chExt cx="0" cy="0"/>
-        </a:xfrm>
-      </p:grpSpPr>
-      <p:sp>
-        <p:nvSpPr>
-          <p:cNvPr id="2" name="Title 1">
-            <a:extLst>
-              <a:ext uri="{FF2B5EF4-FFF2-40B4-BE49-F238E27FC236}">
-                <a16:creationId xmlns:a16="http://schemas.microsoft.com/office/drawing/2014/main" id="{F90744CA-AA12-694B-9EFD-DAE3C6B34B65}"/>
-              </a:ext>
-            </a:extLst>
-          </p:cNvPr>
-          <p:cNvSpPr>
-            <a:spLocks noGrp="1"/>
-          </p:cNvSpPr>
-          <p:nvPr>
-            <p:ph type="title"/>
-          </p:nvPr>
-        </p:nvSpPr>
-        <p:spPr>
-          <a:xfrm>
-            <a:off x="628650" y="273847"/>
-            <a:ext cx="7886700" cy="994172"/>
-          </a:xfrm>
-        </p:spPr>
-        <p:txBody>
-          <a:bodyPr anchor="ctr">
-            <a:normAutofit/>
-          </a:bodyPr>
-          <a:lstStyle/>
-          <a:p>
-            <a:r>
-              <a:rPr lang="en-US" dirty="0"/>
-              <a:t>Flow of the Attack</a:t>
-            </a:r>
-          </a:p>
-        </p:txBody>
-      </p:sp>
-      <p:graphicFrame>
-        <p:nvGraphicFramePr>
-          <p:cNvPr id="7" name="Content Placeholder 2">
-            <a:extLst>
-              <a:ext uri="{FF2B5EF4-FFF2-40B4-BE49-F238E27FC236}">
-                <a16:creationId xmlns:a16="http://schemas.microsoft.com/office/drawing/2014/main" id="{16AFF43D-D95F-43D7-9B17-22E96F279462}"/>
-              </a:ext>
-            </a:extLst>
-          </p:cNvPr>
-          <p:cNvGraphicFramePr>
-            <a:graphicFrameLocks noGrp="1"/>
-          </p:cNvGraphicFramePr>
-          <p:nvPr>
-            <p:ph idx="1"/>
-            <p:extLst>
-              <p:ext uri="{D42A27DB-BD31-4B8C-83A1-F6EECF244321}">
-                <p14:modId xmlns:p14="http://schemas.microsoft.com/office/powerpoint/2010/main" val="2551833715"/>
-              </p:ext>
-            </p:extLst>
-          </p:nvPr>
-        </p:nvGraphicFramePr>
-        <p:xfrm>
-          <a:off x="628650" y="1236541"/>
-          <a:ext cx="7886700" cy="3263504"/>
-        </p:xfrm>
-        <a:graphic>
-          <a:graphicData uri="http://schemas.openxmlformats.org/drawingml/2006/diagram">
-            <dgm:relIds xmlns:dgm="http://schemas.openxmlformats.org/drawingml/2006/diagram" xmlns:r="http://schemas.openxmlformats.org/officeDocument/2006/relationships" r:dm="rId2" r:lo="rId3" r:qs="rId4" r:cs="rId5"/>
-          </a:graphicData>
-        </a:graphic>
-      </p:graphicFrame>
-    </p:spTree>
-    <p:extLst>
-      <p:ext uri="{BB962C8B-B14F-4D97-AF65-F5344CB8AC3E}">
-        <p14:creationId xmlns:p14="http://schemas.microsoft.com/office/powerpoint/2010/main" val="2426609233"/>
       </p:ext>
     </p:extLst>
   </p:cSld>
@@ -47357,6 +48876,198 @@
           <p:cNvPr id="2" name="Title 1">
             <a:extLst>
               <a:ext uri="{FF2B5EF4-FFF2-40B4-BE49-F238E27FC236}">
+                <a16:creationId xmlns:a16="http://schemas.microsoft.com/office/drawing/2014/main" id="{555011BE-04DB-7240-B9E9-FCECE223C870}"/>
+              </a:ext>
+            </a:extLst>
+          </p:cNvPr>
+          <p:cNvSpPr>
+            <a:spLocks noGrp="1"/>
+          </p:cNvSpPr>
+          <p:nvPr>
+            <p:ph type="title"/>
+          </p:nvPr>
+        </p:nvSpPr>
+        <p:spPr>
+          <a:xfrm>
+            <a:off x="628650" y="273847"/>
+            <a:ext cx="7886700" cy="994172"/>
+          </a:xfrm>
+        </p:spPr>
+        <p:txBody>
+          <a:bodyPr anchor="ctr">
+            <a:normAutofit/>
+          </a:bodyPr>
+          <a:lstStyle/>
+          <a:p>
+            <a:r>
+              <a:rPr lang="en-US" dirty="0"/>
+              <a:t>Allocate Close to Target - Other </a:t>
+            </a:r>
+          </a:p>
+        </p:txBody>
+      </p:sp>
+      <p:graphicFrame>
+        <p:nvGraphicFramePr>
+          <p:cNvPr id="5" name="Content Placeholder 2">
+            <a:extLst>
+              <a:ext uri="{FF2B5EF4-FFF2-40B4-BE49-F238E27FC236}">
+                <a16:creationId xmlns:a16="http://schemas.microsoft.com/office/drawing/2014/main" id="{DDFCC697-53C9-4842-B150-F9442EE4D888}"/>
+              </a:ext>
+            </a:extLst>
+          </p:cNvPr>
+          <p:cNvGraphicFramePr>
+            <a:graphicFrameLocks noGrp="1"/>
+          </p:cNvGraphicFramePr>
+          <p:nvPr>
+            <p:ph idx="1"/>
+            <p:extLst>
+              <p:ext uri="{D42A27DB-BD31-4B8C-83A1-F6EECF244321}">
+                <p14:modId xmlns:p14="http://schemas.microsoft.com/office/powerpoint/2010/main" val="2193847542"/>
+              </p:ext>
+            </p:extLst>
+          </p:nvPr>
+        </p:nvGraphicFramePr>
+        <p:xfrm>
+          <a:off x="628650" y="1236541"/>
+          <a:ext cx="7886700" cy="3263504"/>
+        </p:xfrm>
+        <a:graphic>
+          <a:graphicData uri="http://schemas.openxmlformats.org/drawingml/2006/diagram">
+            <dgm:relIds xmlns:dgm="http://schemas.openxmlformats.org/drawingml/2006/diagram" xmlns:r="http://schemas.openxmlformats.org/officeDocument/2006/relationships" r:dm="rId2" r:lo="rId3" r:qs="rId4" r:cs="rId5"/>
+          </a:graphicData>
+        </a:graphic>
+      </p:graphicFrame>
+    </p:spTree>
+    <p:extLst>
+      <p:ext uri="{BB962C8B-B14F-4D97-AF65-F5344CB8AC3E}">
+        <p14:creationId xmlns:p14="http://schemas.microsoft.com/office/powerpoint/2010/main" val="3595735604"/>
+      </p:ext>
+    </p:extLst>
+  </p:cSld>
+  <p:clrMapOvr>
+    <a:masterClrMapping/>
+  </p:clrMapOvr>
+</p:sld>
+</file>
+
+<file path=ppt/slides/slide51.xml><?xml version="1.0" encoding="utf-8"?>
+<p:sld xmlns:a="http://schemas.openxmlformats.org/drawingml/2006/main" xmlns:r="http://schemas.openxmlformats.org/officeDocument/2006/relationships" xmlns:p="http://schemas.openxmlformats.org/presentationml/2006/main">
+  <p:cSld>
+    <p:spTree>
+      <p:nvGrpSpPr>
+        <p:cNvPr id="1" name=""/>
+        <p:cNvGrpSpPr/>
+        <p:nvPr/>
+      </p:nvGrpSpPr>
+      <p:grpSpPr>
+        <a:xfrm>
+          <a:off x="0" y="0"/>
+          <a:ext cx="0" cy="0"/>
+          <a:chOff x="0" y="0"/>
+          <a:chExt cx="0" cy="0"/>
+        </a:xfrm>
+      </p:grpSpPr>
+      <p:sp>
+        <p:nvSpPr>
+          <p:cNvPr id="2" name="Title 1">
+            <a:extLst>
+              <a:ext uri="{FF2B5EF4-FFF2-40B4-BE49-F238E27FC236}">
+                <a16:creationId xmlns:a16="http://schemas.microsoft.com/office/drawing/2014/main" id="{F90744CA-AA12-694B-9EFD-DAE3C6B34B65}"/>
+              </a:ext>
+            </a:extLst>
+          </p:cNvPr>
+          <p:cNvSpPr>
+            <a:spLocks noGrp="1"/>
+          </p:cNvSpPr>
+          <p:nvPr>
+            <p:ph type="title"/>
+          </p:nvPr>
+        </p:nvSpPr>
+        <p:spPr>
+          <a:xfrm>
+            <a:off x="628650" y="273847"/>
+            <a:ext cx="7886700" cy="994172"/>
+          </a:xfrm>
+        </p:spPr>
+        <p:txBody>
+          <a:bodyPr anchor="ctr">
+            <a:normAutofit/>
+          </a:bodyPr>
+          <a:lstStyle/>
+          <a:p>
+            <a:r>
+              <a:rPr lang="en-US" dirty="0"/>
+              <a:t>Flow of the Attack</a:t>
+            </a:r>
+          </a:p>
+        </p:txBody>
+      </p:sp>
+      <p:graphicFrame>
+        <p:nvGraphicFramePr>
+          <p:cNvPr id="7" name="Content Placeholder 2">
+            <a:extLst>
+              <a:ext uri="{FF2B5EF4-FFF2-40B4-BE49-F238E27FC236}">
+                <a16:creationId xmlns:a16="http://schemas.microsoft.com/office/drawing/2014/main" id="{16AFF43D-D95F-43D7-9B17-22E96F279462}"/>
+              </a:ext>
+            </a:extLst>
+          </p:cNvPr>
+          <p:cNvGraphicFramePr>
+            <a:graphicFrameLocks noGrp="1"/>
+          </p:cNvGraphicFramePr>
+          <p:nvPr>
+            <p:ph idx="1"/>
+            <p:extLst>
+              <p:ext uri="{D42A27DB-BD31-4B8C-83A1-F6EECF244321}">
+                <p14:modId xmlns:p14="http://schemas.microsoft.com/office/powerpoint/2010/main" val="2551833715"/>
+              </p:ext>
+            </p:extLst>
+          </p:nvPr>
+        </p:nvGraphicFramePr>
+        <p:xfrm>
+          <a:off x="628650" y="1236541"/>
+          <a:ext cx="7886700" cy="3263504"/>
+        </p:xfrm>
+        <a:graphic>
+          <a:graphicData uri="http://schemas.openxmlformats.org/drawingml/2006/diagram">
+            <dgm:relIds xmlns:dgm="http://schemas.openxmlformats.org/drawingml/2006/diagram" xmlns:r="http://schemas.openxmlformats.org/officeDocument/2006/relationships" r:dm="rId2" r:lo="rId3" r:qs="rId4" r:cs="rId5"/>
+          </a:graphicData>
+        </a:graphic>
+      </p:graphicFrame>
+    </p:spTree>
+    <p:extLst>
+      <p:ext uri="{BB962C8B-B14F-4D97-AF65-F5344CB8AC3E}">
+        <p14:creationId xmlns:p14="http://schemas.microsoft.com/office/powerpoint/2010/main" val="2426609233"/>
+      </p:ext>
+    </p:extLst>
+  </p:cSld>
+  <p:clrMapOvr>
+    <a:masterClrMapping/>
+  </p:clrMapOvr>
+</p:sld>
+</file>
+
+<file path=ppt/slides/slide52.xml><?xml version="1.0" encoding="utf-8"?>
+<p:sld xmlns:a="http://schemas.openxmlformats.org/drawingml/2006/main" xmlns:r="http://schemas.openxmlformats.org/officeDocument/2006/relationships" xmlns:p="http://schemas.openxmlformats.org/presentationml/2006/main">
+  <p:cSld>
+    <p:spTree>
+      <p:nvGrpSpPr>
+        <p:cNvPr id="1" name=""/>
+        <p:cNvGrpSpPr/>
+        <p:nvPr/>
+      </p:nvGrpSpPr>
+      <p:grpSpPr>
+        <a:xfrm>
+          <a:off x="0" y="0"/>
+          <a:ext cx="0" cy="0"/>
+          <a:chOff x="0" y="0"/>
+          <a:chExt cx="0" cy="0"/>
+        </a:xfrm>
+      </p:grpSpPr>
+      <p:sp>
+        <p:nvSpPr>
+          <p:cNvPr id="2" name="Title 1">
+            <a:extLst>
+              <a:ext uri="{FF2B5EF4-FFF2-40B4-BE49-F238E27FC236}">
                 <a16:creationId xmlns:a16="http://schemas.microsoft.com/office/drawing/2014/main" id="{F90744CA-AA12-694B-9EFD-DAE3C6B34B65}"/>
               </a:ext>
             </a:extLst>
@@ -47431,7 +49142,7 @@
 </p:sld>
 </file>
 
-<file path=ppt/slides/slide51.xml><?xml version="1.0" encoding="utf-8"?>
+<file path=ppt/slides/slide53.xml><?xml version="1.0" encoding="utf-8"?>
 <p:sld xmlns:a="http://schemas.openxmlformats.org/drawingml/2006/main" xmlns:r="http://schemas.openxmlformats.org/officeDocument/2006/relationships" xmlns:p="http://schemas.openxmlformats.org/presentationml/2006/main">
   <p:cSld>
     <p:spTree>
@@ -47580,7 +49291,7 @@
 </p:sld>
 </file>
 
-<file path=ppt/slides/slide52.xml><?xml version="1.0" encoding="utf-8"?>
+<file path=ppt/slides/slide54.xml><?xml version="1.0" encoding="utf-8"?>
 <p:sld xmlns:a="http://schemas.openxmlformats.org/drawingml/2006/main" xmlns:r="http://schemas.openxmlformats.org/officeDocument/2006/relationships" xmlns:p="http://schemas.openxmlformats.org/presentationml/2006/main">
   <p:cSld>
     <p:spTree>
@@ -47733,7 +49444,7 @@
 </p:sld>
 </file>
 
-<file path=ppt/slides/slide53.xml><?xml version="1.0" encoding="utf-8"?>
+<file path=ppt/slides/slide55.xml><?xml version="1.0" encoding="utf-8"?>
 <p:sld xmlns:a="http://schemas.openxmlformats.org/drawingml/2006/main" xmlns:r="http://schemas.openxmlformats.org/officeDocument/2006/relationships" xmlns:p="http://schemas.openxmlformats.org/presentationml/2006/main">
   <p:cSld>
     <p:spTree>
@@ -47881,7 +49592,7 @@
 </p:sld>
 </file>
 
-<file path=ppt/slides/slide54.xml><?xml version="1.0" encoding="utf-8"?>
+<file path=ppt/slides/slide56.xml><?xml version="1.0" encoding="utf-8"?>
 <p:sld xmlns:a="http://schemas.openxmlformats.org/drawingml/2006/main" xmlns:r="http://schemas.openxmlformats.org/officeDocument/2006/relationships" xmlns:p="http://schemas.openxmlformats.org/presentationml/2006/main">
   <p:cSld>
     <p:spTree>
@@ -48204,7 +49915,7 @@
 </p:sld>
 </file>
 
-<file path=ppt/slides/slide55.xml><?xml version="1.0" encoding="utf-8"?>
+<file path=ppt/slides/slide57.xml><?xml version="1.0" encoding="utf-8"?>
 <p:sld xmlns:a="http://schemas.openxmlformats.org/drawingml/2006/main" xmlns:r="http://schemas.openxmlformats.org/officeDocument/2006/relationships" xmlns:p="http://schemas.openxmlformats.org/presentationml/2006/main">
   <p:cSld>
     <p:spTree>
@@ -48300,7 +50011,7 @@
 </p:sld>
 </file>
 
-<file path=ppt/slides/slide56.xml><?xml version="1.0" encoding="utf-8"?>
+<file path=ppt/slides/slide58.xml><?xml version="1.0" encoding="utf-8"?>
 <p:sld xmlns:a="http://schemas.openxmlformats.org/drawingml/2006/main" xmlns:r="http://schemas.openxmlformats.org/officeDocument/2006/relationships" xmlns:p="http://schemas.openxmlformats.org/presentationml/2006/main">
   <p:cSld>
     <p:spTree>
@@ -48482,7 +50193,7 @@
 </p:sld>
 </file>
 
-<file path=ppt/slides/slide57.xml><?xml version="1.0" encoding="utf-8"?>
+<file path=ppt/slides/slide59.xml><?xml version="1.0" encoding="utf-8"?>
 <p:sld xmlns:a="http://schemas.openxmlformats.org/drawingml/2006/main" xmlns:r="http://schemas.openxmlformats.org/officeDocument/2006/relationships" xmlns:p="http://schemas.openxmlformats.org/presentationml/2006/main">
   <p:cSld>
     <p:spTree>
@@ -48583,330 +50294,6 @@
     <p:extLst>
       <p:ext uri="{BB962C8B-B14F-4D97-AF65-F5344CB8AC3E}">
         <p14:creationId xmlns:p14="http://schemas.microsoft.com/office/powerpoint/2010/main" val="2336927160"/>
-      </p:ext>
-    </p:extLst>
-  </p:cSld>
-  <p:clrMapOvr>
-    <a:masterClrMapping/>
-  </p:clrMapOvr>
-</p:sld>
-</file>
-
-<file path=ppt/slides/slide58.xml><?xml version="1.0" encoding="utf-8"?>
-<p:sld xmlns:a="http://schemas.openxmlformats.org/drawingml/2006/main" xmlns:r="http://schemas.openxmlformats.org/officeDocument/2006/relationships" xmlns:p="http://schemas.openxmlformats.org/presentationml/2006/main">
-  <p:cSld>
-    <p:spTree>
-      <p:nvGrpSpPr>
-        <p:cNvPr id="1" name=""/>
-        <p:cNvGrpSpPr/>
-        <p:nvPr/>
-      </p:nvGrpSpPr>
-      <p:grpSpPr>
-        <a:xfrm>
-          <a:off x="0" y="0"/>
-          <a:ext cx="0" cy="0"/>
-          <a:chOff x="0" y="0"/>
-          <a:chExt cx="0" cy="0"/>
-        </a:xfrm>
-      </p:grpSpPr>
-      <p:sp>
-        <p:nvSpPr>
-          <p:cNvPr id="2" name="Title 1">
-            <a:extLst>
-              <a:ext uri="{FF2B5EF4-FFF2-40B4-BE49-F238E27FC236}">
-                <a16:creationId xmlns:a16="http://schemas.microsoft.com/office/drawing/2014/main" id="{5A2C7F9C-1BBE-8A43-97B8-7835CCBDB8B9}"/>
-              </a:ext>
-            </a:extLst>
-          </p:cNvPr>
-          <p:cNvSpPr>
-            <a:spLocks noGrp="1"/>
-          </p:cNvSpPr>
-          <p:nvPr>
-            <p:ph type="title"/>
-          </p:nvPr>
-        </p:nvSpPr>
-        <p:spPr>
-          <a:xfrm>
-            <a:off x="629841" y="342900"/>
-            <a:ext cx="2949178" cy="1200150"/>
-          </a:xfrm>
-        </p:spPr>
-        <p:txBody>
-          <a:bodyPr anchor="b">
-            <a:normAutofit/>
-          </a:bodyPr>
-          <a:lstStyle/>
-          <a:p>
-            <a:r>
-              <a:rPr lang="en-US" dirty="0"/>
-              <a:t>Final Thoughts</a:t>
-            </a:r>
-          </a:p>
-        </p:txBody>
-      </p:sp>
-      <p:pic>
-        <p:nvPicPr>
-          <p:cNvPr id="2050" name="Picture 2" descr="Use the Force Luke | League of Imaginary Heroes">
-            <a:extLst>
-              <a:ext uri="{FF2B5EF4-FFF2-40B4-BE49-F238E27FC236}">
-                <a16:creationId xmlns:a16="http://schemas.microsoft.com/office/drawing/2014/main" id="{C575ECEA-C02F-2349-98FC-72DB6C03822E}"/>
-              </a:ext>
-            </a:extLst>
-          </p:cNvPr>
-          <p:cNvPicPr>
-            <a:picLocks noChangeAspect="1" noChangeArrowheads="1"/>
-          </p:cNvPicPr>
-          <p:nvPr/>
-        </p:nvPicPr>
-        <p:blipFill rotWithShape="1">
-          <a:blip r:embed="rId2">
-            <a:extLst>
-              <a:ext uri="{28A0092B-C50C-407E-A947-70E740481C1C}">
-                <a14:useLocalDpi xmlns:a14="http://schemas.microsoft.com/office/drawing/2010/main" val="0"/>
-              </a:ext>
-            </a:extLst>
-          </a:blip>
-          <a:srcRect l="5016" r="-1" b="-1"/>
-          <a:stretch/>
-        </p:blipFill>
-        <p:spPr bwMode="auto">
-          <a:xfrm>
-            <a:off x="3887391" y="740572"/>
-            <a:ext cx="4629150" cy="3655219"/>
-          </a:xfrm>
-          <a:prstGeom prst="rect">
-            <a:avLst/>
-          </a:prstGeom>
-          <a:noFill/>
-        </p:spPr>
-      </p:pic>
-      <p:sp>
-        <p:nvSpPr>
-          <p:cNvPr id="3" name="Content Placeholder 2">
-            <a:extLst>
-              <a:ext uri="{FF2B5EF4-FFF2-40B4-BE49-F238E27FC236}">
-                <a16:creationId xmlns:a16="http://schemas.microsoft.com/office/drawing/2014/main" id="{860F7593-10E2-EE4F-9D20-F04A7EDB08FB}"/>
-              </a:ext>
-            </a:extLst>
-          </p:cNvPr>
-          <p:cNvSpPr>
-            <a:spLocks noGrp="1"/>
-          </p:cNvSpPr>
-          <p:nvPr>
-            <p:ph type="body" sz="half" idx="2"/>
-          </p:nvPr>
-        </p:nvSpPr>
-        <p:spPr>
-          <a:xfrm>
-            <a:off x="629841" y="1543052"/>
-            <a:ext cx="2949178" cy="2858691"/>
-          </a:xfrm>
-        </p:spPr>
-        <p:txBody>
-          <a:bodyPr>
-            <a:normAutofit/>
-          </a:bodyPr>
-          <a:lstStyle/>
-          <a:p>
-            <a:r>
-              <a:rPr lang="en-US"/>
-              <a:t>Awesome attack! Gives the ability to overwrite an arbitrary location in memory. </a:t>
-            </a:r>
-          </a:p>
-        </p:txBody>
-      </p:sp>
-    </p:spTree>
-    <p:extLst>
-      <p:ext uri="{BB962C8B-B14F-4D97-AF65-F5344CB8AC3E}">
-        <p14:creationId xmlns:p14="http://schemas.microsoft.com/office/powerpoint/2010/main" val="3759711070"/>
-      </p:ext>
-    </p:extLst>
-  </p:cSld>
-  <p:clrMapOvr>
-    <a:masterClrMapping/>
-  </p:clrMapOvr>
-</p:sld>
-</file>
-
-<file path=ppt/slides/slide59.xml><?xml version="1.0" encoding="utf-8"?>
-<p:sld xmlns:a="http://schemas.openxmlformats.org/drawingml/2006/main" xmlns:r="http://schemas.openxmlformats.org/officeDocument/2006/relationships" xmlns:p="http://schemas.openxmlformats.org/presentationml/2006/main">
-  <p:cSld>
-    <p:spTree>
-      <p:nvGrpSpPr>
-        <p:cNvPr id="1" name=""/>
-        <p:cNvGrpSpPr/>
-        <p:nvPr/>
-      </p:nvGrpSpPr>
-      <p:grpSpPr>
-        <a:xfrm>
-          <a:off x="0" y="0"/>
-          <a:ext cx="0" cy="0"/>
-          <a:chOff x="0" y="0"/>
-          <a:chExt cx="0" cy="0"/>
-        </a:xfrm>
-      </p:grpSpPr>
-      <p:sp>
-        <p:nvSpPr>
-          <p:cNvPr id="2" name="Title 1">
-            <a:extLst>
-              <a:ext uri="{FF2B5EF4-FFF2-40B4-BE49-F238E27FC236}">
-                <a16:creationId xmlns:a16="http://schemas.microsoft.com/office/drawing/2014/main" id="{AE175557-99A5-9746-8F05-48A96BA70E04}"/>
-              </a:ext>
-            </a:extLst>
-          </p:cNvPr>
-          <p:cNvSpPr>
-            <a:spLocks noGrp="1"/>
-          </p:cNvSpPr>
-          <p:nvPr>
-            <p:ph type="title"/>
-          </p:nvPr>
-        </p:nvSpPr>
-        <p:spPr/>
-        <p:txBody>
-          <a:bodyPr/>
-          <a:lstStyle/>
-          <a:p>
-            <a:r>
-              <a:rPr lang="en-US" dirty="0"/>
-              <a:t>Resources</a:t>
-            </a:r>
-          </a:p>
-        </p:txBody>
-      </p:sp>
-      <p:sp>
-        <p:nvSpPr>
-          <p:cNvPr id="3" name="Content Placeholder 2">
-            <a:extLst>
-              <a:ext uri="{FF2B5EF4-FFF2-40B4-BE49-F238E27FC236}">
-                <a16:creationId xmlns:a16="http://schemas.microsoft.com/office/drawing/2014/main" id="{69C00B45-D100-B94B-91DC-FA8C917E3995}"/>
-              </a:ext>
-            </a:extLst>
-          </p:cNvPr>
-          <p:cNvSpPr>
-            <a:spLocks noGrp="1"/>
-          </p:cNvSpPr>
-          <p:nvPr>
-            <p:ph idx="1"/>
-          </p:nvPr>
-        </p:nvSpPr>
-        <p:spPr/>
-        <p:txBody>
-          <a:bodyPr>
-            <a:normAutofit fontScale="85000" lnSpcReduction="10000"/>
-          </a:bodyPr>
-          <a:lstStyle/>
-          <a:p>
-            <a:r>
-              <a:rPr lang="en-US" dirty="0"/>
-              <a:t>Real world House of Force exploitation : </a:t>
-            </a:r>
-            <a:r>
-              <a:rPr lang="en-US" dirty="0">
-                <a:hlinkClick r:id="rId2"/>
-              </a:rPr>
-              <a:t>https://securitylab.github.com/research/last-orders-at-the-house-of-force</a:t>
-            </a:r>
-            <a:r>
-              <a:rPr lang="en-US" dirty="0"/>
-              <a:t> </a:t>
-            </a:r>
-          </a:p>
-          <a:p>
-            <a:r>
-              <a:rPr lang="en-US" dirty="0"/>
-              <a:t>House of Force Explanation : </a:t>
-            </a:r>
-          </a:p>
-          <a:p>
-            <a:pPr lvl="1"/>
-            <a:r>
-              <a:rPr lang="en-US" dirty="0">
-                <a:hlinkClick r:id="rId3"/>
-              </a:rPr>
-              <a:t>https://sploitfun.wordpress.com/tag/house-of-force/</a:t>
-            </a:r>
-            <a:endParaRPr lang="en-US" dirty="0"/>
-          </a:p>
-          <a:p>
-            <a:pPr lvl="1"/>
-            <a:r>
-              <a:rPr lang="en-US" dirty="0">
-                <a:hlinkClick r:id="rId4"/>
-              </a:rPr>
-              <a:t>https://heap-exploitation.dhavalkapil.com/attacks/house_of_force</a:t>
-            </a:r>
-            <a:endParaRPr lang="en-US" dirty="0"/>
-          </a:p>
-          <a:p>
-            <a:pPr lvl="1"/>
-            <a:r>
-              <a:rPr lang="en-US" dirty="0">
-                <a:hlinkClick r:id="rId5"/>
-              </a:rPr>
-              <a:t>https://raydenchia.com/glibc-heap-exploitation-house-of-force/</a:t>
-            </a:r>
-            <a:r>
-              <a:rPr lang="en-US" dirty="0"/>
-              <a:t> </a:t>
-            </a:r>
-          </a:p>
-          <a:p>
-            <a:r>
-              <a:rPr lang="en-US" dirty="0"/>
-              <a:t>Good examples : </a:t>
-            </a:r>
-          </a:p>
-          <a:p>
-            <a:pPr lvl="1"/>
-            <a:r>
-              <a:rPr lang="en-US" dirty="0">
-                <a:hlinkClick r:id="rId6"/>
-              </a:rPr>
-              <a:t>https://ctf-wiki.github.io/ctf-wiki/pwn/linux/glibc-heap/house_of_force/</a:t>
-            </a:r>
-            <a:r>
-              <a:rPr lang="en-US" dirty="0"/>
-              <a:t> </a:t>
-            </a:r>
-          </a:p>
-          <a:p>
-            <a:pPr lvl="1"/>
-            <a:r>
-              <a:rPr lang="en-US" dirty="0">
-                <a:hlinkClick r:id="rId7"/>
-              </a:rPr>
-              <a:t>https://www.youtube.com/watch?v=PISoSH8KGVI</a:t>
-            </a:r>
-            <a:r>
-              <a:rPr lang="en-US" dirty="0"/>
-              <a:t> </a:t>
-            </a:r>
-          </a:p>
-          <a:p>
-            <a:r>
-              <a:rPr lang="en-US" dirty="0"/>
-              <a:t>Malloc MALEFICARUM (DES): </a:t>
-            </a:r>
-            <a:r>
-              <a:rPr lang="en-US" dirty="0">
-                <a:hlinkClick r:id="rId8"/>
-              </a:rPr>
-              <a:t>http://phrack.org/issues/66/10.html</a:t>
-            </a:r>
-            <a:r>
-              <a:rPr lang="en-US" dirty="0"/>
-              <a:t> </a:t>
-            </a:r>
-          </a:p>
-          <a:p>
-            <a:endParaRPr lang="en-US" dirty="0"/>
-          </a:p>
-        </p:txBody>
-      </p:sp>
-    </p:spTree>
-    <p:extLst>
-      <p:ext uri="{BB962C8B-B14F-4D97-AF65-F5344CB8AC3E}">
-        <p14:creationId xmlns:p14="http://schemas.microsoft.com/office/powerpoint/2010/main" val="365515686"/>
       </p:ext>
     </p:extLst>
   </p:cSld>
@@ -49230,6 +50617,330 @@
     <p:extLst>
       <p:ext uri="{BB962C8B-B14F-4D97-AF65-F5344CB8AC3E}">
         <p14:creationId xmlns:p14="http://schemas.microsoft.com/office/powerpoint/2010/main" val="3810720592"/>
+      </p:ext>
+    </p:extLst>
+  </p:cSld>
+  <p:clrMapOvr>
+    <a:masterClrMapping/>
+  </p:clrMapOvr>
+</p:sld>
+</file>
+
+<file path=ppt/slides/slide60.xml><?xml version="1.0" encoding="utf-8"?>
+<p:sld xmlns:a="http://schemas.openxmlformats.org/drawingml/2006/main" xmlns:r="http://schemas.openxmlformats.org/officeDocument/2006/relationships" xmlns:p="http://schemas.openxmlformats.org/presentationml/2006/main">
+  <p:cSld>
+    <p:spTree>
+      <p:nvGrpSpPr>
+        <p:cNvPr id="1" name=""/>
+        <p:cNvGrpSpPr/>
+        <p:nvPr/>
+      </p:nvGrpSpPr>
+      <p:grpSpPr>
+        <a:xfrm>
+          <a:off x="0" y="0"/>
+          <a:ext cx="0" cy="0"/>
+          <a:chOff x="0" y="0"/>
+          <a:chExt cx="0" cy="0"/>
+        </a:xfrm>
+      </p:grpSpPr>
+      <p:sp>
+        <p:nvSpPr>
+          <p:cNvPr id="2" name="Title 1">
+            <a:extLst>
+              <a:ext uri="{FF2B5EF4-FFF2-40B4-BE49-F238E27FC236}">
+                <a16:creationId xmlns:a16="http://schemas.microsoft.com/office/drawing/2014/main" id="{5A2C7F9C-1BBE-8A43-97B8-7835CCBDB8B9}"/>
+              </a:ext>
+            </a:extLst>
+          </p:cNvPr>
+          <p:cNvSpPr>
+            <a:spLocks noGrp="1"/>
+          </p:cNvSpPr>
+          <p:nvPr>
+            <p:ph type="title"/>
+          </p:nvPr>
+        </p:nvSpPr>
+        <p:spPr>
+          <a:xfrm>
+            <a:off x="629841" y="342900"/>
+            <a:ext cx="2949178" cy="1200150"/>
+          </a:xfrm>
+        </p:spPr>
+        <p:txBody>
+          <a:bodyPr anchor="b">
+            <a:normAutofit/>
+          </a:bodyPr>
+          <a:lstStyle/>
+          <a:p>
+            <a:r>
+              <a:rPr lang="en-US" dirty="0"/>
+              <a:t>Final Thoughts</a:t>
+            </a:r>
+          </a:p>
+        </p:txBody>
+      </p:sp>
+      <p:pic>
+        <p:nvPicPr>
+          <p:cNvPr id="2050" name="Picture 2" descr="Use the Force Luke | League of Imaginary Heroes">
+            <a:extLst>
+              <a:ext uri="{FF2B5EF4-FFF2-40B4-BE49-F238E27FC236}">
+                <a16:creationId xmlns:a16="http://schemas.microsoft.com/office/drawing/2014/main" id="{C575ECEA-C02F-2349-98FC-72DB6C03822E}"/>
+              </a:ext>
+            </a:extLst>
+          </p:cNvPr>
+          <p:cNvPicPr>
+            <a:picLocks noChangeAspect="1" noChangeArrowheads="1"/>
+          </p:cNvPicPr>
+          <p:nvPr/>
+        </p:nvPicPr>
+        <p:blipFill rotWithShape="1">
+          <a:blip r:embed="rId2">
+            <a:extLst>
+              <a:ext uri="{28A0092B-C50C-407E-A947-70E740481C1C}">
+                <a14:useLocalDpi xmlns:a14="http://schemas.microsoft.com/office/drawing/2010/main" val="0"/>
+              </a:ext>
+            </a:extLst>
+          </a:blip>
+          <a:srcRect l="5016" r="-1" b="-1"/>
+          <a:stretch/>
+        </p:blipFill>
+        <p:spPr bwMode="auto">
+          <a:xfrm>
+            <a:off x="3887391" y="740572"/>
+            <a:ext cx="4629150" cy="3655219"/>
+          </a:xfrm>
+          <a:prstGeom prst="rect">
+            <a:avLst/>
+          </a:prstGeom>
+          <a:noFill/>
+        </p:spPr>
+      </p:pic>
+      <p:sp>
+        <p:nvSpPr>
+          <p:cNvPr id="3" name="Content Placeholder 2">
+            <a:extLst>
+              <a:ext uri="{FF2B5EF4-FFF2-40B4-BE49-F238E27FC236}">
+                <a16:creationId xmlns:a16="http://schemas.microsoft.com/office/drawing/2014/main" id="{860F7593-10E2-EE4F-9D20-F04A7EDB08FB}"/>
+              </a:ext>
+            </a:extLst>
+          </p:cNvPr>
+          <p:cNvSpPr>
+            <a:spLocks noGrp="1"/>
+          </p:cNvSpPr>
+          <p:nvPr>
+            <p:ph type="body" sz="half" idx="2"/>
+          </p:nvPr>
+        </p:nvSpPr>
+        <p:spPr>
+          <a:xfrm>
+            <a:off x="629841" y="1543052"/>
+            <a:ext cx="2949178" cy="2858691"/>
+          </a:xfrm>
+        </p:spPr>
+        <p:txBody>
+          <a:bodyPr>
+            <a:normAutofit/>
+          </a:bodyPr>
+          <a:lstStyle/>
+          <a:p>
+            <a:r>
+              <a:rPr lang="en-US"/>
+              <a:t>Awesome attack! Gives the ability to overwrite an arbitrary location in memory. </a:t>
+            </a:r>
+          </a:p>
+        </p:txBody>
+      </p:sp>
+    </p:spTree>
+    <p:extLst>
+      <p:ext uri="{BB962C8B-B14F-4D97-AF65-F5344CB8AC3E}">
+        <p14:creationId xmlns:p14="http://schemas.microsoft.com/office/powerpoint/2010/main" val="3759711070"/>
+      </p:ext>
+    </p:extLst>
+  </p:cSld>
+  <p:clrMapOvr>
+    <a:masterClrMapping/>
+  </p:clrMapOvr>
+</p:sld>
+</file>
+
+<file path=ppt/slides/slide61.xml><?xml version="1.0" encoding="utf-8"?>
+<p:sld xmlns:a="http://schemas.openxmlformats.org/drawingml/2006/main" xmlns:r="http://schemas.openxmlformats.org/officeDocument/2006/relationships" xmlns:p="http://schemas.openxmlformats.org/presentationml/2006/main">
+  <p:cSld>
+    <p:spTree>
+      <p:nvGrpSpPr>
+        <p:cNvPr id="1" name=""/>
+        <p:cNvGrpSpPr/>
+        <p:nvPr/>
+      </p:nvGrpSpPr>
+      <p:grpSpPr>
+        <a:xfrm>
+          <a:off x="0" y="0"/>
+          <a:ext cx="0" cy="0"/>
+          <a:chOff x="0" y="0"/>
+          <a:chExt cx="0" cy="0"/>
+        </a:xfrm>
+      </p:grpSpPr>
+      <p:sp>
+        <p:nvSpPr>
+          <p:cNvPr id="2" name="Title 1">
+            <a:extLst>
+              <a:ext uri="{FF2B5EF4-FFF2-40B4-BE49-F238E27FC236}">
+                <a16:creationId xmlns:a16="http://schemas.microsoft.com/office/drawing/2014/main" id="{AE175557-99A5-9746-8F05-48A96BA70E04}"/>
+              </a:ext>
+            </a:extLst>
+          </p:cNvPr>
+          <p:cNvSpPr>
+            <a:spLocks noGrp="1"/>
+          </p:cNvSpPr>
+          <p:nvPr>
+            <p:ph type="title"/>
+          </p:nvPr>
+        </p:nvSpPr>
+        <p:spPr/>
+        <p:txBody>
+          <a:bodyPr/>
+          <a:lstStyle/>
+          <a:p>
+            <a:r>
+              <a:rPr lang="en-US" dirty="0"/>
+              <a:t>Resources</a:t>
+            </a:r>
+          </a:p>
+        </p:txBody>
+      </p:sp>
+      <p:sp>
+        <p:nvSpPr>
+          <p:cNvPr id="3" name="Content Placeholder 2">
+            <a:extLst>
+              <a:ext uri="{FF2B5EF4-FFF2-40B4-BE49-F238E27FC236}">
+                <a16:creationId xmlns:a16="http://schemas.microsoft.com/office/drawing/2014/main" id="{69C00B45-D100-B94B-91DC-FA8C917E3995}"/>
+              </a:ext>
+            </a:extLst>
+          </p:cNvPr>
+          <p:cNvSpPr>
+            <a:spLocks noGrp="1"/>
+          </p:cNvSpPr>
+          <p:nvPr>
+            <p:ph idx="1"/>
+          </p:nvPr>
+        </p:nvSpPr>
+        <p:spPr/>
+        <p:txBody>
+          <a:bodyPr>
+            <a:normAutofit fontScale="85000" lnSpcReduction="10000"/>
+          </a:bodyPr>
+          <a:lstStyle/>
+          <a:p>
+            <a:r>
+              <a:rPr lang="en-US" dirty="0"/>
+              <a:t>Real world House of Force exploitation : </a:t>
+            </a:r>
+            <a:r>
+              <a:rPr lang="en-US" dirty="0">
+                <a:hlinkClick r:id="rId2"/>
+              </a:rPr>
+              <a:t>https://securitylab.github.com/research/last-orders-at-the-house-of-force</a:t>
+            </a:r>
+            <a:r>
+              <a:rPr lang="en-US" dirty="0"/>
+              <a:t> </a:t>
+            </a:r>
+          </a:p>
+          <a:p>
+            <a:r>
+              <a:rPr lang="en-US" dirty="0"/>
+              <a:t>House of Force Explanation : </a:t>
+            </a:r>
+          </a:p>
+          <a:p>
+            <a:pPr lvl="1"/>
+            <a:r>
+              <a:rPr lang="en-US" dirty="0">
+                <a:hlinkClick r:id="rId3"/>
+              </a:rPr>
+              <a:t>https://sploitfun.wordpress.com/tag/house-of-force/</a:t>
+            </a:r>
+            <a:endParaRPr lang="en-US" dirty="0"/>
+          </a:p>
+          <a:p>
+            <a:pPr lvl="1"/>
+            <a:r>
+              <a:rPr lang="en-US" dirty="0">
+                <a:hlinkClick r:id="rId4"/>
+              </a:rPr>
+              <a:t>https://heap-exploitation.dhavalkapil.com/attacks/house_of_force</a:t>
+            </a:r>
+            <a:endParaRPr lang="en-US" dirty="0"/>
+          </a:p>
+          <a:p>
+            <a:pPr lvl="1"/>
+            <a:r>
+              <a:rPr lang="en-US" dirty="0">
+                <a:hlinkClick r:id="rId5"/>
+              </a:rPr>
+              <a:t>https://raydenchia.com/glibc-heap-exploitation-house-of-force/</a:t>
+            </a:r>
+            <a:r>
+              <a:rPr lang="en-US" dirty="0"/>
+              <a:t> </a:t>
+            </a:r>
+          </a:p>
+          <a:p>
+            <a:r>
+              <a:rPr lang="en-US" dirty="0"/>
+              <a:t>Good examples : </a:t>
+            </a:r>
+          </a:p>
+          <a:p>
+            <a:pPr lvl="1"/>
+            <a:r>
+              <a:rPr lang="en-US" dirty="0">
+                <a:hlinkClick r:id="rId6"/>
+              </a:rPr>
+              <a:t>https://ctf-wiki.github.io/ctf-wiki/pwn/linux/glibc-heap/house_of_force/</a:t>
+            </a:r>
+            <a:r>
+              <a:rPr lang="en-US" dirty="0"/>
+              <a:t> </a:t>
+            </a:r>
+          </a:p>
+          <a:p>
+            <a:pPr lvl="1"/>
+            <a:r>
+              <a:rPr lang="en-US" dirty="0">
+                <a:hlinkClick r:id="rId7"/>
+              </a:rPr>
+              <a:t>https://www.youtube.com/watch?v=PISoSH8KGVI</a:t>
+            </a:r>
+            <a:r>
+              <a:rPr lang="en-US" dirty="0"/>
+              <a:t> </a:t>
+            </a:r>
+          </a:p>
+          <a:p>
+            <a:r>
+              <a:rPr lang="en-US" dirty="0"/>
+              <a:t>Malloc MALEFICARUM (DES): </a:t>
+            </a:r>
+            <a:r>
+              <a:rPr lang="en-US" dirty="0">
+                <a:hlinkClick r:id="rId8"/>
+              </a:rPr>
+              <a:t>http://phrack.org/issues/66/10.html</a:t>
+            </a:r>
+            <a:r>
+              <a:rPr lang="en-US" dirty="0"/>
+              <a:t> </a:t>
+            </a:r>
+          </a:p>
+          <a:p>
+            <a:endParaRPr lang="en-US" dirty="0"/>
+          </a:p>
+        </p:txBody>
+      </p:sp>
+    </p:spTree>
+    <p:extLst>
+      <p:ext uri="{BB962C8B-B14F-4D97-AF65-F5344CB8AC3E}">
+        <p14:creationId xmlns:p14="http://schemas.microsoft.com/office/powerpoint/2010/main" val="365515686"/>
       </p:ext>
     </p:extLst>
   </p:cSld>

--- a/modules/house_of_force/house_of_force.pptx
+++ b/modules/house_of_force/house_of_force.pptx
@@ -26446,7 +26446,7 @@
           <a:p>
             <a:fld id="{2DA23E8D-1792-1541-9147-970A8DD8A355}" type="datetimeFigureOut">
               <a:rPr lang="en-US" smtClean="0"/>
-              <a:t>9/22/21</a:t>
+              <a:t>10/5/21</a:t>
             </a:fld>
             <a:endParaRPr lang="en-US" dirty="0"/>
           </a:p>
@@ -27316,7 +27316,7 @@
                 <a:latin typeface="Calibri"/>
               </a:rPr>
               <a:pPr/>
-              <a:t>9/22/21</a:t>
+              <a:t>10/5/21</a:t>
             </a:fld>
             <a:endParaRPr lang="en-US" dirty="0">
               <a:solidFill>
@@ -27569,7 +27569,7 @@
                 <a:latin typeface="Calibri"/>
               </a:rPr>
               <a:pPr/>
-              <a:t>9/22/21</a:t>
+              <a:t>10/5/21</a:t>
             </a:fld>
             <a:endParaRPr lang="en-US" dirty="0">
               <a:solidFill>
@@ -27784,7 +27784,7 @@
                 <a:latin typeface="Calibri"/>
               </a:rPr>
               <a:pPr/>
-              <a:t>9/22/21</a:t>
+              <a:t>10/5/21</a:t>
             </a:fld>
             <a:endParaRPr lang="en-US" dirty="0">
               <a:solidFill>
@@ -28068,7 +28068,7 @@
                 <a:latin typeface="Calibri"/>
               </a:rPr>
               <a:pPr/>
-              <a:t>9/22/21</a:t>
+              <a:t>10/5/21</a:t>
             </a:fld>
             <a:endParaRPr lang="en-US" dirty="0">
               <a:solidFill>
@@ -28410,7 +28410,7 @@
                 <a:latin typeface="Calibri"/>
               </a:rPr>
               <a:pPr/>
-              <a:t>9/22/21</a:t>
+              <a:t>10/5/21</a:t>
             </a:fld>
             <a:endParaRPr lang="en-US" dirty="0">
               <a:solidFill>
@@ -28738,7 +28738,7 @@
                 <a:latin typeface="Calibri"/>
               </a:rPr>
               <a:pPr/>
-              <a:t>9/22/21</a:t>
+              <a:t>10/5/21</a:t>
             </a:fld>
             <a:endParaRPr lang="en-US" dirty="0">
               <a:solidFill>
@@ -29227,7 +29227,7 @@
                 <a:latin typeface="Calibri"/>
               </a:rPr>
               <a:pPr/>
-              <a:t>9/22/21</a:t>
+              <a:t>10/5/21</a:t>
             </a:fld>
             <a:endParaRPr lang="en-US" dirty="0">
               <a:solidFill>
@@ -29410,7 +29410,7 @@
                 <a:latin typeface="Calibri"/>
               </a:rPr>
               <a:pPr/>
-              <a:t>9/22/21</a:t>
+              <a:t>10/5/21</a:t>
             </a:fld>
             <a:endParaRPr lang="en-US" dirty="0">
               <a:solidFill>
@@ -29656,7 +29656,7 @@
                 <a:latin typeface="Calibri"/>
               </a:rPr>
               <a:pPr/>
-              <a:t>9/22/21</a:t>
+              <a:t>10/5/21</a:t>
             </a:fld>
             <a:endParaRPr lang="en-US" dirty="0">
               <a:solidFill>
@@ -29998,7 +29998,7 @@
                 <a:latin typeface="Calibri"/>
               </a:rPr>
               <a:pPr/>
-              <a:t>9/22/21</a:t>
+              <a:t>10/5/21</a:t>
             </a:fld>
             <a:endParaRPr lang="en-US" dirty="0">
               <a:solidFill>
@@ -30290,7 +30290,7 @@
                 <a:latin typeface="Calibri"/>
               </a:rPr>
               <a:pPr/>
-              <a:t>9/22/21</a:t>
+              <a:t>10/5/21</a:t>
             </a:fld>
             <a:endParaRPr lang="en-US" dirty="0">
               <a:solidFill>
@@ -30540,7 +30540,7 @@
                 <a:latin typeface="Calibri"/>
               </a:rPr>
               <a:pPr defTabSz="914400"/>
-              <a:t>9/22/21</a:t>
+              <a:t>10/5/21</a:t>
             </a:fld>
             <a:endParaRPr lang="en-US" dirty="0">
               <a:solidFill>

--- a/modules/house_of_force/house_of_force.pptx
+++ b/modules/house_of_force/house_of_force.pptx
@@ -8526,8 +8526,20 @@
         <a:lstStyle/>
         <a:p>
           <a:r>
-            <a:rPr lang="en-US"/>
-            <a:t>__free_hook is the best because we control a parameter. Great for calling system with a controlled string. </a:t>
+            <a:rPr lang="en-US" i="1" dirty="0"/>
+            <a:t>__</a:t>
+          </a:r>
+          <a:r>
+            <a:rPr lang="en-US" i="1" dirty="0" err="1"/>
+            <a:t>free_hook</a:t>
+          </a:r>
+          <a:r>
+            <a:rPr lang="en-US" i="1" dirty="0"/>
+            <a:t> </a:t>
+          </a:r>
+          <a:r>
+            <a:rPr lang="en-US" dirty="0"/>
+            <a:t>is the best because we control a parameter. Great for calling system with a controlled string. </a:t>
           </a:r>
         </a:p>
       </dgm:t>
@@ -11348,8 +11360,8 @@
       </dsp:nvSpPr>
       <dsp:spPr>
         <a:xfrm>
-          <a:off x="38" y="130953"/>
-          <a:ext cx="3685337" cy="908533"/>
+          <a:off x="38" y="32946"/>
+          <a:ext cx="3685337" cy="952800"/>
         </a:xfrm>
         <a:prstGeom prst="rect">
           <a:avLst/>
@@ -11427,12 +11439,12 @@
         </a:fontRef>
       </dsp:style>
       <dsp:txBody>
-        <a:bodyPr spcFirstLastPara="0" vert="horz" wrap="square" lIns="177800" tIns="101600" rIns="177800" bIns="101600" numCol="1" spcCol="1270" anchor="ctr" anchorCtr="0">
+        <a:bodyPr spcFirstLastPara="0" vert="horz" wrap="square" lIns="184912" tIns="105664" rIns="184912" bIns="105664" numCol="1" spcCol="1270" anchor="ctr" anchorCtr="0">
           <a:noAutofit/>
         </a:bodyPr>
         <a:lstStyle/>
         <a:p>
-          <a:pPr marL="0" lvl="0" indent="0" algn="ctr" defTabSz="1111250">
+          <a:pPr marL="0" lvl="0" indent="0" algn="ctr" defTabSz="1155700">
             <a:lnSpc>
               <a:spcPct val="90000"/>
             </a:lnSpc>
@@ -11445,14 +11457,14 @@
             <a:buNone/>
           </a:pPr>
           <a:r>
-            <a:rPr lang="en-US" sz="2500" kern="1200"/>
+            <a:rPr lang="en-US" sz="2600" kern="1200"/>
             <a:t>Amazing for control flow hijacking: </a:t>
           </a:r>
         </a:p>
       </dsp:txBody>
       <dsp:txXfrm>
-        <a:off x="38" y="130953"/>
-        <a:ext cx="3685337" cy="908533"/>
+        <a:off x="38" y="32946"/>
+        <a:ext cx="3685337" cy="952800"/>
       </dsp:txXfrm>
     </dsp:sp>
     <dsp:sp modelId="{BA6D5494-7492-C44D-8642-80312BF7522A}">
@@ -11462,8 +11474,8 @@
       </dsp:nvSpPr>
       <dsp:spPr>
         <a:xfrm>
-          <a:off x="38" y="1039487"/>
-          <a:ext cx="3685337" cy="2093062"/>
+          <a:off x="38" y="985747"/>
+          <a:ext cx="3685337" cy="2244809"/>
         </a:xfrm>
         <a:prstGeom prst="rect">
           <a:avLst/>
@@ -11507,12 +11519,12 @@
         <a:fontRef idx="minor"/>
       </dsp:style>
       <dsp:txBody>
-        <a:bodyPr spcFirstLastPara="0" vert="horz" wrap="square" lIns="133350" tIns="133350" rIns="177800" bIns="200025" numCol="1" spcCol="1270" anchor="t" anchorCtr="0">
+        <a:bodyPr spcFirstLastPara="0" vert="horz" wrap="square" lIns="138684" tIns="138684" rIns="184912" bIns="208026" numCol="1" spcCol="1270" anchor="t" anchorCtr="0">
           <a:noAutofit/>
         </a:bodyPr>
         <a:lstStyle/>
         <a:p>
-          <a:pPr marL="228600" lvl="1" indent="-228600" algn="l" defTabSz="1111250">
+          <a:pPr marL="228600" lvl="1" indent="-228600" algn="l" defTabSz="1155700">
             <a:lnSpc>
               <a:spcPct val="90000"/>
             </a:lnSpc>
@@ -11525,14 +11537,26 @@
             <a:buChar char="•"/>
           </a:pPr>
           <a:r>
-            <a:rPr lang="en-US" sz="2500" kern="1200"/>
-            <a:t>__free_hook is the best because we control a parameter. Great for calling system with a controlled string. </a:t>
+            <a:rPr lang="en-US" sz="2600" i="1" kern="1200" dirty="0"/>
+            <a:t>__</a:t>
+          </a:r>
+          <a:r>
+            <a:rPr lang="en-US" sz="2600" i="1" kern="1200" dirty="0" err="1"/>
+            <a:t>free_hook</a:t>
+          </a:r>
+          <a:r>
+            <a:rPr lang="en-US" sz="2600" i="1" kern="1200" dirty="0"/>
+            <a:t> </a:t>
+          </a:r>
+          <a:r>
+            <a:rPr lang="en-US" sz="2600" kern="1200" dirty="0"/>
+            <a:t>is the best because we control a parameter. Great for calling system with a controlled string. </a:t>
           </a:r>
         </a:p>
       </dsp:txBody>
       <dsp:txXfrm>
-        <a:off x="38" y="1039487"/>
-        <a:ext cx="3685337" cy="2093062"/>
+        <a:off x="38" y="985747"/>
+        <a:ext cx="3685337" cy="2244809"/>
       </dsp:txXfrm>
     </dsp:sp>
     <dsp:sp modelId="{D303D1A6-7266-C84C-873B-5E30E9E08298}">
@@ -11542,8 +11566,8 @@
       </dsp:nvSpPr>
       <dsp:spPr>
         <a:xfrm>
-          <a:off x="4201323" y="130953"/>
-          <a:ext cx="3685337" cy="908533"/>
+          <a:off x="4201323" y="32946"/>
+          <a:ext cx="3685337" cy="952800"/>
         </a:xfrm>
         <a:prstGeom prst="rect">
           <a:avLst/>
@@ -11621,12 +11645,12 @@
         </a:fontRef>
       </dsp:style>
       <dsp:txBody>
-        <a:bodyPr spcFirstLastPara="0" vert="horz" wrap="square" lIns="177800" tIns="101600" rIns="177800" bIns="101600" numCol="1" spcCol="1270" anchor="ctr" anchorCtr="0">
+        <a:bodyPr spcFirstLastPara="0" vert="horz" wrap="square" lIns="184912" tIns="105664" rIns="184912" bIns="105664" numCol="1" spcCol="1270" anchor="ctr" anchorCtr="0">
           <a:noAutofit/>
         </a:bodyPr>
         <a:lstStyle/>
         <a:p>
-          <a:pPr marL="0" lvl="0" indent="0" algn="ctr" defTabSz="1111250">
+          <a:pPr marL="0" lvl="0" indent="0" algn="ctr" defTabSz="1155700">
             <a:lnSpc>
               <a:spcPct val="90000"/>
             </a:lnSpc>
@@ -11639,14 +11663,14 @@
             <a:buNone/>
           </a:pPr>
           <a:r>
-            <a:rPr lang="en-US" sz="2500" kern="1200" dirty="0"/>
+            <a:rPr lang="en-US" sz="2600" kern="1200" dirty="0"/>
             <a:t>Common Hits</a:t>
           </a:r>
         </a:p>
       </dsp:txBody>
       <dsp:txXfrm>
-        <a:off x="4201323" y="130953"/>
-        <a:ext cx="3685337" cy="908533"/>
+        <a:off x="4201323" y="32946"/>
+        <a:ext cx="3685337" cy="952800"/>
       </dsp:txXfrm>
     </dsp:sp>
     <dsp:sp modelId="{0834F26A-4B0D-E64D-9D92-08973B136968}">
@@ -11656,8 +11680,8 @@
       </dsp:nvSpPr>
       <dsp:spPr>
         <a:xfrm>
-          <a:off x="4201323" y="1039487"/>
-          <a:ext cx="3685337" cy="2093062"/>
+          <a:off x="4201323" y="985747"/>
+          <a:ext cx="3685337" cy="2244809"/>
         </a:xfrm>
         <a:prstGeom prst="rect">
           <a:avLst/>
@@ -11701,12 +11725,12 @@
         <a:fontRef idx="minor"/>
       </dsp:style>
       <dsp:txBody>
-        <a:bodyPr spcFirstLastPara="0" vert="horz" wrap="square" lIns="133350" tIns="133350" rIns="177800" bIns="200025" numCol="1" spcCol="1270" anchor="t" anchorCtr="0">
+        <a:bodyPr spcFirstLastPara="0" vert="horz" wrap="square" lIns="138684" tIns="138684" rIns="184912" bIns="208026" numCol="1" spcCol="1270" anchor="t" anchorCtr="0">
           <a:noAutofit/>
         </a:bodyPr>
         <a:lstStyle/>
         <a:p>
-          <a:pPr marL="228600" lvl="1" indent="-228600" algn="l" defTabSz="1111250">
+          <a:pPr marL="228600" lvl="1" indent="-228600" algn="l" defTabSz="1155700">
             <a:lnSpc>
               <a:spcPct val="90000"/>
             </a:lnSpc>
@@ -11719,12 +11743,12 @@
             <a:buChar char="•"/>
           </a:pPr>
           <a:r>
-            <a:rPr lang="en-US" sz="2500" kern="1200" dirty="0"/>
+            <a:rPr lang="en-US" sz="2600" kern="1200" dirty="0"/>
             <a:t>Need to use functions that are called</a:t>
           </a:r>
         </a:p>
         <a:p>
-          <a:pPr marL="228600" lvl="1" indent="-228600" algn="l" defTabSz="1111250">
+          <a:pPr marL="228600" lvl="1" indent="-228600" algn="l" defTabSz="1155700">
             <a:lnSpc>
               <a:spcPct val="90000"/>
             </a:lnSpc>
@@ -11737,30 +11761,30 @@
             <a:buChar char="•"/>
           </a:pPr>
           <a:r>
-            <a:rPr lang="en-US" sz="2500" kern="1200" dirty="0"/>
+            <a:rPr lang="en-US" sz="2600" kern="1200" dirty="0"/>
             <a:t>__</a:t>
           </a:r>
           <a:r>
-            <a:rPr lang="en-US" sz="2500" kern="1200" dirty="0" err="1"/>
+            <a:rPr lang="en-US" sz="2600" kern="1200" dirty="0" err="1"/>
             <a:t>malloc_hook</a:t>
           </a:r>
           <a:r>
-            <a:rPr lang="en-US" sz="2500" kern="1200" dirty="0"/>
+            <a:rPr lang="en-US" sz="2600" kern="1200" dirty="0"/>
             <a:t> and __</a:t>
           </a:r>
           <a:r>
-            <a:rPr lang="en-US" sz="2500" kern="1200" dirty="0" err="1"/>
+            <a:rPr lang="en-US" sz="2600" kern="1200" dirty="0" err="1"/>
             <a:t>free_hook</a:t>
           </a:r>
           <a:r>
-            <a:rPr lang="en-US" sz="2500" kern="1200" dirty="0"/>
+            <a:rPr lang="en-US" sz="2600" kern="1200" dirty="0"/>
             <a:t> most likely</a:t>
           </a:r>
         </a:p>
       </dsp:txBody>
       <dsp:txXfrm>
-        <a:off x="4201323" y="1039487"/>
-        <a:ext cx="3685337" cy="2093062"/>
+        <a:off x="4201323" y="985747"/>
+        <a:ext cx="3685337" cy="2244809"/>
       </dsp:txXfrm>
     </dsp:sp>
   </dsp:spTree>
@@ -26335,35 +26359,6 @@
 </dgm:styleDef>
 </file>
 
-<file path=ppt/ink/ink1.xml><?xml version="1.0" encoding="utf-8"?>
-<inkml:ink xmlns:inkml="http://www.w3.org/2003/InkML">
-  <inkml:definitions>
-    <inkml:context xml:id="ctx0">
-      <inkml:inkSource xml:id="inkSrc0">
-        <inkml:traceFormat>
-          <inkml:channel name="X" type="integer" min="-2.14748E9" max="2.14748E9" units="cm"/>
-          <inkml:channel name="Y" type="integer" min="-2.14748E9" max="2.14748E9" units="cm"/>
-          <inkml:channel name="F" type="integer" max="32767" units="dev"/>
-        </inkml:traceFormat>
-        <inkml:channelProperties>
-          <inkml:channelProperty channel="X" name="resolution" value="1000" units="1/cm"/>
-          <inkml:channelProperty channel="Y" name="resolution" value="1000" units="1/cm"/>
-          <inkml:channelProperty channel="F" name="resolution" value="0" units="1/dev"/>
-        </inkml:channelProperties>
-      </inkml:inkSource>
-      <inkml:timestamp xml:id="ts0" timeString="2020-12-29T01:23:34.658"/>
-    </inkml:context>
-    <inkml:brush xml:id="br0">
-      <inkml:brushProperty name="width" value="0.05292" units="cm"/>
-      <inkml:brushProperty name="height" value="0.05292" units="cm"/>
-      <inkml:brushProperty name="color" value="#FF0000"/>
-    </inkml:brush>
-  </inkml:definitions>
-  <inkml:trace contextRef="#ctx0" brushRef="#br0">11115 7081 24575,'33'0'0,"-6"0"0,1 0 0,-4 0 0,2 0-1093,3 0 1,3 0 0,0 0-1,3 0 1,1 0 0,1 0 272,-9 0 1,1 1 0,0-1 0,2-1 451,0 1 0,2-1 0,1 0 0,-2 0 0,-1 0 368,5 0 0,-2 0 0,2-1 0,-3 0 0,1-1 0,2 0 0,0 0 0,-3 1 0,0-1 0,-1 1 0,-1-1 0,2 1 0,-2-1 0,0 1 0,1-1 0,0 0 0,0 1 0,0 0 0,0 0 0,0 0 0,0 1 0,-1-1 0,4-1 0,-1 1 0,0 0 0,-1 0 0,-2 0 0,-1 1 0,-1 0 0,0 0 344,3 0 1,-2-1 0,-3 1-345,-1 0 0,-4 0 0,3 0 0,-16-1 0</inkml:trace>
-  <inkml:trace contextRef="#ctx0" brushRef="#br0" timeOffset="1507">12764 8761 24575,'16'0'0,"-2"1"0,7 3 0,15 1-1639,-11 1 1,2-1 1260,1 0 0,2-1 378,-2 0 0,1 0 0,2-1 0,-1 0 0,2-1 0,0 0 0,0-1 0,-2 1 0,1-1 0,-1 0 0,1 0-820,4 0 1,2 0 0,-1 0 0,0 0 271,-1-1 0,0 0 1,-1 0-1,-1 0 548,2 0 0,-1 0 0,2 0 0,-5 0 0,2 0 0,0 0 0,0 0 0,-2 0 0,6 0 0,-2 0 0,1 0-124,-4-1 1,0 0 0,0 0 0,-3 0 123,-1 1 0,-3 0 0,0-1-371,9-3 1,-3 1 370,-9 3 0,-2-1 1130,11-4-1130,-13 4 819,-8-3 0,-9 4 0,-1-1 0</inkml:trace>
-</inkml:ink>
-</file>
-
 <file path=ppt/notesMasters/notesMaster1.xml><?xml version="1.0" encoding="utf-8"?>
 <p:notesMaster xmlns:a="http://schemas.openxmlformats.org/drawingml/2006/main" xmlns:r="http://schemas.openxmlformats.org/officeDocument/2006/relationships" xmlns:p="http://schemas.openxmlformats.org/presentationml/2006/main">
   <p:cSld>
@@ -26446,7 +26441,7 @@
           <a:p>
             <a:fld id="{2DA23E8D-1792-1541-9147-970A8DD8A355}" type="datetimeFigureOut">
               <a:rPr lang="en-US" smtClean="0"/>
-              <a:t>10/5/21</a:t>
+              <a:t>5/3/22</a:t>
             </a:fld>
             <a:endParaRPr lang="en-US" dirty="0"/>
           </a:p>
@@ -27113,6 +27108,90 @@
 </p:notes>
 </file>
 
+<file path=ppt/notesSlides/notesSlide5.xml><?xml version="1.0" encoding="utf-8"?>
+<p:notes xmlns:a="http://schemas.openxmlformats.org/drawingml/2006/main" xmlns:r="http://schemas.openxmlformats.org/officeDocument/2006/relationships" xmlns:p="http://schemas.openxmlformats.org/presentationml/2006/main">
+  <p:cSld>
+    <p:spTree>
+      <p:nvGrpSpPr>
+        <p:cNvPr id="1" name=""/>
+        <p:cNvGrpSpPr/>
+        <p:nvPr/>
+      </p:nvGrpSpPr>
+      <p:grpSpPr>
+        <a:xfrm>
+          <a:off x="0" y="0"/>
+          <a:ext cx="0" cy="0"/>
+          <a:chOff x="0" y="0"/>
+          <a:chExt cx="0" cy="0"/>
+        </a:xfrm>
+      </p:grpSpPr>
+      <p:sp>
+        <p:nvSpPr>
+          <p:cNvPr id="2" name="Slide Image Placeholder 1"/>
+          <p:cNvSpPr>
+            <a:spLocks noGrp="1" noRot="1" noChangeAspect="1"/>
+          </p:cNvSpPr>
+          <p:nvPr>
+            <p:ph type="sldImg"/>
+          </p:nvPr>
+        </p:nvSpPr>
+        <p:spPr/>
+      </p:sp>
+      <p:sp>
+        <p:nvSpPr>
+          <p:cNvPr id="3" name="Notes Placeholder 2"/>
+          <p:cNvSpPr>
+            <a:spLocks noGrp="1"/>
+          </p:cNvSpPr>
+          <p:nvPr>
+            <p:ph type="body" idx="1"/>
+          </p:nvPr>
+        </p:nvSpPr>
+        <p:spPr/>
+        <p:txBody>
+          <a:bodyPr/>
+          <a:lstStyle/>
+          <a:p>
+            <a:endParaRPr lang="en-US" dirty="0"/>
+          </a:p>
+        </p:txBody>
+      </p:sp>
+      <p:sp>
+        <p:nvSpPr>
+          <p:cNvPr id="4" name="Slide Number Placeholder 3"/>
+          <p:cNvSpPr>
+            <a:spLocks noGrp="1"/>
+          </p:cNvSpPr>
+          <p:nvPr>
+            <p:ph type="sldNum" sz="quarter" idx="5"/>
+          </p:nvPr>
+        </p:nvSpPr>
+        <p:spPr/>
+        <p:txBody>
+          <a:bodyPr/>
+          <a:lstStyle/>
+          <a:p>
+            <a:fld id="{AC55928C-CD14-454C-B617-1AFCF9A58596}" type="slidenum">
+              <a:rPr lang="en-US" smtClean="0"/>
+              <a:t>27</a:t>
+            </a:fld>
+            <a:endParaRPr lang="en-US" dirty="0"/>
+          </a:p>
+        </p:txBody>
+      </p:sp>
+    </p:spTree>
+    <p:extLst>
+      <p:ext uri="{BB962C8B-B14F-4D97-AF65-F5344CB8AC3E}">
+        <p14:creationId xmlns:p14="http://schemas.microsoft.com/office/powerpoint/2010/main" val="1967002270"/>
+      </p:ext>
+    </p:extLst>
+  </p:cSld>
+  <p:clrMapOvr>
+    <a:masterClrMapping/>
+  </p:clrMapOvr>
+</p:notes>
+</file>
+
 <file path=ppt/slideLayouts/slideLayout1.xml><?xml version="1.0" encoding="utf-8"?>
 <p:sldLayout xmlns:a="http://schemas.openxmlformats.org/drawingml/2006/main" xmlns:r="http://schemas.openxmlformats.org/officeDocument/2006/relationships" xmlns:p="http://schemas.openxmlformats.org/presentationml/2006/main" type="title" preserve="1">
   <p:cSld name="Title Slide">
@@ -27316,7 +27395,7 @@
                 <a:latin typeface="Calibri"/>
               </a:rPr>
               <a:pPr/>
-              <a:t>10/5/21</a:t>
+              <a:t>5/3/22</a:t>
             </a:fld>
             <a:endParaRPr lang="en-US" dirty="0">
               <a:solidFill>
@@ -27569,7 +27648,7 @@
                 <a:latin typeface="Calibri"/>
               </a:rPr>
               <a:pPr/>
-              <a:t>10/5/21</a:t>
+              <a:t>5/3/22</a:t>
             </a:fld>
             <a:endParaRPr lang="en-US" dirty="0">
               <a:solidFill>
@@ -27784,7 +27863,7 @@
                 <a:latin typeface="Calibri"/>
               </a:rPr>
               <a:pPr/>
-              <a:t>10/5/21</a:t>
+              <a:t>5/3/22</a:t>
             </a:fld>
             <a:endParaRPr lang="en-US" dirty="0">
               <a:solidFill>
@@ -28068,7 +28147,7 @@
                 <a:latin typeface="Calibri"/>
               </a:rPr>
               <a:pPr/>
-              <a:t>10/5/21</a:t>
+              <a:t>5/3/22</a:t>
             </a:fld>
             <a:endParaRPr lang="en-US" dirty="0">
               <a:solidFill>
@@ -28410,7 +28489,7 @@
                 <a:latin typeface="Calibri"/>
               </a:rPr>
               <a:pPr/>
-              <a:t>10/5/21</a:t>
+              <a:t>5/3/22</a:t>
             </a:fld>
             <a:endParaRPr lang="en-US" dirty="0">
               <a:solidFill>
@@ -28738,7 +28817,7 @@
                 <a:latin typeface="Calibri"/>
               </a:rPr>
               <a:pPr/>
-              <a:t>10/5/21</a:t>
+              <a:t>5/3/22</a:t>
             </a:fld>
             <a:endParaRPr lang="en-US" dirty="0">
               <a:solidFill>
@@ -29227,7 +29306,7 @@
                 <a:latin typeface="Calibri"/>
               </a:rPr>
               <a:pPr/>
-              <a:t>10/5/21</a:t>
+              <a:t>5/3/22</a:t>
             </a:fld>
             <a:endParaRPr lang="en-US" dirty="0">
               <a:solidFill>
@@ -29410,7 +29489,7 @@
                 <a:latin typeface="Calibri"/>
               </a:rPr>
               <a:pPr/>
-              <a:t>10/5/21</a:t>
+              <a:t>5/3/22</a:t>
             </a:fld>
             <a:endParaRPr lang="en-US" dirty="0">
               <a:solidFill>
@@ -29656,7 +29735,7 @@
                 <a:latin typeface="Calibri"/>
               </a:rPr>
               <a:pPr/>
-              <a:t>10/5/21</a:t>
+              <a:t>5/3/22</a:t>
             </a:fld>
             <a:endParaRPr lang="en-US" dirty="0">
               <a:solidFill>
@@ -29998,7 +30077,7 @@
                 <a:latin typeface="Calibri"/>
               </a:rPr>
               <a:pPr/>
-              <a:t>10/5/21</a:t>
+              <a:t>5/3/22</a:t>
             </a:fld>
             <a:endParaRPr lang="en-US" dirty="0">
               <a:solidFill>
@@ -30290,7 +30369,7 @@
                 <a:latin typeface="Calibri"/>
               </a:rPr>
               <a:pPr/>
-              <a:t>10/5/21</a:t>
+              <a:t>5/3/22</a:t>
             </a:fld>
             <a:endParaRPr lang="en-US" dirty="0">
               <a:solidFill>
@@ -30540,7 +30619,7 @@
                 <a:latin typeface="Calibri"/>
               </a:rPr>
               <a:pPr defTabSz="914400"/>
-              <a:t>10/5/21</a:t>
+              <a:t>5/3/22</a:t>
             </a:fld>
             <a:endParaRPr lang="en-US" dirty="0">
               <a:solidFill>
@@ -31456,6 +31535,49 @@
           </a:p>
         </p:txBody>
       </p:sp>
+      <p:cxnSp>
+        <p:nvCxnSpPr>
+          <p:cNvPr id="7" name="Straight Connector 6">
+            <a:extLst>
+              <a:ext uri="{FF2B5EF4-FFF2-40B4-BE49-F238E27FC236}">
+                <a16:creationId xmlns:a16="http://schemas.microsoft.com/office/drawing/2014/main" id="{B6EF2DC0-ECA4-4D34-4F94-67F7FA9C41EF}"/>
+              </a:ext>
+            </a:extLst>
+          </p:cNvPr>
+          <p:cNvCxnSpPr>
+            <a:cxnSpLocks/>
+          </p:cNvCxnSpPr>
+          <p:nvPr/>
+        </p:nvCxnSpPr>
+        <p:spPr>
+          <a:xfrm>
+            <a:off x="4064830" y="2441301"/>
+            <a:ext cx="2744342" cy="0"/>
+          </a:xfrm>
+          <a:prstGeom prst="line">
+            <a:avLst/>
+          </a:prstGeom>
+          <a:ln w="47625">
+            <a:solidFill>
+              <a:srgbClr val="FF0000"/>
+            </a:solidFill>
+          </a:ln>
+        </p:spPr>
+        <p:style>
+          <a:lnRef idx="1">
+            <a:schemeClr val="accent1"/>
+          </a:lnRef>
+          <a:fillRef idx="0">
+            <a:schemeClr val="accent1"/>
+          </a:fillRef>
+          <a:effectRef idx="0">
+            <a:schemeClr val="accent1"/>
+          </a:effectRef>
+          <a:fontRef idx="minor">
+            <a:schemeClr val="tx1"/>
+          </a:fontRef>
+        </p:style>
+      </p:cxnSp>
     </p:spTree>
     <p:extLst>
       <p:ext uri="{BB962C8B-B14F-4D97-AF65-F5344CB8AC3E}">
@@ -31670,7 +31792,7 @@
           </a:prstGeom>
           <a:ln w="57150">
             <a:solidFill>
-              <a:srgbClr val="FF0000"/>
+              <a:srgbClr val="00B050"/>
             </a:solidFill>
             <a:tailEnd type="triangle"/>
           </a:ln>
@@ -31714,7 +31836,7 @@
           </a:prstGeom>
           <a:ln w="47625">
             <a:solidFill>
-              <a:srgbClr val="FF0000"/>
+              <a:srgbClr val="00B050"/>
             </a:solidFill>
           </a:ln>
         </p:spPr>
@@ -31749,7 +31871,7 @@
         </p:nvCxnSpPr>
         <p:spPr>
           <a:xfrm>
-            <a:off x="740732" y="4366392"/>
+            <a:off x="730301" y="5005584"/>
             <a:ext cx="719601" cy="0"/>
           </a:xfrm>
           <a:prstGeom prst="straightConnector1">
@@ -31757,7 +31879,7 @@
           </a:prstGeom>
           <a:ln w="57150">
             <a:solidFill>
-              <a:srgbClr val="FF0000"/>
+              <a:srgbClr val="00B050"/>
             </a:solidFill>
             <a:tailEnd type="triangle"/>
           </a:ln>
@@ -31910,7 +32032,7 @@
           </a:prstGeom>
           <a:ln w="57150">
             <a:solidFill>
-              <a:srgbClr val="FF0000"/>
+              <a:srgbClr val="00B050"/>
             </a:solidFill>
             <a:tailEnd type="triangle"/>
           </a:ln>
@@ -31947,14 +32069,14 @@
         <p:spPr>
           <a:xfrm>
             <a:off x="5431992" y="3900063"/>
-            <a:ext cx="2658" cy="343325"/>
+            <a:ext cx="2658" cy="955884"/>
           </a:xfrm>
           <a:prstGeom prst="line">
             <a:avLst/>
           </a:prstGeom>
           <a:ln w="47625">
             <a:solidFill>
-              <a:srgbClr val="FF0000"/>
+              <a:srgbClr val="00B050"/>
             </a:solidFill>
           </a:ln>
         </p:spPr>
@@ -31989,7 +32111,7 @@
         </p:nvCxnSpPr>
         <p:spPr>
           <a:xfrm>
-            <a:off x="5434650" y="4243388"/>
+            <a:off x="5434649" y="4855947"/>
             <a:ext cx="719601" cy="0"/>
           </a:xfrm>
           <a:prstGeom prst="straightConnector1">
@@ -31997,7 +32119,7 @@
           </a:prstGeom>
           <a:ln w="57150">
             <a:solidFill>
-              <a:srgbClr val="FF0000"/>
+              <a:srgbClr val="00B050"/>
             </a:solidFill>
             <a:tailEnd type="triangle"/>
           </a:ln>
@@ -32071,6 +32193,136 @@
           </a:p>
         </p:txBody>
       </p:sp>
+      <p:sp>
+        <p:nvSpPr>
+          <p:cNvPr id="21" name="TextBox 20">
+            <a:extLst>
+              <a:ext uri="{FF2B5EF4-FFF2-40B4-BE49-F238E27FC236}">
+                <a16:creationId xmlns:a16="http://schemas.microsoft.com/office/drawing/2014/main" id="{C98A5901-F3D9-DF90-8790-80BB59B5EE26}"/>
+              </a:ext>
+            </a:extLst>
+          </p:cNvPr>
+          <p:cNvSpPr txBox="1"/>
+          <p:nvPr/>
+        </p:nvSpPr>
+        <p:spPr>
+          <a:xfrm rot="5400000">
+            <a:off x="507729" y="4363554"/>
+            <a:ext cx="775062" cy="784830"/>
+          </a:xfrm>
+          <a:prstGeom prst="rect">
+            <a:avLst/>
+          </a:prstGeom>
+          <a:noFill/>
+          <a:ln>
+            <a:noFill/>
+          </a:ln>
+        </p:spPr>
+        <p:txBody>
+          <a:bodyPr wrap="square" rtlCol="0">
+            <a:spAutoFit/>
+          </a:bodyPr>
+          <a:lstStyle/>
+          <a:p>
+            <a:r>
+              <a:rPr lang="en-US" sz="4500" dirty="0">
+                <a:solidFill>
+                  <a:srgbClr val="00B050"/>
+                </a:solidFill>
+              </a:rPr>
+              <a:t>…</a:t>
+            </a:r>
+          </a:p>
+        </p:txBody>
+      </p:sp>
+      <p:cxnSp>
+        <p:nvCxnSpPr>
+          <p:cNvPr id="22" name="Straight Connector 21">
+            <a:extLst>
+              <a:ext uri="{FF2B5EF4-FFF2-40B4-BE49-F238E27FC236}">
+                <a16:creationId xmlns:a16="http://schemas.microsoft.com/office/drawing/2014/main" id="{3A790BE8-FF58-573D-425F-1B16EA4DAD2F}"/>
+              </a:ext>
+            </a:extLst>
+          </p:cNvPr>
+          <p:cNvCxnSpPr>
+            <a:cxnSpLocks/>
+          </p:cNvCxnSpPr>
+          <p:nvPr/>
+        </p:nvCxnSpPr>
+        <p:spPr>
+          <a:xfrm>
+            <a:off x="748225" y="4864963"/>
+            <a:ext cx="0" cy="140621"/>
+          </a:xfrm>
+          <a:prstGeom prst="line">
+            <a:avLst/>
+          </a:prstGeom>
+          <a:ln w="47625">
+            <a:solidFill>
+              <a:srgbClr val="00B050"/>
+            </a:solidFill>
+          </a:ln>
+        </p:spPr>
+        <p:style>
+          <a:lnRef idx="1">
+            <a:schemeClr val="accent1"/>
+          </a:lnRef>
+          <a:fillRef idx="0">
+            <a:schemeClr val="accent1"/>
+          </a:fillRef>
+          <a:effectRef idx="0">
+            <a:schemeClr val="accent1"/>
+          </a:effectRef>
+          <a:fontRef idx="minor">
+            <a:schemeClr val="tx1"/>
+          </a:fontRef>
+        </p:style>
+      </p:cxnSp>
+      <p:cxnSp>
+        <p:nvCxnSpPr>
+          <p:cNvPr id="23" name="Straight Arrow Connector 22">
+            <a:extLst>
+              <a:ext uri="{FF2B5EF4-FFF2-40B4-BE49-F238E27FC236}">
+                <a16:creationId xmlns:a16="http://schemas.microsoft.com/office/drawing/2014/main" id="{529623EB-F655-E706-1E27-89FA65AE0C51}"/>
+              </a:ext>
+            </a:extLst>
+          </p:cNvPr>
+          <p:cNvCxnSpPr>
+            <a:cxnSpLocks/>
+            <a:stCxn id="11" idx="3"/>
+          </p:cNvCxnSpPr>
+          <p:nvPr/>
+        </p:nvCxnSpPr>
+        <p:spPr>
+          <a:xfrm flipV="1">
+            <a:off x="5380698" y="4179961"/>
+            <a:ext cx="838361" cy="69849"/>
+          </a:xfrm>
+          <a:prstGeom prst="straightConnector1">
+            <a:avLst/>
+          </a:prstGeom>
+          <a:ln w="57150">
+            <a:solidFill>
+              <a:srgbClr val="FF0000"/>
+            </a:solidFill>
+            <a:tailEnd type="triangle"/>
+          </a:ln>
+        </p:spPr>
+        <p:style>
+          <a:lnRef idx="1">
+            <a:schemeClr val="accent1"/>
+          </a:lnRef>
+          <a:fillRef idx="0">
+            <a:schemeClr val="accent1"/>
+          </a:fillRef>
+          <a:effectRef idx="0">
+            <a:schemeClr val="accent1"/>
+          </a:effectRef>
+          <a:fontRef idx="minor">
+            <a:schemeClr val="tx1"/>
+          </a:fontRef>
+        </p:style>
+      </p:cxnSp>
     </p:spTree>
     <p:extLst>
       <p:ext uri="{BB962C8B-B14F-4D97-AF65-F5344CB8AC3E}">
@@ -32251,6 +32503,9 @@
             <a:off x="628650" y="1369219"/>
             <a:ext cx="3886200" cy="3263504"/>
           </a:xfrm>
+          <a:ln>
+            <a:noFill/>
+          </a:ln>
         </p:spPr>
         <p:txBody>
           <a:bodyPr/>
@@ -32297,12 +32552,12 @@
           </a:p>
           <a:p>
             <a:r>
-              <a:rPr lang="en-US" dirty="0">
+              <a:rPr lang="en-US" dirty="0" err="1">
                 <a:solidFill>
-                  <a:srgbClr val="FF0000"/>
+                  <a:srgbClr val="00B050"/>
                 </a:solidFill>
               </a:rPr>
-              <a:t>Redlines</a:t>
+              <a:t>Greenlines</a:t>
             </a:r>
             <a:r>
               <a:rPr lang="en-US" dirty="0"/>
@@ -32377,7 +32632,7 @@
           </a:prstGeom>
           <a:ln w="57150">
             <a:solidFill>
-              <a:srgbClr val="FF0000"/>
+              <a:srgbClr val="00B050"/>
             </a:solidFill>
             <a:tailEnd type="triangle"/>
           </a:ln>
@@ -32421,7 +32676,7 @@
           </a:prstGeom>
           <a:ln w="47625">
             <a:solidFill>
-              <a:srgbClr val="FF0000"/>
+              <a:srgbClr val="00B050"/>
             </a:solidFill>
           </a:ln>
         </p:spPr>
@@ -32464,7 +32719,7 @@
           </a:prstGeom>
           <a:ln w="57150">
             <a:solidFill>
-              <a:srgbClr val="FF0000"/>
+              <a:srgbClr val="00B050"/>
             </a:solidFill>
             <a:tailEnd type="triangle"/>
           </a:ln>
@@ -32614,12 +32869,12 @@
           </a:p>
           <a:p>
             <a:r>
-              <a:rPr lang="en-US" dirty="0">
+              <a:rPr lang="en-US" dirty="0" err="1">
                 <a:solidFill>
-                  <a:srgbClr val="FF0000"/>
+                  <a:srgbClr val="00B050"/>
                 </a:solidFill>
               </a:rPr>
-              <a:t>Redlines</a:t>
+              <a:t>Greenlines</a:t>
             </a:r>
             <a:r>
               <a:rPr lang="en-US" dirty="0"/>
@@ -32672,10 +32927,10 @@
       </p:pic>
       <p:cxnSp>
         <p:nvCxnSpPr>
-          <p:cNvPr id="14" name="Straight Arrow Connector 13">
+          <p:cNvPr id="10" name="Straight Arrow Connector 9">
             <a:extLst>
               <a:ext uri="{FF2B5EF4-FFF2-40B4-BE49-F238E27FC236}">
-                <a16:creationId xmlns:a16="http://schemas.microsoft.com/office/drawing/2014/main" id="{D889CEF9-E89E-9543-9277-AADB94D46171}"/>
+                <a16:creationId xmlns:a16="http://schemas.microsoft.com/office/drawing/2014/main" id="{C4C20515-9C86-C875-34FF-E06DE999049D}"/>
               </a:ext>
             </a:extLst>
           </p:cNvPr>
@@ -32686,7 +32941,7 @@
         </p:nvCxnSpPr>
         <p:spPr>
           <a:xfrm>
-            <a:off x="4618721" y="1369219"/>
+            <a:off x="4761627" y="1031867"/>
             <a:ext cx="719601" cy="0"/>
           </a:xfrm>
           <a:prstGeom prst="straightConnector1">
@@ -32694,7 +32949,7 @@
           </a:prstGeom>
           <a:ln w="57150">
             <a:solidFill>
-              <a:srgbClr val="FF0000"/>
+              <a:srgbClr val="00B050"/>
             </a:solidFill>
             <a:tailEnd type="triangle"/>
           </a:ln>
@@ -32716,10 +32971,10 @@
       </p:cxnSp>
       <p:cxnSp>
         <p:nvCxnSpPr>
-          <p:cNvPr id="15" name="Straight Connector 14">
+          <p:cNvPr id="11" name="Straight Connector 10">
             <a:extLst>
               <a:ext uri="{FF2B5EF4-FFF2-40B4-BE49-F238E27FC236}">
-                <a16:creationId xmlns:a16="http://schemas.microsoft.com/office/drawing/2014/main" id="{1C641F18-E91C-8847-9FD9-3E32DCB79FF7}"/>
+                <a16:creationId xmlns:a16="http://schemas.microsoft.com/office/drawing/2014/main" id="{73B27446-B328-FF2D-D1FA-1C0607EFB921}"/>
               </a:ext>
             </a:extLst>
           </p:cNvPr>
@@ -32730,7 +32985,7 @@
         </p:nvCxnSpPr>
         <p:spPr>
           <a:xfrm>
-            <a:off x="4618721" y="1369219"/>
+            <a:off x="4761627" y="1031867"/>
             <a:ext cx="10431" cy="3263504"/>
           </a:xfrm>
           <a:prstGeom prst="line">
@@ -32738,7 +32993,7 @@
           </a:prstGeom>
           <a:ln w="47625">
             <a:solidFill>
-              <a:srgbClr val="FF0000"/>
+              <a:srgbClr val="00B050"/>
             </a:solidFill>
           </a:ln>
         </p:spPr>
@@ -32759,10 +33014,10 @@
       </p:cxnSp>
       <p:cxnSp>
         <p:nvCxnSpPr>
-          <p:cNvPr id="16" name="Straight Arrow Connector 15">
+          <p:cNvPr id="12" name="Straight Arrow Connector 11">
             <a:extLst>
               <a:ext uri="{FF2B5EF4-FFF2-40B4-BE49-F238E27FC236}">
-                <a16:creationId xmlns:a16="http://schemas.microsoft.com/office/drawing/2014/main" id="{EA3177A3-68D6-DB47-9537-143416D34D80}"/>
+                <a16:creationId xmlns:a16="http://schemas.microsoft.com/office/drawing/2014/main" id="{7CAFD98A-7372-3DA5-55B9-5445EE6B61AC}"/>
               </a:ext>
             </a:extLst>
           </p:cNvPr>
@@ -32773,7 +33028,7 @@
         </p:nvCxnSpPr>
         <p:spPr>
           <a:xfrm>
-            <a:off x="4629152" y="4632723"/>
+            <a:off x="4761627" y="4934563"/>
             <a:ext cx="719601" cy="0"/>
           </a:xfrm>
           <a:prstGeom prst="straightConnector1">
@@ -32781,9 +33036,94 @@
           </a:prstGeom>
           <a:ln w="57150">
             <a:solidFill>
-              <a:srgbClr val="FF0000"/>
+              <a:srgbClr val="00B050"/>
             </a:solidFill>
             <a:tailEnd type="triangle"/>
+          </a:ln>
+        </p:spPr>
+        <p:style>
+          <a:lnRef idx="1">
+            <a:schemeClr val="accent1"/>
+          </a:lnRef>
+          <a:fillRef idx="0">
+            <a:schemeClr val="accent1"/>
+          </a:fillRef>
+          <a:effectRef idx="0">
+            <a:schemeClr val="accent1"/>
+          </a:effectRef>
+          <a:fontRef idx="minor">
+            <a:schemeClr val="tx1"/>
+          </a:fontRef>
+        </p:style>
+      </p:cxnSp>
+      <p:sp>
+        <p:nvSpPr>
+          <p:cNvPr id="13" name="TextBox 12">
+            <a:extLst>
+              <a:ext uri="{FF2B5EF4-FFF2-40B4-BE49-F238E27FC236}">
+                <a16:creationId xmlns:a16="http://schemas.microsoft.com/office/drawing/2014/main" id="{ED5B11F2-0B61-4D9F-E6A4-90CBE914E003}"/>
+              </a:ext>
+            </a:extLst>
+          </p:cNvPr>
+          <p:cNvSpPr txBox="1"/>
+          <p:nvPr/>
+        </p:nvSpPr>
+        <p:spPr>
+          <a:xfrm rot="5400000">
+            <a:off x="4539055" y="4292533"/>
+            <a:ext cx="775062" cy="784830"/>
+          </a:xfrm>
+          <a:prstGeom prst="rect">
+            <a:avLst/>
+          </a:prstGeom>
+          <a:noFill/>
+          <a:ln>
+            <a:noFill/>
+          </a:ln>
+        </p:spPr>
+        <p:txBody>
+          <a:bodyPr wrap="square" rtlCol="0">
+            <a:spAutoFit/>
+          </a:bodyPr>
+          <a:lstStyle/>
+          <a:p>
+            <a:r>
+              <a:rPr lang="en-US" sz="4500" dirty="0">
+                <a:solidFill>
+                  <a:srgbClr val="00B050"/>
+                </a:solidFill>
+              </a:rPr>
+              <a:t>…</a:t>
+            </a:r>
+          </a:p>
+        </p:txBody>
+      </p:sp>
+      <p:cxnSp>
+        <p:nvCxnSpPr>
+          <p:cNvPr id="18" name="Straight Connector 17">
+            <a:extLst>
+              <a:ext uri="{FF2B5EF4-FFF2-40B4-BE49-F238E27FC236}">
+                <a16:creationId xmlns:a16="http://schemas.microsoft.com/office/drawing/2014/main" id="{AA606154-34DF-F1F0-80BA-D2513A1CEA2B}"/>
+              </a:ext>
+            </a:extLst>
+          </p:cNvPr>
+          <p:cNvCxnSpPr>
+            <a:cxnSpLocks/>
+          </p:cNvCxnSpPr>
+          <p:nvPr/>
+        </p:nvCxnSpPr>
+        <p:spPr>
+          <a:xfrm>
+            <a:off x="4772058" y="4793942"/>
+            <a:ext cx="0" cy="140621"/>
+          </a:xfrm>
+          <a:prstGeom prst="line">
+            <a:avLst/>
+          </a:prstGeom>
+          <a:ln w="47625">
+            <a:solidFill>
+              <a:srgbClr val="00B050"/>
+            </a:solidFill>
           </a:ln>
         </p:spPr>
         <p:style>
@@ -32967,7 +33307,7 @@
           </a:prstGeom>
           <a:ln w="57150">
             <a:solidFill>
-              <a:srgbClr val="FF0000"/>
+              <a:srgbClr val="00B050"/>
             </a:solidFill>
             <a:tailEnd type="triangle"/>
           </a:ln>
@@ -33011,7 +33351,7 @@
           </a:prstGeom>
           <a:ln w="47625">
             <a:solidFill>
-              <a:srgbClr val="FF0000"/>
+              <a:srgbClr val="00B050"/>
             </a:solidFill>
           </a:ln>
         </p:spPr>
@@ -33054,7 +33394,7 @@
           </a:prstGeom>
           <a:ln w="57150">
             <a:solidFill>
-              <a:srgbClr val="FF0000"/>
+              <a:srgbClr val="00B050"/>
             </a:solidFill>
             <a:tailEnd type="triangle"/>
           </a:ln>
@@ -33226,7 +33566,7 @@
           </a:prstGeom>
           <a:ln w="57150">
             <a:solidFill>
-              <a:srgbClr val="FF0000"/>
+              <a:srgbClr val="00B050"/>
             </a:solidFill>
             <a:tailEnd type="triangle"/>
           </a:ln>
@@ -33270,7 +33610,7 @@
           </a:prstGeom>
           <a:ln w="47625">
             <a:solidFill>
-              <a:srgbClr val="FF0000"/>
+              <a:srgbClr val="00B050"/>
             </a:solidFill>
           </a:ln>
         </p:spPr>
@@ -33313,7 +33653,7 @@
           </a:prstGeom>
           <a:ln w="57150">
             <a:solidFill>
-              <a:srgbClr val="FF0000"/>
+              <a:srgbClr val="00B050"/>
             </a:solidFill>
             <a:tailEnd type="triangle"/>
           </a:ln>
@@ -33704,7 +34044,7 @@
         </p:nvSpPr>
         <p:spPr>
           <a:xfrm>
-            <a:off x="4763299" y="4238440"/>
+            <a:off x="4724882" y="4172588"/>
             <a:ext cx="764697" cy="369332"/>
           </a:xfrm>
           <a:prstGeom prst="rect">
@@ -34196,10 +34536,10 @@
       </p:sp>
       <p:cxnSp>
         <p:nvCxnSpPr>
-          <p:cNvPr id="9" name="Straight Arrow Connector 8">
+          <p:cNvPr id="19" name="Straight Arrow Connector 18">
             <a:extLst>
               <a:ext uri="{FF2B5EF4-FFF2-40B4-BE49-F238E27FC236}">
-                <a16:creationId xmlns:a16="http://schemas.microsoft.com/office/drawing/2014/main" id="{0473311F-F1A2-D440-8785-E70D10F868FE}"/>
+                <a16:creationId xmlns:a16="http://schemas.microsoft.com/office/drawing/2014/main" id="{BD86D46E-57EA-416E-6D96-525FA81B1F1A}"/>
               </a:ext>
             </a:extLst>
           </p:cNvPr>
@@ -34210,8 +34550,181 @@
         </p:nvCxnSpPr>
         <p:spPr>
           <a:xfrm>
-            <a:off x="4499478" y="1907111"/>
+            <a:off x="4566786" y="1878808"/>
+            <a:ext cx="916114" cy="0"/>
+          </a:xfrm>
+          <a:prstGeom prst="straightConnector1">
+            <a:avLst/>
+          </a:prstGeom>
+          <a:ln w="57150">
+            <a:solidFill>
+              <a:srgbClr val="00B050"/>
+            </a:solidFill>
+            <a:tailEnd type="triangle"/>
+          </a:ln>
+        </p:spPr>
+        <p:style>
+          <a:lnRef idx="1">
+            <a:schemeClr val="accent1"/>
+          </a:lnRef>
+          <a:fillRef idx="0">
+            <a:schemeClr val="accent1"/>
+          </a:fillRef>
+          <a:effectRef idx="0">
+            <a:schemeClr val="accent1"/>
+          </a:effectRef>
+          <a:fontRef idx="minor">
+            <a:schemeClr val="tx1"/>
+          </a:fontRef>
+        </p:style>
+      </p:cxnSp>
+      <p:cxnSp>
+        <p:nvCxnSpPr>
+          <p:cNvPr id="20" name="Straight Connector 19">
+            <a:extLst>
+              <a:ext uri="{FF2B5EF4-FFF2-40B4-BE49-F238E27FC236}">
+                <a16:creationId xmlns:a16="http://schemas.microsoft.com/office/drawing/2014/main" id="{F7BFD679-CA90-AA8D-8A86-5A2FC1E7C74D}"/>
+              </a:ext>
+            </a:extLst>
+          </p:cNvPr>
+          <p:cNvCxnSpPr>
+            <a:cxnSpLocks/>
+          </p:cNvCxnSpPr>
+          <p:nvPr/>
+        </p:nvCxnSpPr>
+        <p:spPr>
+          <a:xfrm>
+            <a:off x="4566786" y="1878808"/>
+            <a:ext cx="21780" cy="2531972"/>
+          </a:xfrm>
+          <a:prstGeom prst="line">
+            <a:avLst/>
+          </a:prstGeom>
+          <a:ln w="47625">
+            <a:solidFill>
+              <a:srgbClr val="00B050"/>
+            </a:solidFill>
+          </a:ln>
+        </p:spPr>
+        <p:style>
+          <a:lnRef idx="1">
+            <a:schemeClr val="accent1"/>
+          </a:lnRef>
+          <a:fillRef idx="0">
+            <a:schemeClr val="accent1"/>
+          </a:fillRef>
+          <a:effectRef idx="0">
+            <a:schemeClr val="accent1"/>
+          </a:effectRef>
+          <a:fontRef idx="minor">
+            <a:schemeClr val="tx1"/>
+          </a:fontRef>
+        </p:style>
+      </p:cxnSp>
+      <p:cxnSp>
+        <p:nvCxnSpPr>
+          <p:cNvPr id="21" name="Straight Arrow Connector 20">
+            <a:extLst>
+              <a:ext uri="{FF2B5EF4-FFF2-40B4-BE49-F238E27FC236}">
+                <a16:creationId xmlns:a16="http://schemas.microsoft.com/office/drawing/2014/main" id="{620AA1A0-80E6-B5D4-6294-D50DB7B461E2}"/>
+              </a:ext>
+            </a:extLst>
+          </p:cNvPr>
+          <p:cNvCxnSpPr>
+            <a:cxnSpLocks/>
+          </p:cNvCxnSpPr>
+          <p:nvPr/>
+        </p:nvCxnSpPr>
+        <p:spPr>
+          <a:xfrm>
+            <a:off x="4578135" y="5049972"/>
             <a:ext cx="719601" cy="0"/>
+          </a:xfrm>
+          <a:prstGeom prst="straightConnector1">
+            <a:avLst/>
+          </a:prstGeom>
+          <a:ln w="57150">
+            <a:solidFill>
+              <a:srgbClr val="00B050"/>
+            </a:solidFill>
+            <a:tailEnd type="triangle"/>
+          </a:ln>
+        </p:spPr>
+        <p:style>
+          <a:lnRef idx="1">
+            <a:schemeClr val="accent1"/>
+          </a:lnRef>
+          <a:fillRef idx="0">
+            <a:schemeClr val="accent1"/>
+          </a:fillRef>
+          <a:effectRef idx="0">
+            <a:schemeClr val="accent1"/>
+          </a:effectRef>
+          <a:fontRef idx="minor">
+            <a:schemeClr val="tx1"/>
+          </a:fontRef>
+        </p:style>
+      </p:cxnSp>
+      <p:sp>
+        <p:nvSpPr>
+          <p:cNvPr id="22" name="TextBox 21">
+            <a:extLst>
+              <a:ext uri="{FF2B5EF4-FFF2-40B4-BE49-F238E27FC236}">
+                <a16:creationId xmlns:a16="http://schemas.microsoft.com/office/drawing/2014/main" id="{7B5BD032-D5B8-36E2-F8C2-9141BB6F5CA9}"/>
+              </a:ext>
+            </a:extLst>
+          </p:cNvPr>
+          <p:cNvSpPr txBox="1"/>
+          <p:nvPr/>
+        </p:nvSpPr>
+        <p:spPr>
+          <a:xfrm rot="5400000">
+            <a:off x="4355563" y="4407942"/>
+            <a:ext cx="775062" cy="784830"/>
+          </a:xfrm>
+          <a:prstGeom prst="rect">
+            <a:avLst/>
+          </a:prstGeom>
+          <a:noFill/>
+          <a:ln>
+            <a:noFill/>
+          </a:ln>
+        </p:spPr>
+        <p:txBody>
+          <a:bodyPr wrap="square" rtlCol="0">
+            <a:spAutoFit/>
+          </a:bodyPr>
+          <a:lstStyle/>
+          <a:p>
+            <a:r>
+              <a:rPr lang="en-US" sz="4500" dirty="0">
+                <a:solidFill>
+                  <a:srgbClr val="00B050"/>
+                </a:solidFill>
+              </a:rPr>
+              <a:t>…</a:t>
+            </a:r>
+          </a:p>
+        </p:txBody>
+      </p:sp>
+      <p:cxnSp>
+        <p:nvCxnSpPr>
+          <p:cNvPr id="23" name="Straight Arrow Connector 22">
+            <a:extLst>
+              <a:ext uri="{FF2B5EF4-FFF2-40B4-BE49-F238E27FC236}">
+                <a16:creationId xmlns:a16="http://schemas.microsoft.com/office/drawing/2014/main" id="{3D24D34E-ECBB-BBCC-D4FA-2EAC3953870F}"/>
+              </a:ext>
+            </a:extLst>
+          </p:cNvPr>
+          <p:cNvCxnSpPr>
+            <a:cxnSpLocks/>
+          </p:cNvCxnSpPr>
+          <p:nvPr/>
+        </p:nvCxnSpPr>
+        <p:spPr>
+          <a:xfrm>
+            <a:off x="4727373" y="4492242"/>
+            <a:ext cx="845720" cy="106"/>
           </a:xfrm>
           <a:prstGeom prst="straightConnector1">
             <a:avLst/>
@@ -34240,53 +34753,10 @@
       </p:cxnSp>
       <p:cxnSp>
         <p:nvCxnSpPr>
-          <p:cNvPr id="11" name="Straight Connector 10">
+          <p:cNvPr id="24" name="Straight Connector 23">
             <a:extLst>
               <a:ext uri="{FF2B5EF4-FFF2-40B4-BE49-F238E27FC236}">
-                <a16:creationId xmlns:a16="http://schemas.microsoft.com/office/drawing/2014/main" id="{5497A340-7368-5043-86BF-FE1E0E8D65A1}"/>
-              </a:ext>
-            </a:extLst>
-          </p:cNvPr>
-          <p:cNvCxnSpPr>
-            <a:cxnSpLocks/>
-          </p:cNvCxnSpPr>
-          <p:nvPr/>
-        </p:nvCxnSpPr>
-        <p:spPr>
-          <a:xfrm flipH="1">
-            <a:off x="4498182" y="1878807"/>
-            <a:ext cx="2590" cy="2720309"/>
-          </a:xfrm>
-          <a:prstGeom prst="line">
-            <a:avLst/>
-          </a:prstGeom>
-          <a:ln w="47625">
-            <a:solidFill>
-              <a:srgbClr val="FF0000"/>
-            </a:solidFill>
-          </a:ln>
-        </p:spPr>
-        <p:style>
-          <a:lnRef idx="1">
-            <a:schemeClr val="accent1"/>
-          </a:lnRef>
-          <a:fillRef idx="0">
-            <a:schemeClr val="accent1"/>
-          </a:fillRef>
-          <a:effectRef idx="0">
-            <a:schemeClr val="accent1"/>
-          </a:effectRef>
-          <a:fontRef idx="minor">
-            <a:schemeClr val="tx1"/>
-          </a:fontRef>
-        </p:style>
-      </p:cxnSp>
-      <p:cxnSp>
-        <p:nvCxnSpPr>
-          <p:cNvPr id="14" name="Straight Arrow Connector 13">
-            <a:extLst>
-              <a:ext uri="{FF2B5EF4-FFF2-40B4-BE49-F238E27FC236}">
-                <a16:creationId xmlns:a16="http://schemas.microsoft.com/office/drawing/2014/main" id="{889655EB-4477-6C43-BBD6-220D725E2E6A}"/>
+                <a16:creationId xmlns:a16="http://schemas.microsoft.com/office/drawing/2014/main" id="{F3B32C1A-B73D-754F-7BC1-103CBEBD0446}"/>
               </a:ext>
             </a:extLst>
           </p:cNvPr>
@@ -34297,17 +34767,16 @@
         </p:nvCxnSpPr>
         <p:spPr>
           <a:xfrm>
-            <a:off x="4498182" y="4599116"/>
-            <a:ext cx="719601" cy="0"/>
+            <a:off x="4588566" y="4909351"/>
+            <a:ext cx="0" cy="140621"/>
           </a:xfrm>
-          <a:prstGeom prst="straightConnector1">
+          <a:prstGeom prst="line">
             <a:avLst/>
           </a:prstGeom>
-          <a:ln w="57150">
+          <a:ln w="47625">
             <a:solidFill>
-              <a:srgbClr val="FF0000"/>
+              <a:srgbClr val="00B050"/>
             </a:solidFill>
-            <a:tailEnd type="triangle"/>
           </a:ln>
         </p:spPr>
         <p:style>
@@ -34494,10 +34963,10 @@
       </p:pic>
       <p:cxnSp>
         <p:nvCxnSpPr>
-          <p:cNvPr id="14" name="Straight Arrow Connector 13">
+          <p:cNvPr id="8" name="Straight Arrow Connector 7">
             <a:extLst>
               <a:ext uri="{FF2B5EF4-FFF2-40B4-BE49-F238E27FC236}">
-                <a16:creationId xmlns:a16="http://schemas.microsoft.com/office/drawing/2014/main" id="{D889CEF9-E89E-9543-9277-AADB94D46171}"/>
+                <a16:creationId xmlns:a16="http://schemas.microsoft.com/office/drawing/2014/main" id="{196FF47D-84BF-1F43-FF64-92119F4A1A4A}"/>
               </a:ext>
             </a:extLst>
           </p:cNvPr>
@@ -34508,15 +34977,15 @@
         </p:nvCxnSpPr>
         <p:spPr>
           <a:xfrm>
-            <a:off x="4618721" y="1369219"/>
-            <a:ext cx="719601" cy="0"/>
+            <a:off x="4618262" y="1229734"/>
+            <a:ext cx="916114" cy="0"/>
           </a:xfrm>
           <a:prstGeom prst="straightConnector1">
             <a:avLst/>
           </a:prstGeom>
           <a:ln w="57150">
             <a:solidFill>
-              <a:srgbClr val="FF0000"/>
+              <a:srgbClr val="00B050"/>
             </a:solidFill>
             <a:tailEnd type="triangle"/>
           </a:ln>
@@ -34538,10 +35007,10 @@
       </p:cxnSp>
       <p:cxnSp>
         <p:nvCxnSpPr>
-          <p:cNvPr id="15" name="Straight Connector 14">
+          <p:cNvPr id="10" name="Straight Connector 9">
             <a:extLst>
               <a:ext uri="{FF2B5EF4-FFF2-40B4-BE49-F238E27FC236}">
-                <a16:creationId xmlns:a16="http://schemas.microsoft.com/office/drawing/2014/main" id="{1C641F18-E91C-8847-9FD9-3E32DCB79FF7}"/>
+                <a16:creationId xmlns:a16="http://schemas.microsoft.com/office/drawing/2014/main" id="{E48E77C4-156D-804F-9A4B-71C27D8A21E0}"/>
               </a:ext>
             </a:extLst>
           </p:cNvPr>
@@ -34552,15 +35021,15 @@
         </p:nvCxnSpPr>
         <p:spPr>
           <a:xfrm>
-            <a:off x="4618721" y="1369219"/>
-            <a:ext cx="3359" cy="3265511"/>
+            <a:off x="4618262" y="1229734"/>
+            <a:ext cx="21780" cy="3015458"/>
           </a:xfrm>
           <a:prstGeom prst="line">
             <a:avLst/>
           </a:prstGeom>
           <a:ln w="47625">
             <a:solidFill>
-              <a:srgbClr val="FF0000"/>
+              <a:srgbClr val="00B050"/>
             </a:solidFill>
           </a:ln>
         </p:spPr>
@@ -34581,10 +35050,10 @@
       </p:cxnSp>
       <p:cxnSp>
         <p:nvCxnSpPr>
-          <p:cNvPr id="16" name="Straight Arrow Connector 15">
+          <p:cNvPr id="11" name="Straight Arrow Connector 10">
             <a:extLst>
               <a:ext uri="{FF2B5EF4-FFF2-40B4-BE49-F238E27FC236}">
-                <a16:creationId xmlns:a16="http://schemas.microsoft.com/office/drawing/2014/main" id="{EA3177A3-68D6-DB47-9537-143416D34D80}"/>
+                <a16:creationId xmlns:a16="http://schemas.microsoft.com/office/drawing/2014/main" id="{C3386335-70BF-F5B2-5DC5-396425D509CB}"/>
               </a:ext>
             </a:extLst>
           </p:cNvPr>
@@ -34595,7 +35064,7 @@
         </p:nvCxnSpPr>
         <p:spPr>
           <a:xfrm>
-            <a:off x="4618721" y="4632723"/>
+            <a:off x="4618721" y="4930055"/>
             <a:ext cx="719601" cy="0"/>
           </a:xfrm>
           <a:prstGeom prst="straightConnector1">
@@ -34603,9 +35072,94 @@
           </a:prstGeom>
           <a:ln w="57150">
             <a:solidFill>
-              <a:srgbClr val="FF0000"/>
+              <a:srgbClr val="00B050"/>
             </a:solidFill>
             <a:tailEnd type="triangle"/>
+          </a:ln>
+        </p:spPr>
+        <p:style>
+          <a:lnRef idx="1">
+            <a:schemeClr val="accent1"/>
+          </a:lnRef>
+          <a:fillRef idx="0">
+            <a:schemeClr val="accent1"/>
+          </a:fillRef>
+          <a:effectRef idx="0">
+            <a:schemeClr val="accent1"/>
+          </a:effectRef>
+          <a:fontRef idx="minor">
+            <a:schemeClr val="tx1"/>
+          </a:fontRef>
+        </p:style>
+      </p:cxnSp>
+      <p:sp>
+        <p:nvSpPr>
+          <p:cNvPr id="12" name="TextBox 11">
+            <a:extLst>
+              <a:ext uri="{FF2B5EF4-FFF2-40B4-BE49-F238E27FC236}">
+                <a16:creationId xmlns:a16="http://schemas.microsoft.com/office/drawing/2014/main" id="{AD72107E-6A7A-3B62-FD75-5D30CD64FAFF}"/>
+              </a:ext>
+            </a:extLst>
+          </p:cNvPr>
+          <p:cNvSpPr txBox="1"/>
+          <p:nvPr/>
+        </p:nvSpPr>
+        <p:spPr>
+          <a:xfrm rot="5400000">
+            <a:off x="4433184" y="4240308"/>
+            <a:ext cx="775062" cy="784830"/>
+          </a:xfrm>
+          <a:prstGeom prst="rect">
+            <a:avLst/>
+          </a:prstGeom>
+          <a:noFill/>
+          <a:ln>
+            <a:noFill/>
+          </a:ln>
+        </p:spPr>
+        <p:txBody>
+          <a:bodyPr wrap="square" rtlCol="0">
+            <a:spAutoFit/>
+          </a:bodyPr>
+          <a:lstStyle/>
+          <a:p>
+            <a:r>
+              <a:rPr lang="en-US" sz="4500" dirty="0">
+                <a:solidFill>
+                  <a:srgbClr val="00B050"/>
+                </a:solidFill>
+              </a:rPr>
+              <a:t>…</a:t>
+            </a:r>
+          </a:p>
+        </p:txBody>
+      </p:sp>
+      <p:cxnSp>
+        <p:nvCxnSpPr>
+          <p:cNvPr id="13" name="Straight Connector 12">
+            <a:extLst>
+              <a:ext uri="{FF2B5EF4-FFF2-40B4-BE49-F238E27FC236}">
+                <a16:creationId xmlns:a16="http://schemas.microsoft.com/office/drawing/2014/main" id="{2B142C42-4131-2845-67E9-659949156AA3}"/>
+              </a:ext>
+            </a:extLst>
+          </p:cNvPr>
+          <p:cNvCxnSpPr>
+            <a:cxnSpLocks/>
+          </p:cNvCxnSpPr>
+          <p:nvPr/>
+        </p:nvCxnSpPr>
+        <p:spPr>
+          <a:xfrm>
+            <a:off x="4640042" y="4789434"/>
+            <a:ext cx="0" cy="140621"/>
+          </a:xfrm>
+          <a:prstGeom prst="line">
+            <a:avLst/>
+          </a:prstGeom>
+          <a:ln w="47625">
+            <a:solidFill>
+              <a:srgbClr val="00B050"/>
+            </a:solidFill>
           </a:ln>
         </p:spPr>
         <p:style>
@@ -34801,7 +35355,7 @@
 </file>
 
 <file path=ppt/slides/slide20.xml><?xml version="1.0" encoding="utf-8"?>
-<p:sld xmlns:a="http://schemas.openxmlformats.org/drawingml/2006/main" xmlns:r="http://schemas.openxmlformats.org/officeDocument/2006/relationships" xmlns:p="http://schemas.openxmlformats.org/presentationml/2006/main">
+<p:sld xmlns:a="http://schemas.openxmlformats.org/drawingml/2006/main" xmlns:r="http://schemas.openxmlformats.org/officeDocument/2006/relationships" xmlns:p="http://schemas.openxmlformats.org/presentationml/2006/main" show="0">
   <p:cSld>
     <p:spTree>
       <p:nvGrpSpPr>
@@ -34933,7 +35487,7 @@
           </a:prstGeom>
           <a:ln w="57150">
             <a:solidFill>
-              <a:srgbClr val="FF0000"/>
+              <a:srgbClr val="00B050"/>
             </a:solidFill>
             <a:tailEnd type="triangle"/>
           </a:ln>
@@ -34977,7 +35531,7 @@
           </a:prstGeom>
           <a:ln w="47625">
             <a:solidFill>
-              <a:srgbClr val="FF0000"/>
+              <a:srgbClr val="00B050"/>
             </a:solidFill>
           </a:ln>
         </p:spPr>
@@ -35057,7 +35611,7 @@
             <a:r>
               <a:rPr lang="en-US" sz="2200" dirty="0">
                 <a:solidFill>
-                  <a:srgbClr val="FF0000"/>
+                  <a:srgbClr val="00B050"/>
                 </a:solidFill>
               </a:rPr>
               <a:t>…</a:t>
@@ -35089,7 +35643,7 @@
           </a:prstGeom>
           <a:ln w="47625">
             <a:solidFill>
-              <a:srgbClr val="FF0000"/>
+              <a:srgbClr val="00B050"/>
             </a:solidFill>
           </a:ln>
         </p:spPr>
@@ -35139,7 +35693,7 @@
             <a:r>
               <a:rPr lang="en-US" sz="2200" dirty="0">
                 <a:solidFill>
-                  <a:srgbClr val="FF0000"/>
+                  <a:srgbClr val="00B050"/>
                 </a:solidFill>
               </a:rPr>
               <a:t>…</a:t>
@@ -35171,7 +35725,7 @@
           </a:prstGeom>
           <a:ln w="57150">
             <a:solidFill>
-              <a:srgbClr val="FF0000"/>
+              <a:srgbClr val="00B050"/>
             </a:solidFill>
             <a:tailEnd type="triangle"/>
           </a:ln>
@@ -35537,7 +36091,7 @@
             <p:ph idx="1"/>
             <p:extLst>
               <p:ext uri="{D42A27DB-BD31-4B8C-83A1-F6EECF244321}">
-                <p14:modId xmlns:p14="http://schemas.microsoft.com/office/powerpoint/2010/main" val="1111210929"/>
+                <p14:modId xmlns:p14="http://schemas.microsoft.com/office/powerpoint/2010/main" val="3941310680"/>
               </p:ext>
             </p:extLst>
           </p:nvPr>
@@ -36312,13 +36866,17 @@
           <a:p>
             <a:r>
               <a:rPr lang="en-US" dirty="0"/>
-              <a:t>Overwrite __</a:t>
-            </a:r>
-            <a:r>
-              <a:rPr lang="en-US" dirty="0" err="1"/>
+              <a:t>Overwrite </a:t>
+            </a:r>
+            <a:r>
+              <a:rPr lang="en-US" i="1" dirty="0"/>
+              <a:t>__</a:t>
+            </a:r>
+            <a:r>
+              <a:rPr lang="en-US" i="1" dirty="0" err="1"/>
               <a:t>malloc_hook</a:t>
             </a:r>
-            <a:endParaRPr lang="en-US" dirty="0"/>
+            <a:endParaRPr lang="en-US" i="1" dirty="0"/>
           </a:p>
           <a:p>
             <a:r>
@@ -36350,10 +36908,10 @@
       </p:sp>
       <p:cxnSp>
         <p:nvCxnSpPr>
-          <p:cNvPr id="9" name="Straight Arrow Connector 8">
+          <p:cNvPr id="15" name="Straight Arrow Connector 14">
             <a:extLst>
               <a:ext uri="{FF2B5EF4-FFF2-40B4-BE49-F238E27FC236}">
-                <a16:creationId xmlns:a16="http://schemas.microsoft.com/office/drawing/2014/main" id="{AACB95EC-5167-EA44-8325-C747F9D8A215}"/>
+                <a16:creationId xmlns:a16="http://schemas.microsoft.com/office/drawing/2014/main" id="{295BE3BB-494A-2374-1DD3-FEB36788084E}"/>
               </a:ext>
             </a:extLst>
           </p:cNvPr>
@@ -36364,15 +36922,15 @@
         </p:nvCxnSpPr>
         <p:spPr>
           <a:xfrm>
-            <a:off x="6025772" y="1799088"/>
-            <a:ext cx="719601" cy="0"/>
+            <a:off x="6032015" y="1790627"/>
+            <a:ext cx="916114" cy="0"/>
           </a:xfrm>
           <a:prstGeom prst="straightConnector1">
             <a:avLst/>
           </a:prstGeom>
           <a:ln w="57150">
             <a:solidFill>
-              <a:srgbClr val="FF0000"/>
+              <a:srgbClr val="00B050"/>
             </a:solidFill>
             <a:tailEnd type="triangle"/>
           </a:ln>
@@ -36394,10 +36952,10 @@
       </p:cxnSp>
       <p:cxnSp>
         <p:nvCxnSpPr>
-          <p:cNvPr id="11" name="Straight Connector 10">
+          <p:cNvPr id="16" name="Straight Connector 15">
             <a:extLst>
               <a:ext uri="{FF2B5EF4-FFF2-40B4-BE49-F238E27FC236}">
-                <a16:creationId xmlns:a16="http://schemas.microsoft.com/office/drawing/2014/main" id="{F3446C6E-EAD4-224D-9392-406AE2AABADF}"/>
+                <a16:creationId xmlns:a16="http://schemas.microsoft.com/office/drawing/2014/main" id="{39FEF42F-592C-9153-1B4E-A789053E6AB9}"/>
               </a:ext>
             </a:extLst>
           </p:cNvPr>
@@ -36407,16 +36965,16 @@
           <p:nvPr/>
         </p:nvCxnSpPr>
         <p:spPr>
-          <a:xfrm flipH="1">
-            <a:off x="6024476" y="1770784"/>
-            <a:ext cx="2590" cy="2720309"/>
+          <a:xfrm>
+            <a:off x="6010235" y="1770785"/>
+            <a:ext cx="0" cy="2596165"/>
           </a:xfrm>
           <a:prstGeom prst="line">
             <a:avLst/>
           </a:prstGeom>
           <a:ln w="47625">
             <a:solidFill>
-              <a:srgbClr val="FF0000"/>
+              <a:srgbClr val="00B050"/>
             </a:solidFill>
           </a:ln>
         </p:spPr>
@@ -36437,10 +36995,10 @@
       </p:cxnSp>
       <p:cxnSp>
         <p:nvCxnSpPr>
-          <p:cNvPr id="14" name="Straight Arrow Connector 13">
+          <p:cNvPr id="17" name="Straight Arrow Connector 16">
             <a:extLst>
               <a:ext uri="{FF2B5EF4-FFF2-40B4-BE49-F238E27FC236}">
-                <a16:creationId xmlns:a16="http://schemas.microsoft.com/office/drawing/2014/main" id="{1FA2B1AE-A992-5646-9919-56B73107BABA}"/>
+                <a16:creationId xmlns:a16="http://schemas.microsoft.com/office/drawing/2014/main" id="{F73319B5-3593-61AF-C98A-C3DA2B30FAA0}"/>
               </a:ext>
             </a:extLst>
           </p:cNvPr>
@@ -36451,8 +37009,94 @@
         </p:nvCxnSpPr>
         <p:spPr>
           <a:xfrm>
-            <a:off x="6024476" y="4491093"/>
+            <a:off x="5952340" y="4874260"/>
             <a:ext cx="719601" cy="0"/>
+          </a:xfrm>
+          <a:prstGeom prst="straightConnector1">
+            <a:avLst/>
+          </a:prstGeom>
+          <a:ln w="57150">
+            <a:solidFill>
+              <a:srgbClr val="00B050"/>
+            </a:solidFill>
+            <a:tailEnd type="triangle"/>
+          </a:ln>
+        </p:spPr>
+        <p:style>
+          <a:lnRef idx="1">
+            <a:schemeClr val="accent1"/>
+          </a:lnRef>
+          <a:fillRef idx="0">
+            <a:schemeClr val="accent1"/>
+          </a:fillRef>
+          <a:effectRef idx="0">
+            <a:schemeClr val="accent1"/>
+          </a:effectRef>
+          <a:fontRef idx="minor">
+            <a:schemeClr val="tx1"/>
+          </a:fontRef>
+        </p:style>
+      </p:cxnSp>
+      <p:sp>
+        <p:nvSpPr>
+          <p:cNvPr id="18" name="TextBox 17">
+            <a:extLst>
+              <a:ext uri="{FF2B5EF4-FFF2-40B4-BE49-F238E27FC236}">
+                <a16:creationId xmlns:a16="http://schemas.microsoft.com/office/drawing/2014/main" id="{4387B810-CAFD-F2D7-6542-E15DCC671C06}"/>
+              </a:ext>
+            </a:extLst>
+          </p:cNvPr>
+          <p:cNvSpPr txBox="1"/>
+          <p:nvPr/>
+        </p:nvSpPr>
+        <p:spPr>
+          <a:xfrm rot="5400000">
+            <a:off x="5761353" y="4329680"/>
+            <a:ext cx="775062" cy="784830"/>
+          </a:xfrm>
+          <a:prstGeom prst="rect">
+            <a:avLst/>
+          </a:prstGeom>
+          <a:noFill/>
+          <a:ln>
+            <a:noFill/>
+          </a:ln>
+        </p:spPr>
+        <p:txBody>
+          <a:bodyPr wrap="square" rtlCol="0">
+            <a:spAutoFit/>
+          </a:bodyPr>
+          <a:lstStyle/>
+          <a:p>
+            <a:r>
+              <a:rPr lang="en-US" sz="4500" dirty="0">
+                <a:solidFill>
+                  <a:srgbClr val="00B050"/>
+                </a:solidFill>
+              </a:rPr>
+              <a:t>…</a:t>
+            </a:r>
+          </a:p>
+        </p:txBody>
+      </p:sp>
+      <p:cxnSp>
+        <p:nvCxnSpPr>
+          <p:cNvPr id="19" name="Straight Arrow Connector 18">
+            <a:extLst>
+              <a:ext uri="{FF2B5EF4-FFF2-40B4-BE49-F238E27FC236}">
+                <a16:creationId xmlns:a16="http://schemas.microsoft.com/office/drawing/2014/main" id="{E7A199AE-B055-5292-71A2-78A7A27D1FC0}"/>
+              </a:ext>
+            </a:extLst>
+          </p:cNvPr>
+          <p:cNvCxnSpPr>
+            <a:cxnSpLocks/>
+          </p:cNvCxnSpPr>
+          <p:nvPr/>
+        </p:nvCxnSpPr>
+        <p:spPr>
+          <a:xfrm>
+            <a:off x="6240632" y="4474556"/>
+            <a:ext cx="845720" cy="106"/>
           </a:xfrm>
           <a:prstGeom prst="straightConnector1">
             <a:avLst/>
@@ -36587,7 +37231,7 @@
             <a:r>
               <a:rPr lang="en-US" dirty="0">
                 <a:solidFill>
-                  <a:srgbClr val="00B050"/>
+                  <a:srgbClr val="FF0000"/>
                 </a:solidFill>
               </a:rPr>
               <a:t>target</a:t>
@@ -36607,7 +37251,7 @@
             <a:r>
               <a:rPr lang="en-US" dirty="0">
                 <a:solidFill>
-                  <a:srgbClr val="FF0000"/>
+                  <a:srgbClr val="00B050"/>
                 </a:solidFill>
               </a:rPr>
               <a:t>Top Chunk </a:t>
@@ -37352,10 +37996,10 @@
       </p:sp>
       <p:cxnSp>
         <p:nvCxnSpPr>
-          <p:cNvPr id="11" name="Straight Arrow Connector 10">
+          <p:cNvPr id="17" name="Straight Arrow Connector 16">
             <a:extLst>
               <a:ext uri="{FF2B5EF4-FFF2-40B4-BE49-F238E27FC236}">
-                <a16:creationId xmlns:a16="http://schemas.microsoft.com/office/drawing/2014/main" id="{C42118C1-976C-D240-82E3-0AB769B6A718}"/>
+                <a16:creationId xmlns:a16="http://schemas.microsoft.com/office/drawing/2014/main" id="{EF5AC79E-1163-C057-CC66-8F2C166D76A7}"/>
               </a:ext>
             </a:extLst>
           </p:cNvPr>
@@ -37366,15 +38010,15 @@
         </p:nvCxnSpPr>
         <p:spPr>
           <a:xfrm>
-            <a:off x="5395931" y="1907112"/>
-            <a:ext cx="719601" cy="0"/>
+            <a:off x="5471436" y="1895480"/>
+            <a:ext cx="916114" cy="0"/>
           </a:xfrm>
           <a:prstGeom prst="straightConnector1">
             <a:avLst/>
           </a:prstGeom>
           <a:ln w="57150">
             <a:solidFill>
-              <a:srgbClr val="FF0000"/>
+              <a:srgbClr val="00B050"/>
             </a:solidFill>
             <a:tailEnd type="triangle"/>
           </a:ln>
@@ -37396,10 +38040,10 @@
       </p:cxnSp>
       <p:cxnSp>
         <p:nvCxnSpPr>
-          <p:cNvPr id="14" name="Straight Connector 13">
+          <p:cNvPr id="18" name="Straight Connector 17">
             <a:extLst>
               <a:ext uri="{FF2B5EF4-FFF2-40B4-BE49-F238E27FC236}">
-                <a16:creationId xmlns:a16="http://schemas.microsoft.com/office/drawing/2014/main" id="{E438B971-3E26-EF43-9A0F-4C25479B2A0A}"/>
+                <a16:creationId xmlns:a16="http://schemas.microsoft.com/office/drawing/2014/main" id="{7D60230F-F45C-3005-01E6-3A9AB4815D99}"/>
               </a:ext>
             </a:extLst>
           </p:cNvPr>
@@ -37409,16 +38053,16 @@
           <p:nvPr/>
         </p:nvCxnSpPr>
         <p:spPr>
-          <a:xfrm flipH="1">
-            <a:off x="5394635" y="1878808"/>
-            <a:ext cx="2590" cy="2720309"/>
+          <a:xfrm>
+            <a:off x="5449656" y="1875638"/>
+            <a:ext cx="0" cy="2596165"/>
           </a:xfrm>
           <a:prstGeom prst="line">
             <a:avLst/>
           </a:prstGeom>
           <a:ln w="47625">
             <a:solidFill>
-              <a:srgbClr val="FF0000"/>
+              <a:srgbClr val="00B050"/>
             </a:solidFill>
           </a:ln>
         </p:spPr>
@@ -37439,10 +38083,10 @@
       </p:cxnSp>
       <p:cxnSp>
         <p:nvCxnSpPr>
-          <p:cNvPr id="15" name="Straight Arrow Connector 14">
+          <p:cNvPr id="19" name="Straight Arrow Connector 18">
             <a:extLst>
               <a:ext uri="{FF2B5EF4-FFF2-40B4-BE49-F238E27FC236}">
-                <a16:creationId xmlns:a16="http://schemas.microsoft.com/office/drawing/2014/main" id="{5345CE2F-8E13-1F40-8D94-EC4164F9AF81}"/>
+                <a16:creationId xmlns:a16="http://schemas.microsoft.com/office/drawing/2014/main" id="{6BCD6936-BE60-1824-8F22-EE846BDC14D7}"/>
               </a:ext>
             </a:extLst>
           </p:cNvPr>
@@ -37453,8 +38097,94 @@
         </p:nvCxnSpPr>
         <p:spPr>
           <a:xfrm>
-            <a:off x="5394635" y="4599117"/>
+            <a:off x="5391761" y="4979113"/>
             <a:ext cx="719601" cy="0"/>
+          </a:xfrm>
+          <a:prstGeom prst="straightConnector1">
+            <a:avLst/>
+          </a:prstGeom>
+          <a:ln w="57150">
+            <a:solidFill>
+              <a:srgbClr val="00B050"/>
+            </a:solidFill>
+            <a:tailEnd type="triangle"/>
+          </a:ln>
+        </p:spPr>
+        <p:style>
+          <a:lnRef idx="1">
+            <a:schemeClr val="accent1"/>
+          </a:lnRef>
+          <a:fillRef idx="0">
+            <a:schemeClr val="accent1"/>
+          </a:fillRef>
+          <a:effectRef idx="0">
+            <a:schemeClr val="accent1"/>
+          </a:effectRef>
+          <a:fontRef idx="minor">
+            <a:schemeClr val="tx1"/>
+          </a:fontRef>
+        </p:style>
+      </p:cxnSp>
+      <p:sp>
+        <p:nvSpPr>
+          <p:cNvPr id="20" name="TextBox 19">
+            <a:extLst>
+              <a:ext uri="{FF2B5EF4-FFF2-40B4-BE49-F238E27FC236}">
+                <a16:creationId xmlns:a16="http://schemas.microsoft.com/office/drawing/2014/main" id="{32A5E158-6A26-73F6-9B90-D66EBDC647CC}"/>
+              </a:ext>
+            </a:extLst>
+          </p:cNvPr>
+          <p:cNvSpPr txBox="1"/>
+          <p:nvPr/>
+        </p:nvSpPr>
+        <p:spPr>
+          <a:xfrm rot="5400000">
+            <a:off x="5200774" y="4434533"/>
+            <a:ext cx="775062" cy="784830"/>
+          </a:xfrm>
+          <a:prstGeom prst="rect">
+            <a:avLst/>
+          </a:prstGeom>
+          <a:noFill/>
+          <a:ln>
+            <a:noFill/>
+          </a:ln>
+        </p:spPr>
+        <p:txBody>
+          <a:bodyPr wrap="square" rtlCol="0">
+            <a:spAutoFit/>
+          </a:bodyPr>
+          <a:lstStyle/>
+          <a:p>
+            <a:r>
+              <a:rPr lang="en-US" sz="4500" dirty="0">
+                <a:solidFill>
+                  <a:srgbClr val="00B050"/>
+                </a:solidFill>
+              </a:rPr>
+              <a:t>…</a:t>
+            </a:r>
+          </a:p>
+        </p:txBody>
+      </p:sp>
+      <p:cxnSp>
+        <p:nvCxnSpPr>
+          <p:cNvPr id="21" name="Straight Arrow Connector 20">
+            <a:extLst>
+              <a:ext uri="{FF2B5EF4-FFF2-40B4-BE49-F238E27FC236}">
+                <a16:creationId xmlns:a16="http://schemas.microsoft.com/office/drawing/2014/main" id="{588A4E08-A6E6-1C2E-50A0-D546CAA4844A}"/>
+              </a:ext>
+            </a:extLst>
+          </p:cNvPr>
+          <p:cNvCxnSpPr>
+            <a:cxnSpLocks/>
+          </p:cNvCxnSpPr>
+          <p:nvPr/>
+        </p:nvCxnSpPr>
+        <p:spPr>
+          <a:xfrm>
+            <a:off x="5680053" y="4579409"/>
+            <a:ext cx="845720" cy="106"/>
           </a:xfrm>
           <a:prstGeom prst="straightConnector1">
             <a:avLst/>
@@ -38259,8 +38989,8 @@
         </p:blipFill>
         <p:spPr>
           <a:xfrm>
-            <a:off x="6230278" y="1626846"/>
-            <a:ext cx="2595180" cy="3431878"/>
+            <a:off x="6245536" y="1581288"/>
+            <a:ext cx="2348477" cy="3105637"/>
           </a:xfrm>
           <a:prstGeom prst="rect">
             <a:avLst/>
@@ -38282,7 +39012,7 @@
         </p:nvSpPr>
         <p:spPr>
           <a:xfrm>
-            <a:off x="4695846" y="4757475"/>
+            <a:off x="5384315" y="4259218"/>
             <a:ext cx="764697" cy="369332"/>
           </a:xfrm>
           <a:prstGeom prst="rect">
@@ -38321,7 +39051,7 @@
         </p:nvSpPr>
         <p:spPr>
           <a:xfrm>
-            <a:off x="4438926" y="4394725"/>
+            <a:off x="5222744" y="3746792"/>
             <a:ext cx="1140377" cy="369332"/>
           </a:xfrm>
           <a:prstGeom prst="rect">
@@ -38348,10 +39078,10 @@
       </p:sp>
       <p:cxnSp>
         <p:nvCxnSpPr>
-          <p:cNvPr id="19" name="Straight Arrow Connector 18">
+          <p:cNvPr id="14" name="Straight Arrow Connector 13">
             <a:extLst>
               <a:ext uri="{FF2B5EF4-FFF2-40B4-BE49-F238E27FC236}">
-                <a16:creationId xmlns:a16="http://schemas.microsoft.com/office/drawing/2014/main" id="{EC671739-32B2-EE41-A3A5-C6917420E85A}"/>
+                <a16:creationId xmlns:a16="http://schemas.microsoft.com/office/drawing/2014/main" id="{173537D3-A8D1-3039-6486-85C4452CE853}"/>
               </a:ext>
             </a:extLst>
           </p:cNvPr>
@@ -38362,8 +39092,181 @@
         </p:nvCxnSpPr>
         <p:spPr>
           <a:xfrm>
-            <a:off x="5514495" y="4592394"/>
+            <a:off x="5195890" y="4119239"/>
+            <a:ext cx="1049646" cy="0"/>
+          </a:xfrm>
+          <a:prstGeom prst="straightConnector1">
+            <a:avLst/>
+          </a:prstGeom>
+          <a:ln w="57150">
+            <a:solidFill>
+              <a:srgbClr val="00B050"/>
+            </a:solidFill>
+            <a:tailEnd type="triangle"/>
+          </a:ln>
+        </p:spPr>
+        <p:style>
+          <a:lnRef idx="1">
+            <a:schemeClr val="accent1"/>
+          </a:lnRef>
+          <a:fillRef idx="0">
+            <a:schemeClr val="accent1"/>
+          </a:fillRef>
+          <a:effectRef idx="0">
+            <a:schemeClr val="accent1"/>
+          </a:effectRef>
+          <a:fontRef idx="minor">
+            <a:schemeClr val="tx1"/>
+          </a:fontRef>
+        </p:style>
+      </p:cxnSp>
+      <p:cxnSp>
+        <p:nvCxnSpPr>
+          <p:cNvPr id="15" name="Straight Connector 14">
+            <a:extLst>
+              <a:ext uri="{FF2B5EF4-FFF2-40B4-BE49-F238E27FC236}">
+                <a16:creationId xmlns:a16="http://schemas.microsoft.com/office/drawing/2014/main" id="{6AAE1359-4CF4-C635-A4FF-755566654DC1}"/>
+              </a:ext>
+            </a:extLst>
+          </p:cNvPr>
+          <p:cNvCxnSpPr>
+            <a:cxnSpLocks/>
+          </p:cNvCxnSpPr>
+          <p:nvPr/>
+        </p:nvCxnSpPr>
+        <p:spPr>
+          <a:xfrm>
+            <a:off x="5188882" y="4119239"/>
+            <a:ext cx="0" cy="393916"/>
+          </a:xfrm>
+          <a:prstGeom prst="line">
+            <a:avLst/>
+          </a:prstGeom>
+          <a:ln w="47625">
+            <a:solidFill>
+              <a:srgbClr val="00B050"/>
+            </a:solidFill>
+          </a:ln>
+        </p:spPr>
+        <p:style>
+          <a:lnRef idx="1">
+            <a:schemeClr val="accent1"/>
+          </a:lnRef>
+          <a:fillRef idx="0">
+            <a:schemeClr val="accent1"/>
+          </a:fillRef>
+          <a:effectRef idx="0">
+            <a:schemeClr val="accent1"/>
+          </a:effectRef>
+          <a:fontRef idx="minor">
+            <a:schemeClr val="tx1"/>
+          </a:fontRef>
+        </p:style>
+      </p:cxnSp>
+      <p:cxnSp>
+        <p:nvCxnSpPr>
+          <p:cNvPr id="22" name="Straight Arrow Connector 21">
+            <a:extLst>
+              <a:ext uri="{FF2B5EF4-FFF2-40B4-BE49-F238E27FC236}">
+                <a16:creationId xmlns:a16="http://schemas.microsoft.com/office/drawing/2014/main" id="{A336423E-1F27-F910-91CF-AD46B0F33CF9}"/>
+              </a:ext>
+            </a:extLst>
+          </p:cNvPr>
+          <p:cNvCxnSpPr>
+            <a:cxnSpLocks/>
+          </p:cNvCxnSpPr>
+          <p:nvPr/>
+        </p:nvCxnSpPr>
+        <p:spPr>
+          <a:xfrm>
+            <a:off x="5130987" y="5020465"/>
             <a:ext cx="719601" cy="0"/>
+          </a:xfrm>
+          <a:prstGeom prst="straightConnector1">
+            <a:avLst/>
+          </a:prstGeom>
+          <a:ln w="57150">
+            <a:solidFill>
+              <a:srgbClr val="00B050"/>
+            </a:solidFill>
+            <a:tailEnd type="triangle"/>
+          </a:ln>
+        </p:spPr>
+        <p:style>
+          <a:lnRef idx="1">
+            <a:schemeClr val="accent1"/>
+          </a:lnRef>
+          <a:fillRef idx="0">
+            <a:schemeClr val="accent1"/>
+          </a:fillRef>
+          <a:effectRef idx="0">
+            <a:schemeClr val="accent1"/>
+          </a:effectRef>
+          <a:fontRef idx="minor">
+            <a:schemeClr val="tx1"/>
+          </a:fontRef>
+        </p:style>
+      </p:cxnSp>
+      <p:sp>
+        <p:nvSpPr>
+          <p:cNvPr id="23" name="TextBox 22">
+            <a:extLst>
+              <a:ext uri="{FF2B5EF4-FFF2-40B4-BE49-F238E27FC236}">
+                <a16:creationId xmlns:a16="http://schemas.microsoft.com/office/drawing/2014/main" id="{1CF810B4-E8D9-2376-2065-46D693799B5C}"/>
+              </a:ext>
+            </a:extLst>
+          </p:cNvPr>
+          <p:cNvSpPr txBox="1"/>
+          <p:nvPr/>
+        </p:nvSpPr>
+        <p:spPr>
+          <a:xfrm rot="5400000">
+            <a:off x="4940000" y="4475885"/>
+            <a:ext cx="775062" cy="784830"/>
+          </a:xfrm>
+          <a:prstGeom prst="rect">
+            <a:avLst/>
+          </a:prstGeom>
+          <a:noFill/>
+          <a:ln>
+            <a:noFill/>
+          </a:ln>
+        </p:spPr>
+        <p:txBody>
+          <a:bodyPr wrap="square" rtlCol="0">
+            <a:spAutoFit/>
+          </a:bodyPr>
+          <a:lstStyle/>
+          <a:p>
+            <a:r>
+              <a:rPr lang="en-US" sz="4500" dirty="0">
+                <a:solidFill>
+                  <a:srgbClr val="00B050"/>
+                </a:solidFill>
+              </a:rPr>
+              <a:t>…</a:t>
+            </a:r>
+          </a:p>
+        </p:txBody>
+      </p:sp>
+      <p:cxnSp>
+        <p:nvCxnSpPr>
+          <p:cNvPr id="24" name="Straight Arrow Connector 23">
+            <a:extLst>
+              <a:ext uri="{FF2B5EF4-FFF2-40B4-BE49-F238E27FC236}">
+                <a16:creationId xmlns:a16="http://schemas.microsoft.com/office/drawing/2014/main" id="{F1D0B838-D668-8322-A8F9-2BA47A4388AF}"/>
+              </a:ext>
+            </a:extLst>
+          </p:cNvPr>
+          <p:cNvCxnSpPr>
+            <a:cxnSpLocks/>
+          </p:cNvCxnSpPr>
+          <p:nvPr/>
+        </p:nvCxnSpPr>
+        <p:spPr>
+          <a:xfrm>
+            <a:off x="4678818" y="4620867"/>
+            <a:ext cx="1586181" cy="0"/>
           </a:xfrm>
           <a:prstGeom prst="straightConnector1">
             <a:avLst/>
@@ -38390,93 +39293,53 @@
           </a:fontRef>
         </p:style>
       </p:cxnSp>
-      <p:cxnSp>
-        <p:nvCxnSpPr>
-          <p:cNvPr id="20" name="Straight Connector 19">
+      <p:sp>
+        <p:nvSpPr>
+          <p:cNvPr id="8" name="Rectangle 7">
             <a:extLst>
               <a:ext uri="{FF2B5EF4-FFF2-40B4-BE49-F238E27FC236}">
-                <a16:creationId xmlns:a16="http://schemas.microsoft.com/office/drawing/2014/main" id="{EDD92D28-863D-354F-A99A-706ACECC8F17}"/>
+                <a16:creationId xmlns:a16="http://schemas.microsoft.com/office/drawing/2014/main" id="{ECF07604-F9AF-4004-B071-1CC7AB4DFF8B}"/>
               </a:ext>
             </a:extLst>
           </p:cNvPr>
-          <p:cNvCxnSpPr>
-            <a:cxnSpLocks/>
-          </p:cNvCxnSpPr>
+          <p:cNvSpPr/>
           <p:nvPr/>
-        </p:nvCxnSpPr>
+        </p:nvSpPr>
         <p:spPr>
           <a:xfrm>
-            <a:off x="5511837" y="4592394"/>
-            <a:ext cx="2658" cy="343325"/>
+            <a:off x="7332265" y="1631072"/>
+            <a:ext cx="1261748" cy="549311"/>
           </a:xfrm>
-          <a:prstGeom prst="line">
+          <a:prstGeom prst="rect">
             <a:avLst/>
           </a:prstGeom>
-          <a:ln w="47625">
-            <a:solidFill>
-              <a:srgbClr val="FF0000"/>
-            </a:solidFill>
+          <a:ln>
+            <a:noFill/>
           </a:ln>
         </p:spPr>
         <p:style>
-          <a:lnRef idx="1">
-            <a:schemeClr val="accent1"/>
+          <a:lnRef idx="2">
+            <a:schemeClr val="accent6"/>
           </a:lnRef>
-          <a:fillRef idx="0">
-            <a:schemeClr val="accent1"/>
+          <a:fillRef idx="1">
+            <a:schemeClr val="lt1"/>
           </a:fillRef>
           <a:effectRef idx="0">
-            <a:schemeClr val="accent1"/>
+            <a:schemeClr val="accent6"/>
           </a:effectRef>
           <a:fontRef idx="minor">
-            <a:schemeClr val="tx1"/>
+            <a:schemeClr val="dk1"/>
           </a:fontRef>
         </p:style>
-      </p:cxnSp>
-      <p:cxnSp>
-        <p:nvCxnSpPr>
-          <p:cNvPr id="21" name="Straight Arrow Connector 20">
-            <a:extLst>
-              <a:ext uri="{FF2B5EF4-FFF2-40B4-BE49-F238E27FC236}">
-                <a16:creationId xmlns:a16="http://schemas.microsoft.com/office/drawing/2014/main" id="{49D61C90-A9BE-2D45-8754-AACA8A01B3AE}"/>
-              </a:ext>
-            </a:extLst>
-          </p:cNvPr>
-          <p:cNvCxnSpPr>
-            <a:cxnSpLocks/>
-          </p:cNvCxnSpPr>
-          <p:nvPr/>
-        </p:nvCxnSpPr>
-        <p:spPr>
-          <a:xfrm>
-            <a:off x="5514495" y="4935719"/>
-            <a:ext cx="719601" cy="0"/>
-          </a:xfrm>
-          <a:prstGeom prst="straightConnector1">
-            <a:avLst/>
-          </a:prstGeom>
-          <a:ln w="57150">
-            <a:solidFill>
-              <a:srgbClr val="FF0000"/>
-            </a:solidFill>
-            <a:tailEnd type="triangle"/>
-          </a:ln>
-        </p:spPr>
-        <p:style>
-          <a:lnRef idx="1">
-            <a:schemeClr val="accent1"/>
-          </a:lnRef>
-          <a:fillRef idx="0">
-            <a:schemeClr val="accent1"/>
-          </a:fillRef>
-          <a:effectRef idx="0">
-            <a:schemeClr val="accent1"/>
-          </a:effectRef>
-          <a:fontRef idx="minor">
-            <a:schemeClr val="tx1"/>
-          </a:fontRef>
-        </p:style>
-      </p:cxnSp>
+        <p:txBody>
+          <a:bodyPr rtlCol="0" anchor="ctr"/>
+          <a:lstStyle/>
+          <a:p>
+            <a:pPr algn="ctr"/>
+            <a:endParaRPr lang="en-US"/>
+          </a:p>
+        </p:txBody>
+      </p:sp>
     </p:spTree>
     <p:extLst>
       <p:ext uri="{BB962C8B-B14F-4D97-AF65-F5344CB8AC3E}">
@@ -38491,7 +39354,7 @@
 </file>
 
 <file path=ppt/slides/slide26.xml><?xml version="1.0" encoding="utf-8"?>
-<p:sld xmlns:a="http://schemas.openxmlformats.org/drawingml/2006/main" xmlns:r="http://schemas.openxmlformats.org/officeDocument/2006/relationships" xmlns:p="http://schemas.openxmlformats.org/presentationml/2006/main">
+<p:sld xmlns:a="http://schemas.openxmlformats.org/drawingml/2006/main" xmlns:r="http://schemas.openxmlformats.org/officeDocument/2006/relationships" xmlns:p="http://schemas.openxmlformats.org/presentationml/2006/main" show="0">
   <p:cSld>
     <p:spTree>
       <p:nvGrpSpPr>
@@ -38914,45 +39777,6 @@
           </a:p>
         </p:txBody>
       </p:sp>
-      <p:sp>
-        <p:nvSpPr>
-          <p:cNvPr id="12" name="TextBox 11">
-            <a:extLst>
-              <a:ext uri="{FF2B5EF4-FFF2-40B4-BE49-F238E27FC236}">
-                <a16:creationId xmlns:a16="http://schemas.microsoft.com/office/drawing/2014/main" id="{B2AEDD40-7199-BD4C-BE0D-77E4077D742C}"/>
-              </a:ext>
-            </a:extLst>
-          </p:cNvPr>
-          <p:cNvSpPr txBox="1"/>
-          <p:nvPr/>
-        </p:nvSpPr>
-        <p:spPr>
-          <a:xfrm>
-            <a:off x="4772122" y="4263391"/>
-            <a:ext cx="764697" cy="369332"/>
-          </a:xfrm>
-          <a:prstGeom prst="rect">
-            <a:avLst/>
-          </a:prstGeom>
-          <a:noFill/>
-        </p:spPr>
-        <p:txBody>
-          <a:bodyPr wrap="none" rtlCol="0">
-            <a:spAutoFit/>
-          </a:bodyPr>
-          <a:lstStyle/>
-          <a:p>
-            <a:r>
-              <a:rPr lang="en-US" dirty="0">
-                <a:solidFill>
-                  <a:srgbClr val="FF0000"/>
-                </a:solidFill>
-              </a:rPr>
-              <a:t>Target</a:t>
-            </a:r>
-          </a:p>
-        </p:txBody>
-      </p:sp>
       <p:pic>
         <p:nvPicPr>
           <p:cNvPr id="19" name="Content Placeholder 18" descr="Top Chunk in LibC. Next to _malloc_hook.">
@@ -38970,14 +39794,14 @@
           </p:nvPr>
         </p:nvPicPr>
         <p:blipFill>
-          <a:blip r:embed="rId2"/>
+          <a:blip r:embed="rId3"/>
           <a:stretch>
             <a:fillRect/>
           </a:stretch>
         </p:blipFill>
         <p:spPr>
           <a:xfrm>
-            <a:off x="5490499" y="1195600"/>
+            <a:off x="6227346" y="1038395"/>
             <a:ext cx="2040792" cy="3437123"/>
           </a:xfrm>
         </p:spPr>
@@ -38997,9 +39821,9 @@
           <p:nvPr/>
         </p:nvCxnSpPr>
         <p:spPr>
-          <a:xfrm flipH="1">
-            <a:off x="6318558" y="4105104"/>
-            <a:ext cx="601621" cy="0"/>
+          <a:xfrm flipV="1">
+            <a:off x="5367533" y="4122116"/>
+            <a:ext cx="859813" cy="11878"/>
           </a:xfrm>
           <a:prstGeom prst="straightConnector1">
             <a:avLst/>
@@ -39026,6 +39850,304 @@
           </a:fontRef>
         </p:style>
       </p:cxnSp>
+      <p:sp>
+        <p:nvSpPr>
+          <p:cNvPr id="7" name="Rectangle 6">
+            <a:extLst>
+              <a:ext uri="{FF2B5EF4-FFF2-40B4-BE49-F238E27FC236}">
+                <a16:creationId xmlns:a16="http://schemas.microsoft.com/office/drawing/2014/main" id="{756DECE6-2F93-A029-56D0-64F83FA5D2E1}"/>
+              </a:ext>
+            </a:extLst>
+          </p:cNvPr>
+          <p:cNvSpPr/>
+          <p:nvPr/>
+        </p:nvSpPr>
+        <p:spPr>
+          <a:xfrm>
+            <a:off x="7101506" y="3624682"/>
+            <a:ext cx="1261748" cy="369331"/>
+          </a:xfrm>
+          <a:prstGeom prst="rect">
+            <a:avLst/>
+          </a:prstGeom>
+          <a:ln>
+            <a:noFill/>
+          </a:ln>
+        </p:spPr>
+        <p:style>
+          <a:lnRef idx="2">
+            <a:schemeClr val="accent6"/>
+          </a:lnRef>
+          <a:fillRef idx="1">
+            <a:schemeClr val="lt1"/>
+          </a:fillRef>
+          <a:effectRef idx="0">
+            <a:schemeClr val="accent6"/>
+          </a:effectRef>
+          <a:fontRef idx="minor">
+            <a:schemeClr val="dk1"/>
+          </a:fontRef>
+        </p:style>
+        <p:txBody>
+          <a:bodyPr rtlCol="0" anchor="ctr"/>
+          <a:lstStyle/>
+          <a:p>
+            <a:pPr algn="ctr"/>
+            <a:endParaRPr lang="en-US"/>
+          </a:p>
+        </p:txBody>
+      </p:sp>
+      <p:sp>
+        <p:nvSpPr>
+          <p:cNvPr id="8" name="TextBox 7">
+            <a:extLst>
+              <a:ext uri="{FF2B5EF4-FFF2-40B4-BE49-F238E27FC236}">
+                <a16:creationId xmlns:a16="http://schemas.microsoft.com/office/drawing/2014/main" id="{145B2A5A-140C-47ED-9C3A-BBB3A031DD4F}"/>
+              </a:ext>
+            </a:extLst>
+          </p:cNvPr>
+          <p:cNvSpPr txBox="1"/>
+          <p:nvPr/>
+        </p:nvSpPr>
+        <p:spPr>
+          <a:xfrm>
+            <a:off x="5367533" y="3764662"/>
+            <a:ext cx="764697" cy="369332"/>
+          </a:xfrm>
+          <a:prstGeom prst="rect">
+            <a:avLst/>
+          </a:prstGeom>
+          <a:noFill/>
+        </p:spPr>
+        <p:txBody>
+          <a:bodyPr wrap="none" rtlCol="0">
+            <a:spAutoFit/>
+          </a:bodyPr>
+          <a:lstStyle/>
+          <a:p>
+            <a:r>
+              <a:rPr lang="en-US" dirty="0">
+                <a:solidFill>
+                  <a:srgbClr val="FF0000"/>
+                </a:solidFill>
+              </a:rPr>
+              <a:t>Target</a:t>
+            </a:r>
+          </a:p>
+        </p:txBody>
+      </p:sp>
+      <p:sp>
+        <p:nvSpPr>
+          <p:cNvPr id="9" name="TextBox 8">
+            <a:extLst>
+              <a:ext uri="{FF2B5EF4-FFF2-40B4-BE49-F238E27FC236}">
+                <a16:creationId xmlns:a16="http://schemas.microsoft.com/office/drawing/2014/main" id="{844929CF-CF99-D146-57E0-18FDDD5354B3}"/>
+              </a:ext>
+            </a:extLst>
+          </p:cNvPr>
+          <p:cNvSpPr txBox="1"/>
+          <p:nvPr/>
+        </p:nvSpPr>
+        <p:spPr>
+          <a:xfrm>
+            <a:off x="5205962" y="3252236"/>
+            <a:ext cx="1140377" cy="369332"/>
+          </a:xfrm>
+          <a:prstGeom prst="rect">
+            <a:avLst/>
+          </a:prstGeom>
+          <a:noFill/>
+        </p:spPr>
+        <p:txBody>
+          <a:bodyPr wrap="none" rtlCol="0">
+            <a:spAutoFit/>
+          </a:bodyPr>
+          <a:lstStyle/>
+          <a:p>
+            <a:r>
+              <a:rPr lang="en-US" dirty="0">
+                <a:solidFill>
+                  <a:srgbClr val="00B050"/>
+                </a:solidFill>
+              </a:rPr>
+              <a:t>Top chunk</a:t>
+            </a:r>
+          </a:p>
+        </p:txBody>
+      </p:sp>
+      <p:cxnSp>
+        <p:nvCxnSpPr>
+          <p:cNvPr id="10" name="Straight Arrow Connector 9">
+            <a:extLst>
+              <a:ext uri="{FF2B5EF4-FFF2-40B4-BE49-F238E27FC236}">
+                <a16:creationId xmlns:a16="http://schemas.microsoft.com/office/drawing/2014/main" id="{8350B623-D5F3-3A10-E0CA-FEB4B060823D}"/>
+              </a:ext>
+            </a:extLst>
+          </p:cNvPr>
+          <p:cNvCxnSpPr>
+            <a:cxnSpLocks/>
+          </p:cNvCxnSpPr>
+          <p:nvPr/>
+        </p:nvCxnSpPr>
+        <p:spPr>
+          <a:xfrm>
+            <a:off x="5179108" y="3624683"/>
+            <a:ext cx="1049646" cy="0"/>
+          </a:xfrm>
+          <a:prstGeom prst="straightConnector1">
+            <a:avLst/>
+          </a:prstGeom>
+          <a:ln w="57150">
+            <a:solidFill>
+              <a:srgbClr val="00B050"/>
+            </a:solidFill>
+            <a:tailEnd type="triangle"/>
+          </a:ln>
+        </p:spPr>
+        <p:style>
+          <a:lnRef idx="1">
+            <a:schemeClr val="accent1"/>
+          </a:lnRef>
+          <a:fillRef idx="0">
+            <a:schemeClr val="accent1"/>
+          </a:fillRef>
+          <a:effectRef idx="0">
+            <a:schemeClr val="accent1"/>
+          </a:effectRef>
+          <a:fontRef idx="minor">
+            <a:schemeClr val="tx1"/>
+          </a:fontRef>
+        </p:style>
+      </p:cxnSp>
+      <p:cxnSp>
+        <p:nvCxnSpPr>
+          <p:cNvPr id="11" name="Straight Connector 10">
+            <a:extLst>
+              <a:ext uri="{FF2B5EF4-FFF2-40B4-BE49-F238E27FC236}">
+                <a16:creationId xmlns:a16="http://schemas.microsoft.com/office/drawing/2014/main" id="{32B14771-D0DC-AFA2-21C9-EEFE4C101E03}"/>
+              </a:ext>
+            </a:extLst>
+          </p:cNvPr>
+          <p:cNvCxnSpPr>
+            <a:cxnSpLocks/>
+          </p:cNvCxnSpPr>
+          <p:nvPr/>
+        </p:nvCxnSpPr>
+        <p:spPr>
+          <a:xfrm>
+            <a:off x="5172100" y="3624683"/>
+            <a:ext cx="0" cy="586550"/>
+          </a:xfrm>
+          <a:prstGeom prst="line">
+            <a:avLst/>
+          </a:prstGeom>
+          <a:ln w="47625">
+            <a:solidFill>
+              <a:srgbClr val="00B050"/>
+            </a:solidFill>
+          </a:ln>
+        </p:spPr>
+        <p:style>
+          <a:lnRef idx="1">
+            <a:schemeClr val="accent1"/>
+          </a:lnRef>
+          <a:fillRef idx="0">
+            <a:schemeClr val="accent1"/>
+          </a:fillRef>
+          <a:effectRef idx="0">
+            <a:schemeClr val="accent1"/>
+          </a:effectRef>
+          <a:fontRef idx="minor">
+            <a:schemeClr val="tx1"/>
+          </a:fontRef>
+        </p:style>
+      </p:cxnSp>
+      <p:cxnSp>
+        <p:nvCxnSpPr>
+          <p:cNvPr id="13" name="Straight Arrow Connector 12">
+            <a:extLst>
+              <a:ext uri="{FF2B5EF4-FFF2-40B4-BE49-F238E27FC236}">
+                <a16:creationId xmlns:a16="http://schemas.microsoft.com/office/drawing/2014/main" id="{E99DBED8-2DF0-974A-7AC6-1F00E1AF6E55}"/>
+              </a:ext>
+            </a:extLst>
+          </p:cNvPr>
+          <p:cNvCxnSpPr>
+            <a:cxnSpLocks/>
+          </p:cNvCxnSpPr>
+          <p:nvPr/>
+        </p:nvCxnSpPr>
+        <p:spPr>
+          <a:xfrm>
+            <a:off x="5119625" y="4832924"/>
+            <a:ext cx="1316686" cy="0"/>
+          </a:xfrm>
+          <a:prstGeom prst="straightConnector1">
+            <a:avLst/>
+          </a:prstGeom>
+          <a:ln w="57150">
+            <a:solidFill>
+              <a:srgbClr val="00B050"/>
+            </a:solidFill>
+            <a:tailEnd type="triangle"/>
+          </a:ln>
+        </p:spPr>
+        <p:style>
+          <a:lnRef idx="1">
+            <a:schemeClr val="accent1"/>
+          </a:lnRef>
+          <a:fillRef idx="0">
+            <a:schemeClr val="accent1"/>
+          </a:fillRef>
+          <a:effectRef idx="0">
+            <a:schemeClr val="accent1"/>
+          </a:effectRef>
+          <a:fontRef idx="minor">
+            <a:schemeClr val="tx1"/>
+          </a:fontRef>
+        </p:style>
+      </p:cxnSp>
+      <p:sp>
+        <p:nvSpPr>
+          <p:cNvPr id="16" name="TextBox 15">
+            <a:extLst>
+              <a:ext uri="{FF2B5EF4-FFF2-40B4-BE49-F238E27FC236}">
+                <a16:creationId xmlns:a16="http://schemas.microsoft.com/office/drawing/2014/main" id="{D8F4AC67-25DF-4C26-6191-70B4D09E2E5B}"/>
+              </a:ext>
+            </a:extLst>
+          </p:cNvPr>
+          <p:cNvSpPr txBox="1"/>
+          <p:nvPr/>
+        </p:nvSpPr>
+        <p:spPr>
+          <a:xfrm rot="5400000">
+            <a:off x="4919778" y="4206349"/>
+            <a:ext cx="775062" cy="784830"/>
+          </a:xfrm>
+          <a:prstGeom prst="rect">
+            <a:avLst/>
+          </a:prstGeom>
+          <a:noFill/>
+          <a:ln>
+            <a:noFill/>
+          </a:ln>
+        </p:spPr>
+        <p:txBody>
+          <a:bodyPr wrap="square" rtlCol="0">
+            <a:spAutoFit/>
+          </a:bodyPr>
+          <a:lstStyle/>
+          <a:p>
+            <a:r>
+              <a:rPr lang="en-US" sz="4500" dirty="0">
+                <a:solidFill>
+                  <a:srgbClr val="00B050"/>
+                </a:solidFill>
+              </a:rPr>
+              <a:t>…</a:t>
+            </a:r>
+          </a:p>
+        </p:txBody>
+      </p:sp>
     </p:spTree>
     <p:extLst>
       <p:ext uri="{BB962C8B-B14F-4D97-AF65-F5344CB8AC3E}">
@@ -39158,51 +40280,12 @@
           </a:p>
         </p:txBody>
       </p:sp>
-      <p:sp>
-        <p:nvSpPr>
-          <p:cNvPr id="12" name="TextBox 11">
+      <p:pic>
+        <p:nvPicPr>
+          <p:cNvPr id="11" name="Content Placeholder 18" descr="Top Chunk in LibC. Next to _malloc_hook.">
             <a:extLst>
               <a:ext uri="{FF2B5EF4-FFF2-40B4-BE49-F238E27FC236}">
-                <a16:creationId xmlns:a16="http://schemas.microsoft.com/office/drawing/2014/main" id="{B2AEDD40-7199-BD4C-BE0D-77E4077D742C}"/>
-              </a:ext>
-            </a:extLst>
-          </p:cNvPr>
-          <p:cNvSpPr txBox="1"/>
-          <p:nvPr/>
-        </p:nvSpPr>
-        <p:spPr>
-          <a:xfrm>
-            <a:off x="4772122" y="4263391"/>
-            <a:ext cx="764697" cy="369332"/>
-          </a:xfrm>
-          <a:prstGeom prst="rect">
-            <a:avLst/>
-          </a:prstGeom>
-          <a:noFill/>
-        </p:spPr>
-        <p:txBody>
-          <a:bodyPr wrap="none" rtlCol="0">
-            <a:spAutoFit/>
-          </a:bodyPr>
-          <a:lstStyle/>
-          <a:p>
-            <a:r>
-              <a:rPr lang="en-US" dirty="0">
-                <a:solidFill>
-                  <a:srgbClr val="FF0000"/>
-                </a:solidFill>
-              </a:rPr>
-              <a:t>Target</a:t>
-            </a:r>
-          </a:p>
-        </p:txBody>
-      </p:sp>
-      <p:pic>
-        <p:nvPicPr>
-          <p:cNvPr id="19" name="Content Placeholder 18" descr="Top Chunk in LibC. Next to _malloc_hook.">
-            <a:extLst>
-              <a:ext uri="{FF2B5EF4-FFF2-40B4-BE49-F238E27FC236}">
-                <a16:creationId xmlns:a16="http://schemas.microsoft.com/office/drawing/2014/main" id="{2EFD8AD9-0685-624B-9A6F-70CA7059A835}"/>
+                <a16:creationId xmlns:a16="http://schemas.microsoft.com/office/drawing/2014/main" id="{D8887576-CBC3-C93D-F9ED-CFB1D086A29C}"/>
               </a:ext>
             </a:extLst>
           </p:cNvPr>
@@ -39221,17 +40304,142 @@
         </p:blipFill>
         <p:spPr>
           <a:xfrm>
-            <a:off x="5490499" y="1195600"/>
+            <a:off x="6227346" y="1038395"/>
             <a:ext cx="2040792" cy="3437123"/>
           </a:xfrm>
         </p:spPr>
       </p:pic>
+      <p:sp>
+        <p:nvSpPr>
+          <p:cNvPr id="13" name="Rectangle 12">
+            <a:extLst>
+              <a:ext uri="{FF2B5EF4-FFF2-40B4-BE49-F238E27FC236}">
+                <a16:creationId xmlns:a16="http://schemas.microsoft.com/office/drawing/2014/main" id="{C5B81EEF-3693-8BA4-C60F-DD8F259D970C}"/>
+              </a:ext>
+            </a:extLst>
+          </p:cNvPr>
+          <p:cNvSpPr/>
+          <p:nvPr/>
+        </p:nvSpPr>
+        <p:spPr>
+          <a:xfrm>
+            <a:off x="7101506" y="3624682"/>
+            <a:ext cx="1261748" cy="369331"/>
+          </a:xfrm>
+          <a:prstGeom prst="rect">
+            <a:avLst/>
+          </a:prstGeom>
+          <a:ln>
+            <a:noFill/>
+          </a:ln>
+        </p:spPr>
+        <p:style>
+          <a:lnRef idx="2">
+            <a:schemeClr val="accent6"/>
+          </a:lnRef>
+          <a:fillRef idx="1">
+            <a:schemeClr val="lt1"/>
+          </a:fillRef>
+          <a:effectRef idx="0">
+            <a:schemeClr val="accent6"/>
+          </a:effectRef>
+          <a:fontRef idx="minor">
+            <a:schemeClr val="dk1"/>
+          </a:fontRef>
+        </p:style>
+        <p:txBody>
+          <a:bodyPr rtlCol="0" anchor="ctr"/>
+          <a:lstStyle/>
+          <a:p>
+            <a:pPr algn="ctr"/>
+            <a:endParaRPr lang="en-US"/>
+          </a:p>
+        </p:txBody>
+      </p:sp>
+      <p:sp>
+        <p:nvSpPr>
+          <p:cNvPr id="15" name="TextBox 14">
+            <a:extLst>
+              <a:ext uri="{FF2B5EF4-FFF2-40B4-BE49-F238E27FC236}">
+                <a16:creationId xmlns:a16="http://schemas.microsoft.com/office/drawing/2014/main" id="{DB8F8AAE-C6DE-E0BA-9886-D50FEEDBF382}"/>
+              </a:ext>
+            </a:extLst>
+          </p:cNvPr>
+          <p:cNvSpPr txBox="1"/>
+          <p:nvPr/>
+        </p:nvSpPr>
+        <p:spPr>
+          <a:xfrm>
+            <a:off x="5367533" y="3764662"/>
+            <a:ext cx="764697" cy="369332"/>
+          </a:xfrm>
+          <a:prstGeom prst="rect">
+            <a:avLst/>
+          </a:prstGeom>
+          <a:noFill/>
+        </p:spPr>
+        <p:txBody>
+          <a:bodyPr wrap="none" rtlCol="0">
+            <a:spAutoFit/>
+          </a:bodyPr>
+          <a:lstStyle/>
+          <a:p>
+            <a:r>
+              <a:rPr lang="en-US" dirty="0">
+                <a:solidFill>
+                  <a:srgbClr val="FF0000"/>
+                </a:solidFill>
+              </a:rPr>
+              <a:t>Target</a:t>
+            </a:r>
+          </a:p>
+        </p:txBody>
+      </p:sp>
+      <p:sp>
+        <p:nvSpPr>
+          <p:cNvPr id="16" name="TextBox 15">
+            <a:extLst>
+              <a:ext uri="{FF2B5EF4-FFF2-40B4-BE49-F238E27FC236}">
+                <a16:creationId xmlns:a16="http://schemas.microsoft.com/office/drawing/2014/main" id="{079D0BEB-38C8-5878-2362-F260EEFD9909}"/>
+              </a:ext>
+            </a:extLst>
+          </p:cNvPr>
+          <p:cNvSpPr txBox="1"/>
+          <p:nvPr/>
+        </p:nvSpPr>
+        <p:spPr>
+          <a:xfrm>
+            <a:off x="5205962" y="3252236"/>
+            <a:ext cx="1140377" cy="369332"/>
+          </a:xfrm>
+          <a:prstGeom prst="rect">
+            <a:avLst/>
+          </a:prstGeom>
+          <a:noFill/>
+        </p:spPr>
+        <p:txBody>
+          <a:bodyPr wrap="none" rtlCol="0">
+            <a:spAutoFit/>
+          </a:bodyPr>
+          <a:lstStyle/>
+          <a:p>
+            <a:r>
+              <a:rPr lang="en-US" dirty="0">
+                <a:solidFill>
+                  <a:srgbClr val="00B050"/>
+                </a:solidFill>
+              </a:rPr>
+              <a:t>Top chunk</a:t>
+            </a:r>
+          </a:p>
+        </p:txBody>
+      </p:sp>
       <p:cxnSp>
         <p:nvCxnSpPr>
-          <p:cNvPr id="6" name="Straight Arrow Connector 5">
+          <p:cNvPr id="17" name="Straight Connector 16">
             <a:extLst>
               <a:ext uri="{FF2B5EF4-FFF2-40B4-BE49-F238E27FC236}">
-                <a16:creationId xmlns:a16="http://schemas.microsoft.com/office/drawing/2014/main" id="{2F683981-7973-014A-8499-C1887CF91774}"/>
+                <a16:creationId xmlns:a16="http://schemas.microsoft.com/office/drawing/2014/main" id="{AAFC97F5-5E34-C9DA-8DBD-840599881CF9}"/>
               </a:ext>
             </a:extLst>
           </p:cNvPr>
@@ -39241,9 +40449,182 @@
           <p:nvPr/>
         </p:nvCxnSpPr>
         <p:spPr>
-          <a:xfrm flipH="1">
-            <a:off x="6318558" y="4105104"/>
-            <a:ext cx="601621" cy="0"/>
+          <a:xfrm>
+            <a:off x="5172100" y="3624683"/>
+            <a:ext cx="0" cy="586550"/>
+          </a:xfrm>
+          <a:prstGeom prst="line">
+            <a:avLst/>
+          </a:prstGeom>
+          <a:ln w="47625">
+            <a:solidFill>
+              <a:srgbClr val="00B050"/>
+            </a:solidFill>
+          </a:ln>
+        </p:spPr>
+        <p:style>
+          <a:lnRef idx="1">
+            <a:schemeClr val="accent1"/>
+          </a:lnRef>
+          <a:fillRef idx="0">
+            <a:schemeClr val="accent1"/>
+          </a:fillRef>
+          <a:effectRef idx="0">
+            <a:schemeClr val="accent1"/>
+          </a:effectRef>
+          <a:fontRef idx="minor">
+            <a:schemeClr val="tx1"/>
+          </a:fontRef>
+        </p:style>
+      </p:cxnSp>
+      <p:cxnSp>
+        <p:nvCxnSpPr>
+          <p:cNvPr id="18" name="Straight Arrow Connector 17">
+            <a:extLst>
+              <a:ext uri="{FF2B5EF4-FFF2-40B4-BE49-F238E27FC236}">
+                <a16:creationId xmlns:a16="http://schemas.microsoft.com/office/drawing/2014/main" id="{EDFEA3DD-9F18-73EC-1D40-03A1802C467C}"/>
+              </a:ext>
+            </a:extLst>
+          </p:cNvPr>
+          <p:cNvCxnSpPr>
+            <a:cxnSpLocks/>
+          </p:cNvCxnSpPr>
+          <p:nvPr/>
+        </p:nvCxnSpPr>
+        <p:spPr>
+          <a:xfrm>
+            <a:off x="5119625" y="4832924"/>
+            <a:ext cx="1316686" cy="0"/>
+          </a:xfrm>
+          <a:prstGeom prst="straightConnector1">
+            <a:avLst/>
+          </a:prstGeom>
+          <a:ln w="57150">
+            <a:solidFill>
+              <a:srgbClr val="00B050"/>
+            </a:solidFill>
+            <a:tailEnd type="triangle"/>
+          </a:ln>
+        </p:spPr>
+        <p:style>
+          <a:lnRef idx="1">
+            <a:schemeClr val="accent1"/>
+          </a:lnRef>
+          <a:fillRef idx="0">
+            <a:schemeClr val="accent1"/>
+          </a:fillRef>
+          <a:effectRef idx="0">
+            <a:schemeClr val="accent1"/>
+          </a:effectRef>
+          <a:fontRef idx="minor">
+            <a:schemeClr val="tx1"/>
+          </a:fontRef>
+        </p:style>
+      </p:cxnSp>
+      <p:sp>
+        <p:nvSpPr>
+          <p:cNvPr id="20" name="TextBox 19">
+            <a:extLst>
+              <a:ext uri="{FF2B5EF4-FFF2-40B4-BE49-F238E27FC236}">
+                <a16:creationId xmlns:a16="http://schemas.microsoft.com/office/drawing/2014/main" id="{ED8279E3-B0BF-C7CE-4126-C39C099F9407}"/>
+              </a:ext>
+            </a:extLst>
+          </p:cNvPr>
+          <p:cNvSpPr txBox="1"/>
+          <p:nvPr/>
+        </p:nvSpPr>
+        <p:spPr>
+          <a:xfrm rot="5400000">
+            <a:off x="4919778" y="4206349"/>
+            <a:ext cx="775062" cy="784830"/>
+          </a:xfrm>
+          <a:prstGeom prst="rect">
+            <a:avLst/>
+          </a:prstGeom>
+          <a:noFill/>
+          <a:ln>
+            <a:noFill/>
+          </a:ln>
+        </p:spPr>
+        <p:txBody>
+          <a:bodyPr wrap="square" rtlCol="0">
+            <a:spAutoFit/>
+          </a:bodyPr>
+          <a:lstStyle/>
+          <a:p>
+            <a:r>
+              <a:rPr lang="en-US" sz="4500" dirty="0">
+                <a:solidFill>
+                  <a:srgbClr val="00B050"/>
+                </a:solidFill>
+              </a:rPr>
+              <a:t>…</a:t>
+            </a:r>
+          </a:p>
+        </p:txBody>
+      </p:sp>
+      <p:cxnSp>
+        <p:nvCxnSpPr>
+          <p:cNvPr id="21" name="Straight Arrow Connector 20">
+            <a:extLst>
+              <a:ext uri="{FF2B5EF4-FFF2-40B4-BE49-F238E27FC236}">
+                <a16:creationId xmlns:a16="http://schemas.microsoft.com/office/drawing/2014/main" id="{ED358C35-23C9-DC0E-9794-1D67CD06F905}"/>
+              </a:ext>
+            </a:extLst>
+          </p:cNvPr>
+          <p:cNvCxnSpPr>
+            <a:cxnSpLocks/>
+          </p:cNvCxnSpPr>
+          <p:nvPr/>
+        </p:nvCxnSpPr>
+        <p:spPr>
+          <a:xfrm>
+            <a:off x="5172100" y="3621568"/>
+            <a:ext cx="1055246" cy="0"/>
+          </a:xfrm>
+          <a:prstGeom prst="straightConnector1">
+            <a:avLst/>
+          </a:prstGeom>
+          <a:ln w="57150">
+            <a:solidFill>
+              <a:srgbClr val="00B050"/>
+            </a:solidFill>
+            <a:tailEnd type="triangle"/>
+          </a:ln>
+        </p:spPr>
+        <p:style>
+          <a:lnRef idx="1">
+            <a:schemeClr val="accent1"/>
+          </a:lnRef>
+          <a:fillRef idx="0">
+            <a:schemeClr val="accent1"/>
+          </a:fillRef>
+          <a:effectRef idx="0">
+            <a:schemeClr val="accent1"/>
+          </a:effectRef>
+          <a:fontRef idx="minor">
+            <a:schemeClr val="tx1"/>
+          </a:fontRef>
+        </p:style>
+      </p:cxnSp>
+      <p:cxnSp>
+        <p:nvCxnSpPr>
+          <p:cNvPr id="22" name="Straight Arrow Connector 21">
+            <a:extLst>
+              <a:ext uri="{FF2B5EF4-FFF2-40B4-BE49-F238E27FC236}">
+                <a16:creationId xmlns:a16="http://schemas.microsoft.com/office/drawing/2014/main" id="{193279F7-646E-D376-339B-116B7629EBBC}"/>
+              </a:ext>
+            </a:extLst>
+          </p:cNvPr>
+          <p:cNvCxnSpPr>
+            <a:cxnSpLocks/>
+          </p:cNvCxnSpPr>
+          <p:nvPr/>
+        </p:nvCxnSpPr>
+        <p:spPr>
+          <a:xfrm>
+            <a:off x="5367533" y="4122116"/>
+            <a:ext cx="859813" cy="0"/>
           </a:xfrm>
           <a:prstGeom prst="straightConnector1">
             <a:avLst/>
@@ -39428,6 +40809,306 @@
           </a:xfrm>
         </p:spPr>
       </p:pic>
+      <p:sp>
+        <p:nvSpPr>
+          <p:cNvPr id="5" name="Rectangle 4">
+            <a:extLst>
+              <a:ext uri="{FF2B5EF4-FFF2-40B4-BE49-F238E27FC236}">
+                <a16:creationId xmlns:a16="http://schemas.microsoft.com/office/drawing/2014/main" id="{32892FC7-6D50-8842-E5B2-4E7AE92DB83E}"/>
+              </a:ext>
+            </a:extLst>
+          </p:cNvPr>
+          <p:cNvSpPr/>
+          <p:nvPr/>
+        </p:nvSpPr>
+        <p:spPr>
+          <a:xfrm>
+            <a:off x="6986096" y="3917645"/>
+            <a:ext cx="1261748" cy="369331"/>
+          </a:xfrm>
+          <a:prstGeom prst="rect">
+            <a:avLst/>
+          </a:prstGeom>
+          <a:ln>
+            <a:noFill/>
+          </a:ln>
+        </p:spPr>
+        <p:style>
+          <a:lnRef idx="2">
+            <a:schemeClr val="accent6"/>
+          </a:lnRef>
+          <a:fillRef idx="1">
+            <a:schemeClr val="lt1"/>
+          </a:fillRef>
+          <a:effectRef idx="0">
+            <a:schemeClr val="accent6"/>
+          </a:effectRef>
+          <a:fontRef idx="minor">
+            <a:schemeClr val="dk1"/>
+          </a:fontRef>
+        </p:style>
+        <p:txBody>
+          <a:bodyPr rtlCol="0" anchor="ctr"/>
+          <a:lstStyle/>
+          <a:p>
+            <a:pPr algn="ctr"/>
+            <a:endParaRPr lang="en-US"/>
+          </a:p>
+        </p:txBody>
+      </p:sp>
+      <p:sp>
+        <p:nvSpPr>
+          <p:cNvPr id="7" name="TextBox 6">
+            <a:extLst>
+              <a:ext uri="{FF2B5EF4-FFF2-40B4-BE49-F238E27FC236}">
+                <a16:creationId xmlns:a16="http://schemas.microsoft.com/office/drawing/2014/main" id="{0D8B6904-1937-5632-E91F-1991DEF8F2E4}"/>
+              </a:ext>
+            </a:extLst>
+          </p:cNvPr>
+          <p:cNvSpPr txBox="1"/>
+          <p:nvPr/>
+        </p:nvSpPr>
+        <p:spPr>
+          <a:xfrm>
+            <a:off x="4587115" y="3000971"/>
+            <a:ext cx="764697" cy="369332"/>
+          </a:xfrm>
+          <a:prstGeom prst="rect">
+            <a:avLst/>
+          </a:prstGeom>
+          <a:noFill/>
+        </p:spPr>
+        <p:txBody>
+          <a:bodyPr wrap="none" rtlCol="0">
+            <a:spAutoFit/>
+          </a:bodyPr>
+          <a:lstStyle/>
+          <a:p>
+            <a:r>
+              <a:rPr lang="en-US" dirty="0">
+                <a:solidFill>
+                  <a:srgbClr val="FF0000"/>
+                </a:solidFill>
+              </a:rPr>
+              <a:t>Target</a:t>
+            </a:r>
+          </a:p>
+        </p:txBody>
+      </p:sp>
+      <p:sp>
+        <p:nvSpPr>
+          <p:cNvPr id="8" name="TextBox 7">
+            <a:extLst>
+              <a:ext uri="{FF2B5EF4-FFF2-40B4-BE49-F238E27FC236}">
+                <a16:creationId xmlns:a16="http://schemas.microsoft.com/office/drawing/2014/main" id="{DDFD028C-D026-43B9-83B6-E4830E665D68}"/>
+              </a:ext>
+            </a:extLst>
+          </p:cNvPr>
+          <p:cNvSpPr txBox="1"/>
+          <p:nvPr/>
+        </p:nvSpPr>
+        <p:spPr>
+          <a:xfrm>
+            <a:off x="4486869" y="4045743"/>
+            <a:ext cx="1140377" cy="369332"/>
+          </a:xfrm>
+          <a:prstGeom prst="rect">
+            <a:avLst/>
+          </a:prstGeom>
+          <a:noFill/>
+        </p:spPr>
+        <p:txBody>
+          <a:bodyPr wrap="none" rtlCol="0">
+            <a:spAutoFit/>
+          </a:bodyPr>
+          <a:lstStyle/>
+          <a:p>
+            <a:r>
+              <a:rPr lang="en-US" dirty="0">
+                <a:solidFill>
+                  <a:srgbClr val="00B050"/>
+                </a:solidFill>
+              </a:rPr>
+              <a:t>Top chunk</a:t>
+            </a:r>
+          </a:p>
+        </p:txBody>
+      </p:sp>
+      <p:cxnSp>
+        <p:nvCxnSpPr>
+          <p:cNvPr id="9" name="Straight Connector 8">
+            <a:extLst>
+              <a:ext uri="{FF2B5EF4-FFF2-40B4-BE49-F238E27FC236}">
+                <a16:creationId xmlns:a16="http://schemas.microsoft.com/office/drawing/2014/main" id="{9D14A04B-278E-4330-4224-73F178673165}"/>
+              </a:ext>
+            </a:extLst>
+          </p:cNvPr>
+          <p:cNvCxnSpPr>
+            <a:cxnSpLocks/>
+          </p:cNvCxnSpPr>
+          <p:nvPr/>
+        </p:nvCxnSpPr>
+        <p:spPr>
+          <a:xfrm>
+            <a:off x="4589707" y="4380892"/>
+            <a:ext cx="0" cy="586550"/>
+          </a:xfrm>
+          <a:prstGeom prst="line">
+            <a:avLst/>
+          </a:prstGeom>
+          <a:ln w="47625">
+            <a:solidFill>
+              <a:srgbClr val="00B050"/>
+            </a:solidFill>
+          </a:ln>
+        </p:spPr>
+        <p:style>
+          <a:lnRef idx="1">
+            <a:schemeClr val="accent1"/>
+          </a:lnRef>
+          <a:fillRef idx="0">
+            <a:schemeClr val="accent1"/>
+          </a:fillRef>
+          <a:effectRef idx="0">
+            <a:schemeClr val="accent1"/>
+          </a:effectRef>
+          <a:fontRef idx="minor">
+            <a:schemeClr val="tx1"/>
+          </a:fontRef>
+        </p:style>
+      </p:cxnSp>
+      <p:cxnSp>
+        <p:nvCxnSpPr>
+          <p:cNvPr id="10" name="Straight Arrow Connector 9">
+            <a:extLst>
+              <a:ext uri="{FF2B5EF4-FFF2-40B4-BE49-F238E27FC236}">
+                <a16:creationId xmlns:a16="http://schemas.microsoft.com/office/drawing/2014/main" id="{B4A7C272-C8AC-E67D-3EBC-B804E0346529}"/>
+              </a:ext>
+            </a:extLst>
+          </p:cNvPr>
+          <p:cNvCxnSpPr>
+            <a:cxnSpLocks/>
+          </p:cNvCxnSpPr>
+          <p:nvPr/>
+        </p:nvCxnSpPr>
+        <p:spPr>
+          <a:xfrm>
+            <a:off x="4587115" y="4967442"/>
+            <a:ext cx="1103471" cy="0"/>
+          </a:xfrm>
+          <a:prstGeom prst="straightConnector1">
+            <a:avLst/>
+          </a:prstGeom>
+          <a:ln w="57150">
+            <a:solidFill>
+              <a:srgbClr val="00B050"/>
+            </a:solidFill>
+            <a:tailEnd type="triangle"/>
+          </a:ln>
+        </p:spPr>
+        <p:style>
+          <a:lnRef idx="1">
+            <a:schemeClr val="accent1"/>
+          </a:lnRef>
+          <a:fillRef idx="0">
+            <a:schemeClr val="accent1"/>
+          </a:fillRef>
+          <a:effectRef idx="0">
+            <a:schemeClr val="accent1"/>
+          </a:effectRef>
+          <a:fontRef idx="minor">
+            <a:schemeClr val="tx1"/>
+          </a:fontRef>
+        </p:style>
+      </p:cxnSp>
+      <p:cxnSp>
+        <p:nvCxnSpPr>
+          <p:cNvPr id="12" name="Straight Arrow Connector 11">
+            <a:extLst>
+              <a:ext uri="{FF2B5EF4-FFF2-40B4-BE49-F238E27FC236}">
+                <a16:creationId xmlns:a16="http://schemas.microsoft.com/office/drawing/2014/main" id="{1F7F5369-8C7F-B1CB-AC6F-08A66D81F96B}"/>
+              </a:ext>
+            </a:extLst>
+          </p:cNvPr>
+          <p:cNvCxnSpPr>
+            <a:cxnSpLocks/>
+          </p:cNvCxnSpPr>
+          <p:nvPr/>
+        </p:nvCxnSpPr>
+        <p:spPr>
+          <a:xfrm>
+            <a:off x="4572000" y="4380892"/>
+            <a:ext cx="1055246" cy="0"/>
+          </a:xfrm>
+          <a:prstGeom prst="straightConnector1">
+            <a:avLst/>
+          </a:prstGeom>
+          <a:ln w="57150">
+            <a:solidFill>
+              <a:srgbClr val="00B050"/>
+            </a:solidFill>
+            <a:tailEnd type="triangle"/>
+          </a:ln>
+        </p:spPr>
+        <p:style>
+          <a:lnRef idx="1">
+            <a:schemeClr val="accent1"/>
+          </a:lnRef>
+          <a:fillRef idx="0">
+            <a:schemeClr val="accent1"/>
+          </a:fillRef>
+          <a:effectRef idx="0">
+            <a:schemeClr val="accent1"/>
+          </a:effectRef>
+          <a:fontRef idx="minor">
+            <a:schemeClr val="tx1"/>
+          </a:fontRef>
+        </p:style>
+      </p:cxnSp>
+      <p:cxnSp>
+        <p:nvCxnSpPr>
+          <p:cNvPr id="13" name="Straight Arrow Connector 12">
+            <a:extLst>
+              <a:ext uri="{FF2B5EF4-FFF2-40B4-BE49-F238E27FC236}">
+                <a16:creationId xmlns:a16="http://schemas.microsoft.com/office/drawing/2014/main" id="{C867C075-D169-4A0C-8BB0-0214F11A94F3}"/>
+              </a:ext>
+            </a:extLst>
+          </p:cNvPr>
+          <p:cNvCxnSpPr>
+            <a:cxnSpLocks/>
+          </p:cNvCxnSpPr>
+          <p:nvPr/>
+        </p:nvCxnSpPr>
+        <p:spPr>
+          <a:xfrm>
+            <a:off x="4533849" y="3389991"/>
+            <a:ext cx="859813" cy="0"/>
+          </a:xfrm>
+          <a:prstGeom prst="straightConnector1">
+            <a:avLst/>
+          </a:prstGeom>
+          <a:ln w="57150">
+            <a:solidFill>
+              <a:srgbClr val="FF0000"/>
+            </a:solidFill>
+            <a:tailEnd type="triangle"/>
+          </a:ln>
+        </p:spPr>
+        <p:style>
+          <a:lnRef idx="1">
+            <a:schemeClr val="accent1"/>
+          </a:lnRef>
+          <a:fillRef idx="0">
+            <a:schemeClr val="accent1"/>
+          </a:fillRef>
+          <a:effectRef idx="0">
+            <a:schemeClr val="accent1"/>
+          </a:effectRef>
+          <a:fontRef idx="minor">
+            <a:schemeClr val="tx1"/>
+          </a:fontRef>
+        </p:style>
+      </p:cxnSp>
     </p:spTree>
     <p:extLst>
       <p:ext uri="{BB962C8B-B14F-4D97-AF65-F5344CB8AC3E}">
@@ -39893,6 +41574,259 @@
           </a:xfrm>
         </p:spPr>
       </p:pic>
+      <p:sp>
+        <p:nvSpPr>
+          <p:cNvPr id="5" name="TextBox 4">
+            <a:extLst>
+              <a:ext uri="{FF2B5EF4-FFF2-40B4-BE49-F238E27FC236}">
+                <a16:creationId xmlns:a16="http://schemas.microsoft.com/office/drawing/2014/main" id="{292D31A2-2556-2327-1E1A-D15339F0FD6A}"/>
+              </a:ext>
+            </a:extLst>
+          </p:cNvPr>
+          <p:cNvSpPr txBox="1"/>
+          <p:nvPr/>
+        </p:nvSpPr>
+        <p:spPr>
+          <a:xfrm>
+            <a:off x="4705313" y="3096775"/>
+            <a:ext cx="764697" cy="369332"/>
+          </a:xfrm>
+          <a:prstGeom prst="rect">
+            <a:avLst/>
+          </a:prstGeom>
+          <a:noFill/>
+        </p:spPr>
+        <p:txBody>
+          <a:bodyPr wrap="none" rtlCol="0">
+            <a:spAutoFit/>
+          </a:bodyPr>
+          <a:lstStyle/>
+          <a:p>
+            <a:r>
+              <a:rPr lang="en-US" dirty="0">
+                <a:solidFill>
+                  <a:srgbClr val="FF0000"/>
+                </a:solidFill>
+              </a:rPr>
+              <a:t>Target</a:t>
+            </a:r>
+          </a:p>
+        </p:txBody>
+      </p:sp>
+      <p:sp>
+        <p:nvSpPr>
+          <p:cNvPr id="6" name="TextBox 5">
+            <a:extLst>
+              <a:ext uri="{FF2B5EF4-FFF2-40B4-BE49-F238E27FC236}">
+                <a16:creationId xmlns:a16="http://schemas.microsoft.com/office/drawing/2014/main" id="{9EADF226-40B4-3FA8-9F54-1565B80467D0}"/>
+              </a:ext>
+            </a:extLst>
+          </p:cNvPr>
+          <p:cNvSpPr txBox="1"/>
+          <p:nvPr/>
+        </p:nvSpPr>
+        <p:spPr>
+          <a:xfrm>
+            <a:off x="4605067" y="4141547"/>
+            <a:ext cx="1140377" cy="369332"/>
+          </a:xfrm>
+          <a:prstGeom prst="rect">
+            <a:avLst/>
+          </a:prstGeom>
+          <a:noFill/>
+        </p:spPr>
+        <p:txBody>
+          <a:bodyPr wrap="none" rtlCol="0">
+            <a:spAutoFit/>
+          </a:bodyPr>
+          <a:lstStyle/>
+          <a:p>
+            <a:r>
+              <a:rPr lang="en-US" dirty="0">
+                <a:solidFill>
+                  <a:srgbClr val="00B050"/>
+                </a:solidFill>
+              </a:rPr>
+              <a:t>Top chunk</a:t>
+            </a:r>
+          </a:p>
+        </p:txBody>
+      </p:sp>
+      <p:cxnSp>
+        <p:nvCxnSpPr>
+          <p:cNvPr id="8" name="Straight Connector 7">
+            <a:extLst>
+              <a:ext uri="{FF2B5EF4-FFF2-40B4-BE49-F238E27FC236}">
+                <a16:creationId xmlns:a16="http://schemas.microsoft.com/office/drawing/2014/main" id="{D0FF9DDF-FFB0-9918-A28B-3379468B2A3F}"/>
+              </a:ext>
+            </a:extLst>
+          </p:cNvPr>
+          <p:cNvCxnSpPr>
+            <a:cxnSpLocks/>
+          </p:cNvCxnSpPr>
+          <p:nvPr/>
+        </p:nvCxnSpPr>
+        <p:spPr>
+          <a:xfrm>
+            <a:off x="4707905" y="4476696"/>
+            <a:ext cx="0" cy="586550"/>
+          </a:xfrm>
+          <a:prstGeom prst="line">
+            <a:avLst/>
+          </a:prstGeom>
+          <a:ln w="47625">
+            <a:solidFill>
+              <a:srgbClr val="00B050"/>
+            </a:solidFill>
+          </a:ln>
+        </p:spPr>
+        <p:style>
+          <a:lnRef idx="1">
+            <a:schemeClr val="accent1"/>
+          </a:lnRef>
+          <a:fillRef idx="0">
+            <a:schemeClr val="accent1"/>
+          </a:fillRef>
+          <a:effectRef idx="0">
+            <a:schemeClr val="accent1"/>
+          </a:effectRef>
+          <a:fontRef idx="minor">
+            <a:schemeClr val="tx1"/>
+          </a:fontRef>
+        </p:style>
+      </p:cxnSp>
+      <p:cxnSp>
+        <p:nvCxnSpPr>
+          <p:cNvPr id="9" name="Straight Arrow Connector 8">
+            <a:extLst>
+              <a:ext uri="{FF2B5EF4-FFF2-40B4-BE49-F238E27FC236}">
+                <a16:creationId xmlns:a16="http://schemas.microsoft.com/office/drawing/2014/main" id="{AC53D3BF-9EC5-B5C7-A5AA-217468B1B8B0}"/>
+              </a:ext>
+            </a:extLst>
+          </p:cNvPr>
+          <p:cNvCxnSpPr>
+            <a:cxnSpLocks/>
+          </p:cNvCxnSpPr>
+          <p:nvPr/>
+        </p:nvCxnSpPr>
+        <p:spPr>
+          <a:xfrm>
+            <a:off x="4705313" y="5063246"/>
+            <a:ext cx="1103471" cy="0"/>
+          </a:xfrm>
+          <a:prstGeom prst="straightConnector1">
+            <a:avLst/>
+          </a:prstGeom>
+          <a:ln w="57150">
+            <a:solidFill>
+              <a:srgbClr val="00B050"/>
+            </a:solidFill>
+            <a:tailEnd type="triangle"/>
+          </a:ln>
+        </p:spPr>
+        <p:style>
+          <a:lnRef idx="1">
+            <a:schemeClr val="accent1"/>
+          </a:lnRef>
+          <a:fillRef idx="0">
+            <a:schemeClr val="accent1"/>
+          </a:fillRef>
+          <a:effectRef idx="0">
+            <a:schemeClr val="accent1"/>
+          </a:effectRef>
+          <a:fontRef idx="minor">
+            <a:schemeClr val="tx1"/>
+          </a:fontRef>
+        </p:style>
+      </p:cxnSp>
+      <p:cxnSp>
+        <p:nvCxnSpPr>
+          <p:cNvPr id="10" name="Straight Arrow Connector 9">
+            <a:extLst>
+              <a:ext uri="{FF2B5EF4-FFF2-40B4-BE49-F238E27FC236}">
+                <a16:creationId xmlns:a16="http://schemas.microsoft.com/office/drawing/2014/main" id="{61A77BE9-6B81-32F5-58FC-F29B62CE0012}"/>
+              </a:ext>
+            </a:extLst>
+          </p:cNvPr>
+          <p:cNvCxnSpPr>
+            <a:cxnSpLocks/>
+          </p:cNvCxnSpPr>
+          <p:nvPr/>
+        </p:nvCxnSpPr>
+        <p:spPr>
+          <a:xfrm>
+            <a:off x="4690198" y="4476696"/>
+            <a:ext cx="1055246" cy="0"/>
+          </a:xfrm>
+          <a:prstGeom prst="straightConnector1">
+            <a:avLst/>
+          </a:prstGeom>
+          <a:ln w="57150">
+            <a:solidFill>
+              <a:srgbClr val="00B050"/>
+            </a:solidFill>
+            <a:tailEnd type="triangle"/>
+          </a:ln>
+        </p:spPr>
+        <p:style>
+          <a:lnRef idx="1">
+            <a:schemeClr val="accent1"/>
+          </a:lnRef>
+          <a:fillRef idx="0">
+            <a:schemeClr val="accent1"/>
+          </a:fillRef>
+          <a:effectRef idx="0">
+            <a:schemeClr val="accent1"/>
+          </a:effectRef>
+          <a:fontRef idx="minor">
+            <a:schemeClr val="tx1"/>
+          </a:fontRef>
+        </p:style>
+      </p:cxnSp>
+      <p:cxnSp>
+        <p:nvCxnSpPr>
+          <p:cNvPr id="11" name="Straight Arrow Connector 10">
+            <a:extLst>
+              <a:ext uri="{FF2B5EF4-FFF2-40B4-BE49-F238E27FC236}">
+                <a16:creationId xmlns:a16="http://schemas.microsoft.com/office/drawing/2014/main" id="{9FDD3B38-5C42-8A76-8D85-899AA1DF809A}"/>
+              </a:ext>
+            </a:extLst>
+          </p:cNvPr>
+          <p:cNvCxnSpPr>
+            <a:cxnSpLocks/>
+          </p:cNvCxnSpPr>
+          <p:nvPr/>
+        </p:nvCxnSpPr>
+        <p:spPr>
+          <a:xfrm>
+            <a:off x="4885631" y="3466107"/>
+            <a:ext cx="859813" cy="0"/>
+          </a:xfrm>
+          <a:prstGeom prst="straightConnector1">
+            <a:avLst/>
+          </a:prstGeom>
+          <a:ln w="57150">
+            <a:solidFill>
+              <a:srgbClr val="FF0000"/>
+            </a:solidFill>
+            <a:tailEnd type="triangle"/>
+          </a:ln>
+        </p:spPr>
+        <p:style>
+          <a:lnRef idx="1">
+            <a:schemeClr val="accent1"/>
+          </a:lnRef>
+          <a:fillRef idx="0">
+            <a:schemeClr val="accent1"/>
+          </a:fillRef>
+          <a:effectRef idx="0">
+            <a:schemeClr val="accent1"/>
+          </a:effectRef>
+          <a:fontRef idx="minor">
+            <a:schemeClr val="tx1"/>
+          </a:fontRef>
+        </p:style>
+      </p:cxnSp>
     </p:spTree>
     <p:extLst>
       <p:ext uri="{BB962C8B-B14F-4D97-AF65-F5344CB8AC3E}">
@@ -41324,7 +43258,7 @@
             </a:r>
             <a:r>
               <a:rPr lang="en-US" dirty="0" err="1"/>
-              <a:t>shinning_moment</a:t>
+              <a:t>shining_moment</a:t>
             </a:r>
             <a:endParaRPr lang="en-US" dirty="0"/>
           </a:p>
@@ -44730,84 +46664,6 @@
       </p:sp>
       <p:sp>
         <p:nvSpPr>
-          <p:cNvPr id="5" name="TextBox 4">
-            <a:extLst>
-              <a:ext uri="{FF2B5EF4-FFF2-40B4-BE49-F238E27FC236}">
-                <a16:creationId xmlns:a16="http://schemas.microsoft.com/office/drawing/2014/main" id="{4C7C884E-6ABB-784E-AE1F-BFA092341188}"/>
-              </a:ext>
-            </a:extLst>
-          </p:cNvPr>
-          <p:cNvSpPr txBox="1"/>
-          <p:nvPr/>
-        </p:nvSpPr>
-        <p:spPr>
-          <a:xfrm>
-            <a:off x="4763299" y="4238440"/>
-            <a:ext cx="764697" cy="369332"/>
-          </a:xfrm>
-          <a:prstGeom prst="rect">
-            <a:avLst/>
-          </a:prstGeom>
-          <a:noFill/>
-        </p:spPr>
-        <p:txBody>
-          <a:bodyPr wrap="none" rtlCol="0">
-            <a:spAutoFit/>
-          </a:bodyPr>
-          <a:lstStyle/>
-          <a:p>
-            <a:r>
-              <a:rPr lang="en-US" dirty="0">
-                <a:solidFill>
-                  <a:srgbClr val="FF0000"/>
-                </a:solidFill>
-              </a:rPr>
-              <a:t>Target</a:t>
-            </a:r>
-          </a:p>
-        </p:txBody>
-      </p:sp>
-      <p:sp>
-        <p:nvSpPr>
-          <p:cNvPr id="10" name="TextBox 9">
-            <a:extLst>
-              <a:ext uri="{FF2B5EF4-FFF2-40B4-BE49-F238E27FC236}">
-                <a16:creationId xmlns:a16="http://schemas.microsoft.com/office/drawing/2014/main" id="{40BCDF86-9004-DB4A-826E-6B9583576F66}"/>
-              </a:ext>
-            </a:extLst>
-          </p:cNvPr>
-          <p:cNvSpPr txBox="1"/>
-          <p:nvPr/>
-        </p:nvSpPr>
-        <p:spPr>
-          <a:xfrm>
-            <a:off x="4498182" y="1878808"/>
-            <a:ext cx="1140377" cy="369332"/>
-          </a:xfrm>
-          <a:prstGeom prst="rect">
-            <a:avLst/>
-          </a:prstGeom>
-          <a:noFill/>
-        </p:spPr>
-        <p:txBody>
-          <a:bodyPr wrap="none" rtlCol="0">
-            <a:spAutoFit/>
-          </a:bodyPr>
-          <a:lstStyle/>
-          <a:p>
-            <a:r>
-              <a:rPr lang="en-US" dirty="0">
-                <a:solidFill>
-                  <a:srgbClr val="00B050"/>
-                </a:solidFill>
-              </a:rPr>
-              <a:t>Top chunk</a:t>
-            </a:r>
-          </a:p>
-        </p:txBody>
-      </p:sp>
-      <p:sp>
-        <p:nvSpPr>
           <p:cNvPr id="12" name="Content Placeholder 2">
             <a:extLst>
               <a:ext uri="{FF2B5EF4-FFF2-40B4-BE49-F238E27FC236}">
@@ -45212,12 +47068,86 @@
           </a:p>
         </p:txBody>
       </p:sp>
+      <p:sp>
+        <p:nvSpPr>
+          <p:cNvPr id="16" name="Title 1">
+            <a:extLst>
+              <a:ext uri="{FF2B5EF4-FFF2-40B4-BE49-F238E27FC236}">
+                <a16:creationId xmlns:a16="http://schemas.microsoft.com/office/drawing/2014/main" id="{51C0B0D2-9E2E-9148-9A99-65DA742546AA}"/>
+              </a:ext>
+            </a:extLst>
+          </p:cNvPr>
+          <p:cNvSpPr>
+            <a:spLocks noGrp="1"/>
+          </p:cNvSpPr>
+          <p:nvPr>
+            <p:ph type="title"/>
+          </p:nvPr>
+        </p:nvSpPr>
+        <p:spPr>
+          <a:xfrm>
+            <a:off x="629840" y="273847"/>
+            <a:ext cx="8305153" cy="994172"/>
+          </a:xfrm>
+        </p:spPr>
+        <p:txBody>
+          <a:bodyPr anchor="ctr">
+            <a:normAutofit fontScale="90000"/>
+          </a:bodyPr>
+          <a:lstStyle/>
+          <a:p>
+            <a:r>
+              <a:rPr lang="en-US" dirty="0"/>
+              <a:t>Solution - Allocate Close to Target </a:t>
+            </a:r>
+          </a:p>
+        </p:txBody>
+      </p:sp>
+      <p:sp>
+        <p:nvSpPr>
+          <p:cNvPr id="15" name="TextBox 14">
+            <a:extLst>
+              <a:ext uri="{FF2B5EF4-FFF2-40B4-BE49-F238E27FC236}">
+                <a16:creationId xmlns:a16="http://schemas.microsoft.com/office/drawing/2014/main" id="{FE8835CB-7A7F-A55A-47D6-570273EB907F}"/>
+              </a:ext>
+            </a:extLst>
+          </p:cNvPr>
+          <p:cNvSpPr txBox="1"/>
+          <p:nvPr/>
+        </p:nvSpPr>
+        <p:spPr>
+          <a:xfrm>
+            <a:off x="4760065" y="4212015"/>
+            <a:ext cx="764697" cy="369332"/>
+          </a:xfrm>
+          <a:prstGeom prst="rect">
+            <a:avLst/>
+          </a:prstGeom>
+          <a:noFill/>
+        </p:spPr>
+        <p:txBody>
+          <a:bodyPr wrap="none" rtlCol="0">
+            <a:spAutoFit/>
+          </a:bodyPr>
+          <a:lstStyle/>
+          <a:p>
+            <a:r>
+              <a:rPr lang="en-US" dirty="0">
+                <a:solidFill>
+                  <a:srgbClr val="FF0000"/>
+                </a:solidFill>
+              </a:rPr>
+              <a:t>Target</a:t>
+            </a:r>
+          </a:p>
+        </p:txBody>
+      </p:sp>
       <p:cxnSp>
         <p:nvCxnSpPr>
-          <p:cNvPr id="9" name="Straight Arrow Connector 8">
+          <p:cNvPr id="17" name="Straight Arrow Connector 16">
             <a:extLst>
               <a:ext uri="{FF2B5EF4-FFF2-40B4-BE49-F238E27FC236}">
-                <a16:creationId xmlns:a16="http://schemas.microsoft.com/office/drawing/2014/main" id="{215FD9D3-2B2C-AE45-9F88-74B1198F9211}"/>
+                <a16:creationId xmlns:a16="http://schemas.microsoft.com/office/drawing/2014/main" id="{01D5BE0B-1609-2616-E59B-2A1B6326CE0A}"/>
               </a:ext>
             </a:extLst>
           </p:cNvPr>
@@ -45228,15 +47158,15 @@
         </p:nvCxnSpPr>
         <p:spPr>
           <a:xfrm>
-            <a:off x="4499478" y="1907111"/>
-            <a:ext cx="719601" cy="0"/>
+            <a:off x="4502487" y="1872225"/>
+            <a:ext cx="916114" cy="0"/>
           </a:xfrm>
           <a:prstGeom prst="straightConnector1">
             <a:avLst/>
           </a:prstGeom>
           <a:ln w="57150">
             <a:solidFill>
-              <a:srgbClr val="FF0000"/>
+              <a:srgbClr val="00B050"/>
             </a:solidFill>
             <a:tailEnd type="triangle"/>
           </a:ln>
@@ -45258,10 +47188,10 @@
       </p:cxnSp>
       <p:cxnSp>
         <p:nvCxnSpPr>
-          <p:cNvPr id="11" name="Straight Connector 10">
+          <p:cNvPr id="18" name="Straight Connector 17">
             <a:extLst>
               <a:ext uri="{FF2B5EF4-FFF2-40B4-BE49-F238E27FC236}">
-                <a16:creationId xmlns:a16="http://schemas.microsoft.com/office/drawing/2014/main" id="{3EE0DCF6-428D-9C41-BA15-1773F0667DB5}"/>
+                <a16:creationId xmlns:a16="http://schemas.microsoft.com/office/drawing/2014/main" id="{E6793E3A-6C53-479D-4CEE-A85897993876}"/>
               </a:ext>
             </a:extLst>
           </p:cNvPr>
@@ -45271,16 +47201,16 @@
           <p:nvPr/>
         </p:nvCxnSpPr>
         <p:spPr>
-          <a:xfrm flipH="1">
-            <a:off x="4498182" y="1878807"/>
-            <a:ext cx="2590" cy="2720309"/>
+          <a:xfrm>
+            <a:off x="4480707" y="1852383"/>
+            <a:ext cx="0" cy="2596165"/>
           </a:xfrm>
           <a:prstGeom prst="line">
             <a:avLst/>
           </a:prstGeom>
           <a:ln w="47625">
             <a:solidFill>
-              <a:srgbClr val="FF0000"/>
+              <a:srgbClr val="00B050"/>
             </a:solidFill>
           </a:ln>
         </p:spPr>
@@ -45301,10 +47231,10 @@
       </p:cxnSp>
       <p:cxnSp>
         <p:nvCxnSpPr>
-          <p:cNvPr id="14" name="Straight Arrow Connector 13">
+          <p:cNvPr id="19" name="Straight Arrow Connector 18">
             <a:extLst>
               <a:ext uri="{FF2B5EF4-FFF2-40B4-BE49-F238E27FC236}">
-                <a16:creationId xmlns:a16="http://schemas.microsoft.com/office/drawing/2014/main" id="{741CAC1E-C178-2845-9B64-40F2348ECE51}"/>
+                <a16:creationId xmlns:a16="http://schemas.microsoft.com/office/drawing/2014/main" id="{7A615DFC-96F1-463C-CAA9-14A3BA610B97}"/>
               </a:ext>
             </a:extLst>
           </p:cNvPr>
@@ -45315,8 +47245,94 @@
         </p:nvCxnSpPr>
         <p:spPr>
           <a:xfrm>
-            <a:off x="4498182" y="4599116"/>
+            <a:off x="4422812" y="4955858"/>
             <a:ext cx="719601" cy="0"/>
+          </a:xfrm>
+          <a:prstGeom prst="straightConnector1">
+            <a:avLst/>
+          </a:prstGeom>
+          <a:ln w="57150">
+            <a:solidFill>
+              <a:srgbClr val="00B050"/>
+            </a:solidFill>
+            <a:tailEnd type="triangle"/>
+          </a:ln>
+        </p:spPr>
+        <p:style>
+          <a:lnRef idx="1">
+            <a:schemeClr val="accent1"/>
+          </a:lnRef>
+          <a:fillRef idx="0">
+            <a:schemeClr val="accent1"/>
+          </a:fillRef>
+          <a:effectRef idx="0">
+            <a:schemeClr val="accent1"/>
+          </a:effectRef>
+          <a:fontRef idx="minor">
+            <a:schemeClr val="tx1"/>
+          </a:fontRef>
+        </p:style>
+      </p:cxnSp>
+      <p:sp>
+        <p:nvSpPr>
+          <p:cNvPr id="20" name="TextBox 19">
+            <a:extLst>
+              <a:ext uri="{FF2B5EF4-FFF2-40B4-BE49-F238E27FC236}">
+                <a16:creationId xmlns:a16="http://schemas.microsoft.com/office/drawing/2014/main" id="{4BF04F9B-3633-F9D5-F3C2-496E0C7042DD}"/>
+              </a:ext>
+            </a:extLst>
+          </p:cNvPr>
+          <p:cNvSpPr txBox="1"/>
+          <p:nvPr/>
+        </p:nvSpPr>
+        <p:spPr>
+          <a:xfrm rot="5400000">
+            <a:off x="4231825" y="4411278"/>
+            <a:ext cx="775062" cy="784830"/>
+          </a:xfrm>
+          <a:prstGeom prst="rect">
+            <a:avLst/>
+          </a:prstGeom>
+          <a:noFill/>
+          <a:ln>
+            <a:noFill/>
+          </a:ln>
+        </p:spPr>
+        <p:txBody>
+          <a:bodyPr wrap="square" rtlCol="0">
+            <a:spAutoFit/>
+          </a:bodyPr>
+          <a:lstStyle/>
+          <a:p>
+            <a:r>
+              <a:rPr lang="en-US" sz="4500" dirty="0">
+                <a:solidFill>
+                  <a:srgbClr val="00B050"/>
+                </a:solidFill>
+              </a:rPr>
+              <a:t>…</a:t>
+            </a:r>
+          </a:p>
+        </p:txBody>
+      </p:sp>
+      <p:cxnSp>
+        <p:nvCxnSpPr>
+          <p:cNvPr id="21" name="Straight Arrow Connector 20">
+            <a:extLst>
+              <a:ext uri="{FF2B5EF4-FFF2-40B4-BE49-F238E27FC236}">
+                <a16:creationId xmlns:a16="http://schemas.microsoft.com/office/drawing/2014/main" id="{0B9CAA03-E31F-B277-7449-567D4B4E3F4E}"/>
+              </a:ext>
+            </a:extLst>
+          </p:cNvPr>
+          <p:cNvCxnSpPr>
+            <a:cxnSpLocks/>
+          </p:cNvCxnSpPr>
+          <p:nvPr/>
+        </p:nvCxnSpPr>
+        <p:spPr>
+          <a:xfrm>
+            <a:off x="4711104" y="4556154"/>
+            <a:ext cx="845720" cy="106"/>
           </a:xfrm>
           <a:prstGeom prst="straightConnector1">
             <a:avLst/>
@@ -45345,35 +47361,39 @@
       </p:cxnSp>
       <p:sp>
         <p:nvSpPr>
-          <p:cNvPr id="16" name="Title 1">
+          <p:cNvPr id="22" name="TextBox 21">
             <a:extLst>
               <a:ext uri="{FF2B5EF4-FFF2-40B4-BE49-F238E27FC236}">
-                <a16:creationId xmlns:a16="http://schemas.microsoft.com/office/drawing/2014/main" id="{51C0B0D2-9E2E-9148-9A99-65DA742546AA}"/>
+                <a16:creationId xmlns:a16="http://schemas.microsoft.com/office/drawing/2014/main" id="{0399862E-A503-F485-9312-9905052EB5F0}"/>
               </a:ext>
             </a:extLst>
           </p:cNvPr>
-          <p:cNvSpPr>
-            <a:spLocks noGrp="1"/>
-          </p:cNvSpPr>
-          <p:nvPr>
-            <p:ph type="title"/>
-          </p:nvPr>
+          <p:cNvSpPr txBox="1"/>
+          <p:nvPr/>
         </p:nvSpPr>
         <p:spPr>
           <a:xfrm>
-            <a:off x="629840" y="273847"/>
-            <a:ext cx="8305153" cy="994172"/>
+            <a:off x="4384385" y="1510913"/>
+            <a:ext cx="1140377" cy="369332"/>
           </a:xfrm>
+          <a:prstGeom prst="rect">
+            <a:avLst/>
+          </a:prstGeom>
+          <a:noFill/>
         </p:spPr>
         <p:txBody>
-          <a:bodyPr anchor="ctr">
-            <a:normAutofit fontScale="90000"/>
+          <a:bodyPr wrap="none" rtlCol="0">
+            <a:spAutoFit/>
           </a:bodyPr>
           <a:lstStyle/>
           <a:p>
             <a:r>
-              <a:rPr lang="en-US" dirty="0"/>
-              <a:t>Solution - Allocate Close to Target </a:t>
+              <a:rPr lang="en-US" dirty="0">
+                <a:solidFill>
+                  <a:srgbClr val="00B050"/>
+                </a:solidFill>
+              </a:rPr>
+              <a:t>Top chunk</a:t>
             </a:r>
           </a:p>
         </p:txBody>
@@ -45439,84 +47459,6 @@
           <a:noFill/>
         </p:spPr>
       </p:pic>
-      <p:sp>
-        <p:nvSpPr>
-          <p:cNvPr id="5" name="TextBox 4">
-            <a:extLst>
-              <a:ext uri="{FF2B5EF4-FFF2-40B4-BE49-F238E27FC236}">
-                <a16:creationId xmlns:a16="http://schemas.microsoft.com/office/drawing/2014/main" id="{4C7C884E-6ABB-784E-AE1F-BFA092341188}"/>
-              </a:ext>
-            </a:extLst>
-          </p:cNvPr>
-          <p:cNvSpPr txBox="1"/>
-          <p:nvPr/>
-        </p:nvSpPr>
-        <p:spPr>
-          <a:xfrm>
-            <a:off x="3993565" y="4341002"/>
-            <a:ext cx="764697" cy="369332"/>
-          </a:xfrm>
-          <a:prstGeom prst="rect">
-            <a:avLst/>
-          </a:prstGeom>
-          <a:noFill/>
-        </p:spPr>
-        <p:txBody>
-          <a:bodyPr wrap="none" rtlCol="0">
-            <a:spAutoFit/>
-          </a:bodyPr>
-          <a:lstStyle/>
-          <a:p>
-            <a:r>
-              <a:rPr lang="en-US" dirty="0">
-                <a:solidFill>
-                  <a:srgbClr val="FF0000"/>
-                </a:solidFill>
-              </a:rPr>
-              <a:t>Target</a:t>
-            </a:r>
-          </a:p>
-        </p:txBody>
-      </p:sp>
-      <p:sp>
-        <p:nvSpPr>
-          <p:cNvPr id="10" name="TextBox 9">
-            <a:extLst>
-              <a:ext uri="{FF2B5EF4-FFF2-40B4-BE49-F238E27FC236}">
-                <a16:creationId xmlns:a16="http://schemas.microsoft.com/office/drawing/2014/main" id="{40BCDF86-9004-DB4A-826E-6B9583576F66}"/>
-              </a:ext>
-            </a:extLst>
-          </p:cNvPr>
-          <p:cNvSpPr txBox="1"/>
-          <p:nvPr/>
-        </p:nvSpPr>
-        <p:spPr>
-          <a:xfrm>
-            <a:off x="3736645" y="3978252"/>
-            <a:ext cx="1140377" cy="369332"/>
-          </a:xfrm>
-          <a:prstGeom prst="rect">
-            <a:avLst/>
-          </a:prstGeom>
-          <a:noFill/>
-        </p:spPr>
-        <p:txBody>
-          <a:bodyPr wrap="none" rtlCol="0">
-            <a:spAutoFit/>
-          </a:bodyPr>
-          <a:lstStyle/>
-          <a:p>
-            <a:r>
-              <a:rPr lang="en-US" dirty="0">
-                <a:solidFill>
-                  <a:srgbClr val="00B050"/>
-                </a:solidFill>
-              </a:rPr>
-              <a:t>Top chunk</a:t>
-            </a:r>
-          </a:p>
-        </p:txBody>
-      </p:sp>
       <p:sp>
         <p:nvSpPr>
           <p:cNvPr id="12" name="Content Placeholder 2">
@@ -45923,12 +47865,47 @@
           </a:p>
         </p:txBody>
       </p:sp>
+      <p:sp>
+        <p:nvSpPr>
+          <p:cNvPr id="18" name="Title 1">
+            <a:extLst>
+              <a:ext uri="{FF2B5EF4-FFF2-40B4-BE49-F238E27FC236}">
+                <a16:creationId xmlns:a16="http://schemas.microsoft.com/office/drawing/2014/main" id="{42EC29AA-9BED-8E4D-A79B-0C6B2B7837E7}"/>
+              </a:ext>
+            </a:extLst>
+          </p:cNvPr>
+          <p:cNvSpPr>
+            <a:spLocks noGrp="1"/>
+          </p:cNvSpPr>
+          <p:nvPr>
+            <p:ph type="title"/>
+          </p:nvPr>
+        </p:nvSpPr>
+        <p:spPr>
+          <a:xfrm>
+            <a:off x="629840" y="273847"/>
+            <a:ext cx="8305153" cy="994172"/>
+          </a:xfrm>
+        </p:spPr>
+        <p:txBody>
+          <a:bodyPr anchor="ctr">
+            <a:normAutofit fontScale="90000"/>
+          </a:bodyPr>
+          <a:lstStyle/>
+          <a:p>
+            <a:r>
+              <a:rPr lang="en-US" dirty="0"/>
+              <a:t>Solution - Allocate Close to Target </a:t>
+            </a:r>
+          </a:p>
+        </p:txBody>
+      </p:sp>
       <p:cxnSp>
         <p:nvCxnSpPr>
-          <p:cNvPr id="9" name="Straight Arrow Connector 8">
+          <p:cNvPr id="15" name="Straight Arrow Connector 14">
             <a:extLst>
               <a:ext uri="{FF2B5EF4-FFF2-40B4-BE49-F238E27FC236}">
-                <a16:creationId xmlns:a16="http://schemas.microsoft.com/office/drawing/2014/main" id="{4688EE78-8DFB-0B41-9524-C8F534D9864C}"/>
+                <a16:creationId xmlns:a16="http://schemas.microsoft.com/office/drawing/2014/main" id="{22FE031B-25D9-785B-BC98-4B44BF3C4C39}"/>
               </a:ext>
             </a:extLst>
           </p:cNvPr>
@@ -45939,95 +47916,8 @@
         </p:nvCxnSpPr>
         <p:spPr>
           <a:xfrm>
-            <a:off x="4812214" y="4175921"/>
-            <a:ext cx="719601" cy="0"/>
-          </a:xfrm>
-          <a:prstGeom prst="straightConnector1">
-            <a:avLst/>
-          </a:prstGeom>
-          <a:ln w="57150">
-            <a:solidFill>
-              <a:srgbClr val="FF0000"/>
-            </a:solidFill>
-            <a:tailEnd type="triangle"/>
-          </a:ln>
-        </p:spPr>
-        <p:style>
-          <a:lnRef idx="1">
-            <a:schemeClr val="accent1"/>
-          </a:lnRef>
-          <a:fillRef idx="0">
-            <a:schemeClr val="accent1"/>
-          </a:fillRef>
-          <a:effectRef idx="0">
-            <a:schemeClr val="accent1"/>
-          </a:effectRef>
-          <a:fontRef idx="minor">
-            <a:schemeClr val="tx1"/>
-          </a:fontRef>
-        </p:style>
-      </p:cxnSp>
-      <p:cxnSp>
-        <p:nvCxnSpPr>
-          <p:cNvPr id="11" name="Straight Connector 10">
-            <a:extLst>
-              <a:ext uri="{FF2B5EF4-FFF2-40B4-BE49-F238E27FC236}">
-                <a16:creationId xmlns:a16="http://schemas.microsoft.com/office/drawing/2014/main" id="{CD59298B-14A5-6044-BE16-241CFE137A52}"/>
-              </a:ext>
-            </a:extLst>
-          </p:cNvPr>
-          <p:cNvCxnSpPr>
-            <a:cxnSpLocks/>
-          </p:cNvCxnSpPr>
-          <p:nvPr/>
-        </p:nvCxnSpPr>
-        <p:spPr>
-          <a:xfrm>
-            <a:off x="4809556" y="4175921"/>
-            <a:ext cx="2658" cy="343325"/>
-          </a:xfrm>
-          <a:prstGeom prst="line">
-            <a:avLst/>
-          </a:prstGeom>
-          <a:ln w="47625">
-            <a:solidFill>
-              <a:srgbClr val="FF0000"/>
-            </a:solidFill>
-          </a:ln>
-        </p:spPr>
-        <p:style>
-          <a:lnRef idx="1">
-            <a:schemeClr val="accent1"/>
-          </a:lnRef>
-          <a:fillRef idx="0">
-            <a:schemeClr val="accent1"/>
-          </a:fillRef>
-          <a:effectRef idx="0">
-            <a:schemeClr val="accent1"/>
-          </a:effectRef>
-          <a:fontRef idx="minor">
-            <a:schemeClr val="tx1"/>
-          </a:fontRef>
-        </p:style>
-      </p:cxnSp>
-      <p:cxnSp>
-        <p:nvCxnSpPr>
-          <p:cNvPr id="14" name="Straight Arrow Connector 13">
-            <a:extLst>
-              <a:ext uri="{FF2B5EF4-FFF2-40B4-BE49-F238E27FC236}">
-                <a16:creationId xmlns:a16="http://schemas.microsoft.com/office/drawing/2014/main" id="{E6206D6B-17CE-4249-B1C2-B95CD14DF397}"/>
-              </a:ext>
-            </a:extLst>
-          </p:cNvPr>
-          <p:cNvCxnSpPr>
-            <a:cxnSpLocks/>
-          </p:cNvCxnSpPr>
-          <p:nvPr/>
-        </p:nvCxnSpPr>
-        <p:spPr>
-          <a:xfrm>
-            <a:off x="4812214" y="4519246"/>
-            <a:ext cx="719601" cy="0"/>
+            <a:off x="4630807" y="4515995"/>
+            <a:ext cx="889989" cy="0"/>
           </a:xfrm>
           <a:prstGeom prst="straightConnector1">
             <a:avLst/>
@@ -46056,39 +47946,213 @@
       </p:cxnSp>
       <p:sp>
         <p:nvSpPr>
-          <p:cNvPr id="18" name="Title 1">
+          <p:cNvPr id="16" name="TextBox 15">
             <a:extLst>
               <a:ext uri="{FF2B5EF4-FFF2-40B4-BE49-F238E27FC236}">
-                <a16:creationId xmlns:a16="http://schemas.microsoft.com/office/drawing/2014/main" id="{42EC29AA-9BED-8E4D-A79B-0C6B2B7837E7}"/>
+                <a16:creationId xmlns:a16="http://schemas.microsoft.com/office/drawing/2014/main" id="{2FCAEC16-FAA3-3503-7508-6277C31EC397}"/>
               </a:ext>
             </a:extLst>
           </p:cNvPr>
-          <p:cNvSpPr>
-            <a:spLocks noGrp="1"/>
-          </p:cNvSpPr>
-          <p:nvPr>
-            <p:ph type="title"/>
-          </p:nvPr>
+          <p:cNvSpPr txBox="1"/>
+          <p:nvPr/>
         </p:nvSpPr>
         <p:spPr>
           <a:xfrm>
-            <a:off x="629840" y="273847"/>
-            <a:ext cx="8305153" cy="994172"/>
+            <a:off x="4634238" y="4170956"/>
+            <a:ext cx="764697" cy="369332"/>
           </a:xfrm>
+          <a:prstGeom prst="rect">
+            <a:avLst/>
+          </a:prstGeom>
+          <a:noFill/>
         </p:spPr>
         <p:txBody>
-          <a:bodyPr anchor="ctr">
-            <a:normAutofit fontScale="90000"/>
+          <a:bodyPr wrap="none" rtlCol="0">
+            <a:spAutoFit/>
           </a:bodyPr>
           <a:lstStyle/>
           <a:p>
             <a:r>
-              <a:rPr lang="en-US" dirty="0"/>
-              <a:t>Solution - Allocate Close to Target </a:t>
+              <a:rPr lang="en-US" dirty="0">
+                <a:solidFill>
+                  <a:srgbClr val="FF0000"/>
+                </a:solidFill>
+              </a:rPr>
+              <a:t>Target</a:t>
             </a:r>
           </a:p>
         </p:txBody>
       </p:sp>
+      <p:sp>
+        <p:nvSpPr>
+          <p:cNvPr id="17" name="TextBox 16">
+            <a:extLst>
+              <a:ext uri="{FF2B5EF4-FFF2-40B4-BE49-F238E27FC236}">
+                <a16:creationId xmlns:a16="http://schemas.microsoft.com/office/drawing/2014/main" id="{3A45F40B-7950-8865-D249-9F30E920B5B3}"/>
+              </a:ext>
+            </a:extLst>
+          </p:cNvPr>
+          <p:cNvSpPr txBox="1"/>
+          <p:nvPr/>
+        </p:nvSpPr>
+        <p:spPr>
+          <a:xfrm>
+            <a:off x="4380301" y="3823576"/>
+            <a:ext cx="1140377" cy="369332"/>
+          </a:xfrm>
+          <a:prstGeom prst="rect">
+            <a:avLst/>
+          </a:prstGeom>
+          <a:noFill/>
+        </p:spPr>
+        <p:txBody>
+          <a:bodyPr wrap="none" rtlCol="0">
+            <a:spAutoFit/>
+          </a:bodyPr>
+          <a:lstStyle/>
+          <a:p>
+            <a:r>
+              <a:rPr lang="en-US" dirty="0">
+                <a:solidFill>
+                  <a:srgbClr val="00B050"/>
+                </a:solidFill>
+              </a:rPr>
+              <a:t>Top chunk</a:t>
+            </a:r>
+          </a:p>
+        </p:txBody>
+      </p:sp>
+      <p:cxnSp>
+        <p:nvCxnSpPr>
+          <p:cNvPr id="19" name="Straight Arrow Connector 18">
+            <a:extLst>
+              <a:ext uri="{FF2B5EF4-FFF2-40B4-BE49-F238E27FC236}">
+                <a16:creationId xmlns:a16="http://schemas.microsoft.com/office/drawing/2014/main" id="{D902206B-8A68-274C-9075-5972869EEF41}"/>
+              </a:ext>
+            </a:extLst>
+          </p:cNvPr>
+          <p:cNvCxnSpPr>
+            <a:cxnSpLocks/>
+          </p:cNvCxnSpPr>
+          <p:nvPr/>
+        </p:nvCxnSpPr>
+        <p:spPr>
+          <a:xfrm>
+            <a:off x="4415338" y="4152899"/>
+            <a:ext cx="1049646" cy="0"/>
+          </a:xfrm>
+          <a:prstGeom prst="straightConnector1">
+            <a:avLst/>
+          </a:prstGeom>
+          <a:ln w="57150">
+            <a:solidFill>
+              <a:srgbClr val="00B050"/>
+            </a:solidFill>
+            <a:tailEnd type="triangle"/>
+          </a:ln>
+        </p:spPr>
+        <p:style>
+          <a:lnRef idx="1">
+            <a:schemeClr val="accent1"/>
+          </a:lnRef>
+          <a:fillRef idx="0">
+            <a:schemeClr val="accent1"/>
+          </a:fillRef>
+          <a:effectRef idx="0">
+            <a:schemeClr val="accent1"/>
+          </a:effectRef>
+          <a:fontRef idx="minor">
+            <a:schemeClr val="tx1"/>
+          </a:fontRef>
+        </p:style>
+      </p:cxnSp>
+      <p:cxnSp>
+        <p:nvCxnSpPr>
+          <p:cNvPr id="20" name="Straight Connector 19">
+            <a:extLst>
+              <a:ext uri="{FF2B5EF4-FFF2-40B4-BE49-F238E27FC236}">
+                <a16:creationId xmlns:a16="http://schemas.microsoft.com/office/drawing/2014/main" id="{9EA71B96-0358-5B3A-A817-52D11AB0F6E7}"/>
+              </a:ext>
+            </a:extLst>
+          </p:cNvPr>
+          <p:cNvCxnSpPr>
+            <a:cxnSpLocks/>
+          </p:cNvCxnSpPr>
+          <p:nvPr/>
+        </p:nvCxnSpPr>
+        <p:spPr>
+          <a:xfrm>
+            <a:off x="4415338" y="4136846"/>
+            <a:ext cx="0" cy="897369"/>
+          </a:xfrm>
+          <a:prstGeom prst="line">
+            <a:avLst/>
+          </a:prstGeom>
+          <a:ln w="47625">
+            <a:solidFill>
+              <a:srgbClr val="00B050"/>
+            </a:solidFill>
+          </a:ln>
+        </p:spPr>
+        <p:style>
+          <a:lnRef idx="1">
+            <a:schemeClr val="accent1"/>
+          </a:lnRef>
+          <a:fillRef idx="0">
+            <a:schemeClr val="accent1"/>
+          </a:fillRef>
+          <a:effectRef idx="0">
+            <a:schemeClr val="accent1"/>
+          </a:effectRef>
+          <a:fontRef idx="minor">
+            <a:schemeClr val="tx1"/>
+          </a:fontRef>
+        </p:style>
+      </p:cxnSp>
+      <p:cxnSp>
+        <p:nvCxnSpPr>
+          <p:cNvPr id="21" name="Straight Arrow Connector 20">
+            <a:extLst>
+              <a:ext uri="{FF2B5EF4-FFF2-40B4-BE49-F238E27FC236}">
+                <a16:creationId xmlns:a16="http://schemas.microsoft.com/office/drawing/2014/main" id="{4204F510-7700-D9DC-8B30-EE840FB8E410}"/>
+              </a:ext>
+            </a:extLst>
+          </p:cNvPr>
+          <p:cNvCxnSpPr>
+            <a:cxnSpLocks/>
+          </p:cNvCxnSpPr>
+          <p:nvPr/>
+        </p:nvCxnSpPr>
+        <p:spPr>
+          <a:xfrm>
+            <a:off x="4415338" y="5034215"/>
+            <a:ext cx="1259591" cy="0"/>
+          </a:xfrm>
+          <a:prstGeom prst="straightConnector1">
+            <a:avLst/>
+          </a:prstGeom>
+          <a:ln w="57150">
+            <a:solidFill>
+              <a:srgbClr val="00B050"/>
+            </a:solidFill>
+            <a:tailEnd type="triangle"/>
+          </a:ln>
+        </p:spPr>
+        <p:style>
+          <a:lnRef idx="1">
+            <a:schemeClr val="accent1"/>
+          </a:lnRef>
+          <a:fillRef idx="0">
+            <a:schemeClr val="accent1"/>
+          </a:fillRef>
+          <a:effectRef idx="0">
+            <a:schemeClr val="accent1"/>
+          </a:effectRef>
+          <a:fontRef idx="minor">
+            <a:schemeClr val="tx1"/>
+          </a:fontRef>
+        </p:style>
+      </p:cxnSp>
     </p:spTree>
     <p:extLst>
       <p:ext uri="{BB962C8B-B14F-4D97-AF65-F5344CB8AC3E}">
@@ -46343,84 +48407,6 @@
           </a:lstStyle>
           <a:p>
             <a:endParaRPr lang="en-US" dirty="0"/>
-          </a:p>
-        </p:txBody>
-      </p:sp>
-      <p:sp>
-        <p:nvSpPr>
-          <p:cNvPr id="5" name="TextBox 4">
-            <a:extLst>
-              <a:ext uri="{FF2B5EF4-FFF2-40B4-BE49-F238E27FC236}">
-                <a16:creationId xmlns:a16="http://schemas.microsoft.com/office/drawing/2014/main" id="{4C7C884E-6ABB-784E-AE1F-BFA092341188}"/>
-              </a:ext>
-            </a:extLst>
-          </p:cNvPr>
-          <p:cNvSpPr txBox="1"/>
-          <p:nvPr/>
-        </p:nvSpPr>
-        <p:spPr>
-          <a:xfrm>
-            <a:off x="5999567" y="4238441"/>
-            <a:ext cx="764697" cy="369332"/>
-          </a:xfrm>
-          <a:prstGeom prst="rect">
-            <a:avLst/>
-          </a:prstGeom>
-          <a:noFill/>
-        </p:spPr>
-        <p:txBody>
-          <a:bodyPr wrap="none" rtlCol="0">
-            <a:spAutoFit/>
-          </a:bodyPr>
-          <a:lstStyle/>
-          <a:p>
-            <a:r>
-              <a:rPr lang="en-US" dirty="0">
-                <a:solidFill>
-                  <a:srgbClr val="FF0000"/>
-                </a:solidFill>
-              </a:rPr>
-              <a:t>Target</a:t>
-            </a:r>
-          </a:p>
-        </p:txBody>
-      </p:sp>
-      <p:sp>
-        <p:nvSpPr>
-          <p:cNvPr id="10" name="TextBox 9">
-            <a:extLst>
-              <a:ext uri="{FF2B5EF4-FFF2-40B4-BE49-F238E27FC236}">
-                <a16:creationId xmlns:a16="http://schemas.microsoft.com/office/drawing/2014/main" id="{40BCDF86-9004-DB4A-826E-6B9583576F66}"/>
-              </a:ext>
-            </a:extLst>
-          </p:cNvPr>
-          <p:cNvSpPr txBox="1"/>
-          <p:nvPr/>
-        </p:nvSpPr>
-        <p:spPr>
-          <a:xfrm>
-            <a:off x="5734450" y="1878809"/>
-            <a:ext cx="1140377" cy="369332"/>
-          </a:xfrm>
-          <a:prstGeom prst="rect">
-            <a:avLst/>
-          </a:prstGeom>
-          <a:noFill/>
-        </p:spPr>
-        <p:txBody>
-          <a:bodyPr wrap="none" rtlCol="0">
-            <a:spAutoFit/>
-          </a:bodyPr>
-          <a:lstStyle/>
-          <a:p>
-            <a:r>
-              <a:rPr lang="en-US" dirty="0">
-                <a:solidFill>
-                  <a:srgbClr val="00B050"/>
-                </a:solidFill>
-              </a:rPr>
-              <a:t>Top chunk</a:t>
-            </a:r>
           </a:p>
         </p:txBody>
       </p:sp>
@@ -46839,15 +48825,23 @@
           <a:p>
             <a:r>
               <a:rPr lang="en-US" dirty="0"/>
-              <a:t>Size = __</a:t>
-            </a:r>
-            <a:r>
-              <a:rPr lang="en-US" dirty="0" err="1"/>
+              <a:t>Size = </a:t>
+            </a:r>
+            <a:r>
+              <a:rPr lang="en-US" i="1" dirty="0"/>
+              <a:t>__</a:t>
+            </a:r>
+            <a:r>
+              <a:rPr lang="en-US" i="1" dirty="0" err="1"/>
               <a:t>malloc_hook</a:t>
             </a:r>
             <a:r>
+              <a:rPr lang="en-US" i="1" dirty="0"/>
+              <a:t> </a:t>
+            </a:r>
+            <a:r>
               <a:rPr lang="en-US" dirty="0"/>
-              <a:t> – top chunk</a:t>
+              <a:t>– top chunk</a:t>
             </a:r>
           </a:p>
         </p:txBody>
@@ -46887,12 +48881,51 @@
           </a:p>
         </p:txBody>
       </p:sp>
+      <p:sp>
+        <p:nvSpPr>
+          <p:cNvPr id="17" name="TextBox 16">
+            <a:extLst>
+              <a:ext uri="{FF2B5EF4-FFF2-40B4-BE49-F238E27FC236}">
+                <a16:creationId xmlns:a16="http://schemas.microsoft.com/office/drawing/2014/main" id="{3ECD4554-01FD-79B5-1DB9-A6BF360200F4}"/>
+              </a:ext>
+            </a:extLst>
+          </p:cNvPr>
+          <p:cNvSpPr txBox="1"/>
+          <p:nvPr/>
+        </p:nvSpPr>
+        <p:spPr>
+          <a:xfrm>
+            <a:off x="6008627" y="4164291"/>
+            <a:ext cx="764697" cy="369332"/>
+          </a:xfrm>
+          <a:prstGeom prst="rect">
+            <a:avLst/>
+          </a:prstGeom>
+          <a:noFill/>
+        </p:spPr>
+        <p:txBody>
+          <a:bodyPr wrap="none" rtlCol="0">
+            <a:spAutoFit/>
+          </a:bodyPr>
+          <a:lstStyle/>
+          <a:p>
+            <a:r>
+              <a:rPr lang="en-US" dirty="0">
+                <a:solidFill>
+                  <a:srgbClr val="FF0000"/>
+                </a:solidFill>
+              </a:rPr>
+              <a:t>Target</a:t>
+            </a:r>
+          </a:p>
+        </p:txBody>
+      </p:sp>
       <p:cxnSp>
         <p:nvCxnSpPr>
-          <p:cNvPr id="14" name="Straight Arrow Connector 13">
+          <p:cNvPr id="18" name="Straight Arrow Connector 17">
             <a:extLst>
               <a:ext uri="{FF2B5EF4-FFF2-40B4-BE49-F238E27FC236}">
-                <a16:creationId xmlns:a16="http://schemas.microsoft.com/office/drawing/2014/main" id="{5A880AD9-8709-2848-98DF-B90ACE412CCA}"/>
+                <a16:creationId xmlns:a16="http://schemas.microsoft.com/office/drawing/2014/main" id="{DE6879B4-B419-9678-D1D0-773C99FAD185}"/>
               </a:ext>
             </a:extLst>
           </p:cNvPr>
@@ -46903,8 +48936,181 @@
         </p:nvCxnSpPr>
         <p:spPr>
           <a:xfrm>
-            <a:off x="5735746" y="1907112"/>
+            <a:off x="5751049" y="1824501"/>
+            <a:ext cx="916114" cy="0"/>
+          </a:xfrm>
+          <a:prstGeom prst="straightConnector1">
+            <a:avLst/>
+          </a:prstGeom>
+          <a:ln w="57150">
+            <a:solidFill>
+              <a:srgbClr val="00B050"/>
+            </a:solidFill>
+            <a:tailEnd type="triangle"/>
+          </a:ln>
+        </p:spPr>
+        <p:style>
+          <a:lnRef idx="1">
+            <a:schemeClr val="accent1"/>
+          </a:lnRef>
+          <a:fillRef idx="0">
+            <a:schemeClr val="accent1"/>
+          </a:fillRef>
+          <a:effectRef idx="0">
+            <a:schemeClr val="accent1"/>
+          </a:effectRef>
+          <a:fontRef idx="minor">
+            <a:schemeClr val="tx1"/>
+          </a:fontRef>
+        </p:style>
+      </p:cxnSp>
+      <p:cxnSp>
+        <p:nvCxnSpPr>
+          <p:cNvPr id="19" name="Straight Connector 18">
+            <a:extLst>
+              <a:ext uri="{FF2B5EF4-FFF2-40B4-BE49-F238E27FC236}">
+                <a16:creationId xmlns:a16="http://schemas.microsoft.com/office/drawing/2014/main" id="{D77C79C9-A3B1-71AB-E84D-D5B31D9D5671}"/>
+              </a:ext>
+            </a:extLst>
+          </p:cNvPr>
+          <p:cNvCxnSpPr>
+            <a:cxnSpLocks/>
+          </p:cNvCxnSpPr>
+          <p:nvPr/>
+        </p:nvCxnSpPr>
+        <p:spPr>
+          <a:xfrm>
+            <a:off x="5729269" y="1804659"/>
+            <a:ext cx="0" cy="2596165"/>
+          </a:xfrm>
+          <a:prstGeom prst="line">
+            <a:avLst/>
+          </a:prstGeom>
+          <a:ln w="47625">
+            <a:solidFill>
+              <a:srgbClr val="00B050"/>
+            </a:solidFill>
+          </a:ln>
+        </p:spPr>
+        <p:style>
+          <a:lnRef idx="1">
+            <a:schemeClr val="accent1"/>
+          </a:lnRef>
+          <a:fillRef idx="0">
+            <a:schemeClr val="accent1"/>
+          </a:fillRef>
+          <a:effectRef idx="0">
+            <a:schemeClr val="accent1"/>
+          </a:effectRef>
+          <a:fontRef idx="minor">
+            <a:schemeClr val="tx1"/>
+          </a:fontRef>
+        </p:style>
+      </p:cxnSp>
+      <p:cxnSp>
+        <p:nvCxnSpPr>
+          <p:cNvPr id="20" name="Straight Arrow Connector 19">
+            <a:extLst>
+              <a:ext uri="{FF2B5EF4-FFF2-40B4-BE49-F238E27FC236}">
+                <a16:creationId xmlns:a16="http://schemas.microsoft.com/office/drawing/2014/main" id="{DE8ABC93-11F6-8026-7875-BB2761D5BC3C}"/>
+              </a:ext>
+            </a:extLst>
+          </p:cNvPr>
+          <p:cNvCxnSpPr>
+            <a:cxnSpLocks/>
+          </p:cNvCxnSpPr>
+          <p:nvPr/>
+        </p:nvCxnSpPr>
+        <p:spPr>
+          <a:xfrm>
+            <a:off x="5671374" y="4908134"/>
             <a:ext cx="719601" cy="0"/>
+          </a:xfrm>
+          <a:prstGeom prst="straightConnector1">
+            <a:avLst/>
+          </a:prstGeom>
+          <a:ln w="57150">
+            <a:solidFill>
+              <a:srgbClr val="00B050"/>
+            </a:solidFill>
+            <a:tailEnd type="triangle"/>
+          </a:ln>
+        </p:spPr>
+        <p:style>
+          <a:lnRef idx="1">
+            <a:schemeClr val="accent1"/>
+          </a:lnRef>
+          <a:fillRef idx="0">
+            <a:schemeClr val="accent1"/>
+          </a:fillRef>
+          <a:effectRef idx="0">
+            <a:schemeClr val="accent1"/>
+          </a:effectRef>
+          <a:fontRef idx="minor">
+            <a:schemeClr val="tx1"/>
+          </a:fontRef>
+        </p:style>
+      </p:cxnSp>
+      <p:sp>
+        <p:nvSpPr>
+          <p:cNvPr id="21" name="TextBox 20">
+            <a:extLst>
+              <a:ext uri="{FF2B5EF4-FFF2-40B4-BE49-F238E27FC236}">
+                <a16:creationId xmlns:a16="http://schemas.microsoft.com/office/drawing/2014/main" id="{38150436-24F4-8C06-2E2B-94E04972B417}"/>
+              </a:ext>
+            </a:extLst>
+          </p:cNvPr>
+          <p:cNvSpPr txBox="1"/>
+          <p:nvPr/>
+        </p:nvSpPr>
+        <p:spPr>
+          <a:xfrm rot="5400000">
+            <a:off x="5480387" y="4363554"/>
+            <a:ext cx="775062" cy="784830"/>
+          </a:xfrm>
+          <a:prstGeom prst="rect">
+            <a:avLst/>
+          </a:prstGeom>
+          <a:noFill/>
+          <a:ln>
+            <a:noFill/>
+          </a:ln>
+        </p:spPr>
+        <p:txBody>
+          <a:bodyPr wrap="square" rtlCol="0">
+            <a:spAutoFit/>
+          </a:bodyPr>
+          <a:lstStyle/>
+          <a:p>
+            <a:r>
+              <a:rPr lang="en-US" sz="4500" dirty="0">
+                <a:solidFill>
+                  <a:srgbClr val="00B050"/>
+                </a:solidFill>
+              </a:rPr>
+              <a:t>…</a:t>
+            </a:r>
+          </a:p>
+        </p:txBody>
+      </p:sp>
+      <p:cxnSp>
+        <p:nvCxnSpPr>
+          <p:cNvPr id="22" name="Straight Arrow Connector 21">
+            <a:extLst>
+              <a:ext uri="{FF2B5EF4-FFF2-40B4-BE49-F238E27FC236}">
+                <a16:creationId xmlns:a16="http://schemas.microsoft.com/office/drawing/2014/main" id="{B6E92EFE-655E-FADF-FC7C-C969B5251F36}"/>
+              </a:ext>
+            </a:extLst>
+          </p:cNvPr>
+          <p:cNvCxnSpPr>
+            <a:cxnSpLocks/>
+          </p:cNvCxnSpPr>
+          <p:nvPr/>
+        </p:nvCxnSpPr>
+        <p:spPr>
+          <a:xfrm>
+            <a:off x="629840" y="4508536"/>
+            <a:ext cx="6175546" cy="0"/>
           </a:xfrm>
           <a:prstGeom prst="straightConnector1">
             <a:avLst/>
@@ -46931,55 +49137,51 @@
           </a:fontRef>
         </p:style>
       </p:cxnSp>
-      <p:cxnSp>
-        <p:nvCxnSpPr>
-          <p:cNvPr id="15" name="Straight Connector 14">
+      <p:sp>
+        <p:nvSpPr>
+          <p:cNvPr id="23" name="TextBox 22">
             <a:extLst>
               <a:ext uri="{FF2B5EF4-FFF2-40B4-BE49-F238E27FC236}">
-                <a16:creationId xmlns:a16="http://schemas.microsoft.com/office/drawing/2014/main" id="{8A5A0884-4D3C-7840-8615-1D60203137B3}"/>
+                <a16:creationId xmlns:a16="http://schemas.microsoft.com/office/drawing/2014/main" id="{A9FEAC18-41EB-5317-0A04-B752962D0F6D}"/>
               </a:ext>
             </a:extLst>
           </p:cNvPr>
-          <p:cNvCxnSpPr>
-            <a:cxnSpLocks/>
-          </p:cNvCxnSpPr>
+          <p:cNvSpPr txBox="1"/>
           <p:nvPr/>
-        </p:nvCxnSpPr>
+        </p:nvSpPr>
         <p:spPr>
-          <a:xfrm flipH="1">
-            <a:off x="5734450" y="1878808"/>
-            <a:ext cx="2590" cy="2720309"/>
+          <a:xfrm>
+            <a:off x="5632947" y="1463189"/>
+            <a:ext cx="1140377" cy="369332"/>
           </a:xfrm>
-          <a:prstGeom prst="line">
+          <a:prstGeom prst="rect">
             <a:avLst/>
           </a:prstGeom>
-          <a:ln w="47625">
-            <a:solidFill>
-              <a:srgbClr val="FF0000"/>
-            </a:solidFill>
-          </a:ln>
+          <a:noFill/>
         </p:spPr>
-        <p:style>
-          <a:lnRef idx="1">
-            <a:schemeClr val="accent1"/>
-          </a:lnRef>
-          <a:fillRef idx="0">
-            <a:schemeClr val="accent1"/>
-          </a:fillRef>
-          <a:effectRef idx="0">
-            <a:schemeClr val="accent1"/>
-          </a:effectRef>
-          <a:fontRef idx="minor">
-            <a:schemeClr val="tx1"/>
-          </a:fontRef>
-        </p:style>
-      </p:cxnSp>
+        <p:txBody>
+          <a:bodyPr wrap="none" rtlCol="0">
+            <a:spAutoFit/>
+          </a:bodyPr>
+          <a:lstStyle/>
+          <a:p>
+            <a:r>
+              <a:rPr lang="en-US" dirty="0">
+                <a:solidFill>
+                  <a:srgbClr val="00B050"/>
+                </a:solidFill>
+              </a:rPr>
+              <a:t>Top chunk</a:t>
+            </a:r>
+          </a:p>
+        </p:txBody>
+      </p:sp>
       <p:cxnSp>
         <p:nvCxnSpPr>
-          <p:cNvPr id="16" name="Straight Arrow Connector 15">
+          <p:cNvPr id="24" name="Straight Connector 23">
             <a:extLst>
               <a:ext uri="{FF2B5EF4-FFF2-40B4-BE49-F238E27FC236}">
-                <a16:creationId xmlns:a16="http://schemas.microsoft.com/office/drawing/2014/main" id="{BD9A7912-6967-3147-BA4A-D5CCBF901C7A}"/>
+                <a16:creationId xmlns:a16="http://schemas.microsoft.com/office/drawing/2014/main" id="{FADEEB23-A063-15F3-2090-E5692A21B917}"/>
               </a:ext>
             </a:extLst>
           </p:cNvPr>
@@ -46990,17 +49192,16 @@
         </p:nvCxnSpPr>
         <p:spPr>
           <a:xfrm>
-            <a:off x="5734450" y="4599117"/>
-            <a:ext cx="719601" cy="0"/>
+            <a:off x="629839" y="2459115"/>
+            <a:ext cx="0" cy="2074508"/>
           </a:xfrm>
-          <a:prstGeom prst="straightConnector1">
+          <a:prstGeom prst="line">
             <a:avLst/>
           </a:prstGeom>
-          <a:ln w="57150">
+          <a:ln w="47625">
             <a:solidFill>
               <a:srgbClr val="FF0000"/>
             </a:solidFill>
-            <a:tailEnd type="triangle"/>
           </a:ln>
         </p:spPr>
         <p:style>
@@ -47942,15 +50143,7 @@
             </a:r>
             <a:r>
               <a:rPr lang="en-US" i="1" dirty="0"/>
-              <a:t>distance</a:t>
-            </a:r>
-            <a:r>
-              <a:rPr lang="en-US" dirty="0"/>
-              <a:t> – </a:t>
-            </a:r>
-            <a:r>
-              <a:rPr lang="en-US" i="1" dirty="0"/>
-              <a:t>top chunk</a:t>
+              <a:t>target – top chunk</a:t>
             </a:r>
             <a:r>
               <a:rPr lang="en-US" dirty="0"/>
@@ -47998,88 +50191,45 @@
       </p:pic>
       <p:sp>
         <p:nvSpPr>
-          <p:cNvPr id="5" name="TextBox 4">
+          <p:cNvPr id="12" name="Title 1">
             <a:extLst>
               <a:ext uri="{FF2B5EF4-FFF2-40B4-BE49-F238E27FC236}">
-                <a16:creationId xmlns:a16="http://schemas.microsoft.com/office/drawing/2014/main" id="{29CE7DBF-8150-FC44-BCE5-D51B2B2DEC40}"/>
+                <a16:creationId xmlns:a16="http://schemas.microsoft.com/office/drawing/2014/main" id="{D26E6209-EC42-9E44-A8BB-57C8778B7174}"/>
               </a:ext>
             </a:extLst>
           </p:cNvPr>
-          <p:cNvSpPr txBox="1"/>
-          <p:nvPr/>
+          <p:cNvSpPr>
+            <a:spLocks noGrp="1"/>
+          </p:cNvSpPr>
+          <p:nvPr>
+            <p:ph type="title"/>
+          </p:nvPr>
         </p:nvSpPr>
         <p:spPr>
           <a:xfrm>
-            <a:off x="3993565" y="4341002"/>
-            <a:ext cx="764697" cy="369332"/>
+            <a:off x="629840" y="273847"/>
+            <a:ext cx="8305153" cy="994172"/>
           </a:xfrm>
-          <a:prstGeom prst="rect">
-            <a:avLst/>
-          </a:prstGeom>
-          <a:noFill/>
         </p:spPr>
         <p:txBody>
-          <a:bodyPr wrap="none" rtlCol="0">
-            <a:spAutoFit/>
+          <a:bodyPr anchor="ctr">
+            <a:normAutofit/>
           </a:bodyPr>
           <a:lstStyle/>
           <a:p>
             <a:r>
-              <a:rPr lang="en-US" dirty="0">
-                <a:solidFill>
-                  <a:srgbClr val="FF0000"/>
-                </a:solidFill>
-              </a:rPr>
-              <a:t>Target</a:t>
-            </a:r>
-          </a:p>
-        </p:txBody>
-      </p:sp>
-      <p:sp>
-        <p:nvSpPr>
-          <p:cNvPr id="6" name="TextBox 5">
-            <a:extLst>
-              <a:ext uri="{FF2B5EF4-FFF2-40B4-BE49-F238E27FC236}">
-                <a16:creationId xmlns:a16="http://schemas.microsoft.com/office/drawing/2014/main" id="{C0FEF1A0-024D-F448-801D-5D7E3444802D}"/>
-              </a:ext>
-            </a:extLst>
-          </p:cNvPr>
-          <p:cNvSpPr txBox="1"/>
-          <p:nvPr/>
-        </p:nvSpPr>
-        <p:spPr>
-          <a:xfrm>
-            <a:off x="3736645" y="3978252"/>
-            <a:ext cx="1140377" cy="369332"/>
-          </a:xfrm>
-          <a:prstGeom prst="rect">
-            <a:avLst/>
-          </a:prstGeom>
-          <a:noFill/>
-        </p:spPr>
-        <p:txBody>
-          <a:bodyPr wrap="none" rtlCol="0">
-            <a:spAutoFit/>
-          </a:bodyPr>
-          <a:lstStyle/>
-          <a:p>
-            <a:r>
-              <a:rPr lang="en-US" dirty="0">
-                <a:solidFill>
-                  <a:srgbClr val="00B050"/>
-                </a:solidFill>
-              </a:rPr>
-              <a:t>Top chunk</a:t>
+              <a:rPr lang="en-US" dirty="0"/>
+              <a:t>Solution - Allocate Close to Target </a:t>
             </a:r>
           </a:p>
         </p:txBody>
       </p:sp>
       <p:cxnSp>
         <p:nvCxnSpPr>
-          <p:cNvPr id="7" name="Straight Arrow Connector 6">
+          <p:cNvPr id="10" name="Straight Arrow Connector 9">
             <a:extLst>
               <a:ext uri="{FF2B5EF4-FFF2-40B4-BE49-F238E27FC236}">
-                <a16:creationId xmlns:a16="http://schemas.microsoft.com/office/drawing/2014/main" id="{79238721-195E-9C4C-9EF6-0DF3EF76F6B1}"/>
+                <a16:creationId xmlns:a16="http://schemas.microsoft.com/office/drawing/2014/main" id="{904EB771-D5C7-342E-BDE2-00F0D187F749}"/>
               </a:ext>
             </a:extLst>
           </p:cNvPr>
@@ -48090,95 +50240,8 @@
         </p:nvCxnSpPr>
         <p:spPr>
           <a:xfrm>
-            <a:off x="4812214" y="4175921"/>
-            <a:ext cx="719601" cy="0"/>
-          </a:xfrm>
-          <a:prstGeom prst="straightConnector1">
-            <a:avLst/>
-          </a:prstGeom>
-          <a:ln w="57150">
-            <a:solidFill>
-              <a:srgbClr val="FF0000"/>
-            </a:solidFill>
-            <a:tailEnd type="triangle"/>
-          </a:ln>
-        </p:spPr>
-        <p:style>
-          <a:lnRef idx="1">
-            <a:schemeClr val="accent1"/>
-          </a:lnRef>
-          <a:fillRef idx="0">
-            <a:schemeClr val="accent1"/>
-          </a:fillRef>
-          <a:effectRef idx="0">
-            <a:schemeClr val="accent1"/>
-          </a:effectRef>
-          <a:fontRef idx="minor">
-            <a:schemeClr val="tx1"/>
-          </a:fontRef>
-        </p:style>
-      </p:cxnSp>
-      <p:cxnSp>
-        <p:nvCxnSpPr>
-          <p:cNvPr id="8" name="Straight Connector 7">
-            <a:extLst>
-              <a:ext uri="{FF2B5EF4-FFF2-40B4-BE49-F238E27FC236}">
-                <a16:creationId xmlns:a16="http://schemas.microsoft.com/office/drawing/2014/main" id="{8094E11A-77E2-8742-979C-6151706BC902}"/>
-              </a:ext>
-            </a:extLst>
-          </p:cNvPr>
-          <p:cNvCxnSpPr>
-            <a:cxnSpLocks/>
-          </p:cNvCxnSpPr>
-          <p:nvPr/>
-        </p:nvCxnSpPr>
-        <p:spPr>
-          <a:xfrm>
-            <a:off x="4809556" y="4175921"/>
-            <a:ext cx="2658" cy="343325"/>
-          </a:xfrm>
-          <a:prstGeom prst="line">
-            <a:avLst/>
-          </a:prstGeom>
-          <a:ln w="47625">
-            <a:solidFill>
-              <a:srgbClr val="FF0000"/>
-            </a:solidFill>
-          </a:ln>
-        </p:spPr>
-        <p:style>
-          <a:lnRef idx="1">
-            <a:schemeClr val="accent1"/>
-          </a:lnRef>
-          <a:fillRef idx="0">
-            <a:schemeClr val="accent1"/>
-          </a:fillRef>
-          <a:effectRef idx="0">
-            <a:schemeClr val="accent1"/>
-          </a:effectRef>
-          <a:fontRef idx="minor">
-            <a:schemeClr val="tx1"/>
-          </a:fontRef>
-        </p:style>
-      </p:cxnSp>
-      <p:cxnSp>
-        <p:nvCxnSpPr>
-          <p:cNvPr id="9" name="Straight Arrow Connector 8">
-            <a:extLst>
-              <a:ext uri="{FF2B5EF4-FFF2-40B4-BE49-F238E27FC236}">
-                <a16:creationId xmlns:a16="http://schemas.microsoft.com/office/drawing/2014/main" id="{8FA04FA5-A589-FC49-9788-200361153233}"/>
-              </a:ext>
-            </a:extLst>
-          </p:cNvPr>
-          <p:cNvCxnSpPr>
-            <a:cxnSpLocks/>
-          </p:cNvCxnSpPr>
-          <p:nvPr/>
-        </p:nvCxnSpPr>
-        <p:spPr>
-          <a:xfrm>
-            <a:off x="4812214" y="4519246"/>
-            <a:ext cx="719601" cy="0"/>
+            <a:off x="4638126" y="4430509"/>
+            <a:ext cx="889989" cy="0"/>
           </a:xfrm>
           <a:prstGeom prst="straightConnector1">
             <a:avLst/>
@@ -48207,39 +50270,213 @@
       </p:cxnSp>
       <p:sp>
         <p:nvSpPr>
-          <p:cNvPr id="12" name="Title 1">
+          <p:cNvPr id="11" name="TextBox 10">
             <a:extLst>
               <a:ext uri="{FF2B5EF4-FFF2-40B4-BE49-F238E27FC236}">
-                <a16:creationId xmlns:a16="http://schemas.microsoft.com/office/drawing/2014/main" id="{D26E6209-EC42-9E44-A8BB-57C8778B7174}"/>
+                <a16:creationId xmlns:a16="http://schemas.microsoft.com/office/drawing/2014/main" id="{08ADC96E-D4AA-A903-3308-34245EB0AB6B}"/>
               </a:ext>
             </a:extLst>
           </p:cNvPr>
-          <p:cNvSpPr>
-            <a:spLocks noGrp="1"/>
-          </p:cNvSpPr>
-          <p:nvPr>
-            <p:ph type="title"/>
-          </p:nvPr>
+          <p:cNvSpPr txBox="1"/>
+          <p:nvPr/>
         </p:nvSpPr>
         <p:spPr>
           <a:xfrm>
-            <a:off x="629840" y="273847"/>
-            <a:ext cx="8305153" cy="994172"/>
+            <a:off x="4641557" y="4085470"/>
+            <a:ext cx="764697" cy="369332"/>
           </a:xfrm>
+          <a:prstGeom prst="rect">
+            <a:avLst/>
+          </a:prstGeom>
+          <a:noFill/>
         </p:spPr>
         <p:txBody>
-          <a:bodyPr anchor="ctr">
-            <a:normAutofit/>
+          <a:bodyPr wrap="none" rtlCol="0">
+            <a:spAutoFit/>
           </a:bodyPr>
           <a:lstStyle/>
           <a:p>
             <a:r>
-              <a:rPr lang="en-US" dirty="0"/>
-              <a:t>Solution - Allocate Close to Target </a:t>
+              <a:rPr lang="en-US" dirty="0">
+                <a:solidFill>
+                  <a:srgbClr val="FF0000"/>
+                </a:solidFill>
+              </a:rPr>
+              <a:t>Target</a:t>
             </a:r>
           </a:p>
         </p:txBody>
       </p:sp>
+      <p:sp>
+        <p:nvSpPr>
+          <p:cNvPr id="13" name="TextBox 12">
+            <a:extLst>
+              <a:ext uri="{FF2B5EF4-FFF2-40B4-BE49-F238E27FC236}">
+                <a16:creationId xmlns:a16="http://schemas.microsoft.com/office/drawing/2014/main" id="{3C7A3C74-3EBC-9FC9-D273-3E5EC617C72F}"/>
+              </a:ext>
+            </a:extLst>
+          </p:cNvPr>
+          <p:cNvSpPr txBox="1"/>
+          <p:nvPr/>
+        </p:nvSpPr>
+        <p:spPr>
+          <a:xfrm>
+            <a:off x="4387620" y="3738090"/>
+            <a:ext cx="1140377" cy="369332"/>
+          </a:xfrm>
+          <a:prstGeom prst="rect">
+            <a:avLst/>
+          </a:prstGeom>
+          <a:noFill/>
+        </p:spPr>
+        <p:txBody>
+          <a:bodyPr wrap="none" rtlCol="0">
+            <a:spAutoFit/>
+          </a:bodyPr>
+          <a:lstStyle/>
+          <a:p>
+            <a:r>
+              <a:rPr lang="en-US" dirty="0">
+                <a:solidFill>
+                  <a:srgbClr val="00B050"/>
+                </a:solidFill>
+              </a:rPr>
+              <a:t>Top chunk</a:t>
+            </a:r>
+          </a:p>
+        </p:txBody>
+      </p:sp>
+      <p:cxnSp>
+        <p:nvCxnSpPr>
+          <p:cNvPr id="14" name="Straight Arrow Connector 13">
+            <a:extLst>
+              <a:ext uri="{FF2B5EF4-FFF2-40B4-BE49-F238E27FC236}">
+                <a16:creationId xmlns:a16="http://schemas.microsoft.com/office/drawing/2014/main" id="{098B4562-0AD1-4F5C-A5D0-6F421E3488A3}"/>
+              </a:ext>
+            </a:extLst>
+          </p:cNvPr>
+          <p:cNvCxnSpPr>
+            <a:cxnSpLocks/>
+          </p:cNvCxnSpPr>
+          <p:nvPr/>
+        </p:nvCxnSpPr>
+        <p:spPr>
+          <a:xfrm>
+            <a:off x="4422657" y="4067413"/>
+            <a:ext cx="1049646" cy="0"/>
+          </a:xfrm>
+          <a:prstGeom prst="straightConnector1">
+            <a:avLst/>
+          </a:prstGeom>
+          <a:ln w="57150">
+            <a:solidFill>
+              <a:srgbClr val="00B050"/>
+            </a:solidFill>
+            <a:tailEnd type="triangle"/>
+          </a:ln>
+        </p:spPr>
+        <p:style>
+          <a:lnRef idx="1">
+            <a:schemeClr val="accent1"/>
+          </a:lnRef>
+          <a:fillRef idx="0">
+            <a:schemeClr val="accent1"/>
+          </a:fillRef>
+          <a:effectRef idx="0">
+            <a:schemeClr val="accent1"/>
+          </a:effectRef>
+          <a:fontRef idx="minor">
+            <a:schemeClr val="tx1"/>
+          </a:fontRef>
+        </p:style>
+      </p:cxnSp>
+      <p:cxnSp>
+        <p:nvCxnSpPr>
+          <p:cNvPr id="15" name="Straight Connector 14">
+            <a:extLst>
+              <a:ext uri="{FF2B5EF4-FFF2-40B4-BE49-F238E27FC236}">
+                <a16:creationId xmlns:a16="http://schemas.microsoft.com/office/drawing/2014/main" id="{3218999C-6A69-7501-631E-1B7881A8E58A}"/>
+              </a:ext>
+            </a:extLst>
+          </p:cNvPr>
+          <p:cNvCxnSpPr>
+            <a:cxnSpLocks/>
+          </p:cNvCxnSpPr>
+          <p:nvPr/>
+        </p:nvCxnSpPr>
+        <p:spPr>
+          <a:xfrm>
+            <a:off x="4422657" y="4051360"/>
+            <a:ext cx="0" cy="897369"/>
+          </a:xfrm>
+          <a:prstGeom prst="line">
+            <a:avLst/>
+          </a:prstGeom>
+          <a:ln w="47625">
+            <a:solidFill>
+              <a:srgbClr val="00B050"/>
+            </a:solidFill>
+          </a:ln>
+        </p:spPr>
+        <p:style>
+          <a:lnRef idx="1">
+            <a:schemeClr val="accent1"/>
+          </a:lnRef>
+          <a:fillRef idx="0">
+            <a:schemeClr val="accent1"/>
+          </a:fillRef>
+          <a:effectRef idx="0">
+            <a:schemeClr val="accent1"/>
+          </a:effectRef>
+          <a:fontRef idx="minor">
+            <a:schemeClr val="tx1"/>
+          </a:fontRef>
+        </p:style>
+      </p:cxnSp>
+      <p:cxnSp>
+        <p:nvCxnSpPr>
+          <p:cNvPr id="16" name="Straight Arrow Connector 15">
+            <a:extLst>
+              <a:ext uri="{FF2B5EF4-FFF2-40B4-BE49-F238E27FC236}">
+                <a16:creationId xmlns:a16="http://schemas.microsoft.com/office/drawing/2014/main" id="{0ADCD825-09CD-245B-DFA4-61C81F4F23C1}"/>
+              </a:ext>
+            </a:extLst>
+          </p:cNvPr>
+          <p:cNvCxnSpPr>
+            <a:cxnSpLocks/>
+          </p:cNvCxnSpPr>
+          <p:nvPr/>
+        </p:nvCxnSpPr>
+        <p:spPr>
+          <a:xfrm>
+            <a:off x="4422657" y="4948729"/>
+            <a:ext cx="1259591" cy="0"/>
+          </a:xfrm>
+          <a:prstGeom prst="straightConnector1">
+            <a:avLst/>
+          </a:prstGeom>
+          <a:ln w="57150">
+            <a:solidFill>
+              <a:srgbClr val="00B050"/>
+            </a:solidFill>
+            <a:tailEnd type="triangle"/>
+          </a:ln>
+        </p:spPr>
+        <p:style>
+          <a:lnRef idx="1">
+            <a:schemeClr val="accent1"/>
+          </a:lnRef>
+          <a:fillRef idx="0">
+            <a:schemeClr val="accent1"/>
+          </a:fillRef>
+          <a:effectRef idx="0">
+            <a:schemeClr val="accent1"/>
+          </a:effectRef>
+          <a:fontRef idx="minor">
+            <a:schemeClr val="tx1"/>
+          </a:fontRef>
+        </p:style>
+      </p:cxnSp>
     </p:spTree>
     <p:extLst>
       <p:ext uri="{BB962C8B-B14F-4D97-AF65-F5344CB8AC3E}">
@@ -48303,15 +50540,7 @@
             </a:r>
             <a:r>
               <a:rPr lang="en-US" i="1" dirty="0"/>
-              <a:t>distance</a:t>
-            </a:r>
-            <a:r>
-              <a:rPr lang="en-US" dirty="0"/>
-              <a:t> – </a:t>
-            </a:r>
-            <a:r>
-              <a:rPr lang="en-US" i="1" dirty="0"/>
-              <a:t>top chunk</a:t>
+              <a:t>target – top chunk</a:t>
             </a:r>
             <a:r>
               <a:rPr lang="en-US" dirty="0"/>
@@ -49265,19 +51494,286 @@
             <p:ph sz="half" idx="2"/>
           </p:nvPr>
         </p:nvPicPr>
-        <p:blipFill>
+        <p:blipFill rotWithShape="1">
           <a:blip r:embed="rId2"/>
-          <a:stretch>
-            <a:fillRect/>
-          </a:stretch>
+          <a:srcRect r="52398"/>
+          <a:stretch/>
         </p:blipFill>
         <p:spPr>
           <a:xfrm>
-            <a:off x="5434148" y="1369219"/>
-            <a:ext cx="3075059" cy="2894172"/>
+            <a:off x="7280704" y="1369219"/>
+            <a:ext cx="1463801" cy="2894172"/>
           </a:xfrm>
         </p:spPr>
       </p:pic>
+      <p:cxnSp>
+        <p:nvCxnSpPr>
+          <p:cNvPr id="19" name="Straight Arrow Connector 18">
+            <a:extLst>
+              <a:ext uri="{FF2B5EF4-FFF2-40B4-BE49-F238E27FC236}">
+                <a16:creationId xmlns:a16="http://schemas.microsoft.com/office/drawing/2014/main" id="{DE0D3DA7-CF8C-A9F8-735F-0C6AFE865359}"/>
+              </a:ext>
+            </a:extLst>
+          </p:cNvPr>
+          <p:cNvCxnSpPr>
+            <a:cxnSpLocks/>
+          </p:cNvCxnSpPr>
+          <p:nvPr/>
+        </p:nvCxnSpPr>
+        <p:spPr>
+          <a:xfrm>
+            <a:off x="6301818" y="3590330"/>
+            <a:ext cx="889989" cy="0"/>
+          </a:xfrm>
+          <a:prstGeom prst="straightConnector1">
+            <a:avLst/>
+          </a:prstGeom>
+          <a:ln w="57150">
+            <a:solidFill>
+              <a:srgbClr val="FF0000"/>
+            </a:solidFill>
+            <a:tailEnd type="triangle"/>
+          </a:ln>
+        </p:spPr>
+        <p:style>
+          <a:lnRef idx="1">
+            <a:schemeClr val="accent1"/>
+          </a:lnRef>
+          <a:fillRef idx="0">
+            <a:schemeClr val="accent1"/>
+          </a:fillRef>
+          <a:effectRef idx="0">
+            <a:schemeClr val="accent1"/>
+          </a:effectRef>
+          <a:fontRef idx="minor">
+            <a:schemeClr val="tx1"/>
+          </a:fontRef>
+        </p:style>
+      </p:cxnSp>
+      <p:sp>
+        <p:nvSpPr>
+          <p:cNvPr id="20" name="TextBox 19">
+            <a:extLst>
+              <a:ext uri="{FF2B5EF4-FFF2-40B4-BE49-F238E27FC236}">
+                <a16:creationId xmlns:a16="http://schemas.microsoft.com/office/drawing/2014/main" id="{9D54F69C-EA2A-2B00-E2B0-48FFD59A2134}"/>
+              </a:ext>
+            </a:extLst>
+          </p:cNvPr>
+          <p:cNvSpPr txBox="1"/>
+          <p:nvPr/>
+        </p:nvSpPr>
+        <p:spPr>
+          <a:xfrm>
+            <a:off x="6056151" y="2978013"/>
+            <a:ext cx="1327608" cy="646331"/>
+          </a:xfrm>
+          <a:prstGeom prst="rect">
+            <a:avLst/>
+          </a:prstGeom>
+          <a:noFill/>
+        </p:spPr>
+        <p:txBody>
+          <a:bodyPr wrap="none" rtlCol="0">
+            <a:spAutoFit/>
+          </a:bodyPr>
+          <a:lstStyle/>
+          <a:p>
+            <a:r>
+              <a:rPr lang="en-US" dirty="0">
+                <a:solidFill>
+                  <a:srgbClr val="FF0000"/>
+                </a:solidFill>
+              </a:rPr>
+              <a:t>Target</a:t>
+            </a:r>
+            <a:br>
+              <a:rPr lang="en-US" dirty="0">
+                <a:solidFill>
+                  <a:srgbClr val="FF0000"/>
+                </a:solidFill>
+              </a:rPr>
+            </a:br>
+            <a:r>
+              <a:rPr lang="en-US" dirty="0">
+                <a:solidFill>
+                  <a:srgbClr val="FF0000"/>
+                </a:solidFill>
+              </a:rPr>
+              <a:t>malloc hook</a:t>
+            </a:r>
+          </a:p>
+        </p:txBody>
+      </p:sp>
+      <p:sp>
+        <p:nvSpPr>
+          <p:cNvPr id="21" name="TextBox 20">
+            <a:extLst>
+              <a:ext uri="{FF2B5EF4-FFF2-40B4-BE49-F238E27FC236}">
+                <a16:creationId xmlns:a16="http://schemas.microsoft.com/office/drawing/2014/main" id="{93C93368-EBFB-7AFF-2083-35DC2B0AD8B7}"/>
+              </a:ext>
+            </a:extLst>
+          </p:cNvPr>
+          <p:cNvSpPr txBox="1"/>
+          <p:nvPr/>
+        </p:nvSpPr>
+        <p:spPr>
+          <a:xfrm>
+            <a:off x="5986076" y="2335419"/>
+            <a:ext cx="1140377" cy="369332"/>
+          </a:xfrm>
+          <a:prstGeom prst="rect">
+            <a:avLst/>
+          </a:prstGeom>
+          <a:noFill/>
+        </p:spPr>
+        <p:txBody>
+          <a:bodyPr wrap="none" rtlCol="0">
+            <a:spAutoFit/>
+          </a:bodyPr>
+          <a:lstStyle/>
+          <a:p>
+            <a:r>
+              <a:rPr lang="en-US" dirty="0">
+                <a:solidFill>
+                  <a:srgbClr val="00B050"/>
+                </a:solidFill>
+              </a:rPr>
+              <a:t>Top chunk</a:t>
+            </a:r>
+          </a:p>
+        </p:txBody>
+      </p:sp>
+      <p:cxnSp>
+        <p:nvCxnSpPr>
+          <p:cNvPr id="22" name="Straight Arrow Connector 21">
+            <a:extLst>
+              <a:ext uri="{FF2B5EF4-FFF2-40B4-BE49-F238E27FC236}">
+                <a16:creationId xmlns:a16="http://schemas.microsoft.com/office/drawing/2014/main" id="{C491D89B-25EF-137C-0091-1E3D2FF360C5}"/>
+              </a:ext>
+            </a:extLst>
+          </p:cNvPr>
+          <p:cNvCxnSpPr>
+            <a:cxnSpLocks/>
+          </p:cNvCxnSpPr>
+          <p:nvPr/>
+        </p:nvCxnSpPr>
+        <p:spPr>
+          <a:xfrm>
+            <a:off x="6021113" y="2664742"/>
+            <a:ext cx="1049646" cy="0"/>
+          </a:xfrm>
+          <a:prstGeom prst="straightConnector1">
+            <a:avLst/>
+          </a:prstGeom>
+          <a:ln w="57150">
+            <a:solidFill>
+              <a:srgbClr val="00B050"/>
+            </a:solidFill>
+            <a:tailEnd type="triangle"/>
+          </a:ln>
+        </p:spPr>
+        <p:style>
+          <a:lnRef idx="1">
+            <a:schemeClr val="accent1"/>
+          </a:lnRef>
+          <a:fillRef idx="0">
+            <a:schemeClr val="accent1"/>
+          </a:fillRef>
+          <a:effectRef idx="0">
+            <a:schemeClr val="accent1"/>
+          </a:effectRef>
+          <a:fontRef idx="minor">
+            <a:schemeClr val="tx1"/>
+          </a:fontRef>
+        </p:style>
+      </p:cxnSp>
+      <p:cxnSp>
+        <p:nvCxnSpPr>
+          <p:cNvPr id="23" name="Straight Connector 22">
+            <a:extLst>
+              <a:ext uri="{FF2B5EF4-FFF2-40B4-BE49-F238E27FC236}">
+                <a16:creationId xmlns:a16="http://schemas.microsoft.com/office/drawing/2014/main" id="{7F1C13C0-1959-C422-6335-D176E317508D}"/>
+              </a:ext>
+            </a:extLst>
+          </p:cNvPr>
+          <p:cNvCxnSpPr>
+            <a:cxnSpLocks/>
+          </p:cNvCxnSpPr>
+          <p:nvPr/>
+        </p:nvCxnSpPr>
+        <p:spPr>
+          <a:xfrm>
+            <a:off x="6021113" y="2648689"/>
+            <a:ext cx="0" cy="1918301"/>
+          </a:xfrm>
+          <a:prstGeom prst="line">
+            <a:avLst/>
+          </a:prstGeom>
+          <a:ln w="47625">
+            <a:solidFill>
+              <a:srgbClr val="00B050"/>
+            </a:solidFill>
+          </a:ln>
+        </p:spPr>
+        <p:style>
+          <a:lnRef idx="1">
+            <a:schemeClr val="accent1"/>
+          </a:lnRef>
+          <a:fillRef idx="0">
+            <a:schemeClr val="accent1"/>
+          </a:fillRef>
+          <a:effectRef idx="0">
+            <a:schemeClr val="accent1"/>
+          </a:effectRef>
+          <a:fontRef idx="minor">
+            <a:schemeClr val="tx1"/>
+          </a:fontRef>
+        </p:style>
+      </p:cxnSp>
+      <p:cxnSp>
+        <p:nvCxnSpPr>
+          <p:cNvPr id="24" name="Straight Arrow Connector 23">
+            <a:extLst>
+              <a:ext uri="{FF2B5EF4-FFF2-40B4-BE49-F238E27FC236}">
+                <a16:creationId xmlns:a16="http://schemas.microsoft.com/office/drawing/2014/main" id="{22CEB1DD-9304-40C8-7D82-6D1A67616D0F}"/>
+              </a:ext>
+            </a:extLst>
+          </p:cNvPr>
+          <p:cNvCxnSpPr>
+            <a:cxnSpLocks/>
+          </p:cNvCxnSpPr>
+          <p:nvPr/>
+        </p:nvCxnSpPr>
+        <p:spPr>
+          <a:xfrm>
+            <a:off x="6021113" y="4566990"/>
+            <a:ext cx="1259591" cy="0"/>
+          </a:xfrm>
+          <a:prstGeom prst="straightConnector1">
+            <a:avLst/>
+          </a:prstGeom>
+          <a:ln w="57150">
+            <a:solidFill>
+              <a:srgbClr val="00B050"/>
+            </a:solidFill>
+            <a:tailEnd type="triangle"/>
+          </a:ln>
+        </p:spPr>
+        <p:style>
+          <a:lnRef idx="1">
+            <a:schemeClr val="accent1"/>
+          </a:lnRef>
+          <a:fillRef idx="0">
+            <a:schemeClr val="accent1"/>
+          </a:fillRef>
+          <a:effectRef idx="0">
+            <a:schemeClr val="accent1"/>
+          </a:effectRef>
+          <a:fontRef idx="minor">
+            <a:schemeClr val="tx1"/>
+          </a:fontRef>
+        </p:style>
+      </p:cxnSp>
     </p:spTree>
     <p:extLst>
       <p:ext uri="{BB962C8B-B14F-4D97-AF65-F5344CB8AC3E}">
@@ -49399,11 +51895,11 @@
           <a:lstStyle/>
           <a:p>
             <a:r>
-              <a:rPr lang="en-US" i="1"/>
+              <a:rPr lang="en-US" i="1" dirty="0"/>
               <a:t>Third</a:t>
             </a:r>
             <a:r>
-              <a:rPr lang="en-US"/>
+              <a:rPr lang="en-US" dirty="0"/>
               <a:t> pointer</a:t>
             </a:r>
             <a:endParaRPr lang="en-US" i="1" dirty="0"/>
@@ -49428,6 +51924,306 @@
           </a:p>
           <a:p>
             <a:endParaRPr lang="en-US" dirty="0"/>
+          </a:p>
+        </p:txBody>
+      </p:sp>
+      <p:sp>
+        <p:nvSpPr>
+          <p:cNvPr id="5" name="TextBox 4">
+            <a:extLst>
+              <a:ext uri="{FF2B5EF4-FFF2-40B4-BE49-F238E27FC236}">
+                <a16:creationId xmlns:a16="http://schemas.microsoft.com/office/drawing/2014/main" id="{A649C750-5A3C-7265-A255-8FE3EE46534D}"/>
+              </a:ext>
+            </a:extLst>
+          </p:cNvPr>
+          <p:cNvSpPr txBox="1"/>
+          <p:nvPr/>
+        </p:nvSpPr>
+        <p:spPr>
+          <a:xfrm>
+            <a:off x="3749945" y="3052387"/>
+            <a:ext cx="764697" cy="369332"/>
+          </a:xfrm>
+          <a:prstGeom prst="rect">
+            <a:avLst/>
+          </a:prstGeom>
+          <a:noFill/>
+        </p:spPr>
+        <p:txBody>
+          <a:bodyPr wrap="none" rtlCol="0">
+            <a:spAutoFit/>
+          </a:bodyPr>
+          <a:lstStyle/>
+          <a:p>
+            <a:r>
+              <a:rPr lang="en-US" dirty="0">
+                <a:solidFill>
+                  <a:srgbClr val="FF0000"/>
+                </a:solidFill>
+              </a:rPr>
+              <a:t>Target</a:t>
+            </a:r>
+          </a:p>
+        </p:txBody>
+      </p:sp>
+      <p:sp>
+        <p:nvSpPr>
+          <p:cNvPr id="6" name="TextBox 5">
+            <a:extLst>
+              <a:ext uri="{FF2B5EF4-FFF2-40B4-BE49-F238E27FC236}">
+                <a16:creationId xmlns:a16="http://schemas.microsoft.com/office/drawing/2014/main" id="{36F7CB78-835F-996F-2145-4413C2934436}"/>
+              </a:ext>
+            </a:extLst>
+          </p:cNvPr>
+          <p:cNvSpPr txBox="1"/>
+          <p:nvPr/>
+        </p:nvSpPr>
+        <p:spPr>
+          <a:xfrm>
+            <a:off x="3649699" y="4097159"/>
+            <a:ext cx="1140377" cy="369332"/>
+          </a:xfrm>
+          <a:prstGeom prst="rect">
+            <a:avLst/>
+          </a:prstGeom>
+          <a:noFill/>
+        </p:spPr>
+        <p:txBody>
+          <a:bodyPr wrap="none" rtlCol="0">
+            <a:spAutoFit/>
+          </a:bodyPr>
+          <a:lstStyle/>
+          <a:p>
+            <a:r>
+              <a:rPr lang="en-US" dirty="0">
+                <a:solidFill>
+                  <a:srgbClr val="00B050"/>
+                </a:solidFill>
+              </a:rPr>
+              <a:t>Top chunk</a:t>
+            </a:r>
+          </a:p>
+        </p:txBody>
+      </p:sp>
+      <p:cxnSp>
+        <p:nvCxnSpPr>
+          <p:cNvPr id="7" name="Straight Connector 6">
+            <a:extLst>
+              <a:ext uri="{FF2B5EF4-FFF2-40B4-BE49-F238E27FC236}">
+                <a16:creationId xmlns:a16="http://schemas.microsoft.com/office/drawing/2014/main" id="{55B14F9D-7C2D-0776-A38B-B1B84AC8B4FA}"/>
+              </a:ext>
+            </a:extLst>
+          </p:cNvPr>
+          <p:cNvCxnSpPr>
+            <a:cxnSpLocks/>
+          </p:cNvCxnSpPr>
+          <p:nvPr/>
+        </p:nvCxnSpPr>
+        <p:spPr>
+          <a:xfrm>
+            <a:off x="3752537" y="4432308"/>
+            <a:ext cx="0" cy="586550"/>
+          </a:xfrm>
+          <a:prstGeom prst="line">
+            <a:avLst/>
+          </a:prstGeom>
+          <a:ln w="47625">
+            <a:solidFill>
+              <a:srgbClr val="00B050"/>
+            </a:solidFill>
+          </a:ln>
+        </p:spPr>
+        <p:style>
+          <a:lnRef idx="1">
+            <a:schemeClr val="accent1"/>
+          </a:lnRef>
+          <a:fillRef idx="0">
+            <a:schemeClr val="accent1"/>
+          </a:fillRef>
+          <a:effectRef idx="0">
+            <a:schemeClr val="accent1"/>
+          </a:effectRef>
+          <a:fontRef idx="minor">
+            <a:schemeClr val="tx1"/>
+          </a:fontRef>
+        </p:style>
+      </p:cxnSp>
+      <p:cxnSp>
+        <p:nvCxnSpPr>
+          <p:cNvPr id="8" name="Straight Arrow Connector 7">
+            <a:extLst>
+              <a:ext uri="{FF2B5EF4-FFF2-40B4-BE49-F238E27FC236}">
+                <a16:creationId xmlns:a16="http://schemas.microsoft.com/office/drawing/2014/main" id="{2F05FC66-25E7-03EF-EBB6-80CB44483FCD}"/>
+              </a:ext>
+            </a:extLst>
+          </p:cNvPr>
+          <p:cNvCxnSpPr>
+            <a:cxnSpLocks/>
+          </p:cNvCxnSpPr>
+          <p:nvPr/>
+        </p:nvCxnSpPr>
+        <p:spPr>
+          <a:xfrm>
+            <a:off x="3749945" y="5018858"/>
+            <a:ext cx="1103471" cy="0"/>
+          </a:xfrm>
+          <a:prstGeom prst="straightConnector1">
+            <a:avLst/>
+          </a:prstGeom>
+          <a:ln w="57150">
+            <a:solidFill>
+              <a:srgbClr val="00B050"/>
+            </a:solidFill>
+            <a:tailEnd type="triangle"/>
+          </a:ln>
+        </p:spPr>
+        <p:style>
+          <a:lnRef idx="1">
+            <a:schemeClr val="accent1"/>
+          </a:lnRef>
+          <a:fillRef idx="0">
+            <a:schemeClr val="accent1"/>
+          </a:fillRef>
+          <a:effectRef idx="0">
+            <a:schemeClr val="accent1"/>
+          </a:effectRef>
+          <a:fontRef idx="minor">
+            <a:schemeClr val="tx1"/>
+          </a:fontRef>
+        </p:style>
+      </p:cxnSp>
+      <p:cxnSp>
+        <p:nvCxnSpPr>
+          <p:cNvPr id="9" name="Straight Arrow Connector 8">
+            <a:extLst>
+              <a:ext uri="{FF2B5EF4-FFF2-40B4-BE49-F238E27FC236}">
+                <a16:creationId xmlns:a16="http://schemas.microsoft.com/office/drawing/2014/main" id="{E3DCD622-025F-9248-0D47-D86436A25942}"/>
+              </a:ext>
+            </a:extLst>
+          </p:cNvPr>
+          <p:cNvCxnSpPr>
+            <a:cxnSpLocks/>
+          </p:cNvCxnSpPr>
+          <p:nvPr/>
+        </p:nvCxnSpPr>
+        <p:spPr>
+          <a:xfrm>
+            <a:off x="3734830" y="4432308"/>
+            <a:ext cx="1055246" cy="0"/>
+          </a:xfrm>
+          <a:prstGeom prst="straightConnector1">
+            <a:avLst/>
+          </a:prstGeom>
+          <a:ln w="57150">
+            <a:solidFill>
+              <a:srgbClr val="00B050"/>
+            </a:solidFill>
+            <a:tailEnd type="triangle"/>
+          </a:ln>
+        </p:spPr>
+        <p:style>
+          <a:lnRef idx="1">
+            <a:schemeClr val="accent1"/>
+          </a:lnRef>
+          <a:fillRef idx="0">
+            <a:schemeClr val="accent1"/>
+          </a:fillRef>
+          <a:effectRef idx="0">
+            <a:schemeClr val="accent1"/>
+          </a:effectRef>
+          <a:fontRef idx="minor">
+            <a:schemeClr val="tx1"/>
+          </a:fontRef>
+        </p:style>
+      </p:cxnSp>
+      <p:cxnSp>
+        <p:nvCxnSpPr>
+          <p:cNvPr id="10" name="Straight Arrow Connector 9">
+            <a:extLst>
+              <a:ext uri="{FF2B5EF4-FFF2-40B4-BE49-F238E27FC236}">
+                <a16:creationId xmlns:a16="http://schemas.microsoft.com/office/drawing/2014/main" id="{014A00B4-EBA4-EFF1-4686-DEF406D8202B}"/>
+              </a:ext>
+            </a:extLst>
+          </p:cNvPr>
+          <p:cNvCxnSpPr>
+            <a:cxnSpLocks/>
+          </p:cNvCxnSpPr>
+          <p:nvPr/>
+        </p:nvCxnSpPr>
+        <p:spPr>
+          <a:xfrm>
+            <a:off x="3930263" y="3421719"/>
+            <a:ext cx="859813" cy="0"/>
+          </a:xfrm>
+          <a:prstGeom prst="straightConnector1">
+            <a:avLst/>
+          </a:prstGeom>
+          <a:ln w="57150">
+            <a:solidFill>
+              <a:srgbClr val="FF0000"/>
+            </a:solidFill>
+            <a:tailEnd type="triangle"/>
+          </a:ln>
+        </p:spPr>
+        <p:style>
+          <a:lnRef idx="1">
+            <a:schemeClr val="accent1"/>
+          </a:lnRef>
+          <a:fillRef idx="0">
+            <a:schemeClr val="accent1"/>
+          </a:fillRef>
+          <a:effectRef idx="0">
+            <a:schemeClr val="accent1"/>
+          </a:effectRef>
+          <a:fontRef idx="minor">
+            <a:schemeClr val="tx1"/>
+          </a:fontRef>
+        </p:style>
+      </p:cxnSp>
+      <p:sp>
+        <p:nvSpPr>
+          <p:cNvPr id="3" name="Rectangle 2">
+            <a:extLst>
+              <a:ext uri="{FF2B5EF4-FFF2-40B4-BE49-F238E27FC236}">
+                <a16:creationId xmlns:a16="http://schemas.microsoft.com/office/drawing/2014/main" id="{9EA470E5-625D-A0C6-4E98-AFB1850F123E}"/>
+              </a:ext>
+            </a:extLst>
+          </p:cNvPr>
+          <p:cNvSpPr/>
+          <p:nvPr/>
+        </p:nvSpPr>
+        <p:spPr>
+          <a:xfrm>
+            <a:off x="6436312" y="4097159"/>
+            <a:ext cx="1677878" cy="525270"/>
+          </a:xfrm>
+          <a:prstGeom prst="rect">
+            <a:avLst/>
+          </a:prstGeom>
+          <a:ln>
+            <a:noFill/>
+          </a:ln>
+        </p:spPr>
+        <p:style>
+          <a:lnRef idx="2">
+            <a:schemeClr val="accent6"/>
+          </a:lnRef>
+          <a:fillRef idx="1">
+            <a:schemeClr val="lt1"/>
+          </a:fillRef>
+          <a:effectRef idx="0">
+            <a:schemeClr val="accent6"/>
+          </a:effectRef>
+          <a:fontRef idx="minor">
+            <a:schemeClr val="dk1"/>
+          </a:fontRef>
+        </p:style>
+        <p:txBody>
+          <a:bodyPr rtlCol="0" anchor="ctr"/>
+          <a:lstStyle/>
+          <a:p>
+            <a:pPr algn="ctr"/>
+            <a:endParaRPr lang="en-US"/>
           </a:p>
         </p:txBody>
       </p:sp>
@@ -49579,6 +52375,259 @@
           </a:xfrm>
         </p:spPr>
       </p:pic>
+      <p:sp>
+        <p:nvSpPr>
+          <p:cNvPr id="5" name="TextBox 4">
+            <a:extLst>
+              <a:ext uri="{FF2B5EF4-FFF2-40B4-BE49-F238E27FC236}">
+                <a16:creationId xmlns:a16="http://schemas.microsoft.com/office/drawing/2014/main" id="{2B7F6EA7-2D1F-28BC-768C-BF5FC786A929}"/>
+              </a:ext>
+            </a:extLst>
+          </p:cNvPr>
+          <p:cNvSpPr txBox="1"/>
+          <p:nvPr/>
+        </p:nvSpPr>
+        <p:spPr>
+          <a:xfrm>
+            <a:off x="3531869" y="3052387"/>
+            <a:ext cx="764697" cy="369332"/>
+          </a:xfrm>
+          <a:prstGeom prst="rect">
+            <a:avLst/>
+          </a:prstGeom>
+          <a:noFill/>
+        </p:spPr>
+        <p:txBody>
+          <a:bodyPr wrap="none" rtlCol="0">
+            <a:spAutoFit/>
+          </a:bodyPr>
+          <a:lstStyle/>
+          <a:p>
+            <a:r>
+              <a:rPr lang="en-US" dirty="0">
+                <a:solidFill>
+                  <a:srgbClr val="FF0000"/>
+                </a:solidFill>
+              </a:rPr>
+              <a:t>Target</a:t>
+            </a:r>
+          </a:p>
+        </p:txBody>
+      </p:sp>
+      <p:sp>
+        <p:nvSpPr>
+          <p:cNvPr id="7" name="TextBox 6">
+            <a:extLst>
+              <a:ext uri="{FF2B5EF4-FFF2-40B4-BE49-F238E27FC236}">
+                <a16:creationId xmlns:a16="http://schemas.microsoft.com/office/drawing/2014/main" id="{2884C174-0C28-13A0-95EE-7A883201E6CC}"/>
+              </a:ext>
+            </a:extLst>
+          </p:cNvPr>
+          <p:cNvSpPr txBox="1"/>
+          <p:nvPr/>
+        </p:nvSpPr>
+        <p:spPr>
+          <a:xfrm>
+            <a:off x="3431623" y="4097159"/>
+            <a:ext cx="1140377" cy="369332"/>
+          </a:xfrm>
+          <a:prstGeom prst="rect">
+            <a:avLst/>
+          </a:prstGeom>
+          <a:noFill/>
+        </p:spPr>
+        <p:txBody>
+          <a:bodyPr wrap="none" rtlCol="0">
+            <a:spAutoFit/>
+          </a:bodyPr>
+          <a:lstStyle/>
+          <a:p>
+            <a:r>
+              <a:rPr lang="en-US" dirty="0">
+                <a:solidFill>
+                  <a:srgbClr val="00B050"/>
+                </a:solidFill>
+              </a:rPr>
+              <a:t>Top chunk</a:t>
+            </a:r>
+          </a:p>
+        </p:txBody>
+      </p:sp>
+      <p:cxnSp>
+        <p:nvCxnSpPr>
+          <p:cNvPr id="8" name="Straight Connector 7">
+            <a:extLst>
+              <a:ext uri="{FF2B5EF4-FFF2-40B4-BE49-F238E27FC236}">
+                <a16:creationId xmlns:a16="http://schemas.microsoft.com/office/drawing/2014/main" id="{A99296EA-B5D4-955F-23BE-1FE6C5A80F0E}"/>
+              </a:ext>
+            </a:extLst>
+          </p:cNvPr>
+          <p:cNvCxnSpPr>
+            <a:cxnSpLocks/>
+          </p:cNvCxnSpPr>
+          <p:nvPr/>
+        </p:nvCxnSpPr>
+        <p:spPr>
+          <a:xfrm>
+            <a:off x="3534461" y="4432308"/>
+            <a:ext cx="0" cy="586550"/>
+          </a:xfrm>
+          <a:prstGeom prst="line">
+            <a:avLst/>
+          </a:prstGeom>
+          <a:ln w="47625">
+            <a:solidFill>
+              <a:srgbClr val="00B050"/>
+            </a:solidFill>
+          </a:ln>
+        </p:spPr>
+        <p:style>
+          <a:lnRef idx="1">
+            <a:schemeClr val="accent1"/>
+          </a:lnRef>
+          <a:fillRef idx="0">
+            <a:schemeClr val="accent1"/>
+          </a:fillRef>
+          <a:effectRef idx="0">
+            <a:schemeClr val="accent1"/>
+          </a:effectRef>
+          <a:fontRef idx="minor">
+            <a:schemeClr val="tx1"/>
+          </a:fontRef>
+        </p:style>
+      </p:cxnSp>
+      <p:cxnSp>
+        <p:nvCxnSpPr>
+          <p:cNvPr id="9" name="Straight Arrow Connector 8">
+            <a:extLst>
+              <a:ext uri="{FF2B5EF4-FFF2-40B4-BE49-F238E27FC236}">
+                <a16:creationId xmlns:a16="http://schemas.microsoft.com/office/drawing/2014/main" id="{23EEFA2D-CF44-2791-AE96-FE663A6E3C20}"/>
+              </a:ext>
+            </a:extLst>
+          </p:cNvPr>
+          <p:cNvCxnSpPr>
+            <a:cxnSpLocks/>
+          </p:cNvCxnSpPr>
+          <p:nvPr/>
+        </p:nvCxnSpPr>
+        <p:spPr>
+          <a:xfrm>
+            <a:off x="3531869" y="5018858"/>
+            <a:ext cx="1103471" cy="0"/>
+          </a:xfrm>
+          <a:prstGeom prst="straightConnector1">
+            <a:avLst/>
+          </a:prstGeom>
+          <a:ln w="57150">
+            <a:solidFill>
+              <a:srgbClr val="00B050"/>
+            </a:solidFill>
+            <a:tailEnd type="triangle"/>
+          </a:ln>
+        </p:spPr>
+        <p:style>
+          <a:lnRef idx="1">
+            <a:schemeClr val="accent1"/>
+          </a:lnRef>
+          <a:fillRef idx="0">
+            <a:schemeClr val="accent1"/>
+          </a:fillRef>
+          <a:effectRef idx="0">
+            <a:schemeClr val="accent1"/>
+          </a:effectRef>
+          <a:fontRef idx="minor">
+            <a:schemeClr val="tx1"/>
+          </a:fontRef>
+        </p:style>
+      </p:cxnSp>
+      <p:cxnSp>
+        <p:nvCxnSpPr>
+          <p:cNvPr id="10" name="Straight Arrow Connector 9">
+            <a:extLst>
+              <a:ext uri="{FF2B5EF4-FFF2-40B4-BE49-F238E27FC236}">
+                <a16:creationId xmlns:a16="http://schemas.microsoft.com/office/drawing/2014/main" id="{8E778B2A-D63E-892C-0E7A-9EBA49C7BA64}"/>
+              </a:ext>
+            </a:extLst>
+          </p:cNvPr>
+          <p:cNvCxnSpPr>
+            <a:cxnSpLocks/>
+          </p:cNvCxnSpPr>
+          <p:nvPr/>
+        </p:nvCxnSpPr>
+        <p:spPr>
+          <a:xfrm>
+            <a:off x="3516754" y="4432308"/>
+            <a:ext cx="1055246" cy="0"/>
+          </a:xfrm>
+          <a:prstGeom prst="straightConnector1">
+            <a:avLst/>
+          </a:prstGeom>
+          <a:ln w="57150">
+            <a:solidFill>
+              <a:srgbClr val="00B050"/>
+            </a:solidFill>
+            <a:tailEnd type="triangle"/>
+          </a:ln>
+        </p:spPr>
+        <p:style>
+          <a:lnRef idx="1">
+            <a:schemeClr val="accent1"/>
+          </a:lnRef>
+          <a:fillRef idx="0">
+            <a:schemeClr val="accent1"/>
+          </a:fillRef>
+          <a:effectRef idx="0">
+            <a:schemeClr val="accent1"/>
+          </a:effectRef>
+          <a:fontRef idx="minor">
+            <a:schemeClr val="tx1"/>
+          </a:fontRef>
+        </p:style>
+      </p:cxnSp>
+      <p:cxnSp>
+        <p:nvCxnSpPr>
+          <p:cNvPr id="11" name="Straight Arrow Connector 10">
+            <a:extLst>
+              <a:ext uri="{FF2B5EF4-FFF2-40B4-BE49-F238E27FC236}">
+                <a16:creationId xmlns:a16="http://schemas.microsoft.com/office/drawing/2014/main" id="{DDDA1251-0801-31DC-F933-D32F696BDC05}"/>
+              </a:ext>
+            </a:extLst>
+          </p:cNvPr>
+          <p:cNvCxnSpPr>
+            <a:cxnSpLocks/>
+          </p:cNvCxnSpPr>
+          <p:nvPr/>
+        </p:nvCxnSpPr>
+        <p:spPr>
+          <a:xfrm>
+            <a:off x="3712187" y="3421719"/>
+            <a:ext cx="859813" cy="0"/>
+          </a:xfrm>
+          <a:prstGeom prst="straightConnector1">
+            <a:avLst/>
+          </a:prstGeom>
+          <a:ln w="57150">
+            <a:solidFill>
+              <a:srgbClr val="FF0000"/>
+            </a:solidFill>
+            <a:tailEnd type="triangle"/>
+          </a:ln>
+        </p:spPr>
+        <p:style>
+          <a:lnRef idx="1">
+            <a:schemeClr val="accent1"/>
+          </a:lnRef>
+          <a:fillRef idx="0">
+            <a:schemeClr val="accent1"/>
+          </a:fillRef>
+          <a:effectRef idx="0">
+            <a:schemeClr val="accent1"/>
+          </a:effectRef>
+          <a:fontRef idx="minor">
+            <a:schemeClr val="tx1"/>
+          </a:fontRef>
+        </p:style>
+      </p:cxnSp>
     </p:spTree>
     <p:extLst>
       <p:ext uri="{BB962C8B-B14F-4D97-AF65-F5344CB8AC3E}">
@@ -49902,6 +52951,259 @@
           </a:p>
         </p:txBody>
       </p:sp>
+      <p:sp>
+        <p:nvSpPr>
+          <p:cNvPr id="5" name="TextBox 4">
+            <a:extLst>
+              <a:ext uri="{FF2B5EF4-FFF2-40B4-BE49-F238E27FC236}">
+                <a16:creationId xmlns:a16="http://schemas.microsoft.com/office/drawing/2014/main" id="{E0C93F3D-EB3A-EB6B-F196-2E384F709144}"/>
+              </a:ext>
+            </a:extLst>
+          </p:cNvPr>
+          <p:cNvSpPr txBox="1"/>
+          <p:nvPr/>
+        </p:nvSpPr>
+        <p:spPr>
+          <a:xfrm>
+            <a:off x="3617322" y="3025754"/>
+            <a:ext cx="764697" cy="369332"/>
+          </a:xfrm>
+          <a:prstGeom prst="rect">
+            <a:avLst/>
+          </a:prstGeom>
+          <a:noFill/>
+        </p:spPr>
+        <p:txBody>
+          <a:bodyPr wrap="none" rtlCol="0">
+            <a:spAutoFit/>
+          </a:bodyPr>
+          <a:lstStyle/>
+          <a:p>
+            <a:r>
+              <a:rPr lang="en-US" dirty="0">
+                <a:solidFill>
+                  <a:srgbClr val="FF0000"/>
+                </a:solidFill>
+              </a:rPr>
+              <a:t>Target</a:t>
+            </a:r>
+          </a:p>
+        </p:txBody>
+      </p:sp>
+      <p:sp>
+        <p:nvSpPr>
+          <p:cNvPr id="6" name="TextBox 5">
+            <a:extLst>
+              <a:ext uri="{FF2B5EF4-FFF2-40B4-BE49-F238E27FC236}">
+                <a16:creationId xmlns:a16="http://schemas.microsoft.com/office/drawing/2014/main" id="{A77F76DB-A783-C920-C519-928A26C5E6D3}"/>
+              </a:ext>
+            </a:extLst>
+          </p:cNvPr>
+          <p:cNvSpPr txBox="1"/>
+          <p:nvPr/>
+        </p:nvSpPr>
+        <p:spPr>
+          <a:xfrm>
+            <a:off x="3517076" y="4070526"/>
+            <a:ext cx="1140377" cy="369332"/>
+          </a:xfrm>
+          <a:prstGeom prst="rect">
+            <a:avLst/>
+          </a:prstGeom>
+          <a:noFill/>
+        </p:spPr>
+        <p:txBody>
+          <a:bodyPr wrap="none" rtlCol="0">
+            <a:spAutoFit/>
+          </a:bodyPr>
+          <a:lstStyle/>
+          <a:p>
+            <a:r>
+              <a:rPr lang="en-US" dirty="0">
+                <a:solidFill>
+                  <a:srgbClr val="00B050"/>
+                </a:solidFill>
+              </a:rPr>
+              <a:t>Top chunk</a:t>
+            </a:r>
+          </a:p>
+        </p:txBody>
+      </p:sp>
+      <p:cxnSp>
+        <p:nvCxnSpPr>
+          <p:cNvPr id="8" name="Straight Connector 7">
+            <a:extLst>
+              <a:ext uri="{FF2B5EF4-FFF2-40B4-BE49-F238E27FC236}">
+                <a16:creationId xmlns:a16="http://schemas.microsoft.com/office/drawing/2014/main" id="{5B01FC63-54D6-87FE-8FF4-6BAA0FB48DB5}"/>
+              </a:ext>
+            </a:extLst>
+          </p:cNvPr>
+          <p:cNvCxnSpPr>
+            <a:cxnSpLocks/>
+          </p:cNvCxnSpPr>
+          <p:nvPr/>
+        </p:nvCxnSpPr>
+        <p:spPr>
+          <a:xfrm>
+            <a:off x="3619914" y="4405675"/>
+            <a:ext cx="0" cy="586550"/>
+          </a:xfrm>
+          <a:prstGeom prst="line">
+            <a:avLst/>
+          </a:prstGeom>
+          <a:ln w="47625">
+            <a:solidFill>
+              <a:srgbClr val="00B050"/>
+            </a:solidFill>
+          </a:ln>
+        </p:spPr>
+        <p:style>
+          <a:lnRef idx="1">
+            <a:schemeClr val="accent1"/>
+          </a:lnRef>
+          <a:fillRef idx="0">
+            <a:schemeClr val="accent1"/>
+          </a:fillRef>
+          <a:effectRef idx="0">
+            <a:schemeClr val="accent1"/>
+          </a:effectRef>
+          <a:fontRef idx="minor">
+            <a:schemeClr val="tx1"/>
+          </a:fontRef>
+        </p:style>
+      </p:cxnSp>
+      <p:cxnSp>
+        <p:nvCxnSpPr>
+          <p:cNvPr id="9" name="Straight Arrow Connector 8">
+            <a:extLst>
+              <a:ext uri="{FF2B5EF4-FFF2-40B4-BE49-F238E27FC236}">
+                <a16:creationId xmlns:a16="http://schemas.microsoft.com/office/drawing/2014/main" id="{0A9810E5-DAE1-01A1-5819-D72AE613A314}"/>
+              </a:ext>
+            </a:extLst>
+          </p:cNvPr>
+          <p:cNvCxnSpPr>
+            <a:cxnSpLocks/>
+          </p:cNvCxnSpPr>
+          <p:nvPr/>
+        </p:nvCxnSpPr>
+        <p:spPr>
+          <a:xfrm>
+            <a:off x="3617322" y="4992225"/>
+            <a:ext cx="1103471" cy="0"/>
+          </a:xfrm>
+          <a:prstGeom prst="straightConnector1">
+            <a:avLst/>
+          </a:prstGeom>
+          <a:ln w="57150">
+            <a:solidFill>
+              <a:srgbClr val="00B050"/>
+            </a:solidFill>
+            <a:tailEnd type="triangle"/>
+          </a:ln>
+        </p:spPr>
+        <p:style>
+          <a:lnRef idx="1">
+            <a:schemeClr val="accent1"/>
+          </a:lnRef>
+          <a:fillRef idx="0">
+            <a:schemeClr val="accent1"/>
+          </a:fillRef>
+          <a:effectRef idx="0">
+            <a:schemeClr val="accent1"/>
+          </a:effectRef>
+          <a:fontRef idx="minor">
+            <a:schemeClr val="tx1"/>
+          </a:fontRef>
+        </p:style>
+      </p:cxnSp>
+      <p:cxnSp>
+        <p:nvCxnSpPr>
+          <p:cNvPr id="11" name="Straight Arrow Connector 10">
+            <a:extLst>
+              <a:ext uri="{FF2B5EF4-FFF2-40B4-BE49-F238E27FC236}">
+                <a16:creationId xmlns:a16="http://schemas.microsoft.com/office/drawing/2014/main" id="{4A2D0973-B42C-3499-FB2D-D18D8754FE44}"/>
+              </a:ext>
+            </a:extLst>
+          </p:cNvPr>
+          <p:cNvCxnSpPr>
+            <a:cxnSpLocks/>
+          </p:cNvCxnSpPr>
+          <p:nvPr/>
+        </p:nvCxnSpPr>
+        <p:spPr>
+          <a:xfrm>
+            <a:off x="3602207" y="4405675"/>
+            <a:ext cx="1055246" cy="0"/>
+          </a:xfrm>
+          <a:prstGeom prst="straightConnector1">
+            <a:avLst/>
+          </a:prstGeom>
+          <a:ln w="57150">
+            <a:solidFill>
+              <a:srgbClr val="00B050"/>
+            </a:solidFill>
+            <a:tailEnd type="triangle"/>
+          </a:ln>
+        </p:spPr>
+        <p:style>
+          <a:lnRef idx="1">
+            <a:schemeClr val="accent1"/>
+          </a:lnRef>
+          <a:fillRef idx="0">
+            <a:schemeClr val="accent1"/>
+          </a:fillRef>
+          <a:effectRef idx="0">
+            <a:schemeClr val="accent1"/>
+          </a:effectRef>
+          <a:fontRef idx="minor">
+            <a:schemeClr val="tx1"/>
+          </a:fontRef>
+        </p:style>
+      </p:cxnSp>
+      <p:cxnSp>
+        <p:nvCxnSpPr>
+          <p:cNvPr id="12" name="Straight Arrow Connector 11">
+            <a:extLst>
+              <a:ext uri="{FF2B5EF4-FFF2-40B4-BE49-F238E27FC236}">
+                <a16:creationId xmlns:a16="http://schemas.microsoft.com/office/drawing/2014/main" id="{CF1777EB-FE6D-16AA-8E17-7A5391642BF4}"/>
+              </a:ext>
+            </a:extLst>
+          </p:cNvPr>
+          <p:cNvCxnSpPr>
+            <a:cxnSpLocks/>
+          </p:cNvCxnSpPr>
+          <p:nvPr/>
+        </p:nvCxnSpPr>
+        <p:spPr>
+          <a:xfrm>
+            <a:off x="3797640" y="3395086"/>
+            <a:ext cx="859813" cy="0"/>
+          </a:xfrm>
+          <a:prstGeom prst="straightConnector1">
+            <a:avLst/>
+          </a:prstGeom>
+          <a:ln w="57150">
+            <a:solidFill>
+              <a:srgbClr val="FF0000"/>
+            </a:solidFill>
+            <a:tailEnd type="triangle"/>
+          </a:ln>
+        </p:spPr>
+        <p:style>
+          <a:lnRef idx="1">
+            <a:schemeClr val="accent1"/>
+          </a:lnRef>
+          <a:fillRef idx="0">
+            <a:schemeClr val="accent1"/>
+          </a:fillRef>
+          <a:effectRef idx="0">
+            <a:schemeClr val="accent1"/>
+          </a:effectRef>
+          <a:fontRef idx="minor">
+            <a:schemeClr val="tx1"/>
+          </a:fontRef>
+        </p:style>
+      </p:cxnSp>
     </p:spTree>
     <p:extLst>
       <p:ext uri="{BB962C8B-B14F-4D97-AF65-F5344CB8AC3E}">
@@ -51283,7 +54585,7 @@
           </a:prstGeom>
           <a:ln w="57150">
             <a:solidFill>
-              <a:srgbClr val="FF0000"/>
+              <a:srgbClr val="00B050"/>
             </a:solidFill>
             <a:tailEnd type="triangle"/>
           </a:ln>
@@ -51327,7 +54629,7 @@
           </a:prstGeom>
           <a:ln w="47625">
             <a:solidFill>
-              <a:srgbClr val="FF0000"/>
+              <a:srgbClr val="00B050"/>
             </a:solidFill>
           </a:ln>
         </p:spPr>
@@ -51370,7 +54672,7 @@
           </a:prstGeom>
           <a:ln w="57150">
             <a:solidFill>
-              <a:srgbClr val="FF0000"/>
+              <a:srgbClr val="00B050"/>
             </a:solidFill>
             <a:tailEnd type="triangle"/>
           </a:ln>
@@ -51723,7 +55025,7 @@
           </a:prstGeom>
           <a:ln w="57150">
             <a:solidFill>
-              <a:srgbClr val="FF0000"/>
+              <a:srgbClr val="00B050"/>
             </a:solidFill>
             <a:tailEnd type="triangle"/>
           </a:ln>
@@ -51767,7 +55069,7 @@
           </a:prstGeom>
           <a:ln w="47625">
             <a:solidFill>
-              <a:srgbClr val="FF0000"/>
+              <a:srgbClr val="00B050"/>
             </a:solidFill>
           </a:ln>
         </p:spPr>
@@ -51810,7 +55112,7 @@
           </a:prstGeom>
           <a:ln w="57150">
             <a:solidFill>
-              <a:srgbClr val="FF0000"/>
+              <a:srgbClr val="00B050"/>
             </a:solidFill>
             <a:tailEnd type="triangle"/>
           </a:ln>
@@ -52231,57 +55533,49 @@
           </a:p>
         </p:txBody>
       </p:sp>
-      <mc:AlternateContent xmlns:mc="http://schemas.openxmlformats.org/markup-compatibility/2006" xmlns:p14="http://schemas.microsoft.com/office/powerpoint/2010/main">
-        <mc:Choice Requires="p14">
-          <p:contentPart p14:bwMode="auto" r:id="rId3">
-            <p14:nvContentPartPr>
-              <p14:cNvPr id="3" name="Ink 2">
-                <a:extLst>
-                  <a:ext uri="{FF2B5EF4-FFF2-40B4-BE49-F238E27FC236}">
-                    <a16:creationId xmlns:a16="http://schemas.microsoft.com/office/drawing/2014/main" id="{D1A16958-781E-4544-B134-C3A0D6C423B0}"/>
-                  </a:ext>
-                </a:extLst>
-              </p14:cNvPr>
-              <p14:cNvContentPartPr/>
-              <p14:nvPr/>
-            </p14:nvContentPartPr>
-            <p14:xfrm>
-              <a:off x="4001400" y="2521800"/>
-              <a:ext cx="1154880" cy="653400"/>
-            </p14:xfrm>
-          </p:contentPart>
-        </mc:Choice>
-        <mc:Fallback xmlns="">
-          <p:pic>
-            <p:nvPicPr>
-              <p:cNvPr id="3" name="Ink 2">
-                <a:extLst>
-                  <a:ext uri="{FF2B5EF4-FFF2-40B4-BE49-F238E27FC236}">
-                    <a16:creationId xmlns:a16="http://schemas.microsoft.com/office/drawing/2014/main" id="{D1A16958-781E-4544-B134-C3A0D6C423B0}"/>
-                  </a:ext>
-                </a:extLst>
-              </p:cNvPr>
-              <p:cNvPicPr/>
-              <p:nvPr/>
-            </p:nvPicPr>
-            <p:blipFill>
-              <a:blip r:embed="rId4"/>
-              <a:stretch>
-                <a:fillRect/>
-              </a:stretch>
-            </p:blipFill>
-            <p:spPr>
-              <a:xfrm>
-                <a:off x="3992040" y="2512440"/>
-                <a:ext cx="1173600" cy="672120"/>
-              </a:xfrm>
-              <a:prstGeom prst="rect">
-                <a:avLst/>
-              </a:prstGeom>
-            </p:spPr>
-          </p:pic>
-        </mc:Fallback>
-      </mc:AlternateContent>
+      <p:cxnSp>
+        <p:nvCxnSpPr>
+          <p:cNvPr id="7" name="Straight Connector 6">
+            <a:extLst>
+              <a:ext uri="{FF2B5EF4-FFF2-40B4-BE49-F238E27FC236}">
+                <a16:creationId xmlns:a16="http://schemas.microsoft.com/office/drawing/2014/main" id="{5DA92D4B-10C6-6D1D-AA58-7CD46AA2E0A6}"/>
+              </a:ext>
+            </a:extLst>
+          </p:cNvPr>
+          <p:cNvCxnSpPr>
+            <a:cxnSpLocks/>
+          </p:cNvCxnSpPr>
+          <p:nvPr/>
+        </p:nvCxnSpPr>
+        <p:spPr>
+          <a:xfrm>
+            <a:off x="3977533" y="3206260"/>
+            <a:ext cx="3781550" cy="0"/>
+          </a:xfrm>
+          <a:prstGeom prst="line">
+            <a:avLst/>
+          </a:prstGeom>
+          <a:ln w="47625">
+            <a:solidFill>
+              <a:srgbClr val="FF0000"/>
+            </a:solidFill>
+          </a:ln>
+        </p:spPr>
+        <p:style>
+          <a:lnRef idx="1">
+            <a:schemeClr val="accent1"/>
+          </a:lnRef>
+          <a:fillRef idx="0">
+            <a:schemeClr val="accent1"/>
+          </a:fillRef>
+          <a:effectRef idx="0">
+            <a:schemeClr val="accent1"/>
+          </a:effectRef>
+          <a:fontRef idx="minor">
+            <a:schemeClr val="tx1"/>
+          </a:fontRef>
+        </p:style>
+      </p:cxnSp>
     </p:spTree>
     <p:extLst>
       <p:ext uri="{BB962C8B-B14F-4D97-AF65-F5344CB8AC3E}">

--- a/modules/house_of_force/house_of_force.pptx
+++ b/modules/house_of_force/house_of_force.pptx
@@ -5,7 +5,7 @@
     <p:sldMasterId id="2147483660" r:id="rId1"/>
   </p:sldMasterIdLst>
   <p:notesMasterIdLst>
-    <p:notesMasterId r:id="rId63"/>
+    <p:notesMasterId r:id="rId64"/>
   </p:notesMasterIdLst>
   <p:sldIdLst>
     <p:sldId id="327" r:id="rId2"/>
@@ -67,8 +67,9 @@
     <p:sldId id="556" r:id="rId58"/>
     <p:sldId id="505" r:id="rId59"/>
     <p:sldId id="565" r:id="rId60"/>
-    <p:sldId id="557" r:id="rId61"/>
-    <p:sldId id="524" r:id="rId62"/>
+    <p:sldId id="568" r:id="rId61"/>
+    <p:sldId id="557" r:id="rId62"/>
+    <p:sldId id="524" r:id="rId63"/>
   </p:sldIdLst>
   <p:sldSz cx="9144000" cy="5143500" type="screen16x9"/>
   <p:notesSz cx="6858000" cy="9144000"/>
@@ -26441,7 +26442,7 @@
           <a:p>
             <a:fld id="{2DA23E8D-1792-1541-9147-970A8DD8A355}" type="datetimeFigureOut">
               <a:rPr lang="en-US" smtClean="0"/>
-              <a:t>5/3/22</a:t>
+              <a:t>7/2/22</a:t>
             </a:fld>
             <a:endParaRPr lang="en-US" dirty="0"/>
           </a:p>
@@ -27192,6 +27193,93 @@
 </p:notes>
 </file>
 
+<file path=ppt/notesSlides/notesSlide6.xml><?xml version="1.0" encoding="utf-8"?>
+<p:notes xmlns:a="http://schemas.openxmlformats.org/drawingml/2006/main" xmlns:r="http://schemas.openxmlformats.org/officeDocument/2006/relationships" xmlns:p="http://schemas.openxmlformats.org/presentationml/2006/main">
+  <p:cSld>
+    <p:spTree>
+      <p:nvGrpSpPr>
+        <p:cNvPr id="1" name=""/>
+        <p:cNvGrpSpPr/>
+        <p:nvPr/>
+      </p:nvGrpSpPr>
+      <p:grpSpPr>
+        <a:xfrm>
+          <a:off x="0" y="0"/>
+          <a:ext cx="0" cy="0"/>
+          <a:chOff x="0" y="0"/>
+          <a:chExt cx="0" cy="0"/>
+        </a:xfrm>
+      </p:grpSpPr>
+      <p:sp>
+        <p:nvSpPr>
+          <p:cNvPr id="2" name="Slide Image Placeholder 1"/>
+          <p:cNvSpPr>
+            <a:spLocks noGrp="1" noRot="1" noChangeAspect="1"/>
+          </p:cNvSpPr>
+          <p:nvPr>
+            <p:ph type="sldImg"/>
+          </p:nvPr>
+        </p:nvSpPr>
+        <p:spPr/>
+      </p:sp>
+      <p:sp>
+        <p:nvSpPr>
+          <p:cNvPr id="3" name="Notes Placeholder 2"/>
+          <p:cNvSpPr>
+            <a:spLocks noGrp="1"/>
+          </p:cNvSpPr>
+          <p:nvPr>
+            <p:ph type="body" idx="1"/>
+          </p:nvPr>
+        </p:nvSpPr>
+        <p:spPr/>
+        <p:txBody>
+          <a:bodyPr/>
+          <a:lstStyle/>
+          <a:p>
+            <a:r>
+              <a:rPr lang="en-US" dirty="0"/>
+              <a:t>- Popping a shell is weird on this challenge for some reason… </a:t>
+            </a:r>
+          </a:p>
+        </p:txBody>
+      </p:sp>
+      <p:sp>
+        <p:nvSpPr>
+          <p:cNvPr id="4" name="Slide Number Placeholder 3"/>
+          <p:cNvSpPr>
+            <a:spLocks noGrp="1"/>
+          </p:cNvSpPr>
+          <p:nvPr>
+            <p:ph type="sldNum" sz="quarter" idx="5"/>
+          </p:nvPr>
+        </p:nvSpPr>
+        <p:spPr/>
+        <p:txBody>
+          <a:bodyPr/>
+          <a:lstStyle/>
+          <a:p>
+            <a:fld id="{AC55928C-CD14-454C-B617-1AFCF9A58596}" type="slidenum">
+              <a:rPr lang="en-US" smtClean="0"/>
+              <a:t>34</a:t>
+            </a:fld>
+            <a:endParaRPr lang="en-US" dirty="0"/>
+          </a:p>
+        </p:txBody>
+      </p:sp>
+    </p:spTree>
+    <p:extLst>
+      <p:ext uri="{BB962C8B-B14F-4D97-AF65-F5344CB8AC3E}">
+        <p14:creationId xmlns:p14="http://schemas.microsoft.com/office/powerpoint/2010/main" val="1378170947"/>
+      </p:ext>
+    </p:extLst>
+  </p:cSld>
+  <p:clrMapOvr>
+    <a:masterClrMapping/>
+  </p:clrMapOvr>
+</p:notes>
+</file>
+
 <file path=ppt/slideLayouts/slideLayout1.xml><?xml version="1.0" encoding="utf-8"?>
 <p:sldLayout xmlns:a="http://schemas.openxmlformats.org/drawingml/2006/main" xmlns:r="http://schemas.openxmlformats.org/officeDocument/2006/relationships" xmlns:p="http://schemas.openxmlformats.org/presentationml/2006/main" type="title" preserve="1">
   <p:cSld name="Title Slide">
@@ -27395,7 +27483,7 @@
                 <a:latin typeface="Calibri"/>
               </a:rPr>
               <a:pPr/>
-              <a:t>5/3/22</a:t>
+              <a:t>7/2/22</a:t>
             </a:fld>
             <a:endParaRPr lang="en-US" dirty="0">
               <a:solidFill>
@@ -27648,7 +27736,7 @@
                 <a:latin typeface="Calibri"/>
               </a:rPr>
               <a:pPr/>
-              <a:t>5/3/22</a:t>
+              <a:t>7/2/22</a:t>
             </a:fld>
             <a:endParaRPr lang="en-US" dirty="0">
               <a:solidFill>
@@ -27863,7 +27951,7 @@
                 <a:latin typeface="Calibri"/>
               </a:rPr>
               <a:pPr/>
-              <a:t>5/3/22</a:t>
+              <a:t>7/2/22</a:t>
             </a:fld>
             <a:endParaRPr lang="en-US" dirty="0">
               <a:solidFill>
@@ -28147,7 +28235,7 @@
                 <a:latin typeface="Calibri"/>
               </a:rPr>
               <a:pPr/>
-              <a:t>5/3/22</a:t>
+              <a:t>7/2/22</a:t>
             </a:fld>
             <a:endParaRPr lang="en-US" dirty="0">
               <a:solidFill>
@@ -28489,7 +28577,7 @@
                 <a:latin typeface="Calibri"/>
               </a:rPr>
               <a:pPr/>
-              <a:t>5/3/22</a:t>
+              <a:t>7/2/22</a:t>
             </a:fld>
             <a:endParaRPr lang="en-US" dirty="0">
               <a:solidFill>
@@ -28817,7 +28905,7 @@
                 <a:latin typeface="Calibri"/>
               </a:rPr>
               <a:pPr/>
-              <a:t>5/3/22</a:t>
+              <a:t>7/2/22</a:t>
             </a:fld>
             <a:endParaRPr lang="en-US" dirty="0">
               <a:solidFill>
@@ -29306,7 +29394,7 @@
                 <a:latin typeface="Calibri"/>
               </a:rPr>
               <a:pPr/>
-              <a:t>5/3/22</a:t>
+              <a:t>7/2/22</a:t>
             </a:fld>
             <a:endParaRPr lang="en-US" dirty="0">
               <a:solidFill>
@@ -29489,7 +29577,7 @@
                 <a:latin typeface="Calibri"/>
               </a:rPr>
               <a:pPr/>
-              <a:t>5/3/22</a:t>
+              <a:t>7/2/22</a:t>
             </a:fld>
             <a:endParaRPr lang="en-US" dirty="0">
               <a:solidFill>
@@ -29735,7 +29823,7 @@
                 <a:latin typeface="Calibri"/>
               </a:rPr>
               <a:pPr/>
-              <a:t>5/3/22</a:t>
+              <a:t>7/2/22</a:t>
             </a:fld>
             <a:endParaRPr lang="en-US" dirty="0">
               <a:solidFill>
@@ -30077,7 +30165,7 @@
                 <a:latin typeface="Calibri"/>
               </a:rPr>
               <a:pPr/>
-              <a:t>5/3/22</a:t>
+              <a:t>7/2/22</a:t>
             </a:fld>
             <a:endParaRPr lang="en-US" dirty="0">
               <a:solidFill>
@@ -30369,7 +30457,7 @@
                 <a:latin typeface="Calibri"/>
               </a:rPr>
               <a:pPr/>
-              <a:t>5/3/22</a:t>
+              <a:t>7/2/22</a:t>
             </a:fld>
             <a:endParaRPr lang="en-US" dirty="0">
               <a:solidFill>
@@ -30619,7 +30707,7 @@
                 <a:latin typeface="Calibri"/>
               </a:rPr>
               <a:pPr defTabSz="914400"/>
-              <a:t>5/3/22</a:t>
+              <a:t>7/2/22</a:t>
             </a:fld>
             <a:endParaRPr lang="en-US" dirty="0">
               <a:solidFill>
@@ -43222,7 +43310,7 @@
           <a:p>
             <a:r>
               <a:rPr lang="en-US" dirty="0"/>
-              <a:t>Challenge Time!</a:t>
+              <a:t>Exercise Time!</a:t>
             </a:r>
           </a:p>
         </p:txBody>
@@ -43254,13 +43342,8 @@
             </a:r>
             <a:r>
               <a:rPr lang="en-US" dirty="0"/>
-              <a:t>/</a:t>
-            </a:r>
-            <a:r>
-              <a:rPr lang="en-US" dirty="0" err="1"/>
-              <a:t>shining_moment</a:t>
-            </a:r>
-            <a:endParaRPr lang="en-US" dirty="0"/>
+              <a:t>/exercise1/</a:t>
+            </a:r>
           </a:p>
           <a:p>
             <a:r>
@@ -49284,22 +49367,26 @@
             <a:r>
               <a:rPr lang="en-US" dirty="0">
                 <a:solidFill>
+                  <a:srgbClr val="FF0000"/>
+                </a:solidFill>
+              </a:rPr>
+              <a:t>Malloc Hook </a:t>
+            </a:r>
+            <a:r>
+              <a:rPr lang="en-US" dirty="0" err="1"/>
+              <a:t>addr</a:t>
+            </a:r>
+            <a:r>
+              <a:rPr lang="en-US" dirty="0"/>
+              <a:t>) - (</a:t>
+            </a:r>
+            <a:r>
+              <a:rPr lang="en-US" dirty="0">
+                <a:solidFill>
                   <a:srgbClr val="00B050"/>
                 </a:solidFill>
               </a:rPr>
-              <a:t>Malloc Hook</a:t>
-            </a:r>
-            <a:r>
-              <a:rPr lang="en-US" dirty="0"/>
-              <a:t> </a:t>
-            </a:r>
-            <a:r>
-              <a:rPr lang="en-US" dirty="0" err="1"/>
-              <a:t>addr</a:t>
-            </a:r>
-            <a:r>
-              <a:rPr lang="en-US" dirty="0"/>
-              <a:t>) - (</a:t>
+              <a:t>Top Chunk</a:t>
             </a:r>
             <a:r>
               <a:rPr lang="en-US" dirty="0">
@@ -49307,7 +49394,7 @@
                   <a:srgbClr val="FF0000"/>
                 </a:solidFill>
               </a:rPr>
-              <a:t>Top Chunk </a:t>
+              <a:t> </a:t>
             </a:r>
             <a:r>
               <a:rPr lang="en-US" dirty="0" err="1"/>
@@ -53950,6 +54037,119 @@
           <p:cNvPr id="2" name="Title 1">
             <a:extLst>
               <a:ext uri="{FF2B5EF4-FFF2-40B4-BE49-F238E27FC236}">
+                <a16:creationId xmlns:a16="http://schemas.microsoft.com/office/drawing/2014/main" id="{4ECE968C-F447-1ED2-97A0-A15EF12B3B54}"/>
+              </a:ext>
+            </a:extLst>
+          </p:cNvPr>
+          <p:cNvSpPr>
+            <a:spLocks noGrp="1"/>
+          </p:cNvSpPr>
+          <p:nvPr>
+            <p:ph type="title"/>
+          </p:nvPr>
+        </p:nvSpPr>
+        <p:spPr>
+          <a:xfrm>
+            <a:off x="628650" y="273847"/>
+            <a:ext cx="7886700" cy="994172"/>
+          </a:xfrm>
+        </p:spPr>
+        <p:txBody>
+          <a:bodyPr anchor="ctr">
+            <a:normAutofit/>
+          </a:bodyPr>
+          <a:lstStyle/>
+          <a:p>
+            <a:r>
+              <a:rPr lang="en-US" dirty="0"/>
+              <a:t>House of Einherjar Demo</a:t>
+            </a:r>
+          </a:p>
+        </p:txBody>
+      </p:sp>
+      <p:pic>
+        <p:nvPicPr>
+          <p:cNvPr id="1026" name="Picture 2" descr="Image result for demo scene">
+            <a:extLst>
+              <a:ext uri="{FF2B5EF4-FFF2-40B4-BE49-F238E27FC236}">
+                <a16:creationId xmlns:a16="http://schemas.microsoft.com/office/drawing/2014/main" id="{4AD5474C-1945-E9A3-0264-A0FB4CE1BB91}"/>
+              </a:ext>
+            </a:extLst>
+          </p:cNvPr>
+          <p:cNvPicPr>
+            <a:picLocks noChangeAspect="1" noChangeArrowheads="1"/>
+          </p:cNvPicPr>
+          <p:nvPr/>
+        </p:nvPicPr>
+        <p:blipFill>
+          <a:blip r:embed="rId2">
+            <a:extLst>
+              <a:ext uri="{28A0092B-C50C-407E-A947-70E740481C1C}">
+                <a14:useLocalDpi xmlns:a14="http://schemas.microsoft.com/office/drawing/2010/main" val="0"/>
+              </a:ext>
+            </a:extLst>
+          </a:blip>
+          <a:stretch>
+            <a:fillRect/>
+          </a:stretch>
+        </p:blipFill>
+        <p:spPr bwMode="auto">
+          <a:xfrm>
+            <a:off x="1667481" y="1236541"/>
+            <a:ext cx="5809037" cy="3263504"/>
+          </a:xfrm>
+          <a:prstGeom prst="rect">
+            <a:avLst/>
+          </a:prstGeom>
+          <a:solidFill>
+            <a:srgbClr val="FFFFFF"/>
+          </a:solidFill>
+          <a:extLst>
+            <a:ext uri="{909E8E84-426E-40DD-AFC4-6F175D3DCCD1}">
+              <a14:hiddenFill xmlns:a14="http://schemas.microsoft.com/office/drawing/2010/main">
+                <a:solidFill>
+                  <a:srgbClr val="FFFFFF"/>
+                </a:solidFill>
+              </a14:hiddenFill>
+            </a:ext>
+          </a:extLst>
+        </p:spPr>
+      </p:pic>
+    </p:spTree>
+    <p:extLst>
+      <p:ext uri="{BB962C8B-B14F-4D97-AF65-F5344CB8AC3E}">
+        <p14:creationId xmlns:p14="http://schemas.microsoft.com/office/powerpoint/2010/main" val="2848765484"/>
+      </p:ext>
+    </p:extLst>
+  </p:cSld>
+  <p:clrMapOvr>
+    <a:masterClrMapping/>
+  </p:clrMapOvr>
+</p:sld>
+</file>
+
+<file path=ppt/slides/slide61.xml><?xml version="1.0" encoding="utf-8"?>
+<p:sld xmlns:a="http://schemas.openxmlformats.org/drawingml/2006/main" xmlns:r="http://schemas.openxmlformats.org/officeDocument/2006/relationships" xmlns:p="http://schemas.openxmlformats.org/presentationml/2006/main">
+  <p:cSld>
+    <p:spTree>
+      <p:nvGrpSpPr>
+        <p:cNvPr id="1" name=""/>
+        <p:cNvGrpSpPr/>
+        <p:nvPr/>
+      </p:nvGrpSpPr>
+      <p:grpSpPr>
+        <a:xfrm>
+          <a:off x="0" y="0"/>
+          <a:ext cx="0" cy="0"/>
+          <a:chOff x="0" y="0"/>
+          <a:chExt cx="0" cy="0"/>
+        </a:xfrm>
+      </p:grpSpPr>
+      <p:sp>
+        <p:nvSpPr>
+          <p:cNvPr id="2" name="Title 1">
+            <a:extLst>
+              <a:ext uri="{FF2B5EF4-FFF2-40B4-BE49-F238E27FC236}">
                 <a16:creationId xmlns:a16="http://schemas.microsoft.com/office/drawing/2014/main" id="{5A2C7F9C-1BBE-8A43-97B8-7835CCBDB8B9}"/>
               </a:ext>
             </a:extLst>
@@ -54064,7 +54264,7 @@
 </p:sld>
 </file>
 
-<file path=ppt/slides/slide61.xml><?xml version="1.0" encoding="utf-8"?>
+<file path=ppt/slides/slide62.xml><?xml version="1.0" encoding="utf-8"?>
 <p:sld xmlns:a="http://schemas.openxmlformats.org/drawingml/2006/main" xmlns:r="http://schemas.openxmlformats.org/officeDocument/2006/relationships" xmlns:p="http://schemas.openxmlformats.org/presentationml/2006/main">
   <p:cSld>
     <p:spTree>
